--- a/Lesson16/Network.pptx
+++ b/Lesson16/Network.pptx
@@ -5,7 +5,7 @@
     <p:sldMasterId id="2147483949" r:id="rId1"/>
   </p:sldMasterIdLst>
   <p:notesMasterIdLst>
-    <p:notesMasterId r:id="rId38"/>
+    <p:notesMasterId r:id="rId39"/>
   </p:notesMasterIdLst>
   <p:sldIdLst>
     <p:sldId id="256" r:id="rId2"/>
@@ -14,36 +14,37 @@
     <p:sldId id="355" r:id="rId5"/>
     <p:sldId id="356" r:id="rId6"/>
     <p:sldId id="378" r:id="rId7"/>
-    <p:sldId id="379" r:id="rId8"/>
-    <p:sldId id="380" r:id="rId9"/>
-    <p:sldId id="381" r:id="rId10"/>
-    <p:sldId id="382" r:id="rId11"/>
-    <p:sldId id="383" r:id="rId12"/>
-    <p:sldId id="384" r:id="rId13"/>
-    <p:sldId id="385" r:id="rId14"/>
-    <p:sldId id="386" r:id="rId15"/>
-    <p:sldId id="387" r:id="rId16"/>
-    <p:sldId id="357" r:id="rId17"/>
-    <p:sldId id="358" r:id="rId18"/>
-    <p:sldId id="359" r:id="rId19"/>
-    <p:sldId id="360" r:id="rId20"/>
-    <p:sldId id="361" r:id="rId21"/>
-    <p:sldId id="362" r:id="rId22"/>
-    <p:sldId id="363" r:id="rId23"/>
-    <p:sldId id="364" r:id="rId24"/>
-    <p:sldId id="372" r:id="rId25"/>
-    <p:sldId id="365" r:id="rId26"/>
-    <p:sldId id="366" r:id="rId27"/>
-    <p:sldId id="367" r:id="rId28"/>
-    <p:sldId id="368" r:id="rId29"/>
-    <p:sldId id="369" r:id="rId30"/>
-    <p:sldId id="370" r:id="rId31"/>
-    <p:sldId id="371" r:id="rId32"/>
-    <p:sldId id="373" r:id="rId33"/>
-    <p:sldId id="374" r:id="rId34"/>
-    <p:sldId id="375" r:id="rId35"/>
-    <p:sldId id="376" r:id="rId36"/>
-    <p:sldId id="377" r:id="rId37"/>
+    <p:sldId id="388" r:id="rId8"/>
+    <p:sldId id="379" r:id="rId9"/>
+    <p:sldId id="380" r:id="rId10"/>
+    <p:sldId id="381" r:id="rId11"/>
+    <p:sldId id="382" r:id="rId12"/>
+    <p:sldId id="383" r:id="rId13"/>
+    <p:sldId id="384" r:id="rId14"/>
+    <p:sldId id="385" r:id="rId15"/>
+    <p:sldId id="386" r:id="rId16"/>
+    <p:sldId id="387" r:id="rId17"/>
+    <p:sldId id="357" r:id="rId18"/>
+    <p:sldId id="358" r:id="rId19"/>
+    <p:sldId id="359" r:id="rId20"/>
+    <p:sldId id="360" r:id="rId21"/>
+    <p:sldId id="361" r:id="rId22"/>
+    <p:sldId id="362" r:id="rId23"/>
+    <p:sldId id="363" r:id="rId24"/>
+    <p:sldId id="364" r:id="rId25"/>
+    <p:sldId id="372" r:id="rId26"/>
+    <p:sldId id="365" r:id="rId27"/>
+    <p:sldId id="366" r:id="rId28"/>
+    <p:sldId id="367" r:id="rId29"/>
+    <p:sldId id="368" r:id="rId30"/>
+    <p:sldId id="369" r:id="rId31"/>
+    <p:sldId id="370" r:id="rId32"/>
+    <p:sldId id="371" r:id="rId33"/>
+    <p:sldId id="373" r:id="rId34"/>
+    <p:sldId id="374" r:id="rId35"/>
+    <p:sldId id="375" r:id="rId36"/>
+    <p:sldId id="376" r:id="rId37"/>
+    <p:sldId id="377" r:id="rId38"/>
   </p:sldIdLst>
   <p:sldSz cx="9144000" cy="6858000" type="screen4x3"/>
   <p:notesSz cx="6858000" cy="9144000"/>
@@ -174,7 +175,7 @@
   </p:defaultTextStyle>
   <p:extLst>
     <p:ext uri="{EFAFB233-063F-42B5-8137-9DF3F51BA10A}">
-      <p15:sldGuideLst xmlns:p15="http://schemas.microsoft.com/office/powerpoint/2012/main">
+      <p15:sldGuideLst xmlns:p15="http://schemas.microsoft.com/office/powerpoint/2012/main" xmlns="">
         <p15:guide id="1" orient="horz" pos="2160">
           <p15:clr>
             <a:srgbClr val="A4A3A4"/>
@@ -316,7 +317,7 @@
         <p:nvSpPr>
           <p:cNvPr id="11268" name="Rectangle 4"/>
           <p:cNvSpPr>
-            <a:spLocks noRot="1" noChangeArrowheads="1" noTextEdit="1"/>
+            <a:spLocks noGrp="1" noRot="1" noChangeAspect="1" noChangeArrowheads="1" noTextEdit="1"/>
           </p:cNvSpPr>
           <p:nvPr>
             <p:ph type="sldImg" idx="2"/>
@@ -4873,8 +4874,12 @@
           <a:lstStyle/>
           <a:p>
             <a:r>
+              <a:rPr lang="ru-RU" dirty="0" smtClean="0"/>
+              <a:t>Операции над </a:t>
+            </a:r>
+            <a:r>
               <a:rPr lang="en-US" dirty="0" smtClean="0"/>
-              <a:t>Uniform Resource Locator</a:t>
+              <a:t>URI</a:t>
             </a:r>
             <a:endParaRPr lang="ru-RU" dirty="0"/>
           </a:p>
@@ -4890,35 +4895,150 @@
             <p:ph idx="1"/>
           </p:nvPr>
         </p:nvSpPr>
-        <p:spPr/>
+        <p:spPr>
+          <a:xfrm>
+            <a:off x="539552" y="1412776"/>
+            <a:ext cx="7924800" cy="4419600"/>
+          </a:xfrm>
+        </p:spPr>
         <p:txBody>
           <a:bodyPr/>
           <a:lstStyle/>
           <a:p>
-            <a:r>
-              <a:rPr lang="ru-RU" dirty="0" smtClean="0"/>
-              <a:t>Указывает местоположение ресурса</a:t>
-            </a:r>
-          </a:p>
-          <a:p>
-            <a:r>
-              <a:rPr lang="ru-RU" dirty="0" smtClean="0"/>
-              <a:t>Подмножество иерархических URI</a:t>
-            </a:r>
-          </a:p>
-          <a:p>
-            <a:r>
-              <a:rPr lang="ru-RU" dirty="0" smtClean="0"/>
-              <a:t>Класс URL</a:t>
-            </a:r>
-            <a:endParaRPr lang="ru-RU" dirty="0"/>
+            <a:pPr marL="0" indent="0">
+              <a:buNone/>
+            </a:pPr>
+            <a:r>
+              <a:rPr lang="ru-RU" sz="2400" dirty="0" smtClean="0"/>
+              <a:t>Нормализация</a:t>
+            </a:r>
+          </a:p>
+          <a:p>
+            <a:r>
+              <a:rPr lang="ru-RU" sz="2400" dirty="0" smtClean="0"/>
+              <a:t>    </a:t>
+            </a:r>
+            <a:r>
+              <a:rPr lang="en-US" sz="2400" dirty="0" smtClean="0">
+                <a:solidFill>
+                  <a:srgbClr val="0070C0"/>
+                </a:solidFill>
+              </a:rPr>
+              <a:t>URI normalize() </a:t>
+            </a:r>
+            <a:r>
+              <a:rPr lang="en-US" sz="2400" dirty="0" smtClean="0"/>
+              <a:t>– </a:t>
+            </a:r>
+            <a:r>
+              <a:rPr lang="ru-RU" sz="2400" dirty="0" err="1" smtClean="0"/>
+              <a:t>нормалиовать</a:t>
+            </a:r>
+            <a:r>
+              <a:rPr lang="ru-RU" sz="2400" dirty="0" smtClean="0"/>
+              <a:t> </a:t>
+            </a:r>
+            <a:r>
+              <a:rPr lang="en-US" sz="2400" dirty="0" smtClean="0"/>
+              <a:t>URI</a:t>
+            </a:r>
+          </a:p>
+          <a:p>
+            <a:pPr marL="0" indent="0">
+              <a:buNone/>
+            </a:pPr>
+            <a:r>
+              <a:rPr lang="en-US" sz="2400" dirty="0" smtClean="0"/>
+              <a:t>«</a:t>
+            </a:r>
+            <a:r>
+              <a:rPr lang="ru-RU" sz="2400" dirty="0" smtClean="0"/>
+              <a:t>Откладывание» от базового </a:t>
+            </a:r>
+            <a:r>
+              <a:rPr lang="en-US" sz="2400" dirty="0" smtClean="0"/>
+              <a:t>URI</a:t>
+            </a:r>
+          </a:p>
+          <a:p>
+            <a:r>
+              <a:rPr lang="en-US" sz="2400" dirty="0" smtClean="0"/>
+              <a:t>    </a:t>
+            </a:r>
+            <a:r>
+              <a:rPr lang="en-US" sz="2400" dirty="0" smtClean="0">
+                <a:solidFill>
+                  <a:srgbClr val="0070C0"/>
+                </a:solidFill>
+              </a:rPr>
+              <a:t>URI resolve(URI base)</a:t>
+            </a:r>
+          </a:p>
+          <a:p>
+            <a:r>
+              <a:rPr lang="en-US" sz="2400" dirty="0" smtClean="0">
+                <a:solidFill>
+                  <a:srgbClr val="0070C0"/>
+                </a:solidFill>
+              </a:rPr>
+              <a:t>    URI resolve(String base)</a:t>
+            </a:r>
+          </a:p>
+          <a:p>
+            <a:r>
+              <a:rPr lang="ru-RU" sz="2400" dirty="0" smtClean="0"/>
+              <a:t>Взятие относительного </a:t>
+            </a:r>
+            <a:r>
+              <a:rPr lang="en-US" sz="2400" dirty="0" smtClean="0"/>
+              <a:t>URI</a:t>
+            </a:r>
+          </a:p>
+          <a:p>
+            <a:r>
+              <a:rPr lang="en-US" sz="2400" dirty="0" smtClean="0"/>
+              <a:t>    </a:t>
+            </a:r>
+            <a:r>
+              <a:rPr lang="en-US" sz="2400" dirty="0" smtClean="0">
+                <a:solidFill>
+                  <a:srgbClr val="0070C0"/>
+                </a:solidFill>
+              </a:rPr>
+              <a:t>URI relativize(URI base)</a:t>
+            </a:r>
+          </a:p>
+          <a:p>
+            <a:r>
+              <a:rPr lang="ru-RU" sz="2400" dirty="0" smtClean="0"/>
+              <a:t>Сравнение</a:t>
+            </a:r>
+          </a:p>
+          <a:p>
+            <a:r>
+              <a:rPr lang="ru-RU" sz="2400" dirty="0" smtClean="0"/>
+              <a:t>    </a:t>
+            </a:r>
+            <a:r>
+              <a:rPr lang="en-US" sz="2400" dirty="0" smtClean="0">
+                <a:solidFill>
+                  <a:srgbClr val="0070C0"/>
+                </a:solidFill>
+              </a:rPr>
+              <a:t>equals(Object)</a:t>
+            </a:r>
+            <a:endParaRPr lang="ru-RU" sz="2400" dirty="0">
+              <a:solidFill>
+                <a:srgbClr val="0070C0"/>
+              </a:solidFill>
+            </a:endParaRPr>
           </a:p>
         </p:txBody>
       </p:sp>
     </p:spTree>
     <p:extLst>
       <p:ext uri="{BB962C8B-B14F-4D97-AF65-F5344CB8AC3E}">
-        <p14:creationId xmlns:p14="http://schemas.microsoft.com/office/powerpoint/2010/main" val="2482730033"/>
+        <p14:creationId xmlns:p14="http://schemas.microsoft.com/office/powerpoint/2010/main" val="3856902695"/>
       </p:ext>
     </p:extLst>
   </p:cSld>
@@ -4968,12 +5088,8 @@
           <a:lstStyle/>
           <a:p>
             <a:r>
-              <a:rPr lang="ru-RU" dirty="0" smtClean="0"/>
-              <a:t>Создание </a:t>
-            </a:r>
-            <a:r>
               <a:rPr lang="en-US" dirty="0" smtClean="0"/>
-              <a:t>URL</a:t>
+              <a:t>Uniform Resource Locator</a:t>
             </a:r>
             <a:endParaRPr lang="ru-RU" dirty="0"/>
           </a:p>
@@ -4989,166 +5105,50 @@
             <p:ph idx="1"/>
           </p:nvPr>
         </p:nvSpPr>
-        <p:spPr>
-          <a:xfrm>
-            <a:off x="539552" y="1340768"/>
-            <a:ext cx="7924800" cy="4419600"/>
-          </a:xfrm>
-        </p:spPr>
+        <p:spPr/>
         <p:txBody>
           <a:bodyPr/>
           <a:lstStyle/>
-          <a:p>
-            <a:r>
-              <a:rPr lang="ru-RU" sz="2400" dirty="0" smtClean="0"/>
-              <a:t>Конструкторы класса </a:t>
-            </a:r>
-            <a:r>
-              <a:rPr lang="en-US" sz="2400" dirty="0" smtClean="0"/>
-              <a:t>URL</a:t>
-            </a:r>
-          </a:p>
-          <a:p>
-            <a:r>
-              <a:rPr lang="en-US" sz="2400" dirty="0" smtClean="0"/>
-              <a:t>    </a:t>
-            </a:r>
-            <a:r>
-              <a:rPr lang="en-US" sz="2400" dirty="0" smtClean="0">
-                <a:solidFill>
-                  <a:srgbClr val="0070C0"/>
-                </a:solidFill>
-              </a:rPr>
-              <a:t>URL(String) </a:t>
-            </a:r>
-            <a:r>
-              <a:rPr lang="en-US" sz="2400" dirty="0" smtClean="0"/>
-              <a:t>– </a:t>
-            </a:r>
-            <a:r>
-              <a:rPr lang="ru-RU" sz="2400" dirty="0" smtClean="0"/>
-              <a:t>по строке</a:t>
-            </a:r>
-          </a:p>
-          <a:p>
-            <a:r>
-              <a:rPr lang="ru-RU" sz="2400" dirty="0" smtClean="0"/>
-              <a:t>    </a:t>
-            </a:r>
-            <a:r>
-              <a:rPr lang="en-US" sz="2400" dirty="0" smtClean="0">
-                <a:solidFill>
-                  <a:srgbClr val="0070C0"/>
-                </a:solidFill>
-              </a:rPr>
-              <a:t>URL(protocol, host, file) </a:t>
-            </a:r>
-            <a:r>
-              <a:rPr lang="en-US" sz="2400" dirty="0" smtClean="0"/>
-              <a:t>– </a:t>
-            </a:r>
-            <a:r>
-              <a:rPr lang="ru-RU" sz="2400" dirty="0" smtClean="0"/>
-              <a:t>из крупных частей</a:t>
-            </a:r>
-          </a:p>
-          <a:p>
-            <a:r>
-              <a:rPr lang="ru-RU" sz="2400" dirty="0" smtClean="0"/>
-              <a:t>    </a:t>
-            </a:r>
-            <a:r>
-              <a:rPr lang="en-US" sz="2400" dirty="0" smtClean="0">
-                <a:solidFill>
-                  <a:srgbClr val="0070C0"/>
-                </a:solidFill>
-              </a:rPr>
-              <a:t>URL(protocol, host, port, file, path, query, fragment) </a:t>
-            </a:r>
-            <a:r>
-              <a:rPr lang="en-US" sz="2400" dirty="0" smtClean="0"/>
-              <a:t>– </a:t>
-            </a:r>
-            <a:r>
-              <a:rPr lang="ru-RU" sz="2400" dirty="0" smtClean="0"/>
-              <a:t>из мелких частей</a:t>
-            </a:r>
-          </a:p>
           <a:p>
             <a:pPr marL="0" indent="0">
               <a:buNone/>
             </a:pPr>
             <a:r>
-              <a:rPr lang="ru-RU" sz="2400" dirty="0" smtClean="0"/>
-              <a:t>Из других объектов</a:t>
-            </a:r>
-          </a:p>
-          <a:p>
-            <a:r>
-              <a:rPr lang="ru-RU" sz="2400" dirty="0" smtClean="0">
-                <a:solidFill>
-                  <a:srgbClr val="0070C0"/>
-                </a:solidFill>
-              </a:rPr>
-              <a:t>    </a:t>
-            </a:r>
-            <a:r>
-              <a:rPr lang="en-US" sz="2400" dirty="0" err="1" smtClean="0">
-                <a:solidFill>
-                  <a:srgbClr val="0070C0"/>
-                </a:solidFill>
-              </a:rPr>
-              <a:t>file.toURL</a:t>
-            </a:r>
-            <a:r>
-              <a:rPr lang="en-US" sz="2400" dirty="0" smtClean="0">
-                <a:solidFill>
-                  <a:srgbClr val="0070C0"/>
-                </a:solidFill>
-              </a:rPr>
-              <a:t>() </a:t>
-            </a:r>
-            <a:r>
-              <a:rPr lang="en-US" sz="2400" dirty="0" smtClean="0"/>
-              <a:t>– </a:t>
-            </a:r>
-            <a:r>
-              <a:rPr lang="ru-RU" sz="2400" dirty="0" smtClean="0"/>
-              <a:t>из дескриптора файла</a:t>
-            </a:r>
-          </a:p>
-          <a:p>
-            <a:r>
-              <a:rPr lang="ru-RU" sz="2400" dirty="0" smtClean="0"/>
-              <a:t>    </a:t>
-            </a:r>
-            <a:r>
-              <a:rPr lang="en-US" sz="2400" dirty="0" err="1" smtClean="0">
-                <a:solidFill>
-                  <a:srgbClr val="0070C0"/>
-                </a:solidFill>
-              </a:rPr>
-              <a:t>uri.toURL</a:t>
-            </a:r>
-            <a:r>
-              <a:rPr lang="en-US" sz="2400" dirty="0" smtClean="0">
-                <a:solidFill>
-                  <a:srgbClr val="0070C0"/>
-                </a:solidFill>
-              </a:rPr>
-              <a:t>() </a:t>
-            </a:r>
-            <a:r>
-              <a:rPr lang="en-US" sz="2400" dirty="0" smtClean="0"/>
-              <a:t>– </a:t>
-            </a:r>
-            <a:r>
-              <a:rPr lang="ru-RU" sz="2400" dirty="0" smtClean="0"/>
-              <a:t>из </a:t>
-            </a:r>
-            <a:r>
-              <a:rPr lang="en-US" sz="2400" dirty="0" smtClean="0"/>
-              <a:t>URI</a:t>
+              <a:rPr lang="ru-RU" dirty="0" smtClean="0"/>
+              <a:t>Указывает местоположение </a:t>
+            </a:r>
+            <a:r>
+              <a:rPr lang="ru-RU" dirty="0" smtClean="0"/>
+              <a:t>ресурса </a:t>
+            </a:r>
+            <a:r>
+              <a:rPr lang="en-US" dirty="0">
+                <a:solidFill>
+                  <a:srgbClr val="FF0000"/>
+                </a:solidFill>
+              </a:rPr>
+              <a:t>RFC 1738</a:t>
+            </a:r>
+            <a:endParaRPr lang="ru-RU" dirty="0" smtClean="0">
+              <a:solidFill>
+                <a:srgbClr val="FF0000"/>
+              </a:solidFill>
+            </a:endParaRPr>
+          </a:p>
+          <a:p>
+            <a:r>
+              <a:rPr lang="ru-RU" dirty="0" smtClean="0"/>
+              <a:t>Подмножество иерархических URI</a:t>
+            </a:r>
+          </a:p>
+          <a:p>
+            <a:r>
+              <a:rPr lang="ru-RU" dirty="0" smtClean="0"/>
+              <a:t>Класс </a:t>
+            </a:r>
+            <a:r>
+              <a:rPr lang="ru-RU" dirty="0" smtClean="0"/>
+              <a:t>URL</a:t>
             </a:r>
           </a:p>
           <a:p>
@@ -5156,21 +5156,29 @@
               <a:buNone/>
             </a:pPr>
             <a:r>
-              <a:rPr lang="ru-RU" sz="2400" dirty="0" smtClean="0"/>
-              <a:t>Исключение </a:t>
-            </a:r>
-            <a:r>
-              <a:rPr lang="en-US" sz="2400" dirty="0" err="1" smtClean="0"/>
-              <a:t>MalformedURLException</a:t>
-            </a:r>
-            <a:endParaRPr lang="ru-RU" sz="2400" dirty="0"/>
+              <a:rPr lang="ru-RU" dirty="0"/>
+              <a:t>Примеры:</a:t>
+            </a:r>
+          </a:p>
+          <a:p>
+            <a:r>
+              <a:rPr lang="en-US" dirty="0"/>
+              <a:t>http://java.sun.com/j2se/1.3/</a:t>
+            </a:r>
+          </a:p>
+          <a:p>
+            <a:r>
+              <a:rPr lang="en-US" dirty="0"/>
+              <a:t>file:/home/av/projects/</a:t>
+            </a:r>
+            <a:endParaRPr lang="ru-RU" dirty="0"/>
           </a:p>
         </p:txBody>
       </p:sp>
     </p:spTree>
     <p:extLst>
       <p:ext uri="{BB962C8B-B14F-4D97-AF65-F5344CB8AC3E}">
-        <p14:creationId xmlns:p14="http://schemas.microsoft.com/office/powerpoint/2010/main" val="33823718"/>
+        <p14:creationId xmlns:p14="http://schemas.microsoft.com/office/powerpoint/2010/main" val="2482730033"/>
       </p:ext>
     </p:extLst>
   </p:cSld>
@@ -5221,6 +5229,277 @@
           <a:p>
             <a:r>
               <a:rPr lang="ru-RU" dirty="0" smtClean="0"/>
+              <a:t>Создание </a:t>
+            </a:r>
+            <a:r>
+              <a:rPr lang="en-US" dirty="0" smtClean="0"/>
+              <a:t>URL</a:t>
+            </a:r>
+            <a:endParaRPr lang="ru-RU" dirty="0"/>
+          </a:p>
+        </p:txBody>
+      </p:sp>
+      <p:sp>
+        <p:nvSpPr>
+          <p:cNvPr id="3" name="Объект 2"/>
+          <p:cNvSpPr>
+            <a:spLocks noGrp="1"/>
+          </p:cNvSpPr>
+          <p:nvPr>
+            <p:ph idx="1"/>
+          </p:nvPr>
+        </p:nvSpPr>
+        <p:spPr>
+          <a:xfrm>
+            <a:off x="683568" y="1412776"/>
+            <a:ext cx="7924800" cy="4419600"/>
+          </a:xfrm>
+        </p:spPr>
+        <p:txBody>
+          <a:bodyPr/>
+          <a:lstStyle/>
+          <a:p>
+            <a:pPr marL="0" indent="0">
+              <a:buNone/>
+            </a:pPr>
+            <a:r>
+              <a:rPr lang="ru-RU" sz="2400" dirty="0" smtClean="0"/>
+              <a:t>Конструкторы класса </a:t>
+            </a:r>
+            <a:r>
+              <a:rPr lang="en-US" sz="2400" dirty="0" smtClean="0"/>
+              <a:t>URL</a:t>
+            </a:r>
+          </a:p>
+          <a:p>
+            <a:r>
+              <a:rPr lang="en-US" sz="2400" dirty="0" smtClean="0"/>
+              <a:t>    </a:t>
+            </a:r>
+            <a:r>
+              <a:rPr lang="en-US" sz="2400" dirty="0" smtClean="0">
+                <a:solidFill>
+                  <a:srgbClr val="0070C0"/>
+                </a:solidFill>
+              </a:rPr>
+              <a:t>URL(String) </a:t>
+            </a:r>
+            <a:r>
+              <a:rPr lang="en-US" sz="2400" dirty="0" smtClean="0"/>
+              <a:t>– </a:t>
+            </a:r>
+            <a:r>
+              <a:rPr lang="ru-RU" sz="2400" dirty="0" smtClean="0"/>
+              <a:t>по строке</a:t>
+            </a:r>
+          </a:p>
+          <a:p>
+            <a:r>
+              <a:rPr lang="ru-RU" sz="2400" dirty="0" smtClean="0"/>
+              <a:t>    </a:t>
+            </a:r>
+            <a:r>
+              <a:rPr lang="en-US" sz="2400" dirty="0" smtClean="0">
+                <a:solidFill>
+                  <a:srgbClr val="0070C0"/>
+                </a:solidFill>
+              </a:rPr>
+              <a:t>URL(protocol, host, file) </a:t>
+            </a:r>
+            <a:r>
+              <a:rPr lang="en-US" sz="2400" dirty="0" smtClean="0"/>
+              <a:t>– </a:t>
+            </a:r>
+            <a:r>
+              <a:rPr lang="ru-RU" sz="2400" dirty="0" smtClean="0"/>
+              <a:t>из крупных частей</a:t>
+            </a:r>
+          </a:p>
+          <a:p>
+            <a:r>
+              <a:rPr lang="ru-RU" sz="2400" dirty="0" smtClean="0"/>
+              <a:t>    </a:t>
+            </a:r>
+            <a:r>
+              <a:rPr lang="en-US" sz="2400" dirty="0" smtClean="0">
+                <a:solidFill>
+                  <a:srgbClr val="0070C0"/>
+                </a:solidFill>
+              </a:rPr>
+              <a:t>URL(protocol, host, port, file, path, query, fragment) </a:t>
+            </a:r>
+            <a:r>
+              <a:rPr lang="en-US" sz="2400" dirty="0" smtClean="0"/>
+              <a:t>– </a:t>
+            </a:r>
+            <a:r>
+              <a:rPr lang="ru-RU" sz="2400" dirty="0" smtClean="0"/>
+              <a:t>из мелких частей</a:t>
+            </a:r>
+          </a:p>
+          <a:p>
+            <a:pPr marL="0" indent="0">
+              <a:buNone/>
+            </a:pPr>
+            <a:endParaRPr lang="ru-RU" sz="2400" dirty="0" smtClean="0"/>
+          </a:p>
+          <a:p>
+            <a:pPr marL="0" indent="0">
+              <a:buNone/>
+            </a:pPr>
+            <a:r>
+              <a:rPr lang="ru-RU" sz="2400" dirty="0" smtClean="0"/>
+              <a:t>Из </a:t>
+            </a:r>
+            <a:r>
+              <a:rPr lang="ru-RU" sz="2400" dirty="0" smtClean="0"/>
+              <a:t>других объектов</a:t>
+            </a:r>
+          </a:p>
+          <a:p>
+            <a:r>
+              <a:rPr lang="ru-RU" sz="2400" dirty="0" smtClean="0">
+                <a:solidFill>
+                  <a:srgbClr val="0070C0"/>
+                </a:solidFill>
+              </a:rPr>
+              <a:t>    </a:t>
+            </a:r>
+            <a:r>
+              <a:rPr lang="en-US" sz="2400" dirty="0" err="1" smtClean="0">
+                <a:solidFill>
+                  <a:srgbClr val="0070C0"/>
+                </a:solidFill>
+              </a:rPr>
+              <a:t>file.toURL</a:t>
+            </a:r>
+            <a:r>
+              <a:rPr lang="en-US" sz="2400" dirty="0" smtClean="0">
+                <a:solidFill>
+                  <a:srgbClr val="0070C0"/>
+                </a:solidFill>
+              </a:rPr>
+              <a:t>() </a:t>
+            </a:r>
+            <a:r>
+              <a:rPr lang="en-US" sz="2400" dirty="0" smtClean="0"/>
+              <a:t>– </a:t>
+            </a:r>
+            <a:r>
+              <a:rPr lang="ru-RU" sz="2400" dirty="0" smtClean="0"/>
+              <a:t>из дескриптора файла</a:t>
+            </a:r>
+          </a:p>
+          <a:p>
+            <a:r>
+              <a:rPr lang="ru-RU" sz="2400" dirty="0" smtClean="0"/>
+              <a:t>    </a:t>
+            </a:r>
+            <a:r>
+              <a:rPr lang="en-US" sz="2400" dirty="0" err="1" smtClean="0">
+                <a:solidFill>
+                  <a:srgbClr val="0070C0"/>
+                </a:solidFill>
+              </a:rPr>
+              <a:t>uri.toURL</a:t>
+            </a:r>
+            <a:r>
+              <a:rPr lang="en-US" sz="2400" dirty="0" smtClean="0">
+                <a:solidFill>
+                  <a:srgbClr val="0070C0"/>
+                </a:solidFill>
+              </a:rPr>
+              <a:t>() </a:t>
+            </a:r>
+            <a:r>
+              <a:rPr lang="en-US" sz="2400" dirty="0" smtClean="0"/>
+              <a:t>– </a:t>
+            </a:r>
+            <a:r>
+              <a:rPr lang="ru-RU" sz="2400" dirty="0" smtClean="0"/>
+              <a:t>из </a:t>
+            </a:r>
+            <a:r>
+              <a:rPr lang="en-US" sz="2400" dirty="0" smtClean="0"/>
+              <a:t>URI</a:t>
+            </a:r>
+          </a:p>
+          <a:p>
+            <a:pPr marL="0" indent="0">
+              <a:buNone/>
+            </a:pPr>
+            <a:endParaRPr lang="ru-RU" sz="2400" dirty="0" smtClean="0"/>
+          </a:p>
+          <a:p>
+            <a:pPr marL="0" indent="0">
+              <a:buNone/>
+            </a:pPr>
+            <a:r>
+              <a:rPr lang="ru-RU" sz="2400" dirty="0" smtClean="0"/>
+              <a:t>Исключение </a:t>
+            </a:r>
+            <a:r>
+              <a:rPr lang="en-US" sz="2400" dirty="0" err="1" smtClean="0"/>
+              <a:t>MalformedURLException</a:t>
+            </a:r>
+            <a:endParaRPr lang="ru-RU" sz="2400" dirty="0"/>
+          </a:p>
+        </p:txBody>
+      </p:sp>
+    </p:spTree>
+    <p:extLst>
+      <p:ext uri="{BB962C8B-B14F-4D97-AF65-F5344CB8AC3E}">
+        <p14:creationId xmlns:p14="http://schemas.microsoft.com/office/powerpoint/2010/main" val="33823718"/>
+      </p:ext>
+    </p:extLst>
+  </p:cSld>
+  <p:clrMapOvr>
+    <a:masterClrMapping/>
+  </p:clrMapOvr>
+  <p:timing>
+    <p:tnLst>
+      <p:par>
+        <p:cTn id="1" dur="indefinite" restart="never" nodeType="tmRoot"/>
+      </p:par>
+    </p:tnLst>
+  </p:timing>
+</p:sld>
+</file>
+
+<file path=ppt/slides/slide13.xml><?xml version="1.0" encoding="utf-8"?>
+<p:sld xmlns:a="http://schemas.openxmlformats.org/drawingml/2006/main" xmlns:r="http://schemas.openxmlformats.org/officeDocument/2006/relationships" xmlns:p="http://schemas.openxmlformats.org/presentationml/2006/main">
+  <p:cSld>
+    <p:spTree>
+      <p:nvGrpSpPr>
+        <p:cNvPr id="1" name=""/>
+        <p:cNvGrpSpPr/>
+        <p:nvPr/>
+      </p:nvGrpSpPr>
+      <p:grpSpPr>
+        <a:xfrm>
+          <a:off x="0" y="0"/>
+          <a:ext cx="0" cy="0"/>
+          <a:chOff x="0" y="0"/>
+          <a:chExt cx="0" cy="0"/>
+        </a:xfrm>
+      </p:grpSpPr>
+      <p:sp>
+        <p:nvSpPr>
+          <p:cNvPr id="2" name="Заголовок 1"/>
+          <p:cNvSpPr>
+            <a:spLocks noGrp="1"/>
+          </p:cNvSpPr>
+          <p:nvPr>
+            <p:ph type="title"/>
+          </p:nvPr>
+        </p:nvSpPr>
+        <p:spPr/>
+        <p:txBody>
+          <a:bodyPr/>
+          <a:lstStyle/>
+          <a:p>
+            <a:r>
+              <a:rPr lang="ru-RU" dirty="0" smtClean="0"/>
               <a:t>Соединения</a:t>
             </a:r>
             <a:endParaRPr lang="ru-RU" dirty="0"/>
@@ -5266,7 +5545,7 @@
         </p:blipFill>
         <p:spPr>
           <a:xfrm>
-            <a:off x="2555776" y="3717032"/>
+            <a:off x="2483768" y="3573016"/>
             <a:ext cx="4242175" cy="969640"/>
           </a:xfrm>
           <a:prstGeom prst="rect">
@@ -5294,7 +5573,7 @@
 </p:sld>
 </file>
 
-<file path=ppt/slides/slide13.xml><?xml version="1.0" encoding="utf-8"?>
+<file path=ppt/slides/slide14.xml><?xml version="1.0" encoding="utf-8"?>
 <p:sld xmlns:a="http://schemas.openxmlformats.org/drawingml/2006/main" xmlns:r="http://schemas.openxmlformats.org/officeDocument/2006/relationships" xmlns:p="http://schemas.openxmlformats.org/presentationml/2006/main">
   <p:cSld>
     <p:spTree>
@@ -5393,7 +5672,7 @@
 </p:sld>
 </file>
 
-<file path=ppt/slides/slide14.xml><?xml version="1.0" encoding="utf-8"?>
+<file path=ppt/slides/slide15.xml><?xml version="1.0" encoding="utf-8"?>
 <p:sld xmlns:a="http://schemas.openxmlformats.org/drawingml/2006/main" xmlns:r="http://schemas.openxmlformats.org/officeDocument/2006/relationships" xmlns:p="http://schemas.openxmlformats.org/presentationml/2006/main">
   <p:cSld>
     <p:spTree>
@@ -5627,7 +5906,7 @@
 </p:sld>
 </file>
 
-<file path=ppt/slides/slide15.xml><?xml version="1.0" encoding="utf-8"?>
+<file path=ppt/slides/slide16.xml><?xml version="1.0" encoding="utf-8"?>
 <p:sld xmlns:a="http://schemas.openxmlformats.org/drawingml/2006/main" xmlns:r="http://schemas.openxmlformats.org/officeDocument/2006/relationships" xmlns:p="http://schemas.openxmlformats.org/presentationml/2006/main">
   <p:cSld>
     <p:spTree>
@@ -5758,7 +6037,7 @@
 </p:sld>
 </file>
 
-<file path=ppt/slides/slide16.xml><?xml version="1.0" encoding="utf-8"?>
+<file path=ppt/slides/slide17.xml><?xml version="1.0" encoding="utf-8"?>
 <p:sld xmlns:a="http://schemas.openxmlformats.org/drawingml/2006/main" xmlns:r="http://schemas.openxmlformats.org/officeDocument/2006/relationships" xmlns:p="http://schemas.openxmlformats.org/presentationml/2006/main">
   <p:cSld>
     <p:spTree>
@@ -5865,7 +6144,7 @@
 </p:sld>
 </file>
 
-<file path=ppt/slides/slide17.xml><?xml version="1.0" encoding="utf-8"?>
+<file path=ppt/slides/slide18.xml><?xml version="1.0" encoding="utf-8"?>
 <p:sld xmlns:a="http://schemas.openxmlformats.org/drawingml/2006/main" xmlns:r="http://schemas.openxmlformats.org/officeDocument/2006/relationships" xmlns:p="http://schemas.openxmlformats.org/presentationml/2006/main">
   <p:cSld>
     <p:spTree>
@@ -5967,355 +6246,6 @@
 </p:sld>
 </file>
 
-<file path=ppt/slides/slide18.xml><?xml version="1.0" encoding="utf-8"?>
-<p:sld xmlns:a="http://schemas.openxmlformats.org/drawingml/2006/main" xmlns:r="http://schemas.openxmlformats.org/officeDocument/2006/relationships" xmlns:p="http://schemas.openxmlformats.org/presentationml/2006/main">
-  <p:cSld>
-    <p:spTree>
-      <p:nvGrpSpPr>
-        <p:cNvPr id="1" name=""/>
-        <p:cNvGrpSpPr/>
-        <p:nvPr/>
-      </p:nvGrpSpPr>
-      <p:grpSpPr>
-        <a:xfrm>
-          <a:off x="0" y="0"/>
-          <a:ext cx="0" cy="0"/>
-          <a:chOff x="0" y="0"/>
-          <a:chExt cx="0" cy="0"/>
-        </a:xfrm>
-      </p:grpSpPr>
-      <p:sp>
-        <p:nvSpPr>
-          <p:cNvPr id="2" name="Заголовок 1"/>
-          <p:cNvSpPr>
-            <a:spLocks noGrp="1"/>
-          </p:cNvSpPr>
-          <p:nvPr>
-            <p:ph type="title"/>
-          </p:nvPr>
-        </p:nvSpPr>
-        <p:spPr/>
-        <p:txBody>
-          <a:bodyPr/>
-          <a:lstStyle/>
-          <a:p>
-            <a:r>
-              <a:rPr lang="ru-RU" dirty="0" smtClean="0"/>
-              <a:t>Получение интернет-адресов</a:t>
-            </a:r>
-            <a:endParaRPr lang="ru-RU" dirty="0"/>
-          </a:p>
-        </p:txBody>
-      </p:sp>
-      <p:sp>
-        <p:nvSpPr>
-          <p:cNvPr id="3" name="Объект 2"/>
-          <p:cNvSpPr>
-            <a:spLocks noGrp="1"/>
-          </p:cNvSpPr>
-          <p:nvPr>
-            <p:ph idx="1"/>
-          </p:nvPr>
-        </p:nvSpPr>
-        <p:spPr/>
-        <p:txBody>
-          <a:bodyPr/>
-          <a:lstStyle/>
-          <a:p>
-            <a:pPr marL="0" indent="0">
-              <a:buNone/>
-            </a:pPr>
-            <a:r>
-              <a:rPr lang="ru-RU" sz="2400" dirty="0" smtClean="0"/>
-              <a:t>Фабричные методы класса </a:t>
-            </a:r>
-            <a:r>
-              <a:rPr lang="en-US" sz="2400" dirty="0" err="1" smtClean="0">
-                <a:solidFill>
-                  <a:srgbClr val="0070C0"/>
-                </a:solidFill>
-              </a:rPr>
-              <a:t>InetAddress</a:t>
-            </a:r>
-            <a:endParaRPr lang="en-US" sz="2400" dirty="0" smtClean="0">
-              <a:solidFill>
-                <a:srgbClr val="0070C0"/>
-              </a:solidFill>
-            </a:endParaRPr>
-          </a:p>
-          <a:p>
-            <a:r>
-              <a:rPr lang="en-US" sz="2400" dirty="0" smtClean="0"/>
-              <a:t>    </a:t>
-            </a:r>
-            <a:r>
-              <a:rPr lang="en-US" sz="2400" dirty="0" err="1" smtClean="0">
-                <a:solidFill>
-                  <a:srgbClr val="0070C0"/>
-                </a:solidFill>
-              </a:rPr>
-              <a:t>InetAddress</a:t>
-            </a:r>
-            <a:r>
-              <a:rPr lang="en-US" sz="2400" dirty="0" smtClean="0">
-                <a:solidFill>
-                  <a:srgbClr val="0070C0"/>
-                </a:solidFill>
-              </a:rPr>
-              <a:t> </a:t>
-            </a:r>
-            <a:r>
-              <a:rPr lang="en-US" sz="2400" dirty="0" err="1" smtClean="0">
-                <a:solidFill>
-                  <a:srgbClr val="0070C0"/>
-                </a:solidFill>
-              </a:rPr>
-              <a:t>getByName</a:t>
-            </a:r>
-            <a:r>
-              <a:rPr lang="en-US" sz="2400" dirty="0" smtClean="0">
-                <a:solidFill>
-                  <a:srgbClr val="0070C0"/>
-                </a:solidFill>
-              </a:rPr>
-              <a:t>(String) </a:t>
-            </a:r>
-            <a:r>
-              <a:rPr lang="en-US" sz="2400" dirty="0" smtClean="0"/>
-              <a:t>– </a:t>
-            </a:r>
-            <a:r>
-              <a:rPr lang="ru-RU" sz="2400" dirty="0" smtClean="0"/>
-              <a:t>любой по доменному имени</a:t>
-            </a:r>
-          </a:p>
-          <a:p>
-            <a:r>
-              <a:rPr lang="ru-RU" sz="2400" dirty="0" smtClean="0"/>
-              <a:t>    </a:t>
-            </a:r>
-            <a:r>
-              <a:rPr lang="en-US" sz="2400" dirty="0" err="1" smtClean="0">
-                <a:solidFill>
-                  <a:srgbClr val="0070C0"/>
-                </a:solidFill>
-              </a:rPr>
-              <a:t>InetAddress</a:t>
-            </a:r>
-            <a:r>
-              <a:rPr lang="en-US" sz="2400" dirty="0" smtClean="0">
-                <a:solidFill>
-                  <a:srgbClr val="0070C0"/>
-                </a:solidFill>
-              </a:rPr>
-              <a:t>[] </a:t>
-            </a:r>
-            <a:r>
-              <a:rPr lang="en-US" sz="2400" dirty="0" err="1" smtClean="0">
-                <a:solidFill>
-                  <a:srgbClr val="0070C0"/>
-                </a:solidFill>
-              </a:rPr>
-              <a:t>getAllByName</a:t>
-            </a:r>
-            <a:r>
-              <a:rPr lang="en-US" sz="2400" dirty="0" smtClean="0">
-                <a:solidFill>
-                  <a:srgbClr val="0070C0"/>
-                </a:solidFill>
-              </a:rPr>
-              <a:t>(String) </a:t>
-            </a:r>
-            <a:r>
-              <a:rPr lang="en-US" sz="2400" dirty="0" smtClean="0"/>
-              <a:t>– </a:t>
-            </a:r>
-            <a:r>
-              <a:rPr lang="ru-RU" sz="2400" dirty="0" smtClean="0"/>
-              <a:t>все по доменному имени</a:t>
-            </a:r>
-          </a:p>
-          <a:p>
-            <a:r>
-              <a:rPr lang="ru-RU" sz="2400" dirty="0" smtClean="0"/>
-              <a:t>    </a:t>
-            </a:r>
-            <a:r>
-              <a:rPr lang="en-US" sz="2400" dirty="0" err="1" smtClean="0">
-                <a:solidFill>
-                  <a:srgbClr val="0070C0"/>
-                </a:solidFill>
-              </a:rPr>
-              <a:t>InetAddress</a:t>
-            </a:r>
-            <a:r>
-              <a:rPr lang="en-US" sz="2400" dirty="0" smtClean="0">
-                <a:solidFill>
-                  <a:srgbClr val="0070C0"/>
-                </a:solidFill>
-              </a:rPr>
-              <a:t> </a:t>
-            </a:r>
-            <a:r>
-              <a:rPr lang="en-US" sz="2400" dirty="0" err="1" smtClean="0">
-                <a:solidFill>
-                  <a:srgbClr val="0070C0"/>
-                </a:solidFill>
-              </a:rPr>
-              <a:t>getByAddress</a:t>
-            </a:r>
-            <a:r>
-              <a:rPr lang="en-US" sz="2400" dirty="0" smtClean="0">
-                <a:solidFill>
-                  <a:srgbClr val="0070C0"/>
-                </a:solidFill>
-              </a:rPr>
-              <a:t>(byte[]) </a:t>
-            </a:r>
-            <a:r>
-              <a:rPr lang="en-US" sz="2400" dirty="0" smtClean="0"/>
-              <a:t>– </a:t>
-            </a:r>
-            <a:r>
-              <a:rPr lang="ru-RU" sz="2400" dirty="0" smtClean="0"/>
-              <a:t>по </a:t>
-            </a:r>
-            <a:r>
-              <a:rPr lang="en-US" sz="2400" dirty="0" smtClean="0"/>
-              <a:t>IP-</a:t>
-            </a:r>
-            <a:r>
-              <a:rPr lang="ru-RU" sz="2400" dirty="0" smtClean="0"/>
-              <a:t>адресу</a:t>
-            </a:r>
-          </a:p>
-          <a:p>
-            <a:r>
-              <a:rPr lang="ru-RU" sz="2400" dirty="0" smtClean="0">
-                <a:solidFill>
-                  <a:srgbClr val="0070C0"/>
-                </a:solidFill>
-              </a:rPr>
-              <a:t>    </a:t>
-            </a:r>
-            <a:r>
-              <a:rPr lang="en-US" sz="2400" dirty="0" err="1" smtClean="0">
-                <a:solidFill>
-                  <a:srgbClr val="0070C0"/>
-                </a:solidFill>
-              </a:rPr>
-              <a:t>InetAddress</a:t>
-            </a:r>
-            <a:r>
-              <a:rPr lang="en-US" sz="2400" dirty="0" smtClean="0">
-                <a:solidFill>
-                  <a:srgbClr val="0070C0"/>
-                </a:solidFill>
-              </a:rPr>
-              <a:t> </a:t>
-            </a:r>
-            <a:r>
-              <a:rPr lang="en-US" sz="2400" dirty="0" err="1" smtClean="0">
-                <a:solidFill>
-                  <a:srgbClr val="0070C0"/>
-                </a:solidFill>
-              </a:rPr>
-              <a:t>getByAddress</a:t>
-            </a:r>
-            <a:r>
-              <a:rPr lang="en-US" sz="2400" dirty="0" smtClean="0">
-                <a:solidFill>
-                  <a:srgbClr val="0070C0"/>
-                </a:solidFill>
-              </a:rPr>
-              <a:t>(String, byte[]) </a:t>
-            </a:r>
-            <a:r>
-              <a:rPr lang="en-US" sz="2400" dirty="0" smtClean="0"/>
-              <a:t>– </a:t>
-            </a:r>
-            <a:r>
-              <a:rPr lang="ru-RU" sz="2400" dirty="0" smtClean="0"/>
-              <a:t>по доменному имени и </a:t>
-            </a:r>
-            <a:r>
-              <a:rPr lang="en-US" sz="2400" dirty="0" smtClean="0"/>
-              <a:t>IP-</a:t>
-            </a:r>
-            <a:r>
-              <a:rPr lang="ru-RU" sz="2400" dirty="0" smtClean="0"/>
-              <a:t>адресу</a:t>
-            </a:r>
-          </a:p>
-          <a:p>
-            <a:r>
-              <a:rPr lang="ru-RU" sz="2400" dirty="0" smtClean="0"/>
-              <a:t>    </a:t>
-            </a:r>
-            <a:r>
-              <a:rPr lang="en-US" sz="2400" dirty="0" err="1" smtClean="0">
-                <a:solidFill>
-                  <a:srgbClr val="0070C0"/>
-                </a:solidFill>
-              </a:rPr>
-              <a:t>InetAddress</a:t>
-            </a:r>
-            <a:r>
-              <a:rPr lang="en-US" sz="2400" dirty="0" smtClean="0">
-                <a:solidFill>
-                  <a:srgbClr val="0070C0"/>
-                </a:solidFill>
-              </a:rPr>
-              <a:t> </a:t>
-            </a:r>
-            <a:r>
-              <a:rPr lang="en-US" sz="2400" dirty="0" err="1" smtClean="0">
-                <a:solidFill>
-                  <a:srgbClr val="0070C0"/>
-                </a:solidFill>
-              </a:rPr>
-              <a:t>getLocalHost</a:t>
-            </a:r>
-            <a:r>
-              <a:rPr lang="en-US" sz="2400" dirty="0" smtClean="0">
-                <a:solidFill>
-                  <a:srgbClr val="0070C0"/>
-                </a:solidFill>
-              </a:rPr>
-              <a:t>() </a:t>
-            </a:r>
-            <a:r>
-              <a:rPr lang="en-US" sz="2400" dirty="0" smtClean="0"/>
-              <a:t>– </a:t>
-            </a:r>
-            <a:r>
-              <a:rPr lang="ru-RU" sz="2400" dirty="0" smtClean="0"/>
-              <a:t>адрес текущего компьютера</a:t>
-            </a:r>
-            <a:endParaRPr lang="ru-RU" sz="2400" dirty="0"/>
-          </a:p>
-        </p:txBody>
-      </p:sp>
-    </p:spTree>
-    <p:extLst>
-      <p:ext uri="{BB962C8B-B14F-4D97-AF65-F5344CB8AC3E}">
-        <p14:creationId xmlns:p14="http://schemas.microsoft.com/office/powerpoint/2010/main" val="385257626"/>
-      </p:ext>
-    </p:extLst>
-  </p:cSld>
-  <p:clrMapOvr>
-    <a:masterClrMapping/>
-  </p:clrMapOvr>
-  <p:timing>
-    <p:tnLst>
-      <p:par>
-        <p:cTn id="1" dur="indefinite" restart="never" nodeType="tmRoot"/>
-      </p:par>
-    </p:tnLst>
-  </p:timing>
-</p:sld>
-</file>
-
 <file path=ppt/slides/slide19.xml><?xml version="1.0" encoding="utf-8"?>
 <p:sld xmlns:a="http://schemas.openxmlformats.org/drawingml/2006/main" xmlns:r="http://schemas.openxmlformats.org/officeDocument/2006/relationships" xmlns:p="http://schemas.openxmlformats.org/presentationml/2006/main">
   <p:cSld>
@@ -6350,7 +6280,7 @@
           <a:p>
             <a:r>
               <a:rPr lang="ru-RU" dirty="0" smtClean="0"/>
-              <a:t>Методы интернет-адресов</a:t>
+              <a:t>Получение интернет-адресов</a:t>
             </a:r>
             <a:endParaRPr lang="ru-RU" dirty="0"/>
           </a:p>
@@ -6366,12 +6296,7 @@
             <p:ph idx="1"/>
           </p:nvPr>
         </p:nvSpPr>
-        <p:spPr>
-          <a:xfrm>
-            <a:off x="467544" y="1412776"/>
-            <a:ext cx="7924800" cy="4419600"/>
-          </a:xfrm>
-        </p:spPr>
+        <p:spPr/>
         <p:txBody>
           <a:bodyPr/>
           <a:lstStyle/>
@@ -6380,13 +6305,22 @@
               <a:buNone/>
             </a:pPr>
             <a:r>
-              <a:rPr lang="ru-RU" sz="2400" u="sng" dirty="0" smtClean="0"/>
-              <a:t>Работа с </a:t>
-            </a:r>
-            <a:r>
-              <a:rPr lang="en-US" sz="2400" u="sng" dirty="0" smtClean="0"/>
-              <a:t>DNS</a:t>
-            </a:r>
+              <a:rPr lang="ru-RU" sz="2400" dirty="0" smtClean="0"/>
+              <a:t>Фабричные методы класса </a:t>
+            </a:r>
+            <a:r>
+              <a:rPr lang="en-US" sz="2400" dirty="0" err="1" smtClean="0">
+                <a:solidFill>
+                  <a:srgbClr val="0070C0"/>
+                </a:solidFill>
+              </a:rPr>
+              <a:t>InetAddress</a:t>
+            </a:r>
+            <a:endParaRPr lang="en-US" sz="2400" dirty="0" smtClean="0">
+              <a:solidFill>
+                <a:srgbClr val="0070C0"/>
+              </a:solidFill>
+            </a:endParaRPr>
           </a:p>
           <a:p>
             <a:r>
@@ -6394,12 +6328,20 @@
               <a:t>    </a:t>
             </a:r>
             <a:r>
+              <a:rPr lang="en-US" sz="2400" dirty="0" err="1" smtClean="0">
+                <a:solidFill>
+                  <a:srgbClr val="0070C0"/>
+                </a:solidFill>
+              </a:rPr>
+              <a:t>InetAddress</a:t>
+            </a:r>
+            <a:r>
               <a:rPr lang="en-US" sz="2400" dirty="0" smtClean="0">
                 <a:solidFill>
                   <a:srgbClr val="0070C0"/>
                 </a:solidFill>
               </a:rPr>
-              <a:t>String </a:t>
+              <a:t> </a:t>
             </a:r>
             <a:r>
               <a:rPr lang="en-US" sz="2400" dirty="0" err="1" smtClean="0">
@@ -6407,7 +6349,7 @@
                   <a:srgbClr val="0070C0"/>
                 </a:solidFill>
               </a:rPr>
-              <a:t>getHostName</a:t>
+              <a:t>getByName</a:t>
             </a:r>
             <a:r>
               <a:rPr lang="en-US" sz="2400" dirty="0" smtClean="0">
@@ -6415,7 +6357,7 @@
                   <a:srgbClr val="0070C0"/>
                 </a:solidFill>
               </a:rPr>
-              <a:t>() </a:t>
+              <a:t>(String) </a:t>
             </a:r>
             <a:r>
               <a:rPr lang="en-US" sz="2400" dirty="0" smtClean="0"/>
@@ -6423,7 +6365,7 @@
             </a:r>
             <a:r>
               <a:rPr lang="ru-RU" sz="2400" dirty="0" smtClean="0"/>
-              <a:t>получение доменного имени</a:t>
+              <a:t>любой по доменному имени</a:t>
             </a:r>
           </a:p>
           <a:p>
@@ -6432,12 +6374,20 @@
               <a:t>    </a:t>
             </a:r>
             <a:r>
+              <a:rPr lang="en-US" sz="2400" dirty="0" err="1" smtClean="0">
+                <a:solidFill>
+                  <a:srgbClr val="0070C0"/>
+                </a:solidFill>
+              </a:rPr>
+              <a:t>InetAddress</a:t>
+            </a:r>
+            <a:r>
               <a:rPr lang="en-US" sz="2400" dirty="0" smtClean="0">
                 <a:solidFill>
                   <a:srgbClr val="0070C0"/>
                 </a:solidFill>
               </a:rPr>
-              <a:t>String </a:t>
+              <a:t>[] </a:t>
             </a:r>
             <a:r>
               <a:rPr lang="en-US" sz="2400" dirty="0" err="1" smtClean="0">
@@ -6445,7 +6395,7 @@
                   <a:srgbClr val="0070C0"/>
                 </a:solidFill>
               </a:rPr>
-              <a:t>getCanonicalHostName</a:t>
+              <a:t>getAllByName</a:t>
             </a:r>
             <a:r>
               <a:rPr lang="en-US" sz="2400" dirty="0" smtClean="0">
@@ -6453,7 +6403,7 @@
                   <a:srgbClr val="0070C0"/>
                 </a:solidFill>
               </a:rPr>
-              <a:t>() </a:t>
+              <a:t>(String) </a:t>
             </a:r>
             <a:r>
               <a:rPr lang="en-US" sz="2400" dirty="0" smtClean="0"/>
@@ -6461,42 +6411,29 @@
             </a:r>
             <a:r>
               <a:rPr lang="ru-RU" sz="2400" dirty="0" smtClean="0"/>
-              <a:t>получение полного доменного имени</a:t>
-            </a:r>
-          </a:p>
-          <a:p>
-            <a:pPr marL="0" indent="0">
-              <a:buNone/>
-            </a:pPr>
-            <a:r>
-              <a:rPr lang="ru-RU" sz="2400" u="sng" dirty="0" smtClean="0"/>
-              <a:t>Работа с </a:t>
-            </a:r>
-            <a:r>
-              <a:rPr lang="en-US" sz="2400" u="sng" dirty="0" smtClean="0"/>
-              <a:t>IP-</a:t>
-            </a:r>
-            <a:r>
-              <a:rPr lang="ru-RU" sz="2400" u="sng" dirty="0" smtClean="0"/>
-              <a:t>адресом</a:t>
-            </a:r>
-          </a:p>
-          <a:p>
-            <a:r>
-              <a:rPr lang="ru-RU" sz="2400" dirty="0" smtClean="0">
-                <a:solidFill>
-                  <a:srgbClr val="0070C0"/>
-                </a:solidFill>
-              </a:rPr>
+              <a:t>все по доменному имени</a:t>
+            </a:r>
+          </a:p>
+          <a:p>
+            <a:r>
+              <a:rPr lang="ru-RU" sz="2400" dirty="0" smtClean="0"/>
               <a:t>    </a:t>
             </a:r>
             <a:r>
+              <a:rPr lang="en-US" sz="2400" dirty="0" err="1" smtClean="0">
+                <a:solidFill>
+                  <a:srgbClr val="0070C0"/>
+                </a:solidFill>
+              </a:rPr>
+              <a:t>InetAddress</a:t>
+            </a:r>
+            <a:r>
               <a:rPr lang="en-US" sz="2400" dirty="0" smtClean="0">
                 <a:solidFill>
                   <a:srgbClr val="0070C0"/>
                 </a:solidFill>
               </a:rPr>
-              <a:t>byte[] </a:t>
+              <a:t> </a:t>
             </a:r>
             <a:r>
               <a:rPr lang="en-US" sz="2400" dirty="0" err="1" smtClean="0">
@@ -6504,7 +6441,7 @@
                   <a:srgbClr val="0070C0"/>
                 </a:solidFill>
               </a:rPr>
-              <a:t>getAddress</a:t>
+              <a:t>getByAddress</a:t>
             </a:r>
             <a:r>
               <a:rPr lang="en-US" sz="2400" dirty="0" smtClean="0">
@@ -6512,7 +6449,7 @@
                   <a:srgbClr val="0070C0"/>
                 </a:solidFill>
               </a:rPr>
-              <a:t>() </a:t>
+              <a:t>(byte[]) </a:t>
             </a:r>
             <a:r>
               <a:rPr lang="en-US" sz="2400" dirty="0" smtClean="0"/>
@@ -6520,7 +6457,7 @@
             </a:r>
             <a:r>
               <a:rPr lang="ru-RU" sz="2400" dirty="0" smtClean="0"/>
-              <a:t>получение </a:t>
+              <a:t>по </a:t>
             </a:r>
             <a:r>
               <a:rPr lang="en-US" sz="2400" dirty="0" smtClean="0"/>
@@ -6528,7 +6465,65 @@
             </a:r>
             <a:r>
               <a:rPr lang="ru-RU" sz="2400" dirty="0" smtClean="0"/>
-              <a:t>адреса</a:t>
+              <a:t>адресу</a:t>
+            </a:r>
+          </a:p>
+          <a:p>
+            <a:r>
+              <a:rPr lang="ru-RU" sz="2400" dirty="0" smtClean="0">
+                <a:solidFill>
+                  <a:srgbClr val="0070C0"/>
+                </a:solidFill>
+              </a:rPr>
+              <a:t>    </a:t>
+            </a:r>
+            <a:r>
+              <a:rPr lang="en-US" sz="2400" dirty="0" err="1" smtClean="0">
+                <a:solidFill>
+                  <a:srgbClr val="0070C0"/>
+                </a:solidFill>
+              </a:rPr>
+              <a:t>InetAddress</a:t>
+            </a:r>
+            <a:r>
+              <a:rPr lang="en-US" sz="2400" dirty="0" smtClean="0">
+                <a:solidFill>
+                  <a:srgbClr val="0070C0"/>
+                </a:solidFill>
+              </a:rPr>
+              <a:t> </a:t>
+            </a:r>
+            <a:r>
+              <a:rPr lang="en-US" sz="2400" dirty="0" err="1" smtClean="0">
+                <a:solidFill>
+                  <a:srgbClr val="0070C0"/>
+                </a:solidFill>
+              </a:rPr>
+              <a:t>getByAddress</a:t>
+            </a:r>
+            <a:r>
+              <a:rPr lang="en-US" sz="2400" dirty="0" smtClean="0">
+                <a:solidFill>
+                  <a:srgbClr val="0070C0"/>
+                </a:solidFill>
+              </a:rPr>
+              <a:t>(String, byte[]) </a:t>
+            </a:r>
+            <a:r>
+              <a:rPr lang="en-US" sz="2400" dirty="0" smtClean="0"/>
+              <a:t>– </a:t>
+            </a:r>
+            <a:r>
+              <a:rPr lang="ru-RU" sz="2400" dirty="0" smtClean="0"/>
+              <a:t>по доменному имени и </a:t>
+            </a:r>
+            <a:r>
+              <a:rPr lang="en-US" sz="2400" dirty="0" smtClean="0"/>
+              <a:t>IP-</a:t>
+            </a:r>
+            <a:r>
+              <a:rPr lang="ru-RU" sz="2400" dirty="0" smtClean="0"/>
+              <a:t>адресу</a:t>
             </a:r>
           </a:p>
           <a:p>
@@ -6537,12 +6532,20 @@
               <a:t>    </a:t>
             </a:r>
             <a:r>
+              <a:rPr lang="en-US" sz="2400" dirty="0" err="1" smtClean="0">
+                <a:solidFill>
+                  <a:srgbClr val="0070C0"/>
+                </a:solidFill>
+              </a:rPr>
+              <a:t>InetAddress</a:t>
+            </a:r>
+            <a:r>
               <a:rPr lang="en-US" sz="2400" dirty="0" smtClean="0">
                 <a:solidFill>
                   <a:srgbClr val="0070C0"/>
                 </a:solidFill>
               </a:rPr>
-              <a:t>String </a:t>
+              <a:t> </a:t>
             </a:r>
             <a:r>
               <a:rPr lang="en-US" sz="2400" dirty="0" err="1" smtClean="0">
@@ -6550,7 +6553,7 @@
                   <a:srgbClr val="0070C0"/>
                 </a:solidFill>
               </a:rPr>
-              <a:t>getHostAddress</a:t>
+              <a:t>getLocalHost</a:t>
             </a:r>
             <a:r>
               <a:rPr lang="en-US" sz="2400" dirty="0" smtClean="0">
@@ -6566,70 +6569,7 @@
             </a:r>
             <a:r>
               <a:rPr lang="ru-RU" sz="2400" dirty="0" smtClean="0"/>
-              <a:t>получение </a:t>
-            </a:r>
-            <a:r>
-              <a:rPr lang="en-US" sz="2400" dirty="0" smtClean="0"/>
-              <a:t>IP-</a:t>
-            </a:r>
-            <a:r>
-              <a:rPr lang="ru-RU" sz="2400" dirty="0" smtClean="0"/>
-              <a:t>адреса в текстовой форме</a:t>
-            </a:r>
-          </a:p>
-          <a:p>
-            <a:pPr marL="0" indent="0">
-              <a:buNone/>
-            </a:pPr>
-            <a:r>
-              <a:rPr lang="ru-RU" sz="2400" u="sng" dirty="0" smtClean="0"/>
-              <a:t>Прочие</a:t>
-            </a:r>
-          </a:p>
-          <a:p>
-            <a:r>
-              <a:rPr lang="ru-RU" sz="2400" dirty="0" smtClean="0"/>
-              <a:t>    </a:t>
-            </a:r>
-            <a:r>
-              <a:rPr lang="en-US" sz="2400" dirty="0" err="1" smtClean="0">
-                <a:solidFill>
-                  <a:srgbClr val="0070C0"/>
-                </a:solidFill>
-              </a:rPr>
-              <a:t>isReachable</a:t>
-            </a:r>
-            <a:r>
-              <a:rPr lang="en-US" sz="2400" dirty="0" smtClean="0">
-                <a:solidFill>
-                  <a:srgbClr val="0070C0"/>
-                </a:solidFill>
-              </a:rPr>
-              <a:t>(</a:t>
-            </a:r>
-            <a:r>
-              <a:rPr lang="en-US" sz="2400" dirty="0" err="1" smtClean="0">
-                <a:solidFill>
-                  <a:srgbClr val="0070C0"/>
-                </a:solidFill>
-              </a:rPr>
-              <a:t>int</a:t>
-            </a:r>
-            <a:r>
-              <a:rPr lang="en-US" sz="2400" dirty="0" smtClean="0">
-                <a:solidFill>
-                  <a:srgbClr val="0070C0"/>
-                </a:solidFill>
-              </a:rPr>
-              <a:t> timeout)</a:t>
-            </a:r>
-            <a:r>
-              <a:rPr lang="en-US" sz="2400" dirty="0" smtClean="0"/>
-              <a:t> – </a:t>
-            </a:r>
-            <a:r>
-              <a:rPr lang="ru-RU" sz="2400" dirty="0" smtClean="0"/>
-              <a:t>проверка достижимости</a:t>
+              <a:t>адрес текущего компьютера</a:t>
             </a:r>
             <a:endParaRPr lang="ru-RU" sz="2400" dirty="0"/>
           </a:p>
@@ -6638,7 +6578,7 @@
     </p:spTree>
     <p:extLst>
       <p:ext uri="{BB962C8B-B14F-4D97-AF65-F5344CB8AC3E}">
-        <p14:creationId xmlns:p14="http://schemas.microsoft.com/office/powerpoint/2010/main" val="1661315362"/>
+        <p14:creationId xmlns:p14="http://schemas.microsoft.com/office/powerpoint/2010/main" val="385257626"/>
       </p:ext>
     </p:extLst>
   </p:cSld>
@@ -6768,6 +6708,345 @@
           <a:p>
             <a:r>
               <a:rPr lang="ru-RU" dirty="0" smtClean="0"/>
+              <a:t>Методы интернет-адресов</a:t>
+            </a:r>
+            <a:endParaRPr lang="ru-RU" dirty="0"/>
+          </a:p>
+        </p:txBody>
+      </p:sp>
+      <p:sp>
+        <p:nvSpPr>
+          <p:cNvPr id="3" name="Объект 2"/>
+          <p:cNvSpPr>
+            <a:spLocks noGrp="1"/>
+          </p:cNvSpPr>
+          <p:nvPr>
+            <p:ph idx="1"/>
+          </p:nvPr>
+        </p:nvSpPr>
+        <p:spPr>
+          <a:xfrm>
+            <a:off x="467544" y="1412776"/>
+            <a:ext cx="7924800" cy="4419600"/>
+          </a:xfrm>
+        </p:spPr>
+        <p:txBody>
+          <a:bodyPr/>
+          <a:lstStyle/>
+          <a:p>
+            <a:pPr marL="0" indent="0">
+              <a:buNone/>
+            </a:pPr>
+            <a:r>
+              <a:rPr lang="ru-RU" sz="2400" u="sng" dirty="0" smtClean="0"/>
+              <a:t>Работа с </a:t>
+            </a:r>
+            <a:r>
+              <a:rPr lang="en-US" sz="2400" u="sng" dirty="0" smtClean="0"/>
+              <a:t>DNS</a:t>
+            </a:r>
+          </a:p>
+          <a:p>
+            <a:r>
+              <a:rPr lang="en-US" sz="2400" dirty="0" smtClean="0"/>
+              <a:t>    </a:t>
+            </a:r>
+            <a:r>
+              <a:rPr lang="en-US" sz="2400" dirty="0" smtClean="0">
+                <a:solidFill>
+                  <a:srgbClr val="0070C0"/>
+                </a:solidFill>
+              </a:rPr>
+              <a:t>String </a:t>
+            </a:r>
+            <a:r>
+              <a:rPr lang="en-US" sz="2400" dirty="0" err="1" smtClean="0">
+                <a:solidFill>
+                  <a:srgbClr val="0070C0"/>
+                </a:solidFill>
+              </a:rPr>
+              <a:t>getHostName</a:t>
+            </a:r>
+            <a:r>
+              <a:rPr lang="en-US" sz="2400" dirty="0" smtClean="0">
+                <a:solidFill>
+                  <a:srgbClr val="0070C0"/>
+                </a:solidFill>
+              </a:rPr>
+              <a:t>() </a:t>
+            </a:r>
+            <a:r>
+              <a:rPr lang="en-US" sz="2400" dirty="0" smtClean="0"/>
+              <a:t>– </a:t>
+            </a:r>
+            <a:r>
+              <a:rPr lang="ru-RU" sz="2400" dirty="0" smtClean="0"/>
+              <a:t>получение доменного имени</a:t>
+            </a:r>
+          </a:p>
+          <a:p>
+            <a:r>
+              <a:rPr lang="ru-RU" sz="2400" dirty="0" smtClean="0"/>
+              <a:t>    </a:t>
+            </a:r>
+            <a:r>
+              <a:rPr lang="en-US" sz="2400" dirty="0" smtClean="0">
+                <a:solidFill>
+                  <a:srgbClr val="0070C0"/>
+                </a:solidFill>
+              </a:rPr>
+              <a:t>String </a:t>
+            </a:r>
+            <a:r>
+              <a:rPr lang="en-US" sz="2400" dirty="0" err="1" smtClean="0">
+                <a:solidFill>
+                  <a:srgbClr val="0070C0"/>
+                </a:solidFill>
+              </a:rPr>
+              <a:t>getCanonicalHostName</a:t>
+            </a:r>
+            <a:r>
+              <a:rPr lang="en-US" sz="2400" dirty="0" smtClean="0">
+                <a:solidFill>
+                  <a:srgbClr val="0070C0"/>
+                </a:solidFill>
+              </a:rPr>
+              <a:t>() </a:t>
+            </a:r>
+            <a:r>
+              <a:rPr lang="en-US" sz="2400" dirty="0" smtClean="0"/>
+              <a:t>– </a:t>
+            </a:r>
+            <a:r>
+              <a:rPr lang="ru-RU" sz="2400" dirty="0" smtClean="0"/>
+              <a:t>получение полного доменного имени</a:t>
+            </a:r>
+          </a:p>
+          <a:p>
+            <a:pPr marL="0" indent="0">
+              <a:buNone/>
+            </a:pPr>
+            <a:r>
+              <a:rPr lang="ru-RU" sz="2400" u="sng" dirty="0" smtClean="0"/>
+              <a:t>Работа с </a:t>
+            </a:r>
+            <a:r>
+              <a:rPr lang="en-US" sz="2400" u="sng" dirty="0" smtClean="0"/>
+              <a:t>IP-</a:t>
+            </a:r>
+            <a:r>
+              <a:rPr lang="ru-RU" sz="2400" u="sng" dirty="0" smtClean="0"/>
+              <a:t>адресом</a:t>
+            </a:r>
+          </a:p>
+          <a:p>
+            <a:r>
+              <a:rPr lang="ru-RU" sz="2400" dirty="0" smtClean="0">
+                <a:solidFill>
+                  <a:srgbClr val="0070C0"/>
+                </a:solidFill>
+              </a:rPr>
+              <a:t>    </a:t>
+            </a:r>
+            <a:r>
+              <a:rPr lang="en-US" sz="2400" dirty="0" smtClean="0">
+                <a:solidFill>
+                  <a:srgbClr val="0070C0"/>
+                </a:solidFill>
+              </a:rPr>
+              <a:t>byte[] </a:t>
+            </a:r>
+            <a:r>
+              <a:rPr lang="en-US" sz="2400" dirty="0" err="1" smtClean="0">
+                <a:solidFill>
+                  <a:srgbClr val="0070C0"/>
+                </a:solidFill>
+              </a:rPr>
+              <a:t>getAddress</a:t>
+            </a:r>
+            <a:r>
+              <a:rPr lang="en-US" sz="2400" dirty="0" smtClean="0">
+                <a:solidFill>
+                  <a:srgbClr val="0070C0"/>
+                </a:solidFill>
+              </a:rPr>
+              <a:t>() </a:t>
+            </a:r>
+            <a:r>
+              <a:rPr lang="en-US" sz="2400" dirty="0" smtClean="0"/>
+              <a:t>– </a:t>
+            </a:r>
+            <a:r>
+              <a:rPr lang="ru-RU" sz="2400" dirty="0" smtClean="0"/>
+              <a:t>получение </a:t>
+            </a:r>
+            <a:r>
+              <a:rPr lang="en-US" sz="2400" dirty="0" smtClean="0"/>
+              <a:t>IP-</a:t>
+            </a:r>
+            <a:r>
+              <a:rPr lang="ru-RU" sz="2400" dirty="0" smtClean="0"/>
+              <a:t>адреса</a:t>
+            </a:r>
+          </a:p>
+          <a:p>
+            <a:r>
+              <a:rPr lang="ru-RU" sz="2400" dirty="0" smtClean="0"/>
+              <a:t>    </a:t>
+            </a:r>
+            <a:r>
+              <a:rPr lang="en-US" sz="2400" dirty="0" smtClean="0">
+                <a:solidFill>
+                  <a:srgbClr val="0070C0"/>
+                </a:solidFill>
+              </a:rPr>
+              <a:t>String </a:t>
+            </a:r>
+            <a:r>
+              <a:rPr lang="en-US" sz="2400" dirty="0" err="1" smtClean="0">
+                <a:solidFill>
+                  <a:srgbClr val="0070C0"/>
+                </a:solidFill>
+              </a:rPr>
+              <a:t>getHostAddress</a:t>
+            </a:r>
+            <a:r>
+              <a:rPr lang="en-US" sz="2400" dirty="0" smtClean="0">
+                <a:solidFill>
+                  <a:srgbClr val="0070C0"/>
+                </a:solidFill>
+              </a:rPr>
+              <a:t>() </a:t>
+            </a:r>
+            <a:r>
+              <a:rPr lang="en-US" sz="2400" dirty="0" smtClean="0"/>
+              <a:t>– </a:t>
+            </a:r>
+            <a:r>
+              <a:rPr lang="ru-RU" sz="2400" dirty="0" smtClean="0"/>
+              <a:t>получение </a:t>
+            </a:r>
+            <a:r>
+              <a:rPr lang="en-US" sz="2400" dirty="0" smtClean="0"/>
+              <a:t>IP-</a:t>
+            </a:r>
+            <a:r>
+              <a:rPr lang="ru-RU" sz="2400" dirty="0" smtClean="0"/>
+              <a:t>адреса в текстовой форме</a:t>
+            </a:r>
+          </a:p>
+          <a:p>
+            <a:pPr marL="0" indent="0">
+              <a:buNone/>
+            </a:pPr>
+            <a:r>
+              <a:rPr lang="ru-RU" sz="2400" u="sng" dirty="0" smtClean="0"/>
+              <a:t>Прочие</a:t>
+            </a:r>
+          </a:p>
+          <a:p>
+            <a:r>
+              <a:rPr lang="ru-RU" sz="2400" dirty="0" smtClean="0"/>
+              <a:t>    </a:t>
+            </a:r>
+            <a:r>
+              <a:rPr lang="en-US" sz="2400" dirty="0" err="1" smtClean="0">
+                <a:solidFill>
+                  <a:srgbClr val="0070C0"/>
+                </a:solidFill>
+              </a:rPr>
+              <a:t>isReachable</a:t>
+            </a:r>
+            <a:r>
+              <a:rPr lang="en-US" sz="2400" dirty="0" smtClean="0">
+                <a:solidFill>
+                  <a:srgbClr val="0070C0"/>
+                </a:solidFill>
+              </a:rPr>
+              <a:t>(</a:t>
+            </a:r>
+            <a:r>
+              <a:rPr lang="en-US" sz="2400" dirty="0" err="1" smtClean="0">
+                <a:solidFill>
+                  <a:srgbClr val="0070C0"/>
+                </a:solidFill>
+              </a:rPr>
+              <a:t>int</a:t>
+            </a:r>
+            <a:r>
+              <a:rPr lang="en-US" sz="2400" dirty="0" smtClean="0">
+                <a:solidFill>
+                  <a:srgbClr val="0070C0"/>
+                </a:solidFill>
+              </a:rPr>
+              <a:t> timeout)</a:t>
+            </a:r>
+            <a:r>
+              <a:rPr lang="en-US" sz="2400" dirty="0" smtClean="0"/>
+              <a:t> – </a:t>
+            </a:r>
+            <a:r>
+              <a:rPr lang="ru-RU" sz="2400" dirty="0" smtClean="0"/>
+              <a:t>проверка достижимости</a:t>
+            </a:r>
+            <a:endParaRPr lang="ru-RU" sz="2400" dirty="0"/>
+          </a:p>
+        </p:txBody>
+      </p:sp>
+    </p:spTree>
+    <p:extLst>
+      <p:ext uri="{BB962C8B-B14F-4D97-AF65-F5344CB8AC3E}">
+        <p14:creationId xmlns:p14="http://schemas.microsoft.com/office/powerpoint/2010/main" val="1661315362"/>
+      </p:ext>
+    </p:extLst>
+  </p:cSld>
+  <p:clrMapOvr>
+    <a:masterClrMapping/>
+  </p:clrMapOvr>
+  <p:timing>
+    <p:tnLst>
+      <p:par>
+        <p:cTn id="1" dur="indefinite" restart="never" nodeType="tmRoot"/>
+      </p:par>
+    </p:tnLst>
+  </p:timing>
+</p:sld>
+</file>
+
+<file path=ppt/slides/slide21.xml><?xml version="1.0" encoding="utf-8"?>
+<p:sld xmlns:a="http://schemas.openxmlformats.org/drawingml/2006/main" xmlns:r="http://schemas.openxmlformats.org/officeDocument/2006/relationships" xmlns:p="http://schemas.openxmlformats.org/presentationml/2006/main">
+  <p:cSld>
+    <p:spTree>
+      <p:nvGrpSpPr>
+        <p:cNvPr id="1" name=""/>
+        <p:cNvGrpSpPr/>
+        <p:nvPr/>
+      </p:nvGrpSpPr>
+      <p:grpSpPr>
+        <a:xfrm>
+          <a:off x="0" y="0"/>
+          <a:ext cx="0" cy="0"/>
+          <a:chOff x="0" y="0"/>
+          <a:chExt cx="0" cy="0"/>
+        </a:xfrm>
+      </p:grpSpPr>
+      <p:sp>
+        <p:nvSpPr>
+          <p:cNvPr id="2" name="Заголовок 1"/>
+          <p:cNvSpPr>
+            <a:spLocks noGrp="1"/>
+          </p:cNvSpPr>
+          <p:nvPr>
+            <p:ph type="title"/>
+          </p:nvPr>
+        </p:nvSpPr>
+        <p:spPr/>
+        <p:txBody>
+          <a:bodyPr/>
+          <a:lstStyle/>
+          <a:p>
+            <a:r>
+              <a:rPr lang="ru-RU" dirty="0" smtClean="0"/>
               <a:t>Адрес порта</a:t>
             </a:r>
             <a:endParaRPr lang="ru-RU" dirty="0"/>
@@ -6840,209 +7119,6 @@
 </p:sld>
 </file>
 
-<file path=ppt/slides/slide21.xml><?xml version="1.0" encoding="utf-8"?>
-<p:sld xmlns:a="http://schemas.openxmlformats.org/drawingml/2006/main" xmlns:r="http://schemas.openxmlformats.org/officeDocument/2006/relationships" xmlns:p="http://schemas.openxmlformats.org/presentationml/2006/main">
-  <p:cSld>
-    <p:spTree>
-      <p:nvGrpSpPr>
-        <p:cNvPr id="1" name=""/>
-        <p:cNvGrpSpPr/>
-        <p:nvPr/>
-      </p:nvGrpSpPr>
-      <p:grpSpPr>
-        <a:xfrm>
-          <a:off x="0" y="0"/>
-          <a:ext cx="0" cy="0"/>
-          <a:chOff x="0" y="0"/>
-          <a:chExt cx="0" cy="0"/>
-        </a:xfrm>
-      </p:grpSpPr>
-      <p:sp>
-        <p:nvSpPr>
-          <p:cNvPr id="2" name="Заголовок 1"/>
-          <p:cNvSpPr>
-            <a:spLocks noGrp="1"/>
-          </p:cNvSpPr>
-          <p:nvPr>
-            <p:ph type="title"/>
-          </p:nvPr>
-        </p:nvSpPr>
-        <p:spPr/>
-        <p:txBody>
-          <a:bodyPr/>
-          <a:lstStyle/>
-          <a:p>
-            <a:r>
-              <a:rPr lang="ru-RU" dirty="0" smtClean="0"/>
-              <a:t>Создание адресов порта</a:t>
-            </a:r>
-            <a:endParaRPr lang="ru-RU" dirty="0"/>
-          </a:p>
-        </p:txBody>
-      </p:sp>
-      <p:sp>
-        <p:nvSpPr>
-          <p:cNvPr id="3" name="Объект 2"/>
-          <p:cNvSpPr>
-            <a:spLocks noGrp="1"/>
-          </p:cNvSpPr>
-          <p:nvPr>
-            <p:ph idx="1"/>
-          </p:nvPr>
-        </p:nvSpPr>
-        <p:spPr/>
-        <p:txBody>
-          <a:bodyPr/>
-          <a:lstStyle/>
-          <a:p>
-            <a:pPr marL="0" indent="0">
-              <a:buNone/>
-            </a:pPr>
-            <a:r>
-              <a:rPr lang="ru-RU" u="sng" dirty="0" smtClean="0"/>
-              <a:t>Конструкторы класса </a:t>
-            </a:r>
-            <a:r>
-              <a:rPr lang="en-US" u="sng" dirty="0" err="1" smtClean="0"/>
-              <a:t>InetSocketAddress</a:t>
-            </a:r>
-            <a:endParaRPr lang="en-US" u="sng" dirty="0" smtClean="0"/>
-          </a:p>
-          <a:p>
-            <a:r>
-              <a:rPr lang="en-US" dirty="0" smtClean="0">
-                <a:solidFill>
-                  <a:srgbClr val="0070C0"/>
-                </a:solidFill>
-              </a:rPr>
-              <a:t>    </a:t>
-            </a:r>
-            <a:r>
-              <a:rPr lang="en-US" dirty="0" err="1" smtClean="0">
-                <a:solidFill>
-                  <a:srgbClr val="0070C0"/>
-                </a:solidFill>
-              </a:rPr>
-              <a:t>InetSocketAddress</a:t>
-            </a:r>
-            <a:r>
-              <a:rPr lang="en-US" dirty="0" smtClean="0">
-                <a:solidFill>
-                  <a:srgbClr val="0070C0"/>
-                </a:solidFill>
-              </a:rPr>
-              <a:t>(</a:t>
-            </a:r>
-            <a:r>
-              <a:rPr lang="en-US" dirty="0" err="1" smtClean="0">
-                <a:solidFill>
-                  <a:srgbClr val="0070C0"/>
-                </a:solidFill>
-              </a:rPr>
-              <a:t>InetAddress</a:t>
-            </a:r>
-            <a:r>
-              <a:rPr lang="en-US" dirty="0" smtClean="0">
-                <a:solidFill>
-                  <a:srgbClr val="0070C0"/>
-                </a:solidFill>
-              </a:rPr>
-              <a:t>, </a:t>
-            </a:r>
-            <a:r>
-              <a:rPr lang="en-US" dirty="0" err="1" smtClean="0">
-                <a:solidFill>
-                  <a:srgbClr val="0070C0"/>
-                </a:solidFill>
-              </a:rPr>
-              <a:t>int</a:t>
-            </a:r>
-            <a:r>
-              <a:rPr lang="en-US" dirty="0" smtClean="0">
-                <a:solidFill>
-                  <a:srgbClr val="0070C0"/>
-                </a:solidFill>
-              </a:rPr>
-              <a:t> port) </a:t>
-            </a:r>
-            <a:r>
-              <a:rPr lang="en-US" dirty="0" smtClean="0"/>
-              <a:t>– </a:t>
-            </a:r>
-            <a:r>
-              <a:rPr lang="ru-RU" dirty="0" smtClean="0"/>
-              <a:t>по адресу и порту</a:t>
-            </a:r>
-          </a:p>
-          <a:p>
-            <a:r>
-              <a:rPr lang="ru-RU" dirty="0" smtClean="0"/>
-              <a:t>    </a:t>
-            </a:r>
-            <a:r>
-              <a:rPr lang="en-US" dirty="0" err="1" smtClean="0">
-                <a:solidFill>
-                  <a:srgbClr val="0070C0"/>
-                </a:solidFill>
-              </a:rPr>
-              <a:t>InetSocketAddress</a:t>
-            </a:r>
-            <a:r>
-              <a:rPr lang="en-US" dirty="0" smtClean="0">
-                <a:solidFill>
-                  <a:srgbClr val="0070C0"/>
-                </a:solidFill>
-              </a:rPr>
-              <a:t>(String, </a:t>
-            </a:r>
-            <a:r>
-              <a:rPr lang="en-US" dirty="0" err="1" smtClean="0">
-                <a:solidFill>
-                  <a:srgbClr val="0070C0"/>
-                </a:solidFill>
-              </a:rPr>
-              <a:t>int</a:t>
-            </a:r>
-            <a:r>
-              <a:rPr lang="en-US" dirty="0" smtClean="0">
-                <a:solidFill>
-                  <a:srgbClr val="0070C0"/>
-                </a:solidFill>
-              </a:rPr>
-              <a:t> port) </a:t>
-            </a:r>
-            <a:r>
-              <a:rPr lang="en-US" dirty="0" smtClean="0"/>
-              <a:t>– </a:t>
-            </a:r>
-            <a:r>
-              <a:rPr lang="ru-RU" dirty="0" smtClean="0"/>
-              <a:t>по доменному имени и порту</a:t>
-            </a:r>
-            <a:endParaRPr lang="ru-RU" dirty="0"/>
-          </a:p>
-        </p:txBody>
-      </p:sp>
-    </p:spTree>
-    <p:extLst>
-      <p:ext uri="{BB962C8B-B14F-4D97-AF65-F5344CB8AC3E}">
-        <p14:creationId xmlns:p14="http://schemas.microsoft.com/office/powerpoint/2010/main" val="3143102808"/>
-      </p:ext>
-    </p:extLst>
-  </p:cSld>
-  <p:clrMapOvr>
-    <a:masterClrMapping/>
-  </p:clrMapOvr>
-  <p:timing>
-    <p:tnLst>
-      <p:par>
-        <p:cTn id="1" dur="indefinite" restart="never" nodeType="tmRoot"/>
-      </p:par>
-    </p:tnLst>
-  </p:timing>
-</p:sld>
-</file>
-
 <file path=ppt/slides/slide22.xml><?xml version="1.0" encoding="utf-8"?>
 <p:sld xmlns:a="http://schemas.openxmlformats.org/drawingml/2006/main" xmlns:r="http://schemas.openxmlformats.org/officeDocument/2006/relationships" xmlns:p="http://schemas.openxmlformats.org/presentationml/2006/main">
   <p:cSld>
@@ -7077,7 +7153,7 @@
           <a:p>
             <a:r>
               <a:rPr lang="ru-RU" dirty="0" smtClean="0"/>
-              <a:t>Методы адресов портов</a:t>
+              <a:t>Создание адресов порта</a:t>
             </a:r>
             <a:endParaRPr lang="ru-RU" dirty="0"/>
           </a:p>
@@ -7102,8 +7178,79 @@
               <a:buNone/>
             </a:pPr>
             <a:r>
+              <a:rPr lang="ru-RU" u="sng" dirty="0" smtClean="0"/>
+              <a:t>Конструкторы класса </a:t>
+            </a:r>
+            <a:r>
+              <a:rPr lang="en-US" u="sng" dirty="0" err="1" smtClean="0"/>
+              <a:t>InetSocketAddress</a:t>
+            </a:r>
+            <a:endParaRPr lang="en-US" u="sng" dirty="0" smtClean="0"/>
+          </a:p>
+          <a:p>
+            <a:r>
+              <a:rPr lang="en-US" dirty="0" smtClean="0">
+                <a:solidFill>
+                  <a:srgbClr val="0070C0"/>
+                </a:solidFill>
+              </a:rPr>
+              <a:t>    </a:t>
+            </a:r>
+            <a:r>
+              <a:rPr lang="en-US" dirty="0" err="1" smtClean="0">
+                <a:solidFill>
+                  <a:srgbClr val="0070C0"/>
+                </a:solidFill>
+              </a:rPr>
+              <a:t>InetSocketAddress</a:t>
+            </a:r>
+            <a:r>
+              <a:rPr lang="en-US" dirty="0" smtClean="0">
+                <a:solidFill>
+                  <a:srgbClr val="0070C0"/>
+                </a:solidFill>
+              </a:rPr>
+              <a:t>(</a:t>
+            </a:r>
+            <a:r>
+              <a:rPr lang="en-US" dirty="0" err="1" smtClean="0">
+                <a:solidFill>
+                  <a:srgbClr val="0070C0"/>
+                </a:solidFill>
+              </a:rPr>
+              <a:t>InetAddress</a:t>
+            </a:r>
+            <a:r>
+              <a:rPr lang="en-US" dirty="0" smtClean="0">
+                <a:solidFill>
+                  <a:srgbClr val="0070C0"/>
+                </a:solidFill>
+              </a:rPr>
+              <a:t>, </a:t>
+            </a:r>
+            <a:r>
+              <a:rPr lang="en-US" dirty="0" err="1" smtClean="0">
+                <a:solidFill>
+                  <a:srgbClr val="0070C0"/>
+                </a:solidFill>
+              </a:rPr>
+              <a:t>int</a:t>
+            </a:r>
+            <a:r>
+              <a:rPr lang="en-US" dirty="0" smtClean="0">
+                <a:solidFill>
+                  <a:srgbClr val="0070C0"/>
+                </a:solidFill>
+              </a:rPr>
+              <a:t> port) </a:t>
+            </a:r>
+            <a:r>
+              <a:rPr lang="en-US" dirty="0" smtClean="0"/>
+              <a:t>– </a:t>
+            </a:r>
+            <a:r>
               <a:rPr lang="ru-RU" dirty="0" smtClean="0"/>
-              <a:t>Информация об адресе</a:t>
+              <a:t>по адресу и порту</a:t>
             </a:r>
           </a:p>
           <a:p>
@@ -7112,76 +7259,44 @@
               <a:t>    </a:t>
             </a:r>
             <a:r>
-              <a:rPr lang="ru-RU" dirty="0" err="1" smtClean="0">
-                <a:solidFill>
-                  <a:srgbClr val="0070C0"/>
-                </a:solidFill>
-              </a:rPr>
-              <a:t>getAddress</a:t>
-            </a:r>
-            <a:r>
-              <a:rPr lang="ru-RU" dirty="0" smtClean="0">
-                <a:solidFill>
-                  <a:srgbClr val="0070C0"/>
-                </a:solidFill>
-              </a:rPr>
-              <a:t>() </a:t>
+              <a:rPr lang="en-US" dirty="0" err="1" smtClean="0">
+                <a:solidFill>
+                  <a:srgbClr val="0070C0"/>
+                </a:solidFill>
+              </a:rPr>
+              <a:t>InetSocketAddress</a:t>
+            </a:r>
+            <a:r>
+              <a:rPr lang="en-US" dirty="0" smtClean="0">
+                <a:solidFill>
+                  <a:srgbClr val="0070C0"/>
+                </a:solidFill>
+              </a:rPr>
+              <a:t>(String, </a:t>
+            </a:r>
+            <a:r>
+              <a:rPr lang="en-US" dirty="0" err="1" smtClean="0">
+                <a:solidFill>
+                  <a:srgbClr val="0070C0"/>
+                </a:solidFill>
+              </a:rPr>
+              <a:t>int</a:t>
+            </a:r>
+            <a:r>
+              <a:rPr lang="en-US" dirty="0" smtClean="0">
+                <a:solidFill>
+                  <a:srgbClr val="0070C0"/>
+                </a:solidFill>
+              </a:rPr>
+              <a:t> port) </a:t>
+            </a:r>
+            <a:r>
+              <a:rPr lang="en-US" dirty="0" smtClean="0"/>
+              <a:t>– </a:t>
             </a:r>
             <a:r>
               <a:rPr lang="ru-RU" dirty="0" smtClean="0"/>
-              <a:t>– получение интернет-адреса</a:t>
-            </a:r>
-          </a:p>
-          <a:p>
-            <a:r>
-              <a:rPr lang="ru-RU" dirty="0" smtClean="0"/>
-              <a:t>    </a:t>
-            </a:r>
-            <a:r>
-              <a:rPr lang="ru-RU" dirty="0" err="1" smtClean="0">
-                <a:solidFill>
-                  <a:srgbClr val="0070C0"/>
-                </a:solidFill>
-              </a:rPr>
-              <a:t>getHostName</a:t>
-            </a:r>
-            <a:r>
-              <a:rPr lang="ru-RU" dirty="0" smtClean="0">
-                <a:solidFill>
-                  <a:srgbClr val="0070C0"/>
-                </a:solidFill>
-              </a:rPr>
-              <a:t>() </a:t>
-            </a:r>
-            <a:r>
-              <a:rPr lang="ru-RU" dirty="0" smtClean="0"/>
-              <a:t>– получение имени</a:t>
-            </a:r>
-          </a:p>
-          <a:p>
-            <a:r>
-              <a:rPr lang="ru-RU" dirty="0" smtClean="0"/>
-              <a:t>    </a:t>
-            </a:r>
-            <a:r>
-              <a:rPr lang="ru-RU" dirty="0" err="1" smtClean="0">
-                <a:solidFill>
-                  <a:srgbClr val="0070C0"/>
-                </a:solidFill>
-              </a:rPr>
-              <a:t>getPort</a:t>
-            </a:r>
-            <a:r>
-              <a:rPr lang="ru-RU" dirty="0" smtClean="0">
-                <a:solidFill>
-                  <a:srgbClr val="0070C0"/>
-                </a:solidFill>
-              </a:rPr>
-              <a:t>() </a:t>
-            </a:r>
-            <a:r>
-              <a:rPr lang="ru-RU" dirty="0" smtClean="0"/>
-              <a:t>– получение порта</a:t>
+              <a:t>по доменному имени и порту</a:t>
             </a:r>
             <a:endParaRPr lang="ru-RU" dirty="0"/>
           </a:p>
@@ -7190,7 +7305,7 @@
     </p:spTree>
     <p:extLst>
       <p:ext uri="{BB962C8B-B14F-4D97-AF65-F5344CB8AC3E}">
-        <p14:creationId xmlns:p14="http://schemas.microsoft.com/office/powerpoint/2010/main" val="3220317410"/>
+        <p14:creationId xmlns:p14="http://schemas.microsoft.com/office/powerpoint/2010/main" val="3143102808"/>
       </p:ext>
     </p:extLst>
   </p:cSld>
@@ -7240,6 +7355,170 @@
           <a:lstStyle/>
           <a:p>
             <a:r>
+              <a:rPr lang="ru-RU" dirty="0" smtClean="0"/>
+              <a:t>Методы адресов портов</a:t>
+            </a:r>
+            <a:endParaRPr lang="ru-RU" dirty="0"/>
+          </a:p>
+        </p:txBody>
+      </p:sp>
+      <p:sp>
+        <p:nvSpPr>
+          <p:cNvPr id="3" name="Объект 2"/>
+          <p:cNvSpPr>
+            <a:spLocks noGrp="1"/>
+          </p:cNvSpPr>
+          <p:nvPr>
+            <p:ph idx="1"/>
+          </p:nvPr>
+        </p:nvSpPr>
+        <p:spPr/>
+        <p:txBody>
+          <a:bodyPr/>
+          <a:lstStyle/>
+          <a:p>
+            <a:pPr marL="0" indent="0">
+              <a:buNone/>
+            </a:pPr>
+            <a:r>
+              <a:rPr lang="ru-RU" dirty="0" smtClean="0"/>
+              <a:t>Информация об адресе</a:t>
+            </a:r>
+          </a:p>
+          <a:p>
+            <a:r>
+              <a:rPr lang="ru-RU" dirty="0" smtClean="0"/>
+              <a:t>    </a:t>
+            </a:r>
+            <a:r>
+              <a:rPr lang="ru-RU" dirty="0" err="1" smtClean="0">
+                <a:solidFill>
+                  <a:srgbClr val="0070C0"/>
+                </a:solidFill>
+              </a:rPr>
+              <a:t>getAddress</a:t>
+            </a:r>
+            <a:r>
+              <a:rPr lang="ru-RU" dirty="0" smtClean="0">
+                <a:solidFill>
+                  <a:srgbClr val="0070C0"/>
+                </a:solidFill>
+              </a:rPr>
+              <a:t>() </a:t>
+            </a:r>
+            <a:r>
+              <a:rPr lang="ru-RU" dirty="0" smtClean="0"/>
+              <a:t>– получение интернет-адреса</a:t>
+            </a:r>
+          </a:p>
+          <a:p>
+            <a:r>
+              <a:rPr lang="ru-RU" dirty="0" smtClean="0"/>
+              <a:t>    </a:t>
+            </a:r>
+            <a:r>
+              <a:rPr lang="ru-RU" dirty="0" err="1" smtClean="0">
+                <a:solidFill>
+                  <a:srgbClr val="0070C0"/>
+                </a:solidFill>
+              </a:rPr>
+              <a:t>getHostName</a:t>
+            </a:r>
+            <a:r>
+              <a:rPr lang="ru-RU" dirty="0" smtClean="0">
+                <a:solidFill>
+                  <a:srgbClr val="0070C0"/>
+                </a:solidFill>
+              </a:rPr>
+              <a:t>() </a:t>
+            </a:r>
+            <a:r>
+              <a:rPr lang="ru-RU" dirty="0" smtClean="0"/>
+              <a:t>– получение имени</a:t>
+            </a:r>
+          </a:p>
+          <a:p>
+            <a:r>
+              <a:rPr lang="ru-RU" dirty="0" smtClean="0"/>
+              <a:t>    </a:t>
+            </a:r>
+            <a:r>
+              <a:rPr lang="ru-RU" dirty="0" err="1" smtClean="0">
+                <a:solidFill>
+                  <a:srgbClr val="0070C0"/>
+                </a:solidFill>
+              </a:rPr>
+              <a:t>getPort</a:t>
+            </a:r>
+            <a:r>
+              <a:rPr lang="ru-RU" dirty="0" smtClean="0">
+                <a:solidFill>
+                  <a:srgbClr val="0070C0"/>
+                </a:solidFill>
+              </a:rPr>
+              <a:t>() </a:t>
+            </a:r>
+            <a:r>
+              <a:rPr lang="ru-RU" dirty="0" smtClean="0"/>
+              <a:t>– получение порта</a:t>
+            </a:r>
+            <a:endParaRPr lang="ru-RU" dirty="0"/>
+          </a:p>
+        </p:txBody>
+      </p:sp>
+    </p:spTree>
+    <p:extLst>
+      <p:ext uri="{BB962C8B-B14F-4D97-AF65-F5344CB8AC3E}">
+        <p14:creationId xmlns:p14="http://schemas.microsoft.com/office/powerpoint/2010/main" val="3220317410"/>
+      </p:ext>
+    </p:extLst>
+  </p:cSld>
+  <p:clrMapOvr>
+    <a:masterClrMapping/>
+  </p:clrMapOvr>
+  <p:timing>
+    <p:tnLst>
+      <p:par>
+        <p:cTn id="1" dur="indefinite" restart="never" nodeType="tmRoot"/>
+      </p:par>
+    </p:tnLst>
+  </p:timing>
+</p:sld>
+</file>
+
+<file path=ppt/slides/slide24.xml><?xml version="1.0" encoding="utf-8"?>
+<p:sld xmlns:a="http://schemas.openxmlformats.org/drawingml/2006/main" xmlns:r="http://schemas.openxmlformats.org/officeDocument/2006/relationships" xmlns:p="http://schemas.openxmlformats.org/presentationml/2006/main">
+  <p:cSld>
+    <p:spTree>
+      <p:nvGrpSpPr>
+        <p:cNvPr id="1" name=""/>
+        <p:cNvGrpSpPr/>
+        <p:nvPr/>
+      </p:nvGrpSpPr>
+      <p:grpSpPr>
+        <a:xfrm>
+          <a:off x="0" y="0"/>
+          <a:ext cx="0" cy="0"/>
+          <a:chOff x="0" y="0"/>
+          <a:chExt cx="0" cy="0"/>
+        </a:xfrm>
+      </p:grpSpPr>
+      <p:sp>
+        <p:nvSpPr>
+          <p:cNvPr id="2" name="Заголовок 1"/>
+          <p:cNvSpPr>
+            <a:spLocks noGrp="1"/>
+          </p:cNvSpPr>
+          <p:nvPr>
+            <p:ph type="title"/>
+          </p:nvPr>
+        </p:nvSpPr>
+        <p:spPr/>
+        <p:txBody>
+          <a:bodyPr/>
+          <a:lstStyle/>
+          <a:p>
+            <a:r>
               <a:rPr lang="en-US" dirty="0" smtClean="0"/>
               <a:t>TCP-</a:t>
             </a:r>
@@ -7359,7 +7638,7 @@
 </p:sld>
 </file>
 
-<file path=ppt/slides/slide24.xml><?xml version="1.0" encoding="utf-8"?>
+<file path=ppt/slides/slide25.xml><?xml version="1.0" encoding="utf-8"?>
 <p:sld xmlns:a="http://schemas.openxmlformats.org/drawingml/2006/main" xmlns:r="http://schemas.openxmlformats.org/officeDocument/2006/relationships" xmlns:p="http://schemas.openxmlformats.org/presentationml/2006/main">
   <p:cSld>
     <p:spTree>
@@ -7457,263 +7736,6 @@
 </p:sld>
 </file>
 
-<file path=ppt/slides/slide25.xml><?xml version="1.0" encoding="utf-8"?>
-<p:sld xmlns:a="http://schemas.openxmlformats.org/drawingml/2006/main" xmlns:r="http://schemas.openxmlformats.org/officeDocument/2006/relationships" xmlns:p="http://schemas.openxmlformats.org/presentationml/2006/main">
-  <p:cSld>
-    <p:spTree>
-      <p:nvGrpSpPr>
-        <p:cNvPr id="1" name=""/>
-        <p:cNvGrpSpPr/>
-        <p:nvPr/>
-      </p:nvGrpSpPr>
-      <p:grpSpPr>
-        <a:xfrm>
-          <a:off x="0" y="0"/>
-          <a:ext cx="0" cy="0"/>
-          <a:chOff x="0" y="0"/>
-          <a:chExt cx="0" cy="0"/>
-        </a:xfrm>
-      </p:grpSpPr>
-      <p:sp>
-        <p:nvSpPr>
-          <p:cNvPr id="2" name="Заголовок 1"/>
-          <p:cNvSpPr>
-            <a:spLocks noGrp="1"/>
-          </p:cNvSpPr>
-          <p:nvPr>
-            <p:ph type="title"/>
-          </p:nvPr>
-        </p:nvSpPr>
-        <p:spPr/>
-        <p:txBody>
-          <a:bodyPr/>
-          <a:lstStyle/>
-          <a:p>
-            <a:r>
-              <a:rPr lang="ru-RU" dirty="0" smtClean="0"/>
-              <a:t>Создание соединения на клиенте</a:t>
-            </a:r>
-            <a:endParaRPr lang="ru-RU" dirty="0"/>
-          </a:p>
-        </p:txBody>
-      </p:sp>
-      <p:sp>
-        <p:nvSpPr>
-          <p:cNvPr id="3" name="Объект 2"/>
-          <p:cNvSpPr>
-            <a:spLocks noGrp="1"/>
-          </p:cNvSpPr>
-          <p:nvPr>
-            <p:ph idx="1"/>
-          </p:nvPr>
-        </p:nvSpPr>
-        <p:spPr/>
-        <p:txBody>
-          <a:bodyPr/>
-          <a:lstStyle/>
-          <a:p>
-            <a:pPr marL="0" indent="0">
-              <a:buNone/>
-            </a:pPr>
-            <a:r>
-              <a:rPr lang="ru-RU" sz="2400" dirty="0" smtClean="0"/>
-              <a:t>Конструкторы класса </a:t>
-            </a:r>
-            <a:r>
-              <a:rPr lang="en-US" sz="2400" dirty="0" smtClean="0"/>
-              <a:t>Socket</a:t>
-            </a:r>
-          </a:p>
-          <a:p>
-            <a:r>
-              <a:rPr lang="en-US" sz="2400" dirty="0" smtClean="0">
-                <a:solidFill>
-                  <a:srgbClr val="0070C0"/>
-                </a:solidFill>
-              </a:rPr>
-              <a:t>Socket(</a:t>
-            </a:r>
-            <a:r>
-              <a:rPr lang="en-US" sz="2400" dirty="0" err="1" smtClean="0">
-                <a:solidFill>
-                  <a:srgbClr val="0070C0"/>
-                </a:solidFill>
-              </a:rPr>
-              <a:t>InetAddress</a:t>
-            </a:r>
-            <a:r>
-              <a:rPr lang="en-US" sz="2400" dirty="0" smtClean="0">
-                <a:solidFill>
-                  <a:srgbClr val="0070C0"/>
-                </a:solidFill>
-              </a:rPr>
-              <a:t>, port) </a:t>
-            </a:r>
-            <a:r>
-              <a:rPr lang="en-US" sz="2400" dirty="0" smtClean="0"/>
-              <a:t>– </a:t>
-            </a:r>
-            <a:r>
-              <a:rPr lang="ru-RU" sz="2400" dirty="0" smtClean="0"/>
-              <a:t>по интернет-адресу</a:t>
-            </a:r>
-          </a:p>
-          <a:p>
-            <a:r>
-              <a:rPr lang="en-US" sz="2400" dirty="0" smtClean="0">
-                <a:solidFill>
-                  <a:srgbClr val="0070C0"/>
-                </a:solidFill>
-              </a:rPr>
-              <a:t>Socket(String host, port) </a:t>
-            </a:r>
-            <a:r>
-              <a:rPr lang="en-US" sz="2400" dirty="0" smtClean="0"/>
-              <a:t>– </a:t>
-            </a:r>
-            <a:r>
-              <a:rPr lang="ru-RU" sz="2400" dirty="0" smtClean="0"/>
-              <a:t>по доменному имени</a:t>
-            </a:r>
-          </a:p>
-          <a:p>
-            <a:r>
-              <a:rPr lang="en-US" sz="2400" dirty="0" smtClean="0">
-                <a:solidFill>
-                  <a:srgbClr val="0070C0"/>
-                </a:solidFill>
-              </a:rPr>
-              <a:t>Socket(</a:t>
-            </a:r>
-            <a:r>
-              <a:rPr lang="en-US" sz="2400" dirty="0" err="1" smtClean="0">
-                <a:solidFill>
-                  <a:srgbClr val="0070C0"/>
-                </a:solidFill>
-              </a:rPr>
-              <a:t>InetAddress</a:t>
-            </a:r>
-            <a:r>
-              <a:rPr lang="en-US" sz="2400" dirty="0" smtClean="0">
-                <a:solidFill>
-                  <a:srgbClr val="0070C0"/>
-                </a:solidFill>
-              </a:rPr>
-              <a:t>, port, </a:t>
-            </a:r>
-            <a:r>
-              <a:rPr lang="en-US" sz="2400" dirty="0" err="1" smtClean="0">
-                <a:solidFill>
-                  <a:srgbClr val="0070C0"/>
-                </a:solidFill>
-              </a:rPr>
-              <a:t>InetAddress</a:t>
-            </a:r>
-            <a:r>
-              <a:rPr lang="en-US" sz="2400" dirty="0" smtClean="0">
-                <a:solidFill>
-                  <a:srgbClr val="0070C0"/>
-                </a:solidFill>
-              </a:rPr>
-              <a:t>, port) </a:t>
-            </a:r>
-            <a:r>
-              <a:rPr lang="en-US" sz="2400" dirty="0" smtClean="0"/>
-              <a:t>– </a:t>
-            </a:r>
-            <a:r>
-              <a:rPr lang="ru-RU" sz="2400" dirty="0" smtClean="0"/>
-              <a:t>по заданному локальному адресу и порту</a:t>
-            </a:r>
-          </a:p>
-          <a:p>
-            <a:r>
-              <a:rPr lang="en-US" sz="2400" dirty="0" smtClean="0">
-                <a:solidFill>
-                  <a:srgbClr val="0070C0"/>
-                </a:solidFill>
-              </a:rPr>
-              <a:t>Socket() </a:t>
-            </a:r>
-            <a:r>
-              <a:rPr lang="en-US" sz="2400" dirty="0" smtClean="0"/>
-              <a:t>– </a:t>
-            </a:r>
-            <a:r>
-              <a:rPr lang="ru-RU" sz="2400" dirty="0" smtClean="0"/>
-              <a:t>без установления соединения</a:t>
-            </a:r>
-          </a:p>
-          <a:p>
-            <a:pPr marL="0" indent="0">
-              <a:buNone/>
-            </a:pPr>
-            <a:r>
-              <a:rPr lang="ru-RU" sz="2400" dirty="0" smtClean="0"/>
-              <a:t>Методы класса </a:t>
-            </a:r>
-            <a:r>
-              <a:rPr lang="en-US" sz="2400" dirty="0" smtClean="0"/>
-              <a:t>Socket</a:t>
-            </a:r>
-          </a:p>
-          <a:p>
-            <a:r>
-              <a:rPr lang="en-US" sz="2400" dirty="0" smtClean="0">
-                <a:solidFill>
-                  <a:srgbClr val="0070C0"/>
-                </a:solidFill>
-              </a:rPr>
-              <a:t>connect(</a:t>
-            </a:r>
-            <a:r>
-              <a:rPr lang="en-US" sz="2400" dirty="0" err="1" smtClean="0">
-                <a:solidFill>
-                  <a:srgbClr val="0070C0"/>
-                </a:solidFill>
-              </a:rPr>
-              <a:t>SocketAddress</a:t>
-            </a:r>
-            <a:r>
-              <a:rPr lang="en-US" sz="2400" dirty="0" smtClean="0">
-                <a:solidFill>
-                  <a:srgbClr val="0070C0"/>
-                </a:solidFill>
-              </a:rPr>
-              <a:t>, timeout?) </a:t>
-            </a:r>
-            <a:r>
-              <a:rPr lang="en-US" sz="2400" dirty="0" smtClean="0"/>
-              <a:t>– </a:t>
-            </a:r>
-            <a:r>
-              <a:rPr lang="ru-RU" sz="2400" dirty="0" smtClean="0"/>
-              <a:t>установить соединение</a:t>
-            </a:r>
-            <a:endParaRPr lang="ru-RU" sz="2400" dirty="0"/>
-          </a:p>
-        </p:txBody>
-      </p:sp>
-    </p:spTree>
-    <p:extLst>
-      <p:ext uri="{BB962C8B-B14F-4D97-AF65-F5344CB8AC3E}">
-        <p14:creationId xmlns:p14="http://schemas.microsoft.com/office/powerpoint/2010/main" val="1560232411"/>
-      </p:ext>
-    </p:extLst>
-  </p:cSld>
-  <p:clrMapOvr>
-    <a:masterClrMapping/>
-  </p:clrMapOvr>
-  <p:timing>
-    <p:tnLst>
-      <p:par>
-        <p:cTn id="1" dur="indefinite" restart="never" nodeType="tmRoot"/>
-      </p:par>
-    </p:tnLst>
-  </p:timing>
-</p:sld>
-</file>
-
 <file path=ppt/slides/slide26.xml><?xml version="1.0" encoding="utf-8"?>
 <p:sld xmlns:a="http://schemas.openxmlformats.org/drawingml/2006/main" xmlns:r="http://schemas.openxmlformats.org/officeDocument/2006/relationships" xmlns:p="http://schemas.openxmlformats.org/presentationml/2006/main">
   <p:cSld>
@@ -7748,7 +7770,7 @@
           <a:p>
             <a:r>
               <a:rPr lang="ru-RU" dirty="0" smtClean="0"/>
-              <a:t>Ввод-вывод</a:t>
+              <a:t>Создание соединения на клиенте</a:t>
             </a:r>
             <a:endParaRPr lang="ru-RU" dirty="0"/>
           </a:p>
@@ -7774,17 +7796,29 @@
             </a:pPr>
             <a:r>
               <a:rPr lang="ru-RU" sz="2400" dirty="0" smtClean="0"/>
-              <a:t>Потоки</a:t>
-            </a:r>
-          </a:p>
-          <a:p>
+              <a:t>Конструкторы класса </a:t>
+            </a:r>
+            <a:r>
+              <a:rPr lang="en-US" sz="2400" dirty="0" smtClean="0"/>
+              <a:t>Socket</a:t>
+            </a:r>
+          </a:p>
+          <a:p>
+            <a:r>
+              <a:rPr lang="en-US" sz="2400" dirty="0" smtClean="0">
+                <a:solidFill>
+                  <a:srgbClr val="0070C0"/>
+                </a:solidFill>
+              </a:rPr>
+              <a:t>Socket(</a:t>
+            </a:r>
             <a:r>
               <a:rPr lang="en-US" sz="2400" dirty="0" err="1" smtClean="0">
                 <a:solidFill>
                   <a:srgbClr val="0070C0"/>
                 </a:solidFill>
               </a:rPr>
-              <a:t>getInputStream</a:t>
+              <a:t>InetAddress</a:t>
             </a:r>
             <a:r>
               <a:rPr lang="en-US" sz="2400" dirty="0" smtClean="0">
@@ -7792,7 +7826,7 @@
                   <a:srgbClr val="0070C0"/>
                 </a:solidFill>
               </a:rPr>
-              <a:t>() </a:t>
+              <a:t>, port) </a:t>
             </a:r>
             <a:r>
               <a:rPr lang="en-US" sz="2400" dirty="0" smtClean="0"/>
@@ -7800,25 +7834,17 @@
             </a:r>
             <a:r>
               <a:rPr lang="ru-RU" sz="2400" dirty="0" smtClean="0"/>
-              <a:t>входящий поток</a:t>
-            </a:r>
-          </a:p>
-          <a:p>
-            <a:r>
-              <a:rPr lang="en-US" sz="2400" dirty="0" err="1" smtClean="0">
-                <a:solidFill>
-                  <a:srgbClr val="0070C0"/>
-                </a:solidFill>
-              </a:rPr>
-              <a:t>getOutputStream</a:t>
-            </a:r>
+              <a:t>по интернет-адресу</a:t>
+            </a:r>
+          </a:p>
+          <a:p>
             <a:r>
               <a:rPr lang="en-US" sz="2400" dirty="0" smtClean="0">
                 <a:solidFill>
                   <a:srgbClr val="0070C0"/>
                 </a:solidFill>
               </a:rPr>
-              <a:t>() </a:t>
+              <a:t>Socket(String host, port) </a:t>
             </a:r>
             <a:r>
               <a:rPr lang="en-US" sz="2400" dirty="0" smtClean="0"/>
@@ -7826,7 +7852,75 @@
             </a:r>
             <a:r>
               <a:rPr lang="ru-RU" sz="2400" dirty="0" smtClean="0"/>
-              <a:t>исходящий поток</a:t>
+              <a:t>по доменному имени</a:t>
+            </a:r>
+          </a:p>
+          <a:p>
+            <a:r>
+              <a:rPr lang="en-US" sz="2400" dirty="0" smtClean="0">
+                <a:solidFill>
+                  <a:srgbClr val="0070C0"/>
+                </a:solidFill>
+              </a:rPr>
+              <a:t>Socket(</a:t>
+            </a:r>
+            <a:r>
+              <a:rPr lang="en-US" sz="2400" dirty="0" err="1" smtClean="0">
+                <a:solidFill>
+                  <a:srgbClr val="0070C0"/>
+                </a:solidFill>
+              </a:rPr>
+              <a:t>InetAddress</a:t>
+            </a:r>
+            <a:r>
+              <a:rPr lang="en-US" sz="2400" dirty="0" smtClean="0">
+                <a:solidFill>
+                  <a:srgbClr val="0070C0"/>
+                </a:solidFill>
+              </a:rPr>
+              <a:t>, port, </a:t>
+            </a:r>
+            <a:r>
+              <a:rPr lang="en-US" sz="2400" dirty="0" err="1" smtClean="0">
+                <a:solidFill>
+                  <a:srgbClr val="0070C0"/>
+                </a:solidFill>
+              </a:rPr>
+              <a:t>InetAddress</a:t>
+            </a:r>
+            <a:r>
+              <a:rPr lang="en-US" sz="2400" dirty="0" smtClean="0">
+                <a:solidFill>
+                  <a:srgbClr val="0070C0"/>
+                </a:solidFill>
+              </a:rPr>
+              <a:t>, port) </a:t>
+            </a:r>
+            <a:r>
+              <a:rPr lang="en-US" sz="2400" dirty="0" smtClean="0"/>
+              <a:t>– </a:t>
+            </a:r>
+            <a:r>
+              <a:rPr lang="ru-RU" sz="2400" dirty="0" smtClean="0"/>
+              <a:t>по заданному локальному адресу и порту</a:t>
+            </a:r>
+          </a:p>
+          <a:p>
+            <a:r>
+              <a:rPr lang="en-US" sz="2400" dirty="0" smtClean="0">
+                <a:solidFill>
+                  <a:srgbClr val="0070C0"/>
+                </a:solidFill>
+              </a:rPr>
+              <a:t>Socket() </a:t>
+            </a:r>
+            <a:r>
+              <a:rPr lang="en-US" sz="2400" dirty="0" smtClean="0"/>
+              <a:t>– </a:t>
+            </a:r>
+            <a:r>
+              <a:rPr lang="ru-RU" sz="2400" dirty="0" smtClean="0"/>
+              <a:t>без установления соединения</a:t>
             </a:r>
           </a:p>
           <a:p>
@@ -7835,17 +7929,29 @@
             </a:pPr>
             <a:r>
               <a:rPr lang="ru-RU" sz="2400" dirty="0" smtClean="0"/>
-              <a:t>Закрытие потоков</a:t>
-            </a:r>
-          </a:p>
-          <a:p>
+              <a:t>Методы класса </a:t>
+            </a:r>
+            <a:r>
+              <a:rPr lang="en-US" sz="2400" dirty="0" smtClean="0"/>
+              <a:t>Socket</a:t>
+            </a:r>
+          </a:p>
+          <a:p>
+            <a:r>
+              <a:rPr lang="en-US" sz="2400" dirty="0" smtClean="0">
+                <a:solidFill>
+                  <a:srgbClr val="0070C0"/>
+                </a:solidFill>
+              </a:rPr>
+              <a:t>connect(</a:t>
+            </a:r>
             <a:r>
               <a:rPr lang="en-US" sz="2400" dirty="0" err="1" smtClean="0">
                 <a:solidFill>
                   <a:srgbClr val="0070C0"/>
                 </a:solidFill>
               </a:rPr>
-              <a:t>shutdownInput</a:t>
+              <a:t>SocketAddress</a:t>
             </a:r>
             <a:r>
               <a:rPr lang="en-US" sz="2400" dirty="0" smtClean="0">
@@ -7853,7 +7959,7 @@
                   <a:srgbClr val="0070C0"/>
                 </a:solidFill>
               </a:rPr>
-              <a:t>() </a:t>
+              <a:t>, timeout?) </a:t>
             </a:r>
             <a:r>
               <a:rPr lang="en-US" sz="2400" dirty="0" smtClean="0"/>
@@ -7861,106 +7967,7 @@
             </a:r>
             <a:r>
               <a:rPr lang="ru-RU" sz="2400" dirty="0" smtClean="0"/>
-              <a:t>закрытие входящего потока и отбрасывание полученных данных</a:t>
-            </a:r>
-          </a:p>
-          <a:p>
-            <a:r>
-              <a:rPr lang="en-US" sz="2400" dirty="0" err="1" smtClean="0">
-                <a:solidFill>
-                  <a:srgbClr val="0070C0"/>
-                </a:solidFill>
-              </a:rPr>
-              <a:t>shutdownOutput</a:t>
-            </a:r>
-            <a:r>
-              <a:rPr lang="en-US" sz="2400" dirty="0" smtClean="0">
-                <a:solidFill>
-                  <a:srgbClr val="0070C0"/>
-                </a:solidFill>
-              </a:rPr>
-              <a:t>() </a:t>
-            </a:r>
-            <a:r>
-              <a:rPr lang="en-US" sz="2400" dirty="0" smtClean="0"/>
-              <a:t>– </a:t>
-            </a:r>
-            <a:r>
-              <a:rPr lang="ru-RU" sz="2400" dirty="0" smtClean="0"/>
-              <a:t>закрытие исходящего потока</a:t>
-            </a:r>
-          </a:p>
-          <a:p>
-            <a:pPr marL="0" indent="0">
-              <a:buNone/>
-            </a:pPr>
-            <a:r>
-              <a:rPr lang="ru-RU" sz="2400" dirty="0" smtClean="0"/>
-              <a:t>Проверка потоков</a:t>
-            </a:r>
-          </a:p>
-          <a:p>
-            <a:r>
-              <a:rPr lang="ru-RU" sz="2400" dirty="0" smtClean="0"/>
-              <a:t>    </a:t>
-            </a:r>
-            <a:r>
-              <a:rPr lang="en-US" sz="2400" dirty="0" err="1" smtClean="0">
-                <a:solidFill>
-                  <a:srgbClr val="0070C0"/>
-                </a:solidFill>
-              </a:rPr>
-              <a:t>isInputShutdown</a:t>
-            </a:r>
-            <a:r>
-              <a:rPr lang="en-US" sz="2400" dirty="0" smtClean="0">
-                <a:solidFill>
-                  <a:srgbClr val="0070C0"/>
-                </a:solidFill>
-              </a:rPr>
-              <a:t>() </a:t>
-            </a:r>
-            <a:r>
-              <a:rPr lang="en-US" sz="2400" dirty="0" smtClean="0"/>
-              <a:t>– </a:t>
-            </a:r>
-            <a:r>
-              <a:rPr lang="ru-RU" sz="2400" dirty="0" smtClean="0"/>
-              <a:t>входящего потока</a:t>
-            </a:r>
-          </a:p>
-          <a:p>
-            <a:r>
-              <a:rPr lang="ru-RU" sz="2400" dirty="0" smtClean="0">
-                <a:solidFill>
-                  <a:srgbClr val="0070C0"/>
-                </a:solidFill>
-              </a:rPr>
-              <a:t>    </a:t>
-            </a:r>
-            <a:r>
-              <a:rPr lang="en-US" sz="2400" dirty="0" err="1" smtClean="0">
-                <a:solidFill>
-                  <a:srgbClr val="0070C0"/>
-                </a:solidFill>
-              </a:rPr>
-              <a:t>isOutputShutdown</a:t>
-            </a:r>
-            <a:r>
-              <a:rPr lang="en-US" sz="2400" dirty="0" smtClean="0">
-                <a:solidFill>
-                  <a:srgbClr val="0070C0"/>
-                </a:solidFill>
-              </a:rPr>
-              <a:t>() </a:t>
-            </a:r>
-            <a:r>
-              <a:rPr lang="en-US" sz="2400" dirty="0" smtClean="0"/>
-              <a:t>– </a:t>
-            </a:r>
-            <a:r>
-              <a:rPr lang="ru-RU" sz="2400" dirty="0" smtClean="0"/>
-              <a:t>исходящего потока</a:t>
+              <a:t>установить соединение</a:t>
             </a:r>
             <a:endParaRPr lang="ru-RU" sz="2400" dirty="0"/>
           </a:p>
@@ -7969,7 +7976,7 @@
     </p:spTree>
     <p:extLst>
       <p:ext uri="{BB962C8B-B14F-4D97-AF65-F5344CB8AC3E}">
-        <p14:creationId xmlns:p14="http://schemas.microsoft.com/office/powerpoint/2010/main" val="1563398695"/>
+        <p14:creationId xmlns:p14="http://schemas.microsoft.com/office/powerpoint/2010/main" val="1560232411"/>
       </p:ext>
     </p:extLst>
   </p:cSld>
@@ -8020,7 +8027,7 @@
           <a:p>
             <a:r>
               <a:rPr lang="ru-RU" dirty="0" smtClean="0"/>
-              <a:t>Получение информации</a:t>
+              <a:t>Ввод-вывод</a:t>
             </a:r>
             <a:endParaRPr lang="ru-RU" dirty="0"/>
           </a:p>
@@ -8036,12 +8043,7 @@
             <p:ph idx="1"/>
           </p:nvPr>
         </p:nvSpPr>
-        <p:spPr>
-          <a:xfrm>
-            <a:off x="539552" y="1412776"/>
-            <a:ext cx="7924800" cy="4419600"/>
-          </a:xfrm>
-        </p:spPr>
+        <p:spPr/>
         <p:txBody>
           <a:bodyPr/>
           <a:lstStyle/>
@@ -8050,25 +8052,21 @@
               <a:buNone/>
             </a:pPr>
             <a:r>
-              <a:rPr lang="ru-RU" sz="2800" dirty="0" smtClean="0"/>
-              <a:t>Об удаленном конце</a:t>
-            </a:r>
-          </a:p>
-          <a:p>
-            <a:r>
-              <a:rPr lang="ru-RU" sz="2800" dirty="0" smtClean="0"/>
-              <a:t>    </a:t>
-            </a:r>
-            <a:r>
-              <a:rPr lang="en-US" sz="2800" dirty="0" err="1" smtClean="0">
-                <a:solidFill>
-                  <a:srgbClr val="0070C0"/>
-                </a:solidFill>
-              </a:rPr>
-              <a:t>getInetAddress</a:t>
-            </a:r>
-            <a:r>
-              <a:rPr lang="en-US" sz="2800" dirty="0" smtClean="0">
+              <a:rPr lang="ru-RU" sz="2400" dirty="0" smtClean="0"/>
+              <a:t>Потоки</a:t>
+            </a:r>
+          </a:p>
+          <a:p>
+            <a:r>
+              <a:rPr lang="en-US" sz="2400" dirty="0" err="1" smtClean="0">
+                <a:solidFill>
+                  <a:srgbClr val="0070C0"/>
+                </a:solidFill>
+              </a:rPr>
+              <a:t>getInputStream</a:t>
+            </a:r>
+            <a:r>
+              <a:rPr lang="en-US" sz="2400" dirty="0" smtClean="0">
                 <a:solidFill>
                   <a:srgbClr val="0070C0"/>
                 </a:solidFill>
@@ -8076,33 +8074,25 @@
               <a:t>() </a:t>
             </a:r>
             <a:r>
-              <a:rPr lang="en-US" sz="2800" dirty="0" smtClean="0"/>
+              <a:rPr lang="en-US" sz="2400" dirty="0" smtClean="0"/>
               <a:t>– </a:t>
             </a:r>
             <a:r>
-              <a:rPr lang="ru-RU" sz="2800" dirty="0" smtClean="0"/>
-              <a:t>интернет адрес</a:t>
-            </a:r>
-          </a:p>
-          <a:p>
-            <a:r>
-              <a:rPr lang="ru-RU" sz="2800" dirty="0" smtClean="0">
-                <a:solidFill>
-                  <a:srgbClr val="0070C0"/>
-                </a:solidFill>
-              </a:rPr>
-              <a:t>    </a:t>
-            </a:r>
-            <a:r>
-              <a:rPr lang="en-US" sz="2800" dirty="0" err="1" smtClean="0">
-                <a:solidFill>
-                  <a:srgbClr val="0070C0"/>
-                </a:solidFill>
-              </a:rPr>
-              <a:t>getPort</a:t>
-            </a:r>
-            <a:r>
-              <a:rPr lang="en-US" sz="2800" dirty="0" smtClean="0">
+              <a:rPr lang="ru-RU" sz="2400" dirty="0" smtClean="0"/>
+              <a:t>входящий поток</a:t>
+            </a:r>
+          </a:p>
+          <a:p>
+            <a:r>
+              <a:rPr lang="en-US" sz="2400" dirty="0" err="1" smtClean="0">
+                <a:solidFill>
+                  <a:srgbClr val="0070C0"/>
+                </a:solidFill>
+              </a:rPr>
+              <a:t>getOutputStream</a:t>
+            </a:r>
+            <a:r>
+              <a:rPr lang="en-US" sz="2400" dirty="0" smtClean="0">
                 <a:solidFill>
                   <a:srgbClr val="0070C0"/>
                 </a:solidFill>
@@ -8110,42 +8100,12 @@
               <a:t>() </a:t>
             </a:r>
             <a:r>
-              <a:rPr lang="en-US" sz="2800" dirty="0" smtClean="0"/>
+              <a:rPr lang="en-US" sz="2400" dirty="0" smtClean="0"/>
               <a:t>– </a:t>
             </a:r>
             <a:r>
-              <a:rPr lang="ru-RU" sz="2800" dirty="0" smtClean="0"/>
-              <a:t>порт</a:t>
-            </a:r>
-          </a:p>
-          <a:p>
-            <a:r>
-              <a:rPr lang="ru-RU" sz="2800" dirty="0" smtClean="0"/>
-              <a:t>    </a:t>
-            </a:r>
-            <a:r>
-              <a:rPr lang="en-US" sz="2800" dirty="0" err="1" smtClean="0">
-                <a:solidFill>
-                  <a:srgbClr val="0070C0"/>
-                </a:solidFill>
-              </a:rPr>
-              <a:t>getRemoteSocketAddreess</a:t>
-            </a:r>
-            <a:r>
-              <a:rPr lang="en-US" sz="2800" dirty="0" smtClean="0">
-                <a:solidFill>
-                  <a:srgbClr val="0070C0"/>
-                </a:solidFill>
-              </a:rPr>
-              <a:t>() </a:t>
-            </a:r>
-            <a:r>
-              <a:rPr lang="en-US" sz="2800" dirty="0" smtClean="0"/>
-              <a:t>– </a:t>
-            </a:r>
-            <a:r>
-              <a:rPr lang="ru-RU" sz="2800" dirty="0" smtClean="0"/>
-              <a:t>адрес порта</a:t>
+              <a:rPr lang="ru-RU" sz="2400" dirty="0" smtClean="0"/>
+              <a:t>исходящий поток</a:t>
             </a:r>
           </a:p>
           <a:p>
@@ -8153,25 +8113,86 @@
               <a:buNone/>
             </a:pPr>
             <a:r>
-              <a:rPr lang="ru-RU" sz="2800" dirty="0" smtClean="0"/>
-              <a:t>Об локальном конце</a:t>
-            </a:r>
-          </a:p>
-          <a:p>
-            <a:r>
-              <a:rPr lang="ru-RU" sz="2800" dirty="0" smtClean="0"/>
+              <a:rPr lang="ru-RU" sz="2400" dirty="0" smtClean="0"/>
+              <a:t>Закрытие потоков</a:t>
+            </a:r>
+          </a:p>
+          <a:p>
+            <a:r>
+              <a:rPr lang="en-US" sz="2400" dirty="0" err="1" smtClean="0">
+                <a:solidFill>
+                  <a:srgbClr val="0070C0"/>
+                </a:solidFill>
+              </a:rPr>
+              <a:t>shutdownInput</a:t>
+            </a:r>
+            <a:r>
+              <a:rPr lang="en-US" sz="2400" dirty="0" smtClean="0">
+                <a:solidFill>
+                  <a:srgbClr val="0070C0"/>
+                </a:solidFill>
+              </a:rPr>
+              <a:t>() </a:t>
+            </a:r>
+            <a:r>
+              <a:rPr lang="en-US" sz="2400" dirty="0" smtClean="0"/>
+              <a:t>– </a:t>
+            </a:r>
+            <a:r>
+              <a:rPr lang="ru-RU" sz="2400" dirty="0" smtClean="0"/>
+              <a:t>закрытие входящего потока и отбрасывание полученных данных</a:t>
+            </a:r>
+          </a:p>
+          <a:p>
+            <a:r>
+              <a:rPr lang="en-US" sz="2400" dirty="0" err="1" smtClean="0">
+                <a:solidFill>
+                  <a:srgbClr val="0070C0"/>
+                </a:solidFill>
+              </a:rPr>
+              <a:t>shutdownOutput</a:t>
+            </a:r>
+            <a:r>
+              <a:rPr lang="en-US" sz="2400" dirty="0" smtClean="0">
+                <a:solidFill>
+                  <a:srgbClr val="0070C0"/>
+                </a:solidFill>
+              </a:rPr>
+              <a:t>() </a:t>
+            </a:r>
+            <a:r>
+              <a:rPr lang="en-US" sz="2400" dirty="0" smtClean="0"/>
+              <a:t>– </a:t>
+            </a:r>
+            <a:r>
+              <a:rPr lang="ru-RU" sz="2400" dirty="0" smtClean="0"/>
+              <a:t>закрытие исходящего потока</a:t>
+            </a:r>
+          </a:p>
+          <a:p>
+            <a:pPr marL="0" indent="0">
+              <a:buNone/>
+            </a:pPr>
+            <a:r>
+              <a:rPr lang="ru-RU" sz="2400" dirty="0" smtClean="0"/>
+              <a:t>Проверка потоков</a:t>
+            </a:r>
+          </a:p>
+          <a:p>
+            <a:r>
+              <a:rPr lang="ru-RU" sz="2400" dirty="0" smtClean="0"/>
               <a:t>    </a:t>
             </a:r>
             <a:r>
-              <a:rPr lang="en-US" sz="2800" dirty="0" err="1" smtClean="0">
-                <a:solidFill>
-                  <a:srgbClr val="0070C0"/>
-                </a:solidFill>
-              </a:rPr>
-              <a:t>getLocalAddress</a:t>
-            </a:r>
-            <a:r>
-              <a:rPr lang="en-US" sz="2800" dirty="0" smtClean="0">
+              <a:rPr lang="en-US" sz="2400" dirty="0" err="1" smtClean="0">
+                <a:solidFill>
+                  <a:srgbClr val="0070C0"/>
+                </a:solidFill>
+              </a:rPr>
+              <a:t>isInputShutdown</a:t>
+            </a:r>
+            <a:r>
+              <a:rPr lang="en-US" sz="2400" dirty="0" smtClean="0">
                 <a:solidFill>
                   <a:srgbClr val="0070C0"/>
                 </a:solidFill>
@@ -8179,29 +8200,33 @@
               <a:t>() </a:t>
             </a:r>
             <a:r>
-              <a:rPr lang="en-US" sz="2800" dirty="0" smtClean="0"/>
+              <a:rPr lang="en-US" sz="2400" dirty="0" smtClean="0"/>
               <a:t>– </a:t>
             </a:r>
             <a:r>
-              <a:rPr lang="ru-RU" sz="2800" dirty="0" smtClean="0"/>
-              <a:t>интернет адрес</a:t>
-            </a:r>
-          </a:p>
-          <a:p>
-            <a:r>
-              <a:rPr lang="ru-RU" sz="2800" dirty="0" smtClean="0"/>
+              <a:rPr lang="ru-RU" sz="2400" dirty="0" smtClean="0"/>
+              <a:t>входящего потока</a:t>
+            </a:r>
+          </a:p>
+          <a:p>
+            <a:r>
+              <a:rPr lang="ru-RU" sz="2400" dirty="0" smtClean="0">
+                <a:solidFill>
+                  <a:srgbClr val="0070C0"/>
+                </a:solidFill>
+              </a:rPr>
               <a:t>    </a:t>
             </a:r>
             <a:r>
-              <a:rPr lang="en-US" sz="2800" dirty="0" err="1" smtClean="0">
-                <a:solidFill>
-                  <a:srgbClr val="0070C0"/>
-                </a:solidFill>
-              </a:rPr>
-              <a:t>getLocalPort</a:t>
-            </a:r>
-            <a:r>
-              <a:rPr lang="en-US" sz="2800" dirty="0" smtClean="0">
+              <a:rPr lang="en-US" sz="2400" dirty="0" err="1" smtClean="0">
+                <a:solidFill>
+                  <a:srgbClr val="0070C0"/>
+                </a:solidFill>
+              </a:rPr>
+              <a:t>isOutputShutdown</a:t>
+            </a:r>
+            <a:r>
+              <a:rPr lang="en-US" sz="2400" dirty="0" smtClean="0">
                 <a:solidFill>
                   <a:srgbClr val="0070C0"/>
                 </a:solidFill>
@@ -8209,51 +8234,21 @@
               <a:t>() </a:t>
             </a:r>
             <a:r>
-              <a:rPr lang="en-US" sz="2800" dirty="0" smtClean="0"/>
+              <a:rPr lang="en-US" sz="2400" dirty="0" smtClean="0"/>
               <a:t>– </a:t>
             </a:r>
             <a:r>
-              <a:rPr lang="ru-RU" sz="2800" dirty="0" smtClean="0"/>
-              <a:t>порт</a:t>
-            </a:r>
-          </a:p>
-          <a:p>
-            <a:r>
-              <a:rPr lang="ru-RU" sz="2800" dirty="0" smtClean="0"/>
-              <a:t>    </a:t>
-            </a:r>
-            <a:r>
-              <a:rPr lang="en-US" sz="2800" dirty="0" err="1" smtClean="0">
-                <a:solidFill>
-                  <a:srgbClr val="0070C0"/>
-                </a:solidFill>
-              </a:rPr>
-              <a:t>getLocalSocketAddreess</a:t>
-            </a:r>
-            <a:r>
-              <a:rPr lang="en-US" sz="2800" dirty="0" smtClean="0">
-                <a:solidFill>
-                  <a:srgbClr val="0070C0"/>
-                </a:solidFill>
-              </a:rPr>
-              <a:t>() </a:t>
-            </a:r>
-            <a:r>
-              <a:rPr lang="en-US" sz="2800" dirty="0" smtClean="0"/>
-              <a:t>– </a:t>
-            </a:r>
-            <a:r>
-              <a:rPr lang="ru-RU" sz="2800" dirty="0" smtClean="0"/>
-              <a:t>адрес порта</a:t>
-            </a:r>
-            <a:endParaRPr lang="ru-RU" sz="2800" dirty="0"/>
+              <a:rPr lang="ru-RU" sz="2400" dirty="0" smtClean="0"/>
+              <a:t>исходящего потока</a:t>
+            </a:r>
+            <a:endParaRPr lang="ru-RU" sz="2400" dirty="0"/>
           </a:p>
         </p:txBody>
       </p:sp>
     </p:spTree>
     <p:extLst>
       <p:ext uri="{BB962C8B-B14F-4D97-AF65-F5344CB8AC3E}">
-        <p14:creationId xmlns:p14="http://schemas.microsoft.com/office/powerpoint/2010/main" val="3476131997"/>
+        <p14:creationId xmlns:p14="http://schemas.microsoft.com/office/powerpoint/2010/main" val="1563398695"/>
       </p:ext>
     </p:extLst>
   </p:cSld>
@@ -8304,7 +8299,7 @@
           <a:p>
             <a:r>
               <a:rPr lang="ru-RU" dirty="0" smtClean="0"/>
-              <a:t>Закрытие соединения</a:t>
+              <a:t>Получение информации</a:t>
             </a:r>
             <a:endParaRPr lang="ru-RU" dirty="0"/>
           </a:p>
@@ -8320,7 +8315,12 @@
             <p:ph idx="1"/>
           </p:nvPr>
         </p:nvSpPr>
-        <p:spPr/>
+        <p:spPr>
+          <a:xfrm>
+            <a:off x="539552" y="1412776"/>
+            <a:ext cx="7924800" cy="4419600"/>
+          </a:xfrm>
+        </p:spPr>
         <p:txBody>
           <a:bodyPr/>
           <a:lstStyle/>
@@ -8329,25 +8329,25 @@
               <a:buNone/>
             </a:pPr>
             <a:r>
-              <a:rPr lang="ru-RU" dirty="0" smtClean="0"/>
-              <a:t>Соединение закрывается</a:t>
-            </a:r>
-          </a:p>
-          <a:p>
-            <a:r>
-              <a:rPr lang="ru-RU" dirty="0" smtClean="0"/>
-              <a:t>    Методом </a:t>
-            </a:r>
-            <a:r>
-              <a:rPr lang="ru-RU" dirty="0" err="1" smtClean="0">
-                <a:solidFill>
-                  <a:srgbClr val="0070C0"/>
-                </a:solidFill>
-              </a:rPr>
-              <a:t>close</a:t>
-            </a:r>
-            <a:r>
-              <a:rPr lang="ru-RU" dirty="0" smtClean="0">
+              <a:rPr lang="ru-RU" sz="2800" dirty="0" smtClean="0"/>
+              <a:t>Об удаленном конце</a:t>
+            </a:r>
+          </a:p>
+          <a:p>
+            <a:r>
+              <a:rPr lang="ru-RU" sz="2800" dirty="0" smtClean="0"/>
+              <a:t>    </a:t>
+            </a:r>
+            <a:r>
+              <a:rPr lang="en-US" sz="2800" dirty="0" err="1" smtClean="0">
+                <a:solidFill>
+                  <a:srgbClr val="0070C0"/>
+                </a:solidFill>
+              </a:rPr>
+              <a:t>getInetAddress</a:t>
+            </a:r>
+            <a:r>
+              <a:rPr lang="en-US" sz="2800" dirty="0" smtClean="0">
                 <a:solidFill>
                   <a:srgbClr val="0070C0"/>
                 </a:solidFill>
@@ -8355,25 +8355,33 @@
               <a:t>() </a:t>
             </a:r>
             <a:r>
-              <a:rPr lang="ru-RU" dirty="0" smtClean="0"/>
-              <a:t>сокета</a:t>
-            </a:r>
-          </a:p>
-          <a:p>
-            <a:r>
-              <a:rPr lang="ru-RU" dirty="0" smtClean="0"/>
-              <a:t>    Методом </a:t>
-            </a:r>
-            <a:r>
-              <a:rPr lang="ru-RU" dirty="0" err="1" smtClean="0">
-                <a:solidFill>
-                  <a:srgbClr val="0070C0"/>
-                </a:solidFill>
-              </a:rPr>
-              <a:t>close</a:t>
-            </a:r>
-            <a:r>
-              <a:rPr lang="ru-RU" dirty="0" smtClean="0">
+              <a:rPr lang="en-US" sz="2800" dirty="0" smtClean="0"/>
+              <a:t>– </a:t>
+            </a:r>
+            <a:r>
+              <a:rPr lang="ru-RU" sz="2800" dirty="0" smtClean="0"/>
+              <a:t>интернет адрес</a:t>
+            </a:r>
+          </a:p>
+          <a:p>
+            <a:r>
+              <a:rPr lang="ru-RU" sz="2800" dirty="0" smtClean="0">
+                <a:solidFill>
+                  <a:srgbClr val="0070C0"/>
+                </a:solidFill>
+              </a:rPr>
+              <a:t>    </a:t>
+            </a:r>
+            <a:r>
+              <a:rPr lang="en-US" sz="2800" dirty="0" err="1" smtClean="0">
+                <a:solidFill>
+                  <a:srgbClr val="0070C0"/>
+                </a:solidFill>
+              </a:rPr>
+              <a:t>getPort</a:t>
+            </a:r>
+            <a:r>
+              <a:rPr lang="en-US" sz="2800" dirty="0" smtClean="0">
                 <a:solidFill>
                   <a:srgbClr val="0070C0"/>
                 </a:solidFill>
@@ -8381,23 +8389,150 @@
               <a:t>() </a:t>
             </a:r>
             <a:r>
-              <a:rPr lang="ru-RU" dirty="0" smtClean="0"/>
-              <a:t>потоков сокета</a:t>
-            </a:r>
-          </a:p>
-          <a:p>
-            <a:r>
-              <a:rPr lang="ru-RU" dirty="0" smtClean="0"/>
-              <a:t>    При закрытии с удаленной стороны</a:t>
-            </a:r>
-            <a:endParaRPr lang="ru-RU" dirty="0"/>
+              <a:rPr lang="en-US" sz="2800" dirty="0" smtClean="0"/>
+              <a:t>– </a:t>
+            </a:r>
+            <a:r>
+              <a:rPr lang="ru-RU" sz="2800" dirty="0" smtClean="0"/>
+              <a:t>порт</a:t>
+            </a:r>
+          </a:p>
+          <a:p>
+            <a:r>
+              <a:rPr lang="ru-RU" sz="2800" dirty="0" smtClean="0"/>
+              <a:t>    </a:t>
+            </a:r>
+            <a:r>
+              <a:rPr lang="en-US" sz="2800" dirty="0" err="1" smtClean="0">
+                <a:solidFill>
+                  <a:srgbClr val="0070C0"/>
+                </a:solidFill>
+              </a:rPr>
+              <a:t>getRemoteSocketAddreess</a:t>
+            </a:r>
+            <a:r>
+              <a:rPr lang="en-US" sz="2800" dirty="0" smtClean="0">
+                <a:solidFill>
+                  <a:srgbClr val="0070C0"/>
+                </a:solidFill>
+              </a:rPr>
+              <a:t>() </a:t>
+            </a:r>
+            <a:r>
+              <a:rPr lang="en-US" sz="2800" dirty="0" smtClean="0"/>
+              <a:t>– </a:t>
+            </a:r>
+            <a:r>
+              <a:rPr lang="ru-RU" sz="2800" dirty="0" smtClean="0"/>
+              <a:t>адрес порта</a:t>
+            </a:r>
+          </a:p>
+          <a:p>
+            <a:pPr marL="0" indent="0">
+              <a:buNone/>
+            </a:pPr>
+            <a:r>
+              <a:rPr lang="ru-RU" sz="2800" dirty="0" smtClean="0"/>
+              <a:t>Об локальном конце</a:t>
+            </a:r>
+          </a:p>
+          <a:p>
+            <a:r>
+              <a:rPr lang="ru-RU" sz="2800" dirty="0" smtClean="0"/>
+              <a:t>    </a:t>
+            </a:r>
+            <a:r>
+              <a:rPr lang="en-US" sz="2800" dirty="0" err="1" smtClean="0">
+                <a:solidFill>
+                  <a:srgbClr val="0070C0"/>
+                </a:solidFill>
+              </a:rPr>
+              <a:t>getLocalAddress</a:t>
+            </a:r>
+            <a:r>
+              <a:rPr lang="en-US" sz="2800" dirty="0" smtClean="0">
+                <a:solidFill>
+                  <a:srgbClr val="0070C0"/>
+                </a:solidFill>
+              </a:rPr>
+              <a:t>() </a:t>
+            </a:r>
+            <a:r>
+              <a:rPr lang="en-US" sz="2800" dirty="0" smtClean="0"/>
+              <a:t>– </a:t>
+            </a:r>
+            <a:r>
+              <a:rPr lang="ru-RU" sz="2800" dirty="0" smtClean="0"/>
+              <a:t>интернет адрес</a:t>
+            </a:r>
+          </a:p>
+          <a:p>
+            <a:r>
+              <a:rPr lang="ru-RU" sz="2800" dirty="0" smtClean="0"/>
+              <a:t>    </a:t>
+            </a:r>
+            <a:r>
+              <a:rPr lang="en-US" sz="2800" dirty="0" err="1" smtClean="0">
+                <a:solidFill>
+                  <a:srgbClr val="0070C0"/>
+                </a:solidFill>
+              </a:rPr>
+              <a:t>getLocalPort</a:t>
+            </a:r>
+            <a:r>
+              <a:rPr lang="en-US" sz="2800" dirty="0" smtClean="0">
+                <a:solidFill>
+                  <a:srgbClr val="0070C0"/>
+                </a:solidFill>
+              </a:rPr>
+              <a:t>() </a:t>
+            </a:r>
+            <a:r>
+              <a:rPr lang="en-US" sz="2800" dirty="0" smtClean="0"/>
+              <a:t>– </a:t>
+            </a:r>
+            <a:r>
+              <a:rPr lang="ru-RU" sz="2800" dirty="0" smtClean="0"/>
+              <a:t>порт</a:t>
+            </a:r>
+          </a:p>
+          <a:p>
+            <a:r>
+              <a:rPr lang="ru-RU" sz="2800" dirty="0" smtClean="0"/>
+              <a:t>    </a:t>
+            </a:r>
+            <a:r>
+              <a:rPr lang="en-US" sz="2800" dirty="0" err="1" smtClean="0">
+                <a:solidFill>
+                  <a:srgbClr val="0070C0"/>
+                </a:solidFill>
+              </a:rPr>
+              <a:t>getLocalSocketAddreess</a:t>
+            </a:r>
+            <a:r>
+              <a:rPr lang="en-US" sz="2800" dirty="0" smtClean="0">
+                <a:solidFill>
+                  <a:srgbClr val="0070C0"/>
+                </a:solidFill>
+              </a:rPr>
+              <a:t>() </a:t>
+            </a:r>
+            <a:r>
+              <a:rPr lang="en-US" sz="2800" dirty="0" smtClean="0"/>
+              <a:t>– </a:t>
+            </a:r>
+            <a:r>
+              <a:rPr lang="ru-RU" sz="2800" dirty="0" smtClean="0"/>
+              <a:t>адрес порта</a:t>
+            </a:r>
+            <a:endParaRPr lang="ru-RU" sz="2800" dirty="0"/>
           </a:p>
         </p:txBody>
       </p:sp>
     </p:spTree>
     <p:extLst>
       <p:ext uri="{BB962C8B-B14F-4D97-AF65-F5344CB8AC3E}">
-        <p14:creationId xmlns:p14="http://schemas.microsoft.com/office/powerpoint/2010/main" val="3190543813"/>
+        <p14:creationId xmlns:p14="http://schemas.microsoft.com/office/powerpoint/2010/main" val="3476131997"/>
       </p:ext>
     </p:extLst>
   </p:cSld>
@@ -8448,7 +8583,7 @@
           <a:p>
             <a:r>
               <a:rPr lang="ru-RU" dirty="0" smtClean="0"/>
-              <a:t>Создание соединений на сервере</a:t>
+              <a:t>Закрытие соединения</a:t>
             </a:r>
             <a:endParaRPr lang="ru-RU" dirty="0"/>
           </a:p>
@@ -8473,102 +8608,25 @@
               <a:buNone/>
             </a:pPr>
             <a:r>
-              <a:rPr lang="ru-RU" sz="2400" dirty="0" smtClean="0"/>
-              <a:t>Конструкторы класса </a:t>
-            </a:r>
-            <a:r>
-              <a:rPr lang="en-US" sz="2400" dirty="0" err="1" smtClean="0">
-                <a:solidFill>
-                  <a:srgbClr val="0070C0"/>
-                </a:solidFill>
-              </a:rPr>
-              <a:t>ServerSocket</a:t>
-            </a:r>
-            <a:endParaRPr lang="en-US" sz="2400" dirty="0" smtClean="0">
-              <a:solidFill>
-                <a:srgbClr val="0070C0"/>
-              </a:solidFill>
-            </a:endParaRPr>
-          </a:p>
-          <a:p>
-            <a:r>
-              <a:rPr lang="en-US" sz="2400" dirty="0" smtClean="0">
-                <a:solidFill>
-                  <a:srgbClr val="0070C0"/>
-                </a:solidFill>
-              </a:rPr>
-              <a:t>  </a:t>
-            </a:r>
-            <a:r>
-              <a:rPr lang="en-US" sz="2400" dirty="0" err="1" smtClean="0">
-                <a:solidFill>
-                  <a:srgbClr val="0070C0"/>
-                </a:solidFill>
-              </a:rPr>
-              <a:t>ServerSocket</a:t>
-            </a:r>
-            <a:r>
-              <a:rPr lang="en-US" sz="2400" dirty="0" smtClean="0">
-                <a:solidFill>
-                  <a:srgbClr val="0070C0"/>
-                </a:solidFill>
-              </a:rPr>
-              <a:t>(port) </a:t>
-            </a:r>
-            <a:r>
-              <a:rPr lang="en-US" sz="2400" dirty="0" smtClean="0"/>
-              <a:t>– </a:t>
-            </a:r>
-            <a:r>
-              <a:rPr lang="ru-RU" sz="2400" dirty="0" smtClean="0"/>
-              <a:t>по порту</a:t>
-            </a:r>
-          </a:p>
-          <a:p>
-            <a:r>
-              <a:rPr lang="ru-RU" sz="2400" dirty="0" smtClean="0"/>
-              <a:t>  </a:t>
-            </a:r>
-            <a:r>
-              <a:rPr lang="en-US" sz="2400" dirty="0" err="1" smtClean="0">
-                <a:solidFill>
-                  <a:srgbClr val="0070C0"/>
-                </a:solidFill>
-              </a:rPr>
-              <a:t>ServerSocket</a:t>
-            </a:r>
-            <a:r>
-              <a:rPr lang="en-US" sz="2400" dirty="0" smtClean="0">
-                <a:solidFill>
-                  <a:srgbClr val="0070C0"/>
-                </a:solidFill>
-              </a:rPr>
-              <a:t>(port, backlog) </a:t>
-            </a:r>
-            <a:r>
-              <a:rPr lang="en-US" sz="2400" dirty="0" smtClean="0"/>
-              <a:t>– </a:t>
-            </a:r>
-            <a:r>
-              <a:rPr lang="ru-RU" sz="2400" dirty="0" smtClean="0"/>
-              <a:t>по порту, с указанием размера очереди</a:t>
-            </a:r>
-          </a:p>
-          <a:p>
-            <a:r>
-              <a:rPr lang="ru-RU" sz="2400" dirty="0" smtClean="0"/>
-              <a:t> </a:t>
-            </a:r>
-            <a:r>
-              <a:rPr lang="en-US" sz="2400" dirty="0" err="1" smtClean="0">
-                <a:solidFill>
-                  <a:srgbClr val="0070C0"/>
-                </a:solidFill>
-              </a:rPr>
-              <a:t>ServerSocket</a:t>
-            </a:r>
-            <a:r>
-              <a:rPr lang="en-US" sz="2400" dirty="0" smtClean="0">
+              <a:rPr lang="ru-RU" dirty="0" smtClean="0"/>
+              <a:t>Соединение закрывается</a:t>
+            </a:r>
+          </a:p>
+          <a:p>
+            <a:r>
+              <a:rPr lang="ru-RU" dirty="0" smtClean="0"/>
+              <a:t>    Методом </a:t>
+            </a:r>
+            <a:r>
+              <a:rPr lang="ru-RU" dirty="0" err="1" smtClean="0">
+                <a:solidFill>
+                  <a:srgbClr val="0070C0"/>
+                </a:solidFill>
+              </a:rPr>
+              <a:t>close</a:t>
+            </a:r>
+            <a:r>
+              <a:rPr lang="ru-RU" dirty="0" smtClean="0">
                 <a:solidFill>
                   <a:srgbClr val="0070C0"/>
                 </a:solidFill>
@@ -8576,111 +8634,49 @@
               <a:t>() </a:t>
             </a:r>
             <a:r>
-              <a:rPr lang="en-US" sz="2400" dirty="0" smtClean="0"/>
-              <a:t>– </a:t>
-            </a:r>
-            <a:r>
-              <a:rPr lang="ru-RU" sz="2400" dirty="0" smtClean="0"/>
-              <a:t>без привязки</a:t>
-            </a:r>
-          </a:p>
-          <a:p>
-            <a:pPr marL="0" indent="0">
-              <a:buNone/>
-            </a:pPr>
-            <a:r>
-              <a:rPr lang="ru-RU" sz="2400" dirty="0" smtClean="0"/>
-              <a:t>Методы класса </a:t>
-            </a:r>
-            <a:r>
-              <a:rPr lang="en-US" sz="2400" dirty="0" err="1" smtClean="0"/>
-              <a:t>ServerSocket</a:t>
-            </a:r>
-            <a:endParaRPr lang="en-US" sz="2400" dirty="0" smtClean="0"/>
-          </a:p>
-          <a:p>
-            <a:r>
-              <a:rPr lang="en-US" sz="2400" dirty="0" smtClean="0"/>
-              <a:t>    </a:t>
-            </a:r>
-            <a:r>
-              <a:rPr lang="en-US" sz="2400" dirty="0" smtClean="0">
-                <a:solidFill>
-                  <a:srgbClr val="0070C0"/>
-                </a:solidFill>
-              </a:rPr>
-              <a:t>bind(</a:t>
-            </a:r>
-            <a:r>
-              <a:rPr lang="en-US" sz="2400" dirty="0" err="1" smtClean="0">
-                <a:solidFill>
-                  <a:srgbClr val="0070C0"/>
-                </a:solidFill>
-              </a:rPr>
-              <a:t>SocketAddress</a:t>
-            </a:r>
-            <a:r>
-              <a:rPr lang="en-US" sz="2400" dirty="0" smtClean="0">
-                <a:solidFill>
-                  <a:srgbClr val="0070C0"/>
-                </a:solidFill>
-              </a:rPr>
-              <a:t>) </a:t>
-            </a:r>
-            <a:r>
-              <a:rPr lang="en-US" sz="2400" dirty="0" smtClean="0"/>
-              <a:t>– </a:t>
-            </a:r>
-            <a:r>
-              <a:rPr lang="ru-RU" sz="2400" dirty="0" smtClean="0"/>
-              <a:t>по адресу порта</a:t>
-            </a:r>
-          </a:p>
-          <a:p>
-            <a:r>
-              <a:rPr lang="ru-RU" sz="2400" dirty="0" smtClean="0"/>
-              <a:t>    </a:t>
-            </a:r>
-            <a:r>
-              <a:rPr lang="en-US" sz="2400" dirty="0" smtClean="0">
-                <a:solidFill>
-                  <a:srgbClr val="0070C0"/>
-                </a:solidFill>
-              </a:rPr>
-              <a:t>bind(</a:t>
-            </a:r>
-            <a:r>
-              <a:rPr lang="en-US" sz="2400" dirty="0" err="1" smtClean="0">
-                <a:solidFill>
-                  <a:srgbClr val="0070C0"/>
-                </a:solidFill>
-              </a:rPr>
-              <a:t>SocketAddress</a:t>
-            </a:r>
-            <a:r>
-              <a:rPr lang="en-US" sz="2400" dirty="0" smtClean="0">
-                <a:solidFill>
-                  <a:srgbClr val="0070C0"/>
-                </a:solidFill>
-              </a:rPr>
-              <a:t>, backlog) </a:t>
-            </a:r>
-            <a:r>
-              <a:rPr lang="en-US" sz="2400" dirty="0" smtClean="0"/>
-              <a:t>– </a:t>
-            </a:r>
-            <a:r>
-              <a:rPr lang="ru-RU" sz="2400" dirty="0" smtClean="0"/>
-              <a:t>по адресу порта, с указанием размера очереди</a:t>
-            </a:r>
-            <a:endParaRPr lang="ru-RU" sz="2400" dirty="0"/>
+              <a:rPr lang="ru-RU" dirty="0" smtClean="0"/>
+              <a:t>сокета</a:t>
+            </a:r>
+          </a:p>
+          <a:p>
+            <a:r>
+              <a:rPr lang="ru-RU" dirty="0" smtClean="0"/>
+              <a:t>    Методом </a:t>
+            </a:r>
+            <a:r>
+              <a:rPr lang="ru-RU" dirty="0" err="1" smtClean="0">
+                <a:solidFill>
+                  <a:srgbClr val="0070C0"/>
+                </a:solidFill>
+              </a:rPr>
+              <a:t>close</a:t>
+            </a:r>
+            <a:r>
+              <a:rPr lang="ru-RU" dirty="0" smtClean="0">
+                <a:solidFill>
+                  <a:srgbClr val="0070C0"/>
+                </a:solidFill>
+              </a:rPr>
+              <a:t>() </a:t>
+            </a:r>
+            <a:r>
+              <a:rPr lang="ru-RU" dirty="0" smtClean="0"/>
+              <a:t>потоков сокета</a:t>
+            </a:r>
+          </a:p>
+          <a:p>
+            <a:r>
+              <a:rPr lang="ru-RU" dirty="0" smtClean="0"/>
+              <a:t>    При закрытии с удаленной стороны</a:t>
+            </a:r>
+            <a:endParaRPr lang="ru-RU" dirty="0"/>
           </a:p>
         </p:txBody>
       </p:sp>
     </p:spTree>
     <p:extLst>
       <p:ext uri="{BB962C8B-B14F-4D97-AF65-F5344CB8AC3E}">
-        <p14:creationId xmlns:p14="http://schemas.microsoft.com/office/powerpoint/2010/main" val="1877891021"/>
+        <p14:creationId xmlns:p14="http://schemas.microsoft.com/office/powerpoint/2010/main" val="3190543813"/>
       </p:ext>
     </p:extLst>
   </p:cSld>
@@ -8799,7 +8795,7 @@
         </p:blipFill>
         <p:spPr>
           <a:xfrm>
-            <a:off x="467544" y="3510859"/>
+            <a:off x="539552" y="3645024"/>
             <a:ext cx="4879551" cy="2087413"/>
           </a:xfrm>
           <a:prstGeom prst="rect">
@@ -8823,7 +8819,7 @@
         </p:blipFill>
         <p:spPr>
           <a:xfrm>
-            <a:off x="4464943" y="1480631"/>
+            <a:off x="4644008" y="1418851"/>
             <a:ext cx="3927401" cy="2736304"/>
           </a:xfrm>
           <a:prstGeom prst="rect">
@@ -8885,7 +8881,7 @@
           <a:p>
             <a:r>
               <a:rPr lang="ru-RU" dirty="0" smtClean="0"/>
-              <a:t>Прием соединений на сервере</a:t>
+              <a:t>Создание соединений на сервере</a:t>
             </a:r>
             <a:endParaRPr lang="ru-RU" dirty="0"/>
           </a:p>
@@ -8901,12 +8897,7 @@
             <p:ph idx="1"/>
           </p:nvPr>
         </p:nvSpPr>
-        <p:spPr>
-          <a:xfrm>
-            <a:off x="467544" y="1412776"/>
-            <a:ext cx="7924800" cy="4419600"/>
-          </a:xfrm>
-        </p:spPr>
+        <p:spPr/>
         <p:txBody>
           <a:bodyPr/>
           <a:lstStyle/>
@@ -8915,142 +8906,214 @@
               <a:buNone/>
             </a:pPr>
             <a:r>
-              <a:rPr lang="ru-RU" dirty="0" smtClean="0"/>
+              <a:rPr lang="ru-RU" sz="2400" dirty="0" smtClean="0"/>
+              <a:t>Конструкторы класса </a:t>
+            </a:r>
+            <a:r>
+              <a:rPr lang="en-US" sz="2400" dirty="0" err="1" smtClean="0">
+                <a:solidFill>
+                  <a:srgbClr val="0070C0"/>
+                </a:solidFill>
+              </a:rPr>
+              <a:t>ServerSocket</a:t>
+            </a:r>
+            <a:endParaRPr lang="en-US" sz="2400" dirty="0" smtClean="0">
+              <a:solidFill>
+                <a:srgbClr val="0070C0"/>
+              </a:solidFill>
+            </a:endParaRPr>
+          </a:p>
+          <a:p>
+            <a:r>
+              <a:rPr lang="en-US" sz="2400" dirty="0" smtClean="0">
+                <a:solidFill>
+                  <a:srgbClr val="0070C0"/>
+                </a:solidFill>
+              </a:rPr>
+              <a:t>  </a:t>
+            </a:r>
+            <a:r>
+              <a:rPr lang="en-US" sz="2400" dirty="0" err="1" smtClean="0">
+                <a:solidFill>
+                  <a:srgbClr val="0070C0"/>
+                </a:solidFill>
+              </a:rPr>
+              <a:t>ServerSocket</a:t>
+            </a:r>
+            <a:r>
+              <a:rPr lang="en-US" sz="2400" dirty="0" smtClean="0">
+                <a:solidFill>
+                  <a:srgbClr val="0070C0"/>
+                </a:solidFill>
+              </a:rPr>
+              <a:t>(port) </a:t>
+            </a:r>
+            <a:r>
+              <a:rPr lang="en-US" sz="2400" dirty="0" smtClean="0"/>
+              <a:t>– </a:t>
+            </a:r>
+            <a:r>
+              <a:rPr lang="ru-RU" sz="2400" dirty="0" smtClean="0"/>
+              <a:t>по порту</a:t>
+            </a:r>
+          </a:p>
+          <a:p>
+            <a:r>
+              <a:rPr lang="ru-RU" sz="2400" dirty="0" smtClean="0"/>
+              <a:t>  </a:t>
+            </a:r>
+            <a:r>
+              <a:rPr lang="en-US" sz="2400" dirty="0" err="1" smtClean="0">
+                <a:solidFill>
+                  <a:srgbClr val="0070C0"/>
+                </a:solidFill>
+              </a:rPr>
+              <a:t>ServerSocket</a:t>
+            </a:r>
+            <a:r>
+              <a:rPr lang="en-US" sz="2400" dirty="0" smtClean="0">
+                <a:solidFill>
+                  <a:srgbClr val="0070C0"/>
+                </a:solidFill>
+              </a:rPr>
+              <a:t>(port, backlog) </a:t>
+            </a:r>
+            <a:r>
+              <a:rPr lang="en-US" sz="2400" dirty="0" smtClean="0"/>
+              <a:t>– </a:t>
+            </a:r>
+            <a:r>
+              <a:rPr lang="ru-RU" sz="2400" dirty="0" smtClean="0"/>
+              <a:t>по порту, с указанием размера очереди</a:t>
+            </a:r>
+          </a:p>
+          <a:p>
+            <a:r>
+              <a:rPr lang="ru-RU" sz="2400" dirty="0" smtClean="0"/>
+              <a:t> </a:t>
+            </a:r>
+            <a:r>
+              <a:rPr lang="en-US" sz="2400" dirty="0" err="1" smtClean="0">
+                <a:solidFill>
+                  <a:srgbClr val="0070C0"/>
+                </a:solidFill>
+              </a:rPr>
+              <a:t>ServerSocket</a:t>
+            </a:r>
+            <a:r>
+              <a:rPr lang="en-US" sz="2400" dirty="0" smtClean="0">
+                <a:solidFill>
+                  <a:srgbClr val="0070C0"/>
+                </a:solidFill>
+              </a:rPr>
+              <a:t>() </a:t>
+            </a:r>
+            <a:r>
+              <a:rPr lang="en-US" sz="2400" dirty="0" smtClean="0"/>
+              <a:t>– </a:t>
+            </a:r>
+            <a:r>
+              <a:rPr lang="ru-RU" sz="2400" dirty="0" smtClean="0"/>
+              <a:t>без привязки</a:t>
+            </a:r>
+          </a:p>
+          <a:p>
+            <a:pPr marL="0" indent="0">
+              <a:buNone/>
+            </a:pPr>
+            <a:r>
+              <a:rPr lang="ru-RU" sz="2400" dirty="0" smtClean="0"/>
               <a:t>Методы класса </a:t>
             </a:r>
             <a:r>
-              <a:rPr lang="ru-RU" dirty="0" err="1" smtClean="0"/>
+              <a:rPr lang="en-US" sz="2400" dirty="0" err="1" smtClean="0"/>
               <a:t>ServerSocket</a:t>
             </a:r>
-            <a:endParaRPr lang="ru-RU" dirty="0" smtClean="0"/>
-          </a:p>
-          <a:p>
-            <a:r>
-              <a:rPr lang="ru-RU" dirty="0" smtClean="0"/>
+            <a:endParaRPr lang="en-US" sz="2400" dirty="0" smtClean="0"/>
+          </a:p>
+          <a:p>
+            <a:r>
+              <a:rPr lang="en-US" sz="2400" dirty="0" smtClean="0"/>
               <a:t>    </a:t>
             </a:r>
             <a:r>
-              <a:rPr lang="ru-RU" dirty="0" err="1" smtClean="0">
-                <a:solidFill>
-                  <a:srgbClr val="0070C0"/>
-                </a:solidFill>
-              </a:rPr>
-              <a:t>Socket</a:t>
-            </a:r>
-            <a:r>
-              <a:rPr lang="ru-RU" dirty="0" smtClean="0">
-                <a:solidFill>
-                  <a:srgbClr val="0070C0"/>
-                </a:solidFill>
-              </a:rPr>
-              <a:t> </a:t>
-            </a:r>
-            <a:r>
-              <a:rPr lang="ru-RU" dirty="0" err="1" smtClean="0">
-                <a:solidFill>
-                  <a:srgbClr val="0070C0"/>
-                </a:solidFill>
-              </a:rPr>
-              <a:t>accept</a:t>
-            </a:r>
-            <a:r>
-              <a:rPr lang="ru-RU" dirty="0" smtClean="0">
-                <a:solidFill>
-                  <a:srgbClr val="0070C0"/>
-                </a:solidFill>
-              </a:rPr>
-              <a:t>() </a:t>
-            </a:r>
-            <a:r>
-              <a:rPr lang="ru-RU" dirty="0" smtClean="0"/>
-              <a:t>– ждет следующего клиента и создает соединение</a:t>
-            </a:r>
-          </a:p>
-          <a:p>
-            <a:r>
-              <a:rPr lang="ru-RU" dirty="0" smtClean="0"/>
+              <a:rPr lang="en-US" sz="2400" dirty="0" smtClean="0">
+                <a:solidFill>
+                  <a:srgbClr val="0070C0"/>
+                </a:solidFill>
+              </a:rPr>
+              <a:t>bind(</a:t>
+            </a:r>
+            <a:r>
+              <a:rPr lang="en-US" sz="2400" dirty="0" err="1" smtClean="0">
+                <a:solidFill>
+                  <a:srgbClr val="0070C0"/>
+                </a:solidFill>
+              </a:rPr>
+              <a:t>SocketAddress</a:t>
+            </a:r>
+            <a:r>
+              <a:rPr lang="en-US" sz="2400" dirty="0" smtClean="0">
+                <a:solidFill>
+                  <a:srgbClr val="0070C0"/>
+                </a:solidFill>
+              </a:rPr>
+              <a:t>) </a:t>
+            </a:r>
+            <a:r>
+              <a:rPr lang="en-US" sz="2400" dirty="0" smtClean="0"/>
+              <a:t>– </a:t>
+            </a:r>
+            <a:r>
+              <a:rPr lang="ru-RU" sz="2400" dirty="0" smtClean="0"/>
+              <a:t>по адресу порта</a:t>
+            </a:r>
+          </a:p>
+          <a:p>
+            <a:r>
+              <a:rPr lang="ru-RU" sz="2400" dirty="0" smtClean="0"/>
               <a:t>    </a:t>
             </a:r>
             <a:r>
-              <a:rPr lang="ru-RU" dirty="0" err="1" smtClean="0">
-                <a:solidFill>
-                  <a:srgbClr val="0070C0"/>
-                </a:solidFill>
-              </a:rPr>
-              <a:t>setSoTimeout</a:t>
-            </a:r>
-            <a:r>
-              <a:rPr lang="ru-RU" dirty="0" smtClean="0">
-                <a:solidFill>
-                  <a:srgbClr val="0070C0"/>
-                </a:solidFill>
-              </a:rPr>
-              <a:t>() </a:t>
-            </a:r>
-            <a:r>
-              <a:rPr lang="ru-RU" dirty="0" smtClean="0"/>
-              <a:t>– установка времени ожидания</a:t>
-            </a:r>
-          </a:p>
-          <a:p>
-            <a:r>
-              <a:rPr lang="ru-RU" dirty="0" smtClean="0"/>
-              <a:t>    </a:t>
-            </a:r>
-            <a:r>
-              <a:rPr lang="ru-RU" dirty="0" err="1" smtClean="0">
-                <a:solidFill>
-                  <a:srgbClr val="0070C0"/>
-                </a:solidFill>
-              </a:rPr>
-              <a:t>getSoTimeout</a:t>
-            </a:r>
-            <a:r>
-              <a:rPr lang="ru-RU" dirty="0" smtClean="0">
-                <a:solidFill>
-                  <a:srgbClr val="0070C0"/>
-                </a:solidFill>
-              </a:rPr>
-              <a:t>() </a:t>
-            </a:r>
-            <a:r>
-              <a:rPr lang="ru-RU" dirty="0" smtClean="0"/>
-              <a:t>– получение времени ожидания</a:t>
-            </a:r>
-          </a:p>
-          <a:p>
-            <a:r>
-              <a:rPr lang="ru-RU" dirty="0" smtClean="0"/>
-              <a:t>    </a:t>
-            </a:r>
-            <a:r>
-              <a:rPr lang="ru-RU" dirty="0" err="1" smtClean="0">
-                <a:solidFill>
-                  <a:srgbClr val="0070C0"/>
-                </a:solidFill>
-              </a:rPr>
-              <a:t>close</a:t>
-            </a:r>
-            <a:r>
-              <a:rPr lang="ru-RU" dirty="0" smtClean="0">
-                <a:solidFill>
-                  <a:srgbClr val="0070C0"/>
-                </a:solidFill>
-              </a:rPr>
-              <a:t>() </a:t>
-            </a:r>
-            <a:r>
-              <a:rPr lang="ru-RU" dirty="0" smtClean="0"/>
-              <a:t>– окончание ожидание клиентов</a:t>
-            </a:r>
-            <a:endParaRPr lang="ru-RU" dirty="0"/>
+              <a:rPr lang="en-US" sz="2400" dirty="0" smtClean="0">
+                <a:solidFill>
+                  <a:srgbClr val="0070C0"/>
+                </a:solidFill>
+              </a:rPr>
+              <a:t>bind(</a:t>
+            </a:r>
+            <a:r>
+              <a:rPr lang="en-US" sz="2400" dirty="0" err="1" smtClean="0">
+                <a:solidFill>
+                  <a:srgbClr val="0070C0"/>
+                </a:solidFill>
+              </a:rPr>
+              <a:t>SocketAddress</a:t>
+            </a:r>
+            <a:r>
+              <a:rPr lang="en-US" sz="2400" dirty="0" smtClean="0">
+                <a:solidFill>
+                  <a:srgbClr val="0070C0"/>
+                </a:solidFill>
+              </a:rPr>
+              <a:t>, backlog) </a:t>
+            </a:r>
+            <a:r>
+              <a:rPr lang="en-US" sz="2400" dirty="0" smtClean="0"/>
+              <a:t>– </a:t>
+            </a:r>
+            <a:r>
+              <a:rPr lang="ru-RU" sz="2400" dirty="0" smtClean="0"/>
+              <a:t>по адресу порта, с указанием размера очереди</a:t>
+            </a:r>
+            <a:endParaRPr lang="ru-RU" sz="2400" dirty="0"/>
           </a:p>
         </p:txBody>
       </p:sp>
     </p:spTree>
     <p:extLst>
       <p:ext uri="{BB962C8B-B14F-4D97-AF65-F5344CB8AC3E}">
-        <p14:creationId xmlns:p14="http://schemas.microsoft.com/office/powerpoint/2010/main" val="3754755280"/>
+        <p14:creationId xmlns:p14="http://schemas.microsoft.com/office/powerpoint/2010/main" val="1877891021"/>
       </p:ext>
     </p:extLst>
   </p:cSld>
@@ -9100,6 +9163,222 @@
           <a:lstStyle/>
           <a:p>
             <a:r>
+              <a:rPr lang="ru-RU" dirty="0" smtClean="0"/>
+              <a:t>Прием соединений на сервере</a:t>
+            </a:r>
+            <a:endParaRPr lang="ru-RU" dirty="0"/>
+          </a:p>
+        </p:txBody>
+      </p:sp>
+      <p:sp>
+        <p:nvSpPr>
+          <p:cNvPr id="3" name="Объект 2"/>
+          <p:cNvSpPr>
+            <a:spLocks noGrp="1"/>
+          </p:cNvSpPr>
+          <p:nvPr>
+            <p:ph idx="1"/>
+          </p:nvPr>
+        </p:nvSpPr>
+        <p:spPr>
+          <a:xfrm>
+            <a:off x="467544" y="1412776"/>
+            <a:ext cx="7924800" cy="4419600"/>
+          </a:xfrm>
+        </p:spPr>
+        <p:txBody>
+          <a:bodyPr/>
+          <a:lstStyle/>
+          <a:p>
+            <a:pPr marL="0" indent="0">
+              <a:buNone/>
+            </a:pPr>
+            <a:r>
+              <a:rPr lang="ru-RU" dirty="0" smtClean="0"/>
+              <a:t>Методы класса </a:t>
+            </a:r>
+            <a:r>
+              <a:rPr lang="ru-RU" dirty="0" err="1" smtClean="0"/>
+              <a:t>ServerSocket</a:t>
+            </a:r>
+            <a:endParaRPr lang="ru-RU" dirty="0" smtClean="0"/>
+          </a:p>
+          <a:p>
+            <a:r>
+              <a:rPr lang="ru-RU" dirty="0" smtClean="0"/>
+              <a:t>    </a:t>
+            </a:r>
+            <a:r>
+              <a:rPr lang="ru-RU" dirty="0" err="1" smtClean="0">
+                <a:solidFill>
+                  <a:srgbClr val="0070C0"/>
+                </a:solidFill>
+              </a:rPr>
+              <a:t>Socket</a:t>
+            </a:r>
+            <a:r>
+              <a:rPr lang="ru-RU" dirty="0" smtClean="0">
+                <a:solidFill>
+                  <a:srgbClr val="0070C0"/>
+                </a:solidFill>
+              </a:rPr>
+              <a:t> </a:t>
+            </a:r>
+            <a:r>
+              <a:rPr lang="ru-RU" dirty="0" err="1" smtClean="0">
+                <a:solidFill>
+                  <a:srgbClr val="0070C0"/>
+                </a:solidFill>
+              </a:rPr>
+              <a:t>accept</a:t>
+            </a:r>
+            <a:r>
+              <a:rPr lang="ru-RU" dirty="0" smtClean="0">
+                <a:solidFill>
+                  <a:srgbClr val="0070C0"/>
+                </a:solidFill>
+              </a:rPr>
+              <a:t>() </a:t>
+            </a:r>
+            <a:r>
+              <a:rPr lang="ru-RU" dirty="0" smtClean="0"/>
+              <a:t>– ждет следующего клиента и создает соединение</a:t>
+            </a:r>
+          </a:p>
+          <a:p>
+            <a:r>
+              <a:rPr lang="ru-RU" dirty="0" smtClean="0"/>
+              <a:t>    </a:t>
+            </a:r>
+            <a:r>
+              <a:rPr lang="ru-RU" dirty="0" err="1" smtClean="0">
+                <a:solidFill>
+                  <a:srgbClr val="0070C0"/>
+                </a:solidFill>
+              </a:rPr>
+              <a:t>setSoTimeout</a:t>
+            </a:r>
+            <a:r>
+              <a:rPr lang="ru-RU" dirty="0" smtClean="0">
+                <a:solidFill>
+                  <a:srgbClr val="0070C0"/>
+                </a:solidFill>
+              </a:rPr>
+              <a:t>() </a:t>
+            </a:r>
+            <a:r>
+              <a:rPr lang="ru-RU" dirty="0" smtClean="0"/>
+              <a:t>– установка времени ожидания</a:t>
+            </a:r>
+          </a:p>
+          <a:p>
+            <a:r>
+              <a:rPr lang="ru-RU" dirty="0" smtClean="0"/>
+              <a:t>    </a:t>
+            </a:r>
+            <a:r>
+              <a:rPr lang="ru-RU" dirty="0" err="1" smtClean="0">
+                <a:solidFill>
+                  <a:srgbClr val="0070C0"/>
+                </a:solidFill>
+              </a:rPr>
+              <a:t>getSoTimeout</a:t>
+            </a:r>
+            <a:r>
+              <a:rPr lang="ru-RU" dirty="0" smtClean="0">
+                <a:solidFill>
+                  <a:srgbClr val="0070C0"/>
+                </a:solidFill>
+              </a:rPr>
+              <a:t>() </a:t>
+            </a:r>
+            <a:r>
+              <a:rPr lang="ru-RU" dirty="0" smtClean="0"/>
+              <a:t>– получение времени ожидания</a:t>
+            </a:r>
+          </a:p>
+          <a:p>
+            <a:r>
+              <a:rPr lang="ru-RU" dirty="0" smtClean="0"/>
+              <a:t>    </a:t>
+            </a:r>
+            <a:r>
+              <a:rPr lang="ru-RU" dirty="0" err="1" smtClean="0">
+                <a:solidFill>
+                  <a:srgbClr val="0070C0"/>
+                </a:solidFill>
+              </a:rPr>
+              <a:t>close</a:t>
+            </a:r>
+            <a:r>
+              <a:rPr lang="ru-RU" dirty="0" smtClean="0">
+                <a:solidFill>
+                  <a:srgbClr val="0070C0"/>
+                </a:solidFill>
+              </a:rPr>
+              <a:t>() </a:t>
+            </a:r>
+            <a:r>
+              <a:rPr lang="ru-RU" dirty="0" smtClean="0"/>
+              <a:t>– окончание ожидание клиентов</a:t>
+            </a:r>
+            <a:endParaRPr lang="ru-RU" dirty="0"/>
+          </a:p>
+        </p:txBody>
+      </p:sp>
+    </p:spTree>
+    <p:extLst>
+      <p:ext uri="{BB962C8B-B14F-4D97-AF65-F5344CB8AC3E}">
+        <p14:creationId xmlns:p14="http://schemas.microsoft.com/office/powerpoint/2010/main" val="3754755280"/>
+      </p:ext>
+    </p:extLst>
+  </p:cSld>
+  <p:clrMapOvr>
+    <a:masterClrMapping/>
+  </p:clrMapOvr>
+  <p:timing>
+    <p:tnLst>
+      <p:par>
+        <p:cTn id="1" dur="indefinite" restart="never" nodeType="tmRoot"/>
+      </p:par>
+    </p:tnLst>
+  </p:timing>
+</p:sld>
+</file>
+
+<file path=ppt/slides/slide32.xml><?xml version="1.0" encoding="utf-8"?>
+<p:sld xmlns:a="http://schemas.openxmlformats.org/drawingml/2006/main" xmlns:r="http://schemas.openxmlformats.org/officeDocument/2006/relationships" xmlns:p="http://schemas.openxmlformats.org/presentationml/2006/main">
+  <p:cSld>
+    <p:spTree>
+      <p:nvGrpSpPr>
+        <p:cNvPr id="1" name=""/>
+        <p:cNvGrpSpPr/>
+        <p:nvPr/>
+      </p:nvGrpSpPr>
+      <p:grpSpPr>
+        <a:xfrm>
+          <a:off x="0" y="0"/>
+          <a:ext cx="0" cy="0"/>
+          <a:chOff x="0" y="0"/>
+          <a:chExt cx="0" cy="0"/>
+        </a:xfrm>
+      </p:grpSpPr>
+      <p:sp>
+        <p:nvSpPr>
+          <p:cNvPr id="2" name="Заголовок 1"/>
+          <p:cNvSpPr>
+            <a:spLocks noGrp="1"/>
+          </p:cNvSpPr>
+          <p:nvPr>
+            <p:ph type="title"/>
+          </p:nvPr>
+        </p:nvSpPr>
+        <p:spPr/>
+        <p:txBody>
+          <a:bodyPr/>
+          <a:lstStyle/>
+          <a:p>
+            <a:r>
               <a:rPr lang="en-US" dirty="0" smtClean="0"/>
               <a:t>UDP-</a:t>
             </a:r>
@@ -9194,7 +9473,7 @@
 </p:sld>
 </file>
 
-<file path=ppt/slides/slide32.xml><?xml version="1.0" encoding="utf-8"?>
+<file path=ppt/slides/slide33.xml><?xml version="1.0" encoding="utf-8"?>
 <p:sld xmlns:a="http://schemas.openxmlformats.org/drawingml/2006/main" xmlns:r="http://schemas.openxmlformats.org/officeDocument/2006/relationships" xmlns:p="http://schemas.openxmlformats.org/presentationml/2006/main">
   <p:cSld>
     <p:spTree>
@@ -9292,236 +9571,6 @@
 </p:sld>
 </file>
 
-<file path=ppt/slides/slide33.xml><?xml version="1.0" encoding="utf-8"?>
-<p:sld xmlns:a="http://schemas.openxmlformats.org/drawingml/2006/main" xmlns:r="http://schemas.openxmlformats.org/officeDocument/2006/relationships" xmlns:p="http://schemas.openxmlformats.org/presentationml/2006/main">
-  <p:cSld>
-    <p:spTree>
-      <p:nvGrpSpPr>
-        <p:cNvPr id="1" name=""/>
-        <p:cNvGrpSpPr/>
-        <p:nvPr/>
-      </p:nvGrpSpPr>
-      <p:grpSpPr>
-        <a:xfrm>
-          <a:off x="0" y="0"/>
-          <a:ext cx="0" cy="0"/>
-          <a:chOff x="0" y="0"/>
-          <a:chExt cx="0" cy="0"/>
-        </a:xfrm>
-      </p:grpSpPr>
-      <p:sp>
-        <p:nvSpPr>
-          <p:cNvPr id="2" name="Заголовок 1"/>
-          <p:cNvSpPr>
-            <a:spLocks noGrp="1"/>
-          </p:cNvSpPr>
-          <p:nvPr>
-            <p:ph type="title"/>
-          </p:nvPr>
-        </p:nvSpPr>
-        <p:spPr/>
-        <p:txBody>
-          <a:bodyPr/>
-          <a:lstStyle/>
-          <a:p>
-            <a:r>
-              <a:rPr lang="ru-RU" dirty="0" smtClean="0"/>
-              <a:t>Создание </a:t>
-            </a:r>
-            <a:r>
-              <a:rPr lang="en-US" dirty="0" smtClean="0"/>
-              <a:t>UDP-</a:t>
-            </a:r>
-            <a:r>
-              <a:rPr lang="ru-RU" dirty="0" smtClean="0"/>
-              <a:t>пакетов</a:t>
-            </a:r>
-            <a:endParaRPr lang="ru-RU" dirty="0"/>
-          </a:p>
-        </p:txBody>
-      </p:sp>
-      <p:sp>
-        <p:nvSpPr>
-          <p:cNvPr id="3" name="Объект 2"/>
-          <p:cNvSpPr>
-            <a:spLocks noGrp="1"/>
-          </p:cNvSpPr>
-          <p:nvPr>
-            <p:ph idx="1"/>
-          </p:nvPr>
-        </p:nvSpPr>
-        <p:spPr>
-          <a:xfrm>
-            <a:off x="539552" y="1556792"/>
-            <a:ext cx="7924800" cy="4419600"/>
-          </a:xfrm>
-        </p:spPr>
-        <p:txBody>
-          <a:bodyPr/>
-          <a:lstStyle/>
-          <a:p>
-            <a:pPr marL="0" indent="0">
-              <a:buNone/>
-            </a:pPr>
-            <a:r>
-              <a:rPr lang="ru-RU" sz="2800" dirty="0" smtClean="0"/>
-              <a:t>Для приема</a:t>
-            </a:r>
-          </a:p>
-          <a:p>
-            <a:r>
-              <a:rPr lang="ru-RU" sz="2800" dirty="0" smtClean="0"/>
-              <a:t>    </a:t>
-            </a:r>
-            <a:r>
-              <a:rPr lang="en-US" sz="2800" dirty="0" err="1" smtClean="0">
-                <a:solidFill>
-                  <a:srgbClr val="0070C0"/>
-                </a:solidFill>
-              </a:rPr>
-              <a:t>DatagramPacket</a:t>
-            </a:r>
-            <a:r>
-              <a:rPr lang="en-US" sz="2800" dirty="0" smtClean="0">
-                <a:solidFill>
-                  <a:srgbClr val="0070C0"/>
-                </a:solidFill>
-              </a:rPr>
-              <a:t>(byte[], offset?, length) </a:t>
-            </a:r>
-            <a:r>
-              <a:rPr lang="en-US" sz="2800" dirty="0" smtClean="0"/>
-              <a:t>– </a:t>
-            </a:r>
-            <a:r>
-              <a:rPr lang="ru-RU" sz="2800" dirty="0" smtClean="0"/>
-              <a:t>по буферу</a:t>
-            </a:r>
-          </a:p>
-          <a:p>
-            <a:pPr marL="0" indent="0">
-              <a:buNone/>
-            </a:pPr>
-            <a:r>
-              <a:rPr lang="ru-RU" sz="2800" dirty="0" smtClean="0"/>
-              <a:t>Для отправки</a:t>
-            </a:r>
-          </a:p>
-          <a:p>
-            <a:r>
-              <a:rPr lang="ru-RU" sz="2800" dirty="0" smtClean="0"/>
-              <a:t>    </a:t>
-            </a:r>
-            <a:r>
-              <a:rPr lang="en-US" sz="2800" dirty="0" err="1" smtClean="0">
-                <a:solidFill>
-                  <a:srgbClr val="0070C0"/>
-                </a:solidFill>
-              </a:rPr>
-              <a:t>DatagramPacket</a:t>
-            </a:r>
-            <a:r>
-              <a:rPr lang="en-US" sz="2800" dirty="0" smtClean="0">
-                <a:solidFill>
-                  <a:srgbClr val="0070C0"/>
-                </a:solidFill>
-              </a:rPr>
-              <a:t>(byte[], offset?, length, </a:t>
-            </a:r>
-            <a:r>
-              <a:rPr lang="en-US" sz="2800" dirty="0" err="1" smtClean="0">
-                <a:solidFill>
-                  <a:srgbClr val="0070C0"/>
-                </a:solidFill>
-              </a:rPr>
-              <a:t>InetAddress</a:t>
-            </a:r>
-            <a:r>
-              <a:rPr lang="en-US" sz="2800" dirty="0" smtClean="0">
-                <a:solidFill>
-                  <a:srgbClr val="0070C0"/>
-                </a:solidFill>
-              </a:rPr>
-              <a:t>, port) </a:t>
-            </a:r>
-            <a:r>
-              <a:rPr lang="en-US" sz="2800" dirty="0" smtClean="0"/>
-              <a:t>– </a:t>
-            </a:r>
-            <a:r>
-              <a:rPr lang="ru-RU" sz="2800" dirty="0" smtClean="0"/>
-              <a:t>по интернет-адресу и порту</a:t>
-            </a:r>
-          </a:p>
-          <a:p>
-            <a:r>
-              <a:rPr lang="ru-RU" sz="2800" dirty="0" smtClean="0"/>
-              <a:t>    </a:t>
-            </a:r>
-            <a:r>
-              <a:rPr lang="en-US" sz="2800" dirty="0" err="1" smtClean="0">
-                <a:solidFill>
-                  <a:srgbClr val="0070C0"/>
-                </a:solidFill>
-              </a:rPr>
-              <a:t>DatagramPacket</a:t>
-            </a:r>
-            <a:r>
-              <a:rPr lang="en-US" sz="2800" dirty="0" smtClean="0">
-                <a:solidFill>
-                  <a:srgbClr val="0070C0"/>
-                </a:solidFill>
-              </a:rPr>
-              <a:t>(byte[], offset?, length, </a:t>
-            </a:r>
-            <a:r>
-              <a:rPr lang="en-US" sz="2800" dirty="0" err="1" smtClean="0">
-                <a:solidFill>
-                  <a:srgbClr val="0070C0"/>
-                </a:solidFill>
-              </a:rPr>
-              <a:t>SocketAddress</a:t>
-            </a:r>
-            <a:r>
-              <a:rPr lang="en-US" sz="2800" dirty="0" smtClean="0">
-                <a:solidFill>
-                  <a:srgbClr val="0070C0"/>
-                </a:solidFill>
-              </a:rPr>
-              <a:t>) </a:t>
-            </a:r>
-            <a:r>
-              <a:rPr lang="en-US" sz="2800" dirty="0" smtClean="0"/>
-              <a:t>– </a:t>
-            </a:r>
-            <a:r>
-              <a:rPr lang="ru-RU" sz="2800" dirty="0" smtClean="0"/>
-              <a:t>по адресу порта</a:t>
-            </a:r>
-            <a:endParaRPr lang="ru-RU" sz="2800" dirty="0"/>
-          </a:p>
-        </p:txBody>
-      </p:sp>
-    </p:spTree>
-    <p:extLst>
-      <p:ext uri="{BB962C8B-B14F-4D97-AF65-F5344CB8AC3E}">
-        <p14:creationId xmlns:p14="http://schemas.microsoft.com/office/powerpoint/2010/main" val="2127876300"/>
-      </p:ext>
-    </p:extLst>
-  </p:cSld>
-  <p:clrMapOvr>
-    <a:masterClrMapping/>
-  </p:clrMapOvr>
-  <p:timing>
-    <p:tnLst>
-      <p:par>
-        <p:cTn id="1" dur="indefinite" restart="never" nodeType="tmRoot"/>
-      </p:par>
-    </p:tnLst>
-  </p:timing>
-</p:sld>
-</file>
-
 <file path=ppt/slides/slide34.xml><?xml version="1.0" encoding="utf-8"?>
 <p:sld xmlns:a="http://schemas.openxmlformats.org/drawingml/2006/main" xmlns:r="http://schemas.openxmlformats.org/officeDocument/2006/relationships" xmlns:p="http://schemas.openxmlformats.org/presentationml/2006/main">
   <p:cSld>
@@ -9556,7 +9605,7 @@
           <a:p>
             <a:r>
               <a:rPr lang="ru-RU" dirty="0" smtClean="0"/>
-              <a:t>Операции с </a:t>
+              <a:t>Создание </a:t>
             </a:r>
             <a:r>
               <a:rPr lang="en-US" dirty="0" smtClean="0"/>
@@ -9564,7 +9613,7 @@
             </a:r>
             <a:r>
               <a:rPr lang="ru-RU" dirty="0" smtClean="0"/>
-              <a:t>пакетами</a:t>
+              <a:t>пакетов</a:t>
             </a:r>
             <a:endParaRPr lang="ru-RU" dirty="0"/>
           </a:p>
@@ -9580,7 +9629,12 @@
             <p:ph idx="1"/>
           </p:nvPr>
         </p:nvSpPr>
-        <p:spPr/>
+        <p:spPr>
+          <a:xfrm>
+            <a:off x="539552" y="1556792"/>
+            <a:ext cx="7924800" cy="4419600"/>
+          </a:xfrm>
+        </p:spPr>
         <p:txBody>
           <a:bodyPr/>
           <a:lstStyle/>
@@ -9589,146 +9643,38 @@
               <a:buNone/>
             </a:pPr>
             <a:r>
-              <a:rPr lang="ru-RU" sz="2400" dirty="0" smtClean="0"/>
-              <a:t>Работа с данными</a:t>
-            </a:r>
-          </a:p>
-          <a:p>
-            <a:r>
-              <a:rPr lang="ru-RU" sz="2400" dirty="0" smtClean="0"/>
+              <a:rPr lang="ru-RU" sz="2800" dirty="0" smtClean="0"/>
+              <a:t>Для приема</a:t>
+            </a:r>
+          </a:p>
+          <a:p>
+            <a:r>
+              <a:rPr lang="ru-RU" sz="2800" dirty="0" smtClean="0"/>
               <a:t>    </a:t>
             </a:r>
             <a:r>
-              <a:rPr lang="en-US" sz="2400" dirty="0" err="1" smtClean="0">
-                <a:solidFill>
-                  <a:srgbClr val="0070C0"/>
-                </a:solidFill>
-              </a:rPr>
-              <a:t>getData</a:t>
-            </a:r>
-            <a:r>
-              <a:rPr lang="en-US" sz="2400" dirty="0" smtClean="0">
-                <a:solidFill>
-                  <a:srgbClr val="0070C0"/>
-                </a:solidFill>
-              </a:rPr>
-              <a:t>()/</a:t>
-            </a:r>
-            <a:r>
-              <a:rPr lang="en-US" sz="2400" dirty="0" err="1" smtClean="0">
-                <a:solidFill>
-                  <a:srgbClr val="0070C0"/>
-                </a:solidFill>
-              </a:rPr>
-              <a:t>setData</a:t>
-            </a:r>
-            <a:r>
-              <a:rPr lang="en-US" sz="2400" dirty="0" smtClean="0">
-                <a:solidFill>
-                  <a:srgbClr val="0070C0"/>
-                </a:solidFill>
-              </a:rPr>
-              <a:t>() </a:t>
-            </a:r>
-            <a:r>
-              <a:rPr lang="en-US" sz="2400" dirty="0" smtClean="0"/>
+              <a:rPr lang="en-US" sz="2800" dirty="0" err="1" smtClean="0">
+                <a:solidFill>
+                  <a:srgbClr val="0070C0"/>
+                </a:solidFill>
+              </a:rPr>
+              <a:t>DatagramPacket</a:t>
+            </a:r>
+            <a:r>
+              <a:rPr lang="en-US" sz="2800" dirty="0" smtClean="0">
+                <a:solidFill>
+                  <a:srgbClr val="0070C0"/>
+                </a:solidFill>
+              </a:rPr>
+              <a:t>(byte[], offset?, length) </a:t>
+            </a:r>
+            <a:r>
+              <a:rPr lang="en-US" sz="2800" dirty="0" smtClean="0"/>
               <a:t>– </a:t>
             </a:r>
             <a:r>
-              <a:rPr lang="ru-RU" sz="2400" dirty="0" smtClean="0"/>
-              <a:t>буфер данных</a:t>
-            </a:r>
-          </a:p>
-          <a:p>
-            <a:r>
-              <a:rPr lang="ru-RU" sz="2400" dirty="0" smtClean="0"/>
-              <a:t>    </a:t>
-            </a:r>
-            <a:r>
-              <a:rPr lang="en-US" sz="2400" dirty="0" err="1" smtClean="0">
-                <a:solidFill>
-                  <a:srgbClr val="0070C0"/>
-                </a:solidFill>
-              </a:rPr>
-              <a:t>getOffset</a:t>
-            </a:r>
-            <a:r>
-              <a:rPr lang="en-US" sz="2400" dirty="0" smtClean="0">
-                <a:solidFill>
-                  <a:srgbClr val="0070C0"/>
-                </a:solidFill>
-              </a:rPr>
-              <a:t>()/</a:t>
-            </a:r>
-            <a:r>
-              <a:rPr lang="en-US" sz="2400" dirty="0" err="1" smtClean="0">
-                <a:solidFill>
-                  <a:srgbClr val="0070C0"/>
-                </a:solidFill>
-              </a:rPr>
-              <a:t>setOffset</a:t>
-            </a:r>
-            <a:r>
-              <a:rPr lang="en-US" sz="2400" dirty="0" smtClean="0">
-                <a:solidFill>
-                  <a:srgbClr val="0070C0"/>
-                </a:solidFill>
-              </a:rPr>
-              <a:t>() </a:t>
-            </a:r>
-            <a:r>
-              <a:rPr lang="en-US" sz="2400" dirty="0" smtClean="0"/>
-              <a:t>– </a:t>
-            </a:r>
-            <a:r>
-              <a:rPr lang="ru-RU" sz="2400" dirty="0" smtClean="0"/>
-              <a:t>смещение данных</a:t>
-            </a:r>
-          </a:p>
-          <a:p>
-            <a:r>
-              <a:rPr lang="ru-RU" sz="2400" dirty="0" smtClean="0"/>
-              <a:t>    </a:t>
-            </a:r>
-            <a:r>
-              <a:rPr lang="en-US" sz="2400" dirty="0" err="1" smtClean="0">
-                <a:solidFill>
-                  <a:srgbClr val="0070C0"/>
-                </a:solidFill>
-              </a:rPr>
-              <a:t>getLength</a:t>
-            </a:r>
-            <a:r>
-              <a:rPr lang="en-US" sz="2400" dirty="0" smtClean="0">
-                <a:solidFill>
-                  <a:srgbClr val="0070C0"/>
-                </a:solidFill>
-              </a:rPr>
-              <a:t>()/</a:t>
-            </a:r>
-            <a:r>
-              <a:rPr lang="en-US" sz="2400" dirty="0" err="1" smtClean="0">
-                <a:solidFill>
-                  <a:srgbClr val="0070C0"/>
-                </a:solidFill>
-              </a:rPr>
-              <a:t>setLength</a:t>
-            </a:r>
-            <a:r>
-              <a:rPr lang="en-US" sz="2400" dirty="0" smtClean="0">
-                <a:solidFill>
-                  <a:srgbClr val="0070C0"/>
-                </a:solidFill>
-              </a:rPr>
-              <a:t>() </a:t>
-            </a:r>
-            <a:r>
-              <a:rPr lang="en-US" sz="2400" dirty="0" smtClean="0"/>
-              <a:t>– </a:t>
-            </a:r>
-            <a:r>
-              <a:rPr lang="ru-RU" sz="2400" dirty="0" smtClean="0"/>
-              <a:t>длина данных</a:t>
+              <a:rPr lang="ru-RU" sz="2800" dirty="0" smtClean="0"/>
+              <a:t>по буферу</a:t>
             </a:r>
           </a:p>
           <a:p>
@@ -9736,159 +9682,109 @@
               <a:buNone/>
             </a:pPr>
             <a:r>
-              <a:rPr lang="ru-RU" sz="2400" dirty="0" smtClean="0"/>
-              <a:t>Работа с адресами</a:t>
-            </a:r>
-          </a:p>
-          <a:p>
-            <a:r>
-              <a:rPr lang="ru-RU" sz="2400" dirty="0" smtClean="0"/>
+              <a:rPr lang="ru-RU" sz="2800" dirty="0" smtClean="0"/>
+              <a:t>Для отправки</a:t>
+            </a:r>
+          </a:p>
+          <a:p>
+            <a:r>
+              <a:rPr lang="ru-RU" sz="2800" dirty="0" smtClean="0"/>
               <a:t>    </a:t>
             </a:r>
             <a:r>
-              <a:rPr lang="en-US" sz="2400" dirty="0" err="1" smtClean="0">
-                <a:solidFill>
-                  <a:srgbClr val="0070C0"/>
-                </a:solidFill>
-              </a:rPr>
-              <a:t>getAddress</a:t>
-            </a:r>
-            <a:r>
-              <a:rPr lang="en-US" sz="2400" dirty="0" smtClean="0">
-                <a:solidFill>
-                  <a:srgbClr val="0070C0"/>
-                </a:solidFill>
-              </a:rPr>
-              <a:t>()/</a:t>
-            </a:r>
-            <a:r>
-              <a:rPr lang="en-US" sz="2400" dirty="0" err="1" smtClean="0">
-                <a:solidFill>
-                  <a:srgbClr val="0070C0"/>
-                </a:solidFill>
-              </a:rPr>
-              <a:t>setAddress</a:t>
-            </a:r>
-            <a:r>
-              <a:rPr lang="en-US" sz="2400" dirty="0" smtClean="0">
-                <a:solidFill>
-                  <a:srgbClr val="0070C0"/>
-                </a:solidFill>
-              </a:rPr>
-              <a:t>() </a:t>
-            </a:r>
-            <a:r>
-              <a:rPr lang="en-US" sz="2400" dirty="0" smtClean="0"/>
+              <a:rPr lang="en-US" sz="2800" dirty="0" err="1" smtClean="0">
+                <a:solidFill>
+                  <a:srgbClr val="0070C0"/>
+                </a:solidFill>
+              </a:rPr>
+              <a:t>DatagramPacket</a:t>
+            </a:r>
+            <a:r>
+              <a:rPr lang="en-US" sz="2800" dirty="0" smtClean="0">
+                <a:solidFill>
+                  <a:srgbClr val="0070C0"/>
+                </a:solidFill>
+              </a:rPr>
+              <a:t>(byte[], offset?, length, </a:t>
+            </a:r>
+            <a:r>
+              <a:rPr lang="en-US" sz="2800" dirty="0" err="1" smtClean="0">
+                <a:solidFill>
+                  <a:srgbClr val="0070C0"/>
+                </a:solidFill>
+              </a:rPr>
+              <a:t>InetAddress</a:t>
+            </a:r>
+            <a:r>
+              <a:rPr lang="en-US" sz="2800" dirty="0" smtClean="0">
+                <a:solidFill>
+                  <a:srgbClr val="0070C0"/>
+                </a:solidFill>
+              </a:rPr>
+              <a:t>, port) </a:t>
+            </a:r>
+            <a:r>
+              <a:rPr lang="en-US" sz="2800" dirty="0" smtClean="0"/>
               <a:t>– </a:t>
             </a:r>
             <a:r>
-              <a:rPr lang="ru-RU" sz="2400" dirty="0" smtClean="0"/>
-              <a:t>интернет-адрес</a:t>
-            </a:r>
-          </a:p>
-          <a:p>
-            <a:r>
-              <a:rPr lang="ru-RU" sz="2400" dirty="0" smtClean="0"/>
+              <a:rPr lang="ru-RU" sz="2800" dirty="0" smtClean="0"/>
+              <a:t>по интернет-адресу и порту</a:t>
+            </a:r>
+          </a:p>
+          <a:p>
+            <a:r>
+              <a:rPr lang="ru-RU" sz="2800" dirty="0" smtClean="0"/>
               <a:t>    </a:t>
             </a:r>
             <a:r>
-              <a:rPr lang="en-US" sz="2400" dirty="0" err="1" smtClean="0">
-                <a:solidFill>
-                  <a:srgbClr val="0070C0"/>
-                </a:solidFill>
-              </a:rPr>
-              <a:t>getPort</a:t>
-            </a:r>
-            <a:r>
-              <a:rPr lang="en-US" sz="2400" dirty="0" smtClean="0">
-                <a:solidFill>
-                  <a:srgbClr val="0070C0"/>
-                </a:solidFill>
-              </a:rPr>
-              <a:t>()/</a:t>
-            </a:r>
-            <a:r>
-              <a:rPr lang="en-US" sz="2400" dirty="0" err="1" smtClean="0">
-                <a:solidFill>
-                  <a:srgbClr val="0070C0"/>
-                </a:solidFill>
-              </a:rPr>
-              <a:t>setPort</a:t>
-            </a:r>
-            <a:r>
-              <a:rPr lang="en-US" sz="2400" dirty="0" smtClean="0">
-                <a:solidFill>
-                  <a:srgbClr val="0070C0"/>
-                </a:solidFill>
-              </a:rPr>
-              <a:t>() </a:t>
-            </a:r>
-            <a:r>
-              <a:rPr lang="en-US" sz="2400" dirty="0" smtClean="0"/>
+              <a:rPr lang="en-US" sz="2800" dirty="0" err="1" smtClean="0">
+                <a:solidFill>
+                  <a:srgbClr val="0070C0"/>
+                </a:solidFill>
+              </a:rPr>
+              <a:t>DatagramPacket</a:t>
+            </a:r>
+            <a:r>
+              <a:rPr lang="en-US" sz="2800" dirty="0" smtClean="0">
+                <a:solidFill>
+                  <a:srgbClr val="0070C0"/>
+                </a:solidFill>
+              </a:rPr>
+              <a:t>(byte[], offset?, length, </a:t>
+            </a:r>
+            <a:r>
+              <a:rPr lang="en-US" sz="2800" dirty="0" err="1" smtClean="0">
+                <a:solidFill>
+                  <a:srgbClr val="0070C0"/>
+                </a:solidFill>
+              </a:rPr>
+              <a:t>SocketAddress</a:t>
+            </a:r>
+            <a:r>
+              <a:rPr lang="en-US" sz="2800" dirty="0" smtClean="0">
+                <a:solidFill>
+                  <a:srgbClr val="0070C0"/>
+                </a:solidFill>
+              </a:rPr>
+              <a:t>) </a:t>
+            </a:r>
+            <a:r>
+              <a:rPr lang="en-US" sz="2800" dirty="0" smtClean="0"/>
               <a:t>– </a:t>
             </a:r>
             <a:r>
-              <a:rPr lang="ru-RU" sz="2400" dirty="0" smtClean="0"/>
-              <a:t>порт</a:t>
-            </a:r>
-          </a:p>
-          <a:p>
-            <a:r>
-              <a:rPr lang="ru-RU" sz="2400" dirty="0" smtClean="0">
-                <a:solidFill>
-                  <a:srgbClr val="0070C0"/>
-                </a:solidFill>
-              </a:rPr>
-              <a:t>    </a:t>
-            </a:r>
-            <a:r>
-              <a:rPr lang="en-US" sz="2400" dirty="0" err="1" smtClean="0">
-                <a:solidFill>
-                  <a:srgbClr val="0070C0"/>
-                </a:solidFill>
-              </a:rPr>
-              <a:t>getSocketAddress</a:t>
-            </a:r>
-            <a:r>
-              <a:rPr lang="en-US" sz="2400" dirty="0" smtClean="0">
-                <a:solidFill>
-                  <a:srgbClr val="0070C0"/>
-                </a:solidFill>
-              </a:rPr>
-              <a:t>()/</a:t>
-            </a:r>
-            <a:r>
-              <a:rPr lang="en-US" sz="2400" dirty="0" err="1" smtClean="0">
-                <a:solidFill>
-                  <a:srgbClr val="0070C0"/>
-                </a:solidFill>
-              </a:rPr>
-              <a:t>setSocketAddress</a:t>
-            </a:r>
-            <a:r>
-              <a:rPr lang="en-US" sz="2400" dirty="0" smtClean="0">
-                <a:solidFill>
-                  <a:srgbClr val="0070C0"/>
-                </a:solidFill>
-              </a:rPr>
-              <a:t>() </a:t>
-            </a:r>
-            <a:r>
-              <a:rPr lang="en-US" sz="2400" dirty="0" smtClean="0"/>
-              <a:t>– </a:t>
-            </a:r>
-            <a:r>
-              <a:rPr lang="ru-RU" sz="2400" dirty="0" smtClean="0"/>
-              <a:t>адрес порта</a:t>
-            </a:r>
-            <a:endParaRPr lang="ru-RU" sz="2400" dirty="0"/>
+              <a:rPr lang="ru-RU" sz="2800" dirty="0" smtClean="0"/>
+              <a:t>по адресу порта</a:t>
+            </a:r>
+            <a:endParaRPr lang="ru-RU" sz="2800" dirty="0"/>
           </a:p>
         </p:txBody>
       </p:sp>
     </p:spTree>
     <p:extLst>
       <p:ext uri="{BB962C8B-B14F-4D97-AF65-F5344CB8AC3E}">
-        <p14:creationId xmlns:p14="http://schemas.microsoft.com/office/powerpoint/2010/main" val="3929425304"/>
+        <p14:creationId xmlns:p14="http://schemas.microsoft.com/office/powerpoint/2010/main" val="2127876300"/>
       </p:ext>
     </p:extLst>
   </p:cSld>
@@ -9939,7 +9835,7 @@
           <a:p>
             <a:r>
               <a:rPr lang="ru-RU" dirty="0" smtClean="0"/>
-              <a:t>Создание </a:t>
+              <a:t>Операции с </a:t>
             </a:r>
             <a:r>
               <a:rPr lang="en-US" dirty="0" smtClean="0"/>
@@ -9947,7 +9843,7 @@
             </a:r>
             <a:r>
               <a:rPr lang="ru-RU" dirty="0" smtClean="0"/>
-              <a:t>сокета</a:t>
+              <a:t>пакетами</a:t>
             </a:r>
             <a:endParaRPr lang="ru-RU" dirty="0"/>
           </a:p>
@@ -9973,42 +9869,7 @@
             </a:pPr>
             <a:r>
               <a:rPr lang="ru-RU" sz="2400" dirty="0" smtClean="0"/>
-              <a:t>Конструкторы класса </a:t>
-            </a:r>
-            <a:r>
-              <a:rPr lang="en-US" sz="2400" dirty="0" err="1" smtClean="0"/>
-              <a:t>DatagramSocket</a:t>
-            </a:r>
-            <a:endParaRPr lang="en-US" sz="2400" dirty="0" smtClean="0"/>
-          </a:p>
-          <a:p>
-            <a:r>
-              <a:rPr lang="en-US" sz="2400" dirty="0" smtClean="0"/>
-              <a:t>    </a:t>
-            </a:r>
-            <a:r>
-              <a:rPr lang="en-US" sz="2400" dirty="0" err="1" smtClean="0">
-                <a:solidFill>
-                  <a:srgbClr val="0070C0"/>
-                </a:solidFill>
-              </a:rPr>
-              <a:t>DatagramSocket</a:t>
-            </a:r>
-            <a:r>
-              <a:rPr lang="en-US" sz="2400" dirty="0" smtClean="0">
-                <a:solidFill>
-                  <a:srgbClr val="0070C0"/>
-                </a:solidFill>
-              </a:rPr>
-              <a:t>(port)</a:t>
-            </a:r>
-            <a:r>
-              <a:rPr lang="en-US" sz="2400" dirty="0" smtClean="0"/>
-              <a:t> – </a:t>
-            </a:r>
-            <a:r>
-              <a:rPr lang="ru-RU" sz="2400" dirty="0" smtClean="0"/>
-              <a:t>по порту</a:t>
+              <a:t>Работа с данными</a:t>
             </a:r>
           </a:p>
           <a:p>
@@ -10022,7 +9883,23 @@
                   <a:srgbClr val="0070C0"/>
                 </a:solidFill>
               </a:rPr>
-              <a:t>DatagramSocket</a:t>
+              <a:t>getData</a:t>
+            </a:r>
+            <a:r>
+              <a:rPr lang="en-US" sz="2400" dirty="0" smtClean="0">
+                <a:solidFill>
+                  <a:srgbClr val="0070C0"/>
+                </a:solidFill>
+              </a:rPr>
+              <a:t>()/</a:t>
+            </a:r>
+            <a:r>
+              <a:rPr lang="en-US" sz="2400" dirty="0" err="1" smtClean="0">
+                <a:solidFill>
+                  <a:srgbClr val="0070C0"/>
+                </a:solidFill>
+              </a:rPr>
+              <a:t>setData</a:t>
             </a:r>
             <a:r>
               <a:rPr lang="en-US" sz="2400" dirty="0" smtClean="0">
@@ -10038,7 +9915,7 @@
             </a:r>
             <a:r>
               <a:rPr lang="ru-RU" sz="2400" dirty="0" smtClean="0"/>
-              <a:t>случайный порт</a:t>
+              <a:t>буфер данных</a:t>
             </a:r>
           </a:p>
           <a:p>
@@ -10052,7 +9929,7 @@
                   <a:srgbClr val="0070C0"/>
                 </a:solidFill>
               </a:rPr>
-              <a:t>DatagramSocket</a:t>
+              <a:t>getOffset</a:t>
             </a:r>
             <a:r>
               <a:rPr lang="en-US" sz="2400" dirty="0" smtClean="0">
@@ -10060,7 +9937,7 @@
                   <a:srgbClr val="0070C0"/>
                 </a:solidFill>
               </a:rPr>
-              <a:t>(</a:t>
+              <a:t>()/</a:t>
             </a:r>
             <a:r>
               <a:rPr lang="en-US" sz="2400" dirty="0" err="1" smtClean="0">
@@ -10068,7 +9945,7 @@
                   <a:srgbClr val="0070C0"/>
                 </a:solidFill>
               </a:rPr>
-              <a:t>InetAddress</a:t>
+              <a:t>setOffset</a:t>
             </a:r>
             <a:r>
               <a:rPr lang="en-US" sz="2400" dirty="0" smtClean="0">
@@ -10076,7 +9953,7 @@
                   <a:srgbClr val="0070C0"/>
                 </a:solidFill>
               </a:rPr>
-              <a:t>, port) </a:t>
+              <a:t>() </a:t>
             </a:r>
             <a:r>
               <a:rPr lang="en-US" sz="2400" dirty="0" smtClean="0"/>
@@ -10084,7 +9961,7 @@
             </a:r>
             <a:r>
               <a:rPr lang="ru-RU" sz="2400" dirty="0" smtClean="0"/>
-              <a:t>по порту и адресу</a:t>
+              <a:t>смещение данных</a:t>
             </a:r>
           </a:p>
           <a:p>
@@ -10098,7 +9975,7 @@
                   <a:srgbClr val="0070C0"/>
                 </a:solidFill>
               </a:rPr>
-              <a:t>DatagramSocket</a:t>
+              <a:t>getLength</a:t>
             </a:r>
             <a:r>
               <a:rPr lang="en-US" sz="2400" dirty="0" smtClean="0">
@@ -10106,7 +9983,7 @@
                   <a:srgbClr val="0070C0"/>
                 </a:solidFill>
               </a:rPr>
-              <a:t>(</a:t>
+              <a:t>()/</a:t>
             </a:r>
             <a:r>
               <a:rPr lang="en-US" sz="2400" dirty="0" err="1" smtClean="0">
@@ -10114,45 +9991,23 @@
                   <a:srgbClr val="0070C0"/>
                 </a:solidFill>
               </a:rPr>
-              <a:t>SocketAddress</a:t>
+              <a:t>setLength</a:t>
+            </a:r>
+            <a:r>
+              <a:rPr lang="en-US" sz="2400" dirty="0" smtClean="0">
+                <a:solidFill>
+                  <a:srgbClr val="0070C0"/>
+                </a:solidFill>
+              </a:rPr>
+              <a:t>() </a:t>
             </a:r>
             <a:r>
               <a:rPr lang="en-US" sz="2400" dirty="0" smtClean="0"/>
-              <a:t>) – </a:t>
+              <a:t>– </a:t>
             </a:r>
             <a:r>
               <a:rPr lang="ru-RU" sz="2400" dirty="0" smtClean="0"/>
-              <a:t>по адресу порта</a:t>
-            </a:r>
-          </a:p>
-          <a:p>
-            <a:r>
-              <a:rPr lang="ru-RU" sz="2400" dirty="0" smtClean="0"/>
-              <a:t>    </a:t>
-            </a:r>
-            <a:r>
-              <a:rPr lang="en-US" sz="2400" dirty="0" err="1" smtClean="0">
-                <a:solidFill>
-                  <a:srgbClr val="0070C0"/>
-                </a:solidFill>
-              </a:rPr>
-              <a:t>DatagramSocket</a:t>
-            </a:r>
-            <a:r>
-              <a:rPr lang="en-US" sz="2400" dirty="0" smtClean="0">
-                <a:solidFill>
-                  <a:srgbClr val="0070C0"/>
-                </a:solidFill>
-              </a:rPr>
-              <a:t>(null)</a:t>
-            </a:r>
-            <a:r>
-              <a:rPr lang="en-US" sz="2400" dirty="0" smtClean="0"/>
-              <a:t> – </a:t>
-            </a:r>
-            <a:r>
-              <a:rPr lang="ru-RU" sz="2400" dirty="0" smtClean="0"/>
-              <a:t>без привязки</a:t>
+              <a:t>длина данных</a:t>
             </a:r>
           </a:p>
           <a:p>
@@ -10161,7 +10016,13 @@
             </a:pPr>
             <a:r>
               <a:rPr lang="ru-RU" sz="2400" dirty="0" smtClean="0"/>
-              <a:t>Методы класса </a:t>
+              <a:t>Работа с адресами</a:t>
+            </a:r>
+          </a:p>
+          <a:p>
+            <a:r>
+              <a:rPr lang="ru-RU" sz="2400" dirty="0" smtClean="0"/>
+              <a:t>    </a:t>
             </a:r>
             <a:r>
               <a:rPr lang="en-US" sz="2400" dirty="0" err="1" smtClean="0">
@@ -10169,22 +10030,15 @@
                   <a:srgbClr val="0070C0"/>
                 </a:solidFill>
               </a:rPr>
-              <a:t>DatagramSocket</a:t>
-            </a:r>
-            <a:endParaRPr lang="en-US" sz="2400" dirty="0" smtClean="0">
-              <a:solidFill>
-                <a:srgbClr val="0070C0"/>
-              </a:solidFill>
-            </a:endParaRPr>
-          </a:p>
-          <a:p>
+              <a:t>getAddress</a:t>
+            </a:r>
             <a:r>
               <a:rPr lang="en-US" sz="2400" dirty="0" smtClean="0">
                 <a:solidFill>
                   <a:srgbClr val="0070C0"/>
                 </a:solidFill>
               </a:rPr>
-              <a:t>    bind(</a:t>
+              <a:t>()/</a:t>
             </a:r>
             <a:r>
               <a:rPr lang="en-US" sz="2400" dirty="0" err="1" smtClean="0">
@@ -10192,7 +10046,7 @@
                   <a:srgbClr val="0070C0"/>
                 </a:solidFill>
               </a:rPr>
-              <a:t>SocketAddress</a:t>
+              <a:t>setAddress</a:t>
             </a:r>
             <a:r>
               <a:rPr lang="en-US" sz="2400" dirty="0" smtClean="0">
@@ -10200,7 +10054,7 @@
                   <a:srgbClr val="0070C0"/>
                 </a:solidFill>
               </a:rPr>
-              <a:t>) </a:t>
+              <a:t>() </a:t>
             </a:r>
             <a:r>
               <a:rPr lang="en-US" sz="2400" dirty="0" smtClean="0"/>
@@ -10208,7 +10062,103 @@
             </a:r>
             <a:r>
               <a:rPr lang="ru-RU" sz="2400" dirty="0" smtClean="0"/>
-              <a:t>привязывает к адресу</a:t>
+              <a:t>интернет-адрес</a:t>
+            </a:r>
+          </a:p>
+          <a:p>
+            <a:r>
+              <a:rPr lang="ru-RU" sz="2400" dirty="0" smtClean="0"/>
+              <a:t>    </a:t>
+            </a:r>
+            <a:r>
+              <a:rPr lang="en-US" sz="2400" dirty="0" err="1" smtClean="0">
+                <a:solidFill>
+                  <a:srgbClr val="0070C0"/>
+                </a:solidFill>
+              </a:rPr>
+              <a:t>getPort</a:t>
+            </a:r>
+            <a:r>
+              <a:rPr lang="en-US" sz="2400" dirty="0" smtClean="0">
+                <a:solidFill>
+                  <a:srgbClr val="0070C0"/>
+                </a:solidFill>
+              </a:rPr>
+              <a:t>()/</a:t>
+            </a:r>
+            <a:r>
+              <a:rPr lang="en-US" sz="2400" dirty="0" err="1" smtClean="0">
+                <a:solidFill>
+                  <a:srgbClr val="0070C0"/>
+                </a:solidFill>
+              </a:rPr>
+              <a:t>setPort</a:t>
+            </a:r>
+            <a:r>
+              <a:rPr lang="en-US" sz="2400" dirty="0" smtClean="0">
+                <a:solidFill>
+                  <a:srgbClr val="0070C0"/>
+                </a:solidFill>
+              </a:rPr>
+              <a:t>() </a:t>
+            </a:r>
+            <a:r>
+              <a:rPr lang="en-US" sz="2400" dirty="0" smtClean="0"/>
+              <a:t>– </a:t>
+            </a:r>
+            <a:r>
+              <a:rPr lang="ru-RU" sz="2400" dirty="0" smtClean="0"/>
+              <a:t>порт</a:t>
+            </a:r>
+          </a:p>
+          <a:p>
+            <a:r>
+              <a:rPr lang="ru-RU" sz="2400" dirty="0" smtClean="0">
+                <a:solidFill>
+                  <a:srgbClr val="0070C0"/>
+                </a:solidFill>
+              </a:rPr>
+              <a:t>    </a:t>
+            </a:r>
+            <a:r>
+              <a:rPr lang="en-US" sz="2400" dirty="0" err="1" smtClean="0">
+                <a:solidFill>
+                  <a:srgbClr val="0070C0"/>
+                </a:solidFill>
+              </a:rPr>
+              <a:t>getSocketAddress</a:t>
+            </a:r>
+            <a:r>
+              <a:rPr lang="en-US" sz="2400" dirty="0" smtClean="0">
+                <a:solidFill>
+                  <a:srgbClr val="0070C0"/>
+                </a:solidFill>
+              </a:rPr>
+              <a:t>()/</a:t>
+            </a:r>
+            <a:r>
+              <a:rPr lang="en-US" sz="2400" dirty="0" err="1" smtClean="0">
+                <a:solidFill>
+                  <a:srgbClr val="0070C0"/>
+                </a:solidFill>
+              </a:rPr>
+              <a:t>setSocketAddress</a:t>
+            </a:r>
+            <a:r>
+              <a:rPr lang="en-US" sz="2400" dirty="0" smtClean="0">
+                <a:solidFill>
+                  <a:srgbClr val="0070C0"/>
+                </a:solidFill>
+              </a:rPr>
+              <a:t>() </a:t>
+            </a:r>
+            <a:r>
+              <a:rPr lang="en-US" sz="2400" dirty="0" smtClean="0"/>
+              <a:t>– </a:t>
+            </a:r>
+            <a:r>
+              <a:rPr lang="ru-RU" sz="2400" dirty="0" smtClean="0"/>
+              <a:t>адрес порта</a:t>
             </a:r>
             <a:endParaRPr lang="ru-RU" sz="2400" dirty="0"/>
           </a:p>
@@ -10217,7 +10167,7 @@
     </p:spTree>
     <p:extLst>
       <p:ext uri="{BB962C8B-B14F-4D97-AF65-F5344CB8AC3E}">
-        <p14:creationId xmlns:p14="http://schemas.microsoft.com/office/powerpoint/2010/main" val="41826866"/>
+        <p14:creationId xmlns:p14="http://schemas.microsoft.com/office/powerpoint/2010/main" val="3929425304"/>
       </p:ext>
     </p:extLst>
   </p:cSld>
@@ -10268,7 +10218,7 @@
           <a:p>
             <a:r>
               <a:rPr lang="ru-RU" dirty="0" smtClean="0"/>
-              <a:t>Прием и отсылка </a:t>
+              <a:t>Создание </a:t>
             </a:r>
             <a:r>
               <a:rPr lang="en-US" dirty="0" smtClean="0"/>
@@ -10276,7 +10226,7 @@
             </a:r>
             <a:r>
               <a:rPr lang="ru-RU" dirty="0" smtClean="0"/>
-              <a:t>пакетов</a:t>
+              <a:t>сокета</a:t>
             </a:r>
             <a:endParaRPr lang="ru-RU" dirty="0"/>
           </a:p>
@@ -10297,6 +10247,338 @@
           <a:bodyPr/>
           <a:lstStyle/>
           <a:p>
+            <a:pPr marL="0" indent="0">
+              <a:buNone/>
+            </a:pPr>
+            <a:r>
+              <a:rPr lang="ru-RU" sz="2400" dirty="0" smtClean="0"/>
+              <a:t>Конструкторы класса </a:t>
+            </a:r>
+            <a:r>
+              <a:rPr lang="en-US" sz="2400" dirty="0" err="1" smtClean="0"/>
+              <a:t>DatagramSocket</a:t>
+            </a:r>
+            <a:endParaRPr lang="en-US" sz="2400" dirty="0" smtClean="0"/>
+          </a:p>
+          <a:p>
+            <a:r>
+              <a:rPr lang="en-US" sz="2400" dirty="0" smtClean="0"/>
+              <a:t>    </a:t>
+            </a:r>
+            <a:r>
+              <a:rPr lang="en-US" sz="2400" dirty="0" err="1" smtClean="0">
+                <a:solidFill>
+                  <a:srgbClr val="0070C0"/>
+                </a:solidFill>
+              </a:rPr>
+              <a:t>DatagramSocket</a:t>
+            </a:r>
+            <a:r>
+              <a:rPr lang="en-US" sz="2400" dirty="0" smtClean="0">
+                <a:solidFill>
+                  <a:srgbClr val="0070C0"/>
+                </a:solidFill>
+              </a:rPr>
+              <a:t>(port)</a:t>
+            </a:r>
+            <a:r>
+              <a:rPr lang="en-US" sz="2400" dirty="0" smtClean="0"/>
+              <a:t> – </a:t>
+            </a:r>
+            <a:r>
+              <a:rPr lang="ru-RU" sz="2400" dirty="0" smtClean="0"/>
+              <a:t>по порту</a:t>
+            </a:r>
+          </a:p>
+          <a:p>
+            <a:r>
+              <a:rPr lang="ru-RU" sz="2400" dirty="0" smtClean="0"/>
+              <a:t>    </a:t>
+            </a:r>
+            <a:r>
+              <a:rPr lang="en-US" sz="2400" dirty="0" err="1" smtClean="0">
+                <a:solidFill>
+                  <a:srgbClr val="0070C0"/>
+                </a:solidFill>
+              </a:rPr>
+              <a:t>DatagramSocket</a:t>
+            </a:r>
+            <a:r>
+              <a:rPr lang="en-US" sz="2400" dirty="0" smtClean="0">
+                <a:solidFill>
+                  <a:srgbClr val="0070C0"/>
+                </a:solidFill>
+              </a:rPr>
+              <a:t>() </a:t>
+            </a:r>
+            <a:r>
+              <a:rPr lang="en-US" sz="2400" dirty="0" smtClean="0"/>
+              <a:t>– </a:t>
+            </a:r>
+            <a:r>
+              <a:rPr lang="ru-RU" sz="2400" dirty="0" smtClean="0"/>
+              <a:t>случайный порт</a:t>
+            </a:r>
+          </a:p>
+          <a:p>
+            <a:r>
+              <a:rPr lang="ru-RU" sz="2400" dirty="0" smtClean="0"/>
+              <a:t>    </a:t>
+            </a:r>
+            <a:r>
+              <a:rPr lang="en-US" sz="2400" dirty="0" err="1" smtClean="0">
+                <a:solidFill>
+                  <a:srgbClr val="0070C0"/>
+                </a:solidFill>
+              </a:rPr>
+              <a:t>DatagramSocket</a:t>
+            </a:r>
+            <a:r>
+              <a:rPr lang="en-US" sz="2400" dirty="0" smtClean="0">
+                <a:solidFill>
+                  <a:srgbClr val="0070C0"/>
+                </a:solidFill>
+              </a:rPr>
+              <a:t>(</a:t>
+            </a:r>
+            <a:r>
+              <a:rPr lang="en-US" sz="2400" dirty="0" err="1" smtClean="0">
+                <a:solidFill>
+                  <a:srgbClr val="0070C0"/>
+                </a:solidFill>
+              </a:rPr>
+              <a:t>InetAddress</a:t>
+            </a:r>
+            <a:r>
+              <a:rPr lang="en-US" sz="2400" dirty="0" smtClean="0">
+                <a:solidFill>
+                  <a:srgbClr val="0070C0"/>
+                </a:solidFill>
+              </a:rPr>
+              <a:t>, port) </a:t>
+            </a:r>
+            <a:r>
+              <a:rPr lang="en-US" sz="2400" dirty="0" smtClean="0"/>
+              <a:t>– </a:t>
+            </a:r>
+            <a:r>
+              <a:rPr lang="ru-RU" sz="2400" dirty="0" smtClean="0"/>
+              <a:t>по порту и адресу</a:t>
+            </a:r>
+          </a:p>
+          <a:p>
+            <a:r>
+              <a:rPr lang="ru-RU" sz="2400" dirty="0" smtClean="0"/>
+              <a:t>    </a:t>
+            </a:r>
+            <a:r>
+              <a:rPr lang="en-US" sz="2400" dirty="0" err="1" smtClean="0">
+                <a:solidFill>
+                  <a:srgbClr val="0070C0"/>
+                </a:solidFill>
+              </a:rPr>
+              <a:t>DatagramSocket</a:t>
+            </a:r>
+            <a:r>
+              <a:rPr lang="en-US" sz="2400" dirty="0" smtClean="0">
+                <a:solidFill>
+                  <a:srgbClr val="0070C0"/>
+                </a:solidFill>
+              </a:rPr>
+              <a:t>(</a:t>
+            </a:r>
+            <a:r>
+              <a:rPr lang="en-US" sz="2400" dirty="0" err="1" smtClean="0">
+                <a:solidFill>
+                  <a:srgbClr val="0070C0"/>
+                </a:solidFill>
+              </a:rPr>
+              <a:t>SocketAddress</a:t>
+            </a:r>
+            <a:r>
+              <a:rPr lang="en-US" sz="2400" dirty="0" smtClean="0"/>
+              <a:t>) – </a:t>
+            </a:r>
+            <a:r>
+              <a:rPr lang="ru-RU" sz="2400" dirty="0" smtClean="0"/>
+              <a:t>по адресу порта</a:t>
+            </a:r>
+          </a:p>
+          <a:p>
+            <a:r>
+              <a:rPr lang="ru-RU" sz="2400" dirty="0" smtClean="0"/>
+              <a:t>    </a:t>
+            </a:r>
+            <a:r>
+              <a:rPr lang="en-US" sz="2400" dirty="0" err="1" smtClean="0">
+                <a:solidFill>
+                  <a:srgbClr val="0070C0"/>
+                </a:solidFill>
+              </a:rPr>
+              <a:t>DatagramSocket</a:t>
+            </a:r>
+            <a:r>
+              <a:rPr lang="en-US" sz="2400" dirty="0" smtClean="0">
+                <a:solidFill>
+                  <a:srgbClr val="0070C0"/>
+                </a:solidFill>
+              </a:rPr>
+              <a:t>(null)</a:t>
+            </a:r>
+            <a:r>
+              <a:rPr lang="en-US" sz="2400" dirty="0" smtClean="0"/>
+              <a:t> – </a:t>
+            </a:r>
+            <a:r>
+              <a:rPr lang="ru-RU" sz="2400" dirty="0" smtClean="0"/>
+              <a:t>без привязки</a:t>
+            </a:r>
+          </a:p>
+          <a:p>
+            <a:pPr marL="0" indent="0">
+              <a:buNone/>
+            </a:pPr>
+            <a:r>
+              <a:rPr lang="ru-RU" sz="2400" dirty="0" smtClean="0"/>
+              <a:t>Методы класса </a:t>
+            </a:r>
+            <a:r>
+              <a:rPr lang="en-US" sz="2400" dirty="0" err="1" smtClean="0">
+                <a:solidFill>
+                  <a:srgbClr val="0070C0"/>
+                </a:solidFill>
+              </a:rPr>
+              <a:t>DatagramSocket</a:t>
+            </a:r>
+            <a:endParaRPr lang="en-US" sz="2400" dirty="0" smtClean="0">
+              <a:solidFill>
+                <a:srgbClr val="0070C0"/>
+              </a:solidFill>
+            </a:endParaRPr>
+          </a:p>
+          <a:p>
+            <a:r>
+              <a:rPr lang="en-US" sz="2400" dirty="0" smtClean="0">
+                <a:solidFill>
+                  <a:srgbClr val="0070C0"/>
+                </a:solidFill>
+              </a:rPr>
+              <a:t>    bind(</a:t>
+            </a:r>
+            <a:r>
+              <a:rPr lang="en-US" sz="2400" dirty="0" err="1" smtClean="0">
+                <a:solidFill>
+                  <a:srgbClr val="0070C0"/>
+                </a:solidFill>
+              </a:rPr>
+              <a:t>SocketAddress</a:t>
+            </a:r>
+            <a:r>
+              <a:rPr lang="en-US" sz="2400" dirty="0" smtClean="0">
+                <a:solidFill>
+                  <a:srgbClr val="0070C0"/>
+                </a:solidFill>
+              </a:rPr>
+              <a:t>) </a:t>
+            </a:r>
+            <a:r>
+              <a:rPr lang="en-US" sz="2400" dirty="0" smtClean="0"/>
+              <a:t>– </a:t>
+            </a:r>
+            <a:r>
+              <a:rPr lang="ru-RU" sz="2400" dirty="0" smtClean="0"/>
+              <a:t>привязывает к адресу</a:t>
+            </a:r>
+            <a:endParaRPr lang="ru-RU" sz="2400" dirty="0"/>
+          </a:p>
+        </p:txBody>
+      </p:sp>
+    </p:spTree>
+    <p:extLst>
+      <p:ext uri="{BB962C8B-B14F-4D97-AF65-F5344CB8AC3E}">
+        <p14:creationId xmlns:p14="http://schemas.microsoft.com/office/powerpoint/2010/main" val="41826866"/>
+      </p:ext>
+    </p:extLst>
+  </p:cSld>
+  <p:clrMapOvr>
+    <a:masterClrMapping/>
+  </p:clrMapOvr>
+  <p:timing>
+    <p:tnLst>
+      <p:par>
+        <p:cTn id="1" dur="indefinite" restart="never" nodeType="tmRoot"/>
+      </p:par>
+    </p:tnLst>
+  </p:timing>
+</p:sld>
+</file>
+
+<file path=ppt/slides/slide37.xml><?xml version="1.0" encoding="utf-8"?>
+<p:sld xmlns:a="http://schemas.openxmlformats.org/drawingml/2006/main" xmlns:r="http://schemas.openxmlformats.org/officeDocument/2006/relationships" xmlns:p="http://schemas.openxmlformats.org/presentationml/2006/main">
+  <p:cSld>
+    <p:spTree>
+      <p:nvGrpSpPr>
+        <p:cNvPr id="1" name=""/>
+        <p:cNvGrpSpPr/>
+        <p:nvPr/>
+      </p:nvGrpSpPr>
+      <p:grpSpPr>
+        <a:xfrm>
+          <a:off x="0" y="0"/>
+          <a:ext cx="0" cy="0"/>
+          <a:chOff x="0" y="0"/>
+          <a:chExt cx="0" cy="0"/>
+        </a:xfrm>
+      </p:grpSpPr>
+      <p:sp>
+        <p:nvSpPr>
+          <p:cNvPr id="2" name="Заголовок 1"/>
+          <p:cNvSpPr>
+            <a:spLocks noGrp="1"/>
+          </p:cNvSpPr>
+          <p:nvPr>
+            <p:ph type="title"/>
+          </p:nvPr>
+        </p:nvSpPr>
+        <p:spPr/>
+        <p:txBody>
+          <a:bodyPr/>
+          <a:lstStyle/>
+          <a:p>
+            <a:r>
+              <a:rPr lang="ru-RU" dirty="0" smtClean="0"/>
+              <a:t>Прием и отсылка </a:t>
+            </a:r>
+            <a:r>
+              <a:rPr lang="en-US" dirty="0" smtClean="0"/>
+              <a:t>UDP-</a:t>
+            </a:r>
+            <a:r>
+              <a:rPr lang="ru-RU" dirty="0" smtClean="0"/>
+              <a:t>пакетов</a:t>
+            </a:r>
+            <a:endParaRPr lang="ru-RU" dirty="0"/>
+          </a:p>
+        </p:txBody>
+      </p:sp>
+      <p:sp>
+        <p:nvSpPr>
+          <p:cNvPr id="3" name="Объект 2"/>
+          <p:cNvSpPr>
+            <a:spLocks noGrp="1"/>
+          </p:cNvSpPr>
+          <p:nvPr>
+            <p:ph idx="1"/>
+          </p:nvPr>
+        </p:nvSpPr>
+        <p:spPr/>
+        <p:txBody>
+          <a:bodyPr/>
+          <a:lstStyle/>
+          <a:p>
+            <a:pPr marL="0" indent="0">
+              <a:buNone/>
+            </a:pPr>
             <a:r>
               <a:rPr lang="ru-RU" sz="2400" dirty="0" smtClean="0"/>
               <a:t>Прием пакета</a:t>
@@ -10717,8 +10999,29 @@
           <a:p>
             <a:r>
               <a:rPr lang="ru-RU" sz="2400" dirty="0" smtClean="0"/>
-              <a:t>Идентифицирует ресурс</a:t>
-            </a:r>
+              <a:t>Идентифицирует </a:t>
+            </a:r>
+            <a:r>
+              <a:rPr lang="ru-RU" sz="2400" dirty="0" smtClean="0"/>
+              <a:t>ресурс</a:t>
+            </a:r>
+            <a:r>
+              <a:rPr lang="en-US" sz="2400" dirty="0" smtClean="0"/>
+              <a:t> </a:t>
+            </a:r>
+            <a:r>
+              <a:rPr lang="en-US" sz="2400" dirty="0">
+                <a:solidFill>
+                  <a:srgbClr val="FF0000"/>
+                </a:solidFill>
+              </a:rPr>
+              <a:t>RFC 3986</a:t>
+            </a:r>
+            <a:endParaRPr lang="ru-RU" sz="2400" dirty="0" smtClean="0">
+              <a:solidFill>
+                <a:srgbClr val="FF0000"/>
+              </a:solidFill>
+            </a:endParaRPr>
           </a:p>
           <a:p>
             <a:r>
@@ -10787,22 +11090,6 @@
           </a:p>
           <a:p>
             <a:endParaRPr lang="en-US" sz="2400" dirty="0" smtClean="0"/>
-          </a:p>
-          <a:p>
-            <a:pPr marL="0" indent="0">
-              <a:buNone/>
-            </a:pPr>
-            <a:r>
-              <a:rPr lang="en-US" sz="2400" dirty="0" smtClean="0">
-                <a:hlinkClick r:id="rId2"/>
-              </a:rPr>
-              <a:t>http://tools.ietf.org/html/rfc1738</a:t>
-            </a:r>
-            <a:r>
-              <a:rPr lang="en-US" sz="2400" dirty="0" smtClean="0"/>
-              <a:t> </a:t>
-            </a:r>
-            <a:endParaRPr lang="en-US" sz="2400" dirty="0"/>
           </a:p>
         </p:txBody>
       </p:sp>
@@ -10815,7 +11102,7 @@
           <p:nvPr/>
         </p:nvPicPr>
         <p:blipFill>
-          <a:blip r:embed="rId3"/>
+          <a:blip r:embed="rId2"/>
           <a:stretch>
             <a:fillRect/>
           </a:stretch>
@@ -10884,11 +11171,7 @@
           <a:p>
             <a:r>
               <a:rPr lang="ru-RU" dirty="0" smtClean="0"/>
-              <a:t>Создание </a:t>
-            </a:r>
-            <a:r>
-              <a:rPr lang="en-US" dirty="0" smtClean="0"/>
-              <a:t>URI</a:t>
+              <a:t>Примеры</a:t>
             </a:r>
             <a:endParaRPr lang="ru-RU" dirty="0"/>
           </a:p>
@@ -10904,287 +11187,47 @@
             <p:ph idx="1"/>
           </p:nvPr>
         </p:nvSpPr>
-        <p:spPr>
-          <a:xfrm>
-            <a:off x="539552" y="1412776"/>
-            <a:ext cx="7924800" cy="4419600"/>
-          </a:xfrm>
-        </p:spPr>
+        <p:spPr/>
         <p:txBody>
           <a:bodyPr/>
           <a:lstStyle/>
           <a:p>
-            <a:pPr marL="0" indent="0">
-              <a:buNone/>
-            </a:pPr>
-            <a:r>
-              <a:rPr lang="ru-RU" sz="2400" dirty="0" smtClean="0"/>
-              <a:t>Конструкторы класса </a:t>
-            </a:r>
-            <a:r>
-              <a:rPr lang="en-US" sz="2400" dirty="0" smtClean="0"/>
-              <a:t>URI</a:t>
-            </a:r>
-          </a:p>
-          <a:p>
-            <a:r>
-              <a:rPr lang="en-US" sz="2400" dirty="0" smtClean="0"/>
-              <a:t>    </a:t>
-            </a:r>
-            <a:r>
-              <a:rPr lang="en-US" sz="2400" dirty="0" smtClean="0">
-                <a:solidFill>
-                  <a:srgbClr val="0070C0"/>
-                </a:solidFill>
-              </a:rPr>
-              <a:t>URI(String)</a:t>
-            </a:r>
-            <a:r>
-              <a:rPr lang="en-US" sz="2400" dirty="0" smtClean="0"/>
-              <a:t> – </a:t>
-            </a:r>
-            <a:r>
-              <a:rPr lang="ru-RU" sz="2400" dirty="0" smtClean="0"/>
-              <a:t>по строке</a:t>
-            </a:r>
-          </a:p>
-          <a:p>
-            <a:r>
-              <a:rPr lang="ru-RU" sz="2400" dirty="0" smtClean="0"/>
-              <a:t>    </a:t>
-            </a:r>
-            <a:r>
-              <a:rPr lang="en-US" sz="2400" dirty="0" smtClean="0">
-                <a:solidFill>
-                  <a:srgbClr val="0070C0"/>
-                </a:solidFill>
-              </a:rPr>
-              <a:t>URI(scheme, </a:t>
-            </a:r>
-            <a:r>
-              <a:rPr lang="en-US" sz="2400" dirty="0" err="1" smtClean="0">
-                <a:solidFill>
-                  <a:srgbClr val="0070C0"/>
-                </a:solidFill>
-              </a:rPr>
-              <a:t>ssp</a:t>
-            </a:r>
-            <a:r>
-              <a:rPr lang="en-US" sz="2400" dirty="0" smtClean="0">
-                <a:solidFill>
-                  <a:srgbClr val="0070C0"/>
-                </a:solidFill>
-              </a:rPr>
-              <a:t>, fragment) </a:t>
-            </a:r>
-            <a:r>
-              <a:rPr lang="en-US" sz="2400" dirty="0" smtClean="0"/>
-              <a:t>– </a:t>
-            </a:r>
-            <a:r>
-              <a:rPr lang="ru-RU" sz="2400" dirty="0" smtClean="0"/>
-              <a:t>из крупных частей</a:t>
-            </a:r>
-          </a:p>
-          <a:p>
-            <a:r>
-              <a:rPr lang="ru-RU" sz="2400" dirty="0" smtClean="0"/>
-              <a:t>    </a:t>
-            </a:r>
-            <a:r>
-              <a:rPr lang="en-US" sz="2400" dirty="0" smtClean="0">
-                <a:solidFill>
-                  <a:srgbClr val="0070C0"/>
-                </a:solidFill>
-              </a:rPr>
-              <a:t>URI(</a:t>
-            </a:r>
-            <a:r>
-              <a:rPr lang="en-US" sz="2400" dirty="0" err="1" smtClean="0">
-                <a:solidFill>
-                  <a:srgbClr val="0070C0"/>
-                </a:solidFill>
-              </a:rPr>
-              <a:t>sheme</a:t>
-            </a:r>
-            <a:r>
-              <a:rPr lang="en-US" sz="2400" dirty="0" smtClean="0">
-                <a:solidFill>
-                  <a:srgbClr val="0070C0"/>
-                </a:solidFill>
-              </a:rPr>
-              <a:t>, </a:t>
-            </a:r>
-            <a:r>
-              <a:rPr lang="en-US" sz="2400" dirty="0" err="1" smtClean="0">
-                <a:solidFill>
-                  <a:srgbClr val="0070C0"/>
-                </a:solidFill>
-              </a:rPr>
-              <a:t>userInfo</a:t>
-            </a:r>
-            <a:r>
-              <a:rPr lang="en-US" sz="2400" dirty="0" smtClean="0">
-                <a:solidFill>
-                  <a:srgbClr val="0070C0"/>
-                </a:solidFill>
-              </a:rPr>
-              <a:t>, host, port, path, query, fragment)</a:t>
-            </a:r>
-            <a:r>
-              <a:rPr lang="en-US" sz="2400" dirty="0" smtClean="0"/>
-              <a:t> – </a:t>
-            </a:r>
-            <a:r>
-              <a:rPr lang="ru-RU" sz="2400" dirty="0" smtClean="0"/>
-              <a:t>из мелких частей</a:t>
-            </a:r>
-          </a:p>
-          <a:p>
-            <a:pPr marL="0" indent="0">
-              <a:buNone/>
-            </a:pPr>
-            <a:r>
-              <a:rPr lang="ru-RU" sz="2400" dirty="0" smtClean="0"/>
-              <a:t>Фабричные методы класса </a:t>
-            </a:r>
-            <a:r>
-              <a:rPr lang="en-US" sz="2400" dirty="0" smtClean="0"/>
-              <a:t>URI</a:t>
-            </a:r>
-          </a:p>
-          <a:p>
-            <a:r>
-              <a:rPr lang="en-US" sz="2400" dirty="0" smtClean="0"/>
-              <a:t>    </a:t>
-            </a:r>
-            <a:r>
-              <a:rPr lang="en-US" sz="2400" dirty="0" smtClean="0">
-                <a:solidFill>
-                  <a:srgbClr val="0070C0"/>
-                </a:solidFill>
-              </a:rPr>
-              <a:t>create(String)</a:t>
-            </a:r>
-            <a:r>
-              <a:rPr lang="en-US" sz="2400" dirty="0" smtClean="0"/>
-              <a:t> – </a:t>
-            </a:r>
-            <a:r>
-              <a:rPr lang="ru-RU" sz="2400" dirty="0" smtClean="0"/>
-              <a:t>по строке</a:t>
-            </a:r>
-          </a:p>
-          <a:p>
-            <a:pPr marL="0" indent="0">
-              <a:buNone/>
-            </a:pPr>
-            <a:r>
-              <a:rPr lang="ru-RU" sz="2400" dirty="0" smtClean="0"/>
-              <a:t>Из других объектов</a:t>
-            </a:r>
-          </a:p>
-          <a:p>
-            <a:r>
-              <a:rPr lang="ru-RU" sz="2400" dirty="0" smtClean="0">
-                <a:solidFill>
-                  <a:srgbClr val="0070C0"/>
-                </a:solidFill>
-              </a:rPr>
-              <a:t>    </a:t>
-            </a:r>
-            <a:r>
-              <a:rPr lang="en-US" sz="2400" dirty="0" err="1" smtClean="0">
-                <a:solidFill>
-                  <a:srgbClr val="0070C0"/>
-                </a:solidFill>
-              </a:rPr>
-              <a:t>file.toURI</a:t>
-            </a:r>
-            <a:r>
-              <a:rPr lang="en-US" sz="2400" dirty="0" smtClean="0">
-                <a:solidFill>
-                  <a:srgbClr val="0070C0"/>
-                </a:solidFill>
-              </a:rPr>
-              <a:t>() </a:t>
-            </a:r>
-            <a:r>
-              <a:rPr lang="en-US" sz="2400" dirty="0" smtClean="0"/>
-              <a:t>– </a:t>
-            </a:r>
-            <a:r>
-              <a:rPr lang="ru-RU" sz="2400" dirty="0" smtClean="0"/>
-              <a:t>из дескриптора файла</a:t>
-            </a:r>
-          </a:p>
-          <a:p>
-            <a:r>
-              <a:rPr lang="ru-RU" sz="2400" dirty="0" smtClean="0"/>
-              <a:t>    </a:t>
-            </a:r>
-            <a:r>
-              <a:rPr lang="en-US" sz="2400" dirty="0" err="1" smtClean="0">
-                <a:solidFill>
-                  <a:srgbClr val="0070C0"/>
-                </a:solidFill>
-              </a:rPr>
-              <a:t>url.toURI</a:t>
-            </a:r>
-            <a:r>
-              <a:rPr lang="en-US" sz="2400" dirty="0" smtClean="0">
-                <a:solidFill>
-                  <a:srgbClr val="0070C0"/>
-                </a:solidFill>
-              </a:rPr>
-              <a:t>() </a:t>
-            </a:r>
-            <a:r>
-              <a:rPr lang="en-US" sz="2400" dirty="0" smtClean="0"/>
-              <a:t>– </a:t>
-            </a:r>
-            <a:r>
-              <a:rPr lang="ru-RU" sz="2400" dirty="0" smtClean="0"/>
-              <a:t>из </a:t>
-            </a:r>
-            <a:r>
-              <a:rPr lang="en-US" sz="2400" dirty="0" smtClean="0"/>
-              <a:t>URL</a:t>
-            </a:r>
-          </a:p>
-          <a:p>
-            <a:pPr marL="0" indent="0">
-              <a:buNone/>
-            </a:pPr>
-            <a:r>
-              <a:rPr lang="ru-RU" sz="2400" dirty="0" smtClean="0"/>
-              <a:t>Исключение </a:t>
-            </a:r>
-            <a:r>
-              <a:rPr lang="en-US" sz="2400" dirty="0" err="1" smtClean="0"/>
-              <a:t>URISyntaxException</a:t>
-            </a:r>
-            <a:endParaRPr lang="ru-RU" sz="2400" dirty="0"/>
+            <a:r>
+              <a:rPr lang="en-US" dirty="0"/>
+              <a:t>mailto:java-net@java.sun.com</a:t>
+            </a:r>
+          </a:p>
+          <a:p>
+            <a:r>
+              <a:rPr lang="en-US" dirty="0"/>
+              <a:t>urn:isbn:096139210x</a:t>
+            </a:r>
+          </a:p>
+          <a:p>
+            <a:r>
+              <a:rPr lang="en-US" dirty="0"/>
+              <a:t>http://java.sun.com/j2se/1.3/</a:t>
+            </a:r>
+          </a:p>
+          <a:p>
+            <a:r>
+              <a:rPr lang="en-US" dirty="0"/>
+              <a:t>docs/guide/collections/designfaq.html#28</a:t>
+            </a:r>
+            <a:endParaRPr lang="ru-RU" dirty="0"/>
           </a:p>
         </p:txBody>
       </p:sp>
     </p:spTree>
     <p:extLst>
       <p:ext uri="{BB962C8B-B14F-4D97-AF65-F5344CB8AC3E}">
-        <p14:creationId xmlns:p14="http://schemas.microsoft.com/office/powerpoint/2010/main" val="503529821"/>
+        <p14:creationId xmlns:p14="http://schemas.microsoft.com/office/powerpoint/2010/main" val="200484691"/>
       </p:ext>
     </p:extLst>
   </p:cSld>
   <p:clrMapOvr>
     <a:masterClrMapping/>
   </p:clrMapOvr>
-  <p:timing>
-    <p:tnLst>
-      <p:par>
-        <p:cTn id="1" dur="indefinite" restart="never" nodeType="tmRoot"/>
-      </p:par>
-    </p:tnLst>
-  </p:timing>
 </p:sld>
 </file>
 
@@ -11222,11 +11265,11 @@
           <a:p>
             <a:r>
               <a:rPr lang="ru-RU" dirty="0" smtClean="0"/>
-              <a:t>Получение частей </a:t>
+              <a:t>Создание </a:t>
             </a:r>
             <a:r>
               <a:rPr lang="en-US" dirty="0" smtClean="0"/>
-              <a:t>URI </a:t>
+              <a:t>URI</a:t>
             </a:r>
             <a:endParaRPr lang="ru-RU" dirty="0"/>
           </a:p>
@@ -11242,7 +11285,12 @@
             <p:ph idx="1"/>
           </p:nvPr>
         </p:nvSpPr>
-        <p:spPr/>
+        <p:spPr>
+          <a:xfrm>
+            <a:off x="539552" y="1412776"/>
+            <a:ext cx="7924800" cy="4419600"/>
+          </a:xfrm>
+        </p:spPr>
         <p:txBody>
           <a:bodyPr/>
           <a:lstStyle/>
@@ -11251,12 +11299,56 @@
               <a:buNone/>
             </a:pPr>
             <a:r>
+              <a:rPr lang="ru-RU" sz="2400" dirty="0" smtClean="0"/>
+              <a:t>Конструкторы класса </a:t>
+            </a:r>
+            <a:r>
+              <a:rPr lang="en-US" sz="2400" dirty="0" smtClean="0"/>
+              <a:t>URI</a:t>
+            </a:r>
+          </a:p>
+          <a:p>
+            <a:r>
+              <a:rPr lang="en-US" sz="2400" dirty="0" smtClean="0"/>
+              <a:t>    </a:t>
+            </a:r>
+            <a:r>
+              <a:rPr lang="en-US" sz="2400" dirty="0" smtClean="0">
+                <a:solidFill>
+                  <a:srgbClr val="0070C0"/>
+                </a:solidFill>
+              </a:rPr>
+              <a:t>URI(String)</a:t>
+            </a:r>
+            <a:r>
+              <a:rPr lang="en-US" sz="2400" dirty="0" smtClean="0"/>
+              <a:t> – </a:t>
+            </a:r>
+            <a:r>
+              <a:rPr lang="ru-RU" sz="2400" dirty="0" smtClean="0"/>
+              <a:t>по строке</a:t>
+            </a:r>
+          </a:p>
+          <a:p>
+            <a:r>
+              <a:rPr lang="ru-RU" sz="2400" dirty="0" smtClean="0"/>
+              <a:t>    </a:t>
+            </a:r>
+            <a:r>
+              <a:rPr lang="en-US" sz="2400" dirty="0" smtClean="0">
+                <a:solidFill>
+                  <a:srgbClr val="0070C0"/>
+                </a:solidFill>
+              </a:rPr>
+              <a:t>URI(scheme, </a:t>
+            </a:r>
+            <a:r>
               <a:rPr lang="en-US" sz="2400" dirty="0" err="1" smtClean="0">
                 <a:solidFill>
                   <a:srgbClr val="0070C0"/>
                 </a:solidFill>
               </a:rPr>
-              <a:t>getScheme</a:t>
+              <a:t>ssp</a:t>
             </a:r>
             <a:r>
               <a:rPr lang="en-US" sz="2400" dirty="0" smtClean="0">
@@ -11264,11 +11356,69 @@
                   <a:srgbClr val="0070C0"/>
                 </a:solidFill>
               </a:rPr>
-              <a:t>()	</a:t>
+              <a:t>, fragment) </a:t>
             </a:r>
             <a:r>
               <a:rPr lang="en-US" sz="2400" dirty="0" smtClean="0"/>
-              <a:t>			scheme</a:t>
+              <a:t>– </a:t>
+            </a:r>
+            <a:r>
+              <a:rPr lang="ru-RU" sz="2400" dirty="0" smtClean="0"/>
+              <a:t>из крупных частей</a:t>
+            </a:r>
+          </a:p>
+          <a:p>
+            <a:r>
+              <a:rPr lang="ru-RU" sz="2400" dirty="0" smtClean="0"/>
+              <a:t>    </a:t>
+            </a:r>
+            <a:r>
+              <a:rPr lang="en-US" sz="2400" dirty="0" smtClean="0">
+                <a:solidFill>
+                  <a:srgbClr val="0070C0"/>
+                </a:solidFill>
+              </a:rPr>
+              <a:t>URI(</a:t>
+            </a:r>
+            <a:r>
+              <a:rPr lang="en-US" sz="2400" dirty="0" err="1" smtClean="0">
+                <a:solidFill>
+                  <a:srgbClr val="0070C0"/>
+                </a:solidFill>
+              </a:rPr>
+              <a:t>sheme</a:t>
+            </a:r>
+            <a:r>
+              <a:rPr lang="en-US" sz="2400" dirty="0" smtClean="0">
+                <a:solidFill>
+                  <a:srgbClr val="0070C0"/>
+                </a:solidFill>
+              </a:rPr>
+              <a:t>, </a:t>
+            </a:r>
+            <a:r>
+              <a:rPr lang="en-US" sz="2400" dirty="0" err="1" smtClean="0">
+                <a:solidFill>
+                  <a:srgbClr val="0070C0"/>
+                </a:solidFill>
+              </a:rPr>
+              <a:t>userInfo</a:t>
+            </a:r>
+            <a:r>
+              <a:rPr lang="en-US" sz="2400" dirty="0" smtClean="0">
+                <a:solidFill>
+                  <a:srgbClr val="0070C0"/>
+                </a:solidFill>
+              </a:rPr>
+              <a:t>, host, port, path, query, fragment)</a:t>
+            </a:r>
+            <a:r>
+              <a:rPr lang="en-US" sz="2400" dirty="0" smtClean="0"/>
+              <a:t> – </a:t>
+            </a:r>
+            <a:r>
+              <a:rPr lang="ru-RU" sz="2400" dirty="0" smtClean="0"/>
+              <a:t>из мелких частей</a:t>
             </a:r>
           </a:p>
           <a:p>
@@ -11276,12 +11426,18 @@
               <a:buNone/>
             </a:pPr>
             <a:r>
-              <a:rPr lang="en-US" sz="2400" dirty="0" err="1" smtClean="0">
-                <a:solidFill>
-                  <a:srgbClr val="0070C0"/>
-                </a:solidFill>
-              </a:rPr>
-              <a:t>getSchemeSpecificPart</a:t>
+              <a:rPr lang="ru-RU" sz="2400" dirty="0" smtClean="0"/>
+              <a:t>Фабричные методы класса </a:t>
+            </a:r>
+            <a:r>
+              <a:rPr lang="en-US" sz="2400" dirty="0" smtClean="0"/>
+              <a:t>URI</a:t>
+            </a:r>
+          </a:p>
+          <a:p>
+            <a:r>
+              <a:rPr lang="en-US" sz="2400" dirty="0" smtClean="0"/>
+              <a:t>    </a:t>
             </a:r>
             <a:r>
               <a:rPr lang="en-US" sz="2400" dirty="0" smtClean="0">
@@ -11289,19 +11445,15 @@
                   <a:srgbClr val="0070C0"/>
                 </a:solidFill>
               </a:rPr>
-              <a:t>()	</a:t>
+              <a:t>create(String)</a:t>
             </a:r>
             <a:r>
               <a:rPr lang="en-US" sz="2400" dirty="0" smtClean="0"/>
-              <a:t>	</a:t>
-            </a:r>
-            <a:r>
-              <a:rPr lang="en-US" sz="2400" dirty="0" err="1" smtClean="0"/>
-              <a:t>sheme</a:t>
-            </a:r>
-            <a:r>
-              <a:rPr lang="en-US" sz="2400" dirty="0" smtClean="0"/>
-              <a:t>-specific part</a:t>
+              <a:t> – </a:t>
+            </a:r>
+            <a:r>
+              <a:rPr lang="ru-RU" sz="2400" dirty="0" smtClean="0"/>
+              <a:t>по строке</a:t>
             </a:r>
           </a:p>
           <a:p>
@@ -11309,8 +11461,48 @@
               <a:buNone/>
             </a:pPr>
             <a:r>
+              <a:rPr lang="ru-RU" sz="2400" dirty="0" smtClean="0"/>
+              <a:t>Из других объектов</a:t>
+            </a:r>
+          </a:p>
+          <a:p>
+            <a:r>
+              <a:rPr lang="ru-RU" sz="2400" dirty="0" smtClean="0">
+                <a:solidFill>
+                  <a:srgbClr val="0070C0"/>
+                </a:solidFill>
+              </a:rPr>
+              <a:t>    </a:t>
+            </a:r>
+            <a:r>
+              <a:rPr lang="en-US" sz="2400" dirty="0" err="1" smtClean="0">
+                <a:solidFill>
+                  <a:srgbClr val="0070C0"/>
+                </a:solidFill>
+              </a:rPr>
+              <a:t>file.toURI</a:t>
+            </a:r>
+            <a:r>
+              <a:rPr lang="en-US" sz="2400" dirty="0" smtClean="0">
+                <a:solidFill>
+                  <a:srgbClr val="0070C0"/>
+                </a:solidFill>
+              </a:rPr>
+              <a:t>() </a:t>
+            </a:r>
+            <a:r>
               <a:rPr lang="en-US" sz="2400" dirty="0" smtClean="0"/>
-              <a:t>	</a:t>
+              <a:t>– </a:t>
+            </a:r>
+            <a:r>
+              <a:rPr lang="ru-RU" sz="2400" dirty="0" smtClean="0"/>
+              <a:t>из дескриптора файла</a:t>
+            </a:r>
+          </a:p>
+          <a:p>
+            <a:r>
+              <a:rPr lang="ru-RU" sz="2400" dirty="0" smtClean="0"/>
+              <a:t>    </a:t>
             </a:r>
             <a:r>
               <a:rPr lang="en-US" sz="2400" dirty="0" err="1" smtClean="0">
@@ -11318,7 +11510,7 @@
                   <a:srgbClr val="0070C0"/>
                 </a:solidFill>
               </a:rPr>
-              <a:t>getAuthority</a:t>
+              <a:t>url.toURI</a:t>
             </a:r>
             <a:r>
               <a:rPr lang="en-US" sz="2400" dirty="0" smtClean="0">
@@ -11326,11 +11518,19 @@
                   <a:srgbClr val="0070C0"/>
                 </a:solidFill>
               </a:rPr>
-              <a:t>()	</a:t>
+              <a:t>() </a:t>
             </a:r>
             <a:r>
               <a:rPr lang="en-US" sz="2400" dirty="0" smtClean="0"/>
-              <a:t>	[user-info@]host[:port]</a:t>
+              <a:t>– </a:t>
+            </a:r>
+            <a:r>
+              <a:rPr lang="ru-RU" sz="2400" dirty="0" smtClean="0"/>
+              <a:t>из </a:t>
+            </a:r>
+            <a:r>
+              <a:rPr lang="en-US" sz="2400" dirty="0" smtClean="0"/>
+              <a:t>URL</a:t>
             </a:r>
           </a:p>
           <a:p>
@@ -11338,169 +11538,12 @@
               <a:buNone/>
             </a:pPr>
             <a:r>
-              <a:rPr lang="en-US" sz="2400" dirty="0" smtClean="0"/>
-              <a:t>		</a:t>
-            </a:r>
-            <a:r>
-              <a:rPr lang="en-US" sz="2400" dirty="0" err="1" smtClean="0">
-                <a:solidFill>
-                  <a:srgbClr val="0070C0"/>
-                </a:solidFill>
-              </a:rPr>
-              <a:t>getUserInfo</a:t>
-            </a:r>
-            <a:r>
-              <a:rPr lang="en-US" sz="2400" dirty="0" smtClean="0">
-                <a:solidFill>
-                  <a:srgbClr val="0070C0"/>
-                </a:solidFill>
-              </a:rPr>
-              <a:t>()	</a:t>
-            </a:r>
-            <a:r>
-              <a:rPr lang="en-US" sz="2400" dirty="0" smtClean="0"/>
-              <a:t>	user-info</a:t>
-            </a:r>
-          </a:p>
-          <a:p>
-            <a:pPr marL="0" indent="0">
-              <a:buNone/>
-            </a:pPr>
-            <a:r>
-              <a:rPr lang="en-US" sz="2400" dirty="0" smtClean="0"/>
-              <a:t>		</a:t>
-            </a:r>
-            <a:r>
-              <a:rPr lang="en-US" sz="2400" dirty="0" err="1" smtClean="0">
-                <a:solidFill>
-                  <a:srgbClr val="0070C0"/>
-                </a:solidFill>
-              </a:rPr>
-              <a:t>getHost</a:t>
-            </a:r>
-            <a:r>
-              <a:rPr lang="en-US" sz="2400" dirty="0" smtClean="0">
-                <a:solidFill>
-                  <a:srgbClr val="0070C0"/>
-                </a:solidFill>
-              </a:rPr>
-              <a:t>()</a:t>
-            </a:r>
-            <a:r>
-              <a:rPr lang="en-US" sz="2400" dirty="0" smtClean="0"/>
-              <a:t>		port</a:t>
-            </a:r>
-          </a:p>
-          <a:p>
-            <a:pPr marL="0" indent="0">
-              <a:buNone/>
-            </a:pPr>
-            <a:r>
-              <a:rPr lang="en-US" sz="2400" dirty="0" smtClean="0"/>
-              <a:t>		</a:t>
-            </a:r>
-            <a:r>
-              <a:rPr lang="en-US" sz="2400" dirty="0" err="1" smtClean="0">
-                <a:solidFill>
-                  <a:srgbClr val="0070C0"/>
-                </a:solidFill>
-              </a:rPr>
-              <a:t>getPort</a:t>
-            </a:r>
-            <a:r>
-              <a:rPr lang="en-US" sz="2400" dirty="0" smtClean="0">
-                <a:solidFill>
-                  <a:srgbClr val="0070C0"/>
-                </a:solidFill>
-              </a:rPr>
-              <a:t>()</a:t>
-            </a:r>
-            <a:r>
-              <a:rPr lang="en-US" sz="2400" dirty="0" smtClean="0"/>
-              <a:t>		host</a:t>
-            </a:r>
-          </a:p>
-          <a:p>
-            <a:pPr marL="0" indent="0">
-              <a:buNone/>
-            </a:pPr>
-            <a:r>
-              <a:rPr lang="en-US" sz="2400" dirty="0" smtClean="0"/>
-              <a:t>	</a:t>
-            </a:r>
-            <a:r>
-              <a:rPr lang="en-US" sz="2400" dirty="0" err="1" smtClean="0">
-                <a:solidFill>
-                  <a:srgbClr val="0070C0"/>
-                </a:solidFill>
-              </a:rPr>
-              <a:t>getPath</a:t>
-            </a:r>
-            <a:r>
-              <a:rPr lang="en-US" sz="2400" dirty="0" smtClean="0">
-                <a:solidFill>
-                  <a:srgbClr val="0070C0"/>
-                </a:solidFill>
-              </a:rPr>
-              <a:t>()</a:t>
-            </a:r>
-            <a:r>
-              <a:rPr lang="en-US" sz="2400" dirty="0" smtClean="0"/>
-              <a:t>			path</a:t>
-            </a:r>
-          </a:p>
-          <a:p>
-            <a:pPr marL="0" indent="0">
-              <a:buNone/>
-            </a:pPr>
-            <a:r>
-              <a:rPr lang="en-US" sz="2400" dirty="0" smtClean="0"/>
-              <a:t>	</a:t>
-            </a:r>
-            <a:r>
-              <a:rPr lang="en-US" sz="2400" dirty="0" err="1" smtClean="0">
-                <a:solidFill>
-                  <a:srgbClr val="0070C0"/>
-                </a:solidFill>
-              </a:rPr>
-              <a:t>getQuery</a:t>
-            </a:r>
-            <a:r>
-              <a:rPr lang="en-US" sz="2400" dirty="0" smtClean="0">
-                <a:solidFill>
-                  <a:srgbClr val="0070C0"/>
-                </a:solidFill>
-              </a:rPr>
-              <a:t>()</a:t>
-            </a:r>
-            <a:r>
-              <a:rPr lang="en-US" sz="2400" dirty="0" smtClean="0"/>
-              <a:t>			query</a:t>
-            </a:r>
-          </a:p>
-          <a:p>
-            <a:pPr marL="0" indent="0">
-              <a:buNone/>
-            </a:pPr>
-            <a:r>
-              <a:rPr lang="en-US" sz="2400" dirty="0" err="1" smtClean="0">
-                <a:solidFill>
-                  <a:srgbClr val="0070C0"/>
-                </a:solidFill>
-              </a:rPr>
-              <a:t>getFragment</a:t>
-            </a:r>
-            <a:r>
-              <a:rPr lang="en-US" sz="2400" dirty="0" smtClean="0">
-                <a:solidFill>
-                  <a:srgbClr val="0070C0"/>
-                </a:solidFill>
-              </a:rPr>
-              <a:t>()</a:t>
-            </a:r>
-            <a:r>
-              <a:rPr lang="en-US" sz="2400" dirty="0" smtClean="0"/>
-              <a:t>			fragment</a:t>
+              <a:rPr lang="ru-RU" sz="2400" dirty="0" smtClean="0"/>
+              <a:t>Исключение </a:t>
+            </a:r>
+            <a:r>
+              <a:rPr lang="en-US" sz="2400" dirty="0" err="1" smtClean="0"/>
+              <a:t>URISyntaxException</a:t>
             </a:r>
             <a:endParaRPr lang="ru-RU" sz="2400" dirty="0"/>
           </a:p>
@@ -11509,7 +11552,7 @@
     </p:spTree>
     <p:extLst>
       <p:ext uri="{BB962C8B-B14F-4D97-AF65-F5344CB8AC3E}">
-        <p14:creationId xmlns:p14="http://schemas.microsoft.com/office/powerpoint/2010/main" val="315330198"/>
+        <p14:creationId xmlns:p14="http://schemas.microsoft.com/office/powerpoint/2010/main" val="503529821"/>
       </p:ext>
     </p:extLst>
   </p:cSld>
@@ -11560,11 +11603,11 @@
           <a:p>
             <a:r>
               <a:rPr lang="ru-RU" dirty="0" smtClean="0"/>
-              <a:t>Операции над </a:t>
+              <a:t>Получение частей </a:t>
             </a:r>
             <a:r>
               <a:rPr lang="en-US" dirty="0" smtClean="0"/>
-              <a:t>URI</a:t>
+              <a:t>URI </a:t>
             </a:r>
             <a:endParaRPr lang="ru-RU" dirty="0"/>
           </a:p>
@@ -11580,12 +11623,7 @@
             <p:ph idx="1"/>
           </p:nvPr>
         </p:nvSpPr>
-        <p:spPr>
-          <a:xfrm>
-            <a:off x="539552" y="1412776"/>
-            <a:ext cx="7924800" cy="4419600"/>
-          </a:xfrm>
-        </p:spPr>
+        <p:spPr/>
         <p:txBody>
           <a:bodyPr/>
           <a:lstStyle/>
@@ -11594,14 +11632,12 @@
               <a:buNone/>
             </a:pPr>
             <a:r>
-              <a:rPr lang="ru-RU" sz="2400" dirty="0" smtClean="0"/>
-              <a:t>Нормализация</a:t>
-            </a:r>
-          </a:p>
-          <a:p>
-            <a:r>
-              <a:rPr lang="ru-RU" sz="2400" dirty="0" smtClean="0"/>
-              <a:t>    </a:t>
+              <a:rPr lang="en-US" sz="2400" dirty="0" err="1" smtClean="0">
+                <a:solidFill>
+                  <a:srgbClr val="0070C0"/>
+                </a:solidFill>
+              </a:rPr>
+              <a:t>getScheme</a:t>
             </a:r>
             <a:r>
               <a:rPr lang="en-US" sz="2400" dirty="0" smtClean="0">
@@ -11609,23 +11645,11 @@
                   <a:srgbClr val="0070C0"/>
                 </a:solidFill>
               </a:rPr>
-              <a:t>URI normalize() </a:t>
+              <a:t>()	</a:t>
             </a:r>
             <a:r>
               <a:rPr lang="en-US" sz="2400" dirty="0" smtClean="0"/>
-              <a:t>– </a:t>
-            </a:r>
-            <a:r>
-              <a:rPr lang="ru-RU" sz="2400" dirty="0" err="1" smtClean="0"/>
-              <a:t>нормалиовать</a:t>
-            </a:r>
-            <a:r>
-              <a:rPr lang="ru-RU" sz="2400" dirty="0" smtClean="0"/>
-              <a:t> </a:t>
-            </a:r>
-            <a:r>
-              <a:rPr lang="en-US" sz="2400" dirty="0" smtClean="0"/>
-              <a:t>URI</a:t>
+              <a:t>			scheme</a:t>
             </a:r>
           </a:p>
           <a:p>
@@ -11633,22 +11657,49 @@
               <a:buNone/>
             </a:pPr>
             <a:r>
+              <a:rPr lang="en-US" sz="2400" dirty="0" err="1" smtClean="0">
+                <a:solidFill>
+                  <a:srgbClr val="0070C0"/>
+                </a:solidFill>
+              </a:rPr>
+              <a:t>getSchemeSpecificPart</a:t>
+            </a:r>
+            <a:r>
+              <a:rPr lang="en-US" sz="2400" dirty="0" smtClean="0">
+                <a:solidFill>
+                  <a:srgbClr val="0070C0"/>
+                </a:solidFill>
+              </a:rPr>
+              <a:t>()	</a:t>
+            </a:r>
+            <a:r>
               <a:rPr lang="en-US" sz="2400" dirty="0" smtClean="0"/>
-              <a:t>«</a:t>
-            </a:r>
-            <a:r>
-              <a:rPr lang="ru-RU" sz="2400" dirty="0" smtClean="0"/>
-              <a:t>Откладывание» от базового </a:t>
+              <a:t>	</a:t>
+            </a:r>
+            <a:r>
+              <a:rPr lang="en-US" sz="2400" dirty="0" err="1" smtClean="0"/>
+              <a:t>sheme</a:t>
             </a:r>
             <a:r>
               <a:rPr lang="en-US" sz="2400" dirty="0" smtClean="0"/>
-              <a:t>URI</a:t>
-            </a:r>
-          </a:p>
-          <a:p>
+              <a:t>-specific part</a:t>
+            </a:r>
+          </a:p>
+          <a:p>
+            <a:pPr marL="0" indent="0">
+              <a:buNone/>
+            </a:pPr>
             <a:r>
               <a:rPr lang="en-US" sz="2400" dirty="0" smtClean="0"/>
-              <a:t>    </a:t>
+              <a:t>	</a:t>
+            </a:r>
+            <a:r>
+              <a:rPr lang="en-US" sz="2400" dirty="0" err="1" smtClean="0">
+                <a:solidFill>
+                  <a:srgbClr val="0070C0"/>
+                </a:solidFill>
+              </a:rPr>
+              <a:t>getAuthority</a:t>
             </a:r>
             <a:r>
               <a:rPr lang="en-US" sz="2400" dirty="0" smtClean="0">
@@ -11656,33 +11707,57 @@
                   <a:srgbClr val="0070C0"/>
                 </a:solidFill>
               </a:rPr>
-              <a:t>URI resolve(URI base)</a:t>
-            </a:r>
-          </a:p>
-          <a:p>
+              <a:t>()	</a:t>
+            </a:r>
+            <a:r>
+              <a:rPr lang="en-US" sz="2400" dirty="0" smtClean="0"/>
+              <a:t>	[user-info@]host[:port]</a:t>
+            </a:r>
+          </a:p>
+          <a:p>
+            <a:pPr marL="0" indent="0">
+              <a:buNone/>
+            </a:pPr>
+            <a:r>
+              <a:rPr lang="en-US" sz="2400" dirty="0" smtClean="0"/>
+              <a:t>		</a:t>
+            </a:r>
+            <a:r>
+              <a:rPr lang="en-US" sz="2400" dirty="0" err="1" smtClean="0">
+                <a:solidFill>
+                  <a:srgbClr val="0070C0"/>
+                </a:solidFill>
+              </a:rPr>
+              <a:t>getUserInfo</a:t>
+            </a:r>
             <a:r>
               <a:rPr lang="en-US" sz="2400" dirty="0" smtClean="0">
                 <a:solidFill>
                   <a:srgbClr val="0070C0"/>
                 </a:solidFill>
               </a:rPr>
-              <a:t>    URI resolve(String base)</a:t>
-            </a:r>
-          </a:p>
-          <a:p>
-            <a:r>
-              <a:rPr lang="ru-RU" sz="2400" dirty="0" smtClean="0"/>
-              <a:t>Взятие относительного </a:t>
+              <a:t>()	</a:t>
             </a:r>
             <a:r>
               <a:rPr lang="en-US" sz="2400" dirty="0" smtClean="0"/>
-              <a:t>URI</a:t>
-            </a:r>
-          </a:p>
-          <a:p>
+              <a:t>	user-info</a:t>
+            </a:r>
+          </a:p>
+          <a:p>
+            <a:pPr marL="0" indent="0">
+              <a:buNone/>
+            </a:pPr>
             <a:r>
               <a:rPr lang="en-US" sz="2400" dirty="0" smtClean="0"/>
-              <a:t>    </a:t>
+              <a:t>		</a:t>
+            </a:r>
+            <a:r>
+              <a:rPr lang="en-US" sz="2400" dirty="0" err="1" smtClean="0">
+                <a:solidFill>
+                  <a:srgbClr val="0070C0"/>
+                </a:solidFill>
+              </a:rPr>
+              <a:t>getHost</a:t>
             </a:r>
             <a:r>
               <a:rPr lang="en-US" sz="2400" dirty="0" smtClean="0">
@@ -11690,19 +11765,28 @@
                   <a:srgbClr val="0070C0"/>
                 </a:solidFill>
               </a:rPr>
-              <a:t>URI relativize(URI base)</a:t>
-            </a:r>
-          </a:p>
-          <a:p>
-            <a:r>
-              <a:rPr lang="ru-RU" sz="2400" dirty="0" smtClean="0"/>
-              <a:t>Сравнение</a:t>
-            </a:r>
-          </a:p>
-          <a:p>
-            <a:r>
-              <a:rPr lang="ru-RU" sz="2400" dirty="0" smtClean="0"/>
-              <a:t>    </a:t>
+              <a:t>()</a:t>
+            </a:r>
+            <a:r>
+              <a:rPr lang="en-US" sz="2400" dirty="0" smtClean="0"/>
+              <a:t>		port</a:t>
+            </a:r>
+          </a:p>
+          <a:p>
+            <a:pPr marL="0" indent="0">
+              <a:buNone/>
+            </a:pPr>
+            <a:r>
+              <a:rPr lang="en-US" sz="2400" dirty="0" smtClean="0"/>
+              <a:t>		</a:t>
+            </a:r>
+            <a:r>
+              <a:rPr lang="en-US" sz="2400" dirty="0" err="1" smtClean="0">
+                <a:solidFill>
+                  <a:srgbClr val="0070C0"/>
+                </a:solidFill>
+              </a:rPr>
+              <a:t>getPort</a:t>
             </a:r>
             <a:r>
               <a:rPr lang="en-US" sz="2400" dirty="0" smtClean="0">
@@ -11710,20 +11794,103 @@
                   <a:srgbClr val="0070C0"/>
                 </a:solidFill>
               </a:rPr>
-              <a:t>equals(Object)</a:t>
-            </a:r>
-            <a:endParaRPr lang="ru-RU" sz="2400" dirty="0">
-              <a:solidFill>
-                <a:srgbClr val="0070C0"/>
-              </a:solidFill>
-            </a:endParaRPr>
+              <a:t>()</a:t>
+            </a:r>
+            <a:r>
+              <a:rPr lang="en-US" sz="2400" dirty="0" smtClean="0"/>
+              <a:t>		host</a:t>
+            </a:r>
+          </a:p>
+          <a:p>
+            <a:pPr marL="0" indent="0">
+              <a:buNone/>
+            </a:pPr>
+            <a:r>
+              <a:rPr lang="en-US" sz="2400" dirty="0" smtClean="0"/>
+              <a:t>	</a:t>
+            </a:r>
+            <a:r>
+              <a:rPr lang="en-US" sz="2400" dirty="0" err="1" smtClean="0">
+                <a:solidFill>
+                  <a:srgbClr val="0070C0"/>
+                </a:solidFill>
+              </a:rPr>
+              <a:t>getPath</a:t>
+            </a:r>
+            <a:r>
+              <a:rPr lang="en-US" sz="2400" dirty="0" smtClean="0">
+                <a:solidFill>
+                  <a:srgbClr val="0070C0"/>
+                </a:solidFill>
+              </a:rPr>
+              <a:t>()</a:t>
+            </a:r>
+            <a:r>
+              <a:rPr lang="en-US" sz="2400" dirty="0" smtClean="0"/>
+              <a:t>			path</a:t>
+            </a:r>
+          </a:p>
+          <a:p>
+            <a:pPr marL="0" indent="0">
+              <a:buNone/>
+            </a:pPr>
+            <a:r>
+              <a:rPr lang="en-US" sz="2400" dirty="0" smtClean="0"/>
+              <a:t>	</a:t>
+            </a:r>
+            <a:r>
+              <a:rPr lang="en-US" sz="2400" dirty="0" err="1" smtClean="0">
+                <a:solidFill>
+                  <a:srgbClr val="0070C0"/>
+                </a:solidFill>
+              </a:rPr>
+              <a:t>getQuery</a:t>
+            </a:r>
+            <a:r>
+              <a:rPr lang="en-US" sz="2400" dirty="0" smtClean="0">
+                <a:solidFill>
+                  <a:srgbClr val="0070C0"/>
+                </a:solidFill>
+              </a:rPr>
+              <a:t>()</a:t>
+            </a:r>
+            <a:r>
+              <a:rPr lang="en-US" sz="2400" dirty="0" smtClean="0"/>
+              <a:t>			query</a:t>
+            </a:r>
+          </a:p>
+          <a:p>
+            <a:pPr marL="0" indent="0">
+              <a:buNone/>
+            </a:pPr>
+            <a:r>
+              <a:rPr lang="en-US" sz="2400" dirty="0" err="1" smtClean="0">
+                <a:solidFill>
+                  <a:srgbClr val="0070C0"/>
+                </a:solidFill>
+              </a:rPr>
+              <a:t>getFragment</a:t>
+            </a:r>
+            <a:r>
+              <a:rPr lang="en-US" sz="2400" dirty="0" smtClean="0">
+                <a:solidFill>
+                  <a:srgbClr val="0070C0"/>
+                </a:solidFill>
+              </a:rPr>
+              <a:t>()</a:t>
+            </a:r>
+            <a:r>
+              <a:rPr lang="en-US" sz="2400" dirty="0" smtClean="0"/>
+              <a:t>			fragment</a:t>
+            </a:r>
+            <a:endParaRPr lang="ru-RU" sz="2400" dirty="0"/>
           </a:p>
         </p:txBody>
       </p:sp>
     </p:spTree>
     <p:extLst>
       <p:ext uri="{BB962C8B-B14F-4D97-AF65-F5344CB8AC3E}">
-        <p14:creationId xmlns:p14="http://schemas.microsoft.com/office/powerpoint/2010/main" val="3856902695"/>
+        <p14:creationId xmlns:p14="http://schemas.microsoft.com/office/powerpoint/2010/main" val="315330198"/>
       </p:ext>
     </p:extLst>
   </p:cSld>

--- a/Lesson16/Network.pptx
+++ b/Lesson16/Network.pptx
@@ -5,7 +5,7 @@
     <p:sldMasterId id="2147483949" r:id="rId1"/>
   </p:sldMasterIdLst>
   <p:notesMasterIdLst>
-    <p:notesMasterId r:id="rId39"/>
+    <p:notesMasterId r:id="rId43"/>
   </p:notesMasterIdLst>
   <p:sldIdLst>
     <p:sldId id="256" r:id="rId2"/>
@@ -39,12 +39,16 @@
     <p:sldId id="368" r:id="rId30"/>
     <p:sldId id="369" r:id="rId31"/>
     <p:sldId id="370" r:id="rId32"/>
-    <p:sldId id="371" r:id="rId33"/>
-    <p:sldId id="373" r:id="rId34"/>
-    <p:sldId id="374" r:id="rId35"/>
-    <p:sldId id="375" r:id="rId36"/>
-    <p:sldId id="376" r:id="rId37"/>
-    <p:sldId id="377" r:id="rId38"/>
+    <p:sldId id="392" r:id="rId33"/>
+    <p:sldId id="390" r:id="rId34"/>
+    <p:sldId id="371" r:id="rId35"/>
+    <p:sldId id="373" r:id="rId36"/>
+    <p:sldId id="374" r:id="rId37"/>
+    <p:sldId id="375" r:id="rId38"/>
+    <p:sldId id="376" r:id="rId39"/>
+    <p:sldId id="377" r:id="rId40"/>
+    <p:sldId id="389" r:id="rId41"/>
+    <p:sldId id="391" r:id="rId42"/>
   </p:sldIdLst>
   <p:sldSz cx="9144000" cy="6858000" type="screen4x3"/>
   <p:notesSz cx="6858000" cy="9144000"/>
@@ -175,7 +179,7 @@
   </p:defaultTextStyle>
   <p:extLst>
     <p:ext uri="{EFAFB233-063F-42B5-8137-9DF3F51BA10A}">
-      <p15:sldGuideLst xmlns:p15="http://schemas.microsoft.com/office/powerpoint/2012/main" xmlns="">
+      <p15:sldGuideLst xmlns="" xmlns:p15="http://schemas.microsoft.com/office/powerpoint/2012/main">
         <p15:guide id="1" orient="horz" pos="2160">
           <p15:clr>
             <a:srgbClr val="A4A3A4"/>
@@ -5115,11 +5119,7 @@
             </a:pPr>
             <a:r>
               <a:rPr lang="ru-RU" dirty="0" smtClean="0"/>
-              <a:t>Указывает местоположение </a:t>
-            </a:r>
-            <a:r>
-              <a:rPr lang="ru-RU" dirty="0" smtClean="0"/>
-              <a:t>ресурса </a:t>
+              <a:t>Указывает местоположение ресурса </a:t>
             </a:r>
             <a:r>
               <a:rPr lang="en-US" dirty="0">
@@ -5144,11 +5144,7 @@
           <a:p>
             <a:r>
               <a:rPr lang="ru-RU" dirty="0" smtClean="0"/>
-              <a:t>Класс </a:t>
-            </a:r>
-            <a:r>
-              <a:rPr lang="ru-RU" dirty="0" smtClean="0"/>
-              <a:t>URL</a:t>
+              <a:t>Класс URL</a:t>
             </a:r>
           </a:p>
           <a:p>
@@ -5349,11 +5345,7 @@
             </a:pPr>
             <a:r>
               <a:rPr lang="ru-RU" sz="2400" dirty="0" smtClean="0"/>
-              <a:t>Из </a:t>
-            </a:r>
-            <a:r>
-              <a:rPr lang="ru-RU" sz="2400" dirty="0" smtClean="0"/>
-              <a:t>других объектов</a:t>
+              <a:t>Из других объектов</a:t>
             </a:r>
           </a:p>
           <a:p>
@@ -9380,6 +9372,268 @@
           <a:p>
             <a:r>
               <a:rPr lang="en-US" dirty="0" smtClean="0"/>
+              <a:t>Unicast</a:t>
+            </a:r>
+            <a:endParaRPr lang="ru-RU" dirty="0"/>
+          </a:p>
+        </p:txBody>
+      </p:sp>
+      <p:sp>
+        <p:nvSpPr>
+          <p:cNvPr id="3" name="Объект 2"/>
+          <p:cNvSpPr>
+            <a:spLocks noGrp="1"/>
+          </p:cNvSpPr>
+          <p:nvPr>
+            <p:ph idx="1"/>
+          </p:nvPr>
+        </p:nvSpPr>
+        <p:spPr/>
+        <p:txBody>
+          <a:bodyPr/>
+          <a:lstStyle/>
+          <a:p>
+            <a:endParaRPr lang="ru-RU" dirty="0"/>
+          </a:p>
+        </p:txBody>
+      </p:sp>
+      <p:pic>
+        <p:nvPicPr>
+          <p:cNvPr id="4098" name="Picture 2"/>
+          <p:cNvPicPr>
+            <a:picLocks noChangeAspect="1" noChangeArrowheads="1"/>
+          </p:cNvPicPr>
+          <p:nvPr/>
+        </p:nvPicPr>
+        <p:blipFill rotWithShape="1">
+          <a:blip r:embed="rId2">
+            <a:extLst>
+              <a:ext uri="{28A0092B-C50C-407E-A947-70E740481C1C}">
+                <a14:useLocalDpi xmlns:a14="http://schemas.microsoft.com/office/drawing/2010/main" val="0"/>
+              </a:ext>
+            </a:extLst>
+          </a:blip>
+          <a:srcRect l="6961" t="7899" r="33865" b="22898"/>
+          <a:stretch/>
+        </p:blipFill>
+        <p:spPr bwMode="auto">
+          <a:xfrm>
+            <a:off x="1115616" y="1607096"/>
+            <a:ext cx="6719404" cy="4420281"/>
+          </a:xfrm>
+          <a:prstGeom prst="rect">
+            <a:avLst/>
+          </a:prstGeom>
+          <a:noFill/>
+          <a:ln>
+            <a:noFill/>
+          </a:ln>
+          <a:extLst>
+            <a:ext uri="{909E8E84-426E-40DD-AFC4-6F175D3DCCD1}">
+              <a14:hiddenFill xmlns:a14="http://schemas.microsoft.com/office/drawing/2010/main">
+                <a:solidFill>
+                  <a:schemeClr val="accent1"/>
+                </a:solidFill>
+              </a14:hiddenFill>
+            </a:ext>
+            <a:ext uri="{91240B29-F687-4F45-9708-019B960494DF}">
+              <a14:hiddenLine xmlns:a14="http://schemas.microsoft.com/office/drawing/2010/main" w="9525">
+                <a:solidFill>
+                  <a:schemeClr val="tx1"/>
+                </a:solidFill>
+                <a:miter lim="800000"/>
+                <a:headEnd/>
+                <a:tailEnd/>
+              </a14:hiddenLine>
+            </a:ext>
+          </a:extLst>
+        </p:spPr>
+      </p:pic>
+    </p:spTree>
+    <p:extLst>
+      <p:ext uri="{BB962C8B-B14F-4D97-AF65-F5344CB8AC3E}">
+        <p14:creationId xmlns:p14="http://schemas.microsoft.com/office/powerpoint/2010/main" val="3389012322"/>
+      </p:ext>
+    </p:extLst>
+  </p:cSld>
+  <p:clrMapOvr>
+    <a:masterClrMapping/>
+  </p:clrMapOvr>
+  <p:timing>
+    <p:tnLst>
+      <p:par>
+        <p:cTn id="1" dur="indefinite" restart="never" nodeType="tmRoot"/>
+      </p:par>
+    </p:tnLst>
+  </p:timing>
+</p:sld>
+</file>
+
+<file path=ppt/slides/slide33.xml><?xml version="1.0" encoding="utf-8"?>
+<p:sld xmlns:a="http://schemas.openxmlformats.org/drawingml/2006/main" xmlns:r="http://schemas.openxmlformats.org/officeDocument/2006/relationships" xmlns:p="http://schemas.openxmlformats.org/presentationml/2006/main">
+  <p:cSld>
+    <p:spTree>
+      <p:nvGrpSpPr>
+        <p:cNvPr id="1" name=""/>
+        <p:cNvGrpSpPr/>
+        <p:nvPr/>
+      </p:nvGrpSpPr>
+      <p:grpSpPr>
+        <a:xfrm>
+          <a:off x="0" y="0"/>
+          <a:ext cx="0" cy="0"/>
+          <a:chOff x="0" y="0"/>
+          <a:chExt cx="0" cy="0"/>
+        </a:xfrm>
+      </p:grpSpPr>
+      <p:sp>
+        <p:nvSpPr>
+          <p:cNvPr id="2" name="Заголовок 1"/>
+          <p:cNvSpPr>
+            <a:spLocks noGrp="1"/>
+          </p:cNvSpPr>
+          <p:nvPr>
+            <p:ph type="title"/>
+          </p:nvPr>
+        </p:nvSpPr>
+        <p:spPr/>
+        <p:txBody>
+          <a:bodyPr/>
+          <a:lstStyle/>
+          <a:p>
+            <a:r>
+              <a:rPr lang="en-US" dirty="0" smtClean="0"/>
+              <a:t>Broadcast</a:t>
+            </a:r>
+            <a:endParaRPr lang="ru-RU" dirty="0"/>
+          </a:p>
+        </p:txBody>
+      </p:sp>
+      <p:sp>
+        <p:nvSpPr>
+          <p:cNvPr id="3" name="Объект 2"/>
+          <p:cNvSpPr>
+            <a:spLocks noGrp="1"/>
+          </p:cNvSpPr>
+          <p:nvPr>
+            <p:ph idx="1"/>
+          </p:nvPr>
+        </p:nvSpPr>
+        <p:spPr/>
+        <p:txBody>
+          <a:bodyPr/>
+          <a:lstStyle/>
+          <a:p>
+            <a:endParaRPr lang="ru-RU" dirty="0"/>
+          </a:p>
+        </p:txBody>
+      </p:sp>
+      <p:pic>
+        <p:nvPicPr>
+          <p:cNvPr id="1028" name="Picture 4"/>
+          <p:cNvPicPr>
+            <a:picLocks noChangeAspect="1" noChangeArrowheads="1"/>
+          </p:cNvPicPr>
+          <p:nvPr/>
+        </p:nvPicPr>
+        <p:blipFill rotWithShape="1">
+          <a:blip r:embed="rId2">
+            <a:extLst>
+              <a:ext uri="{28A0092B-C50C-407E-A947-70E740481C1C}">
+                <a14:useLocalDpi xmlns:a14="http://schemas.microsoft.com/office/drawing/2010/main" val="0"/>
+              </a:ext>
+            </a:extLst>
+          </a:blip>
+          <a:srcRect l="7241" t="11861" r="34515" b="19716"/>
+          <a:stretch/>
+        </p:blipFill>
+        <p:spPr bwMode="auto">
+          <a:xfrm>
+            <a:off x="2267744" y="2996952"/>
+            <a:ext cx="4517286" cy="2985040"/>
+          </a:xfrm>
+          <a:prstGeom prst="rect">
+            <a:avLst/>
+          </a:prstGeom>
+          <a:noFill/>
+          <a:ln>
+            <a:noFill/>
+          </a:ln>
+          <a:extLst>
+            <a:ext uri="{909E8E84-426E-40DD-AFC4-6F175D3DCCD1}">
+              <a14:hiddenFill xmlns:a14="http://schemas.microsoft.com/office/drawing/2010/main">
+                <a:solidFill>
+                  <a:schemeClr val="accent1"/>
+                </a:solidFill>
+              </a14:hiddenFill>
+            </a:ext>
+            <a:ext uri="{91240B29-F687-4F45-9708-019B960494DF}">
+              <a14:hiddenLine xmlns:a14="http://schemas.microsoft.com/office/drawing/2010/main" w="9525">
+                <a:solidFill>
+                  <a:schemeClr val="tx1"/>
+                </a:solidFill>
+                <a:miter lim="800000"/>
+                <a:headEnd/>
+                <a:tailEnd/>
+              </a14:hiddenLine>
+            </a:ext>
+          </a:extLst>
+        </p:spPr>
+      </p:pic>
+    </p:spTree>
+    <p:extLst>
+      <p:ext uri="{BB962C8B-B14F-4D97-AF65-F5344CB8AC3E}">
+        <p14:creationId xmlns:p14="http://schemas.microsoft.com/office/powerpoint/2010/main" val="2330022226"/>
+      </p:ext>
+    </p:extLst>
+  </p:cSld>
+  <p:clrMapOvr>
+    <a:masterClrMapping/>
+  </p:clrMapOvr>
+  <p:timing>
+    <p:tnLst>
+      <p:par>
+        <p:cTn id="1" dur="indefinite" restart="never" nodeType="tmRoot"/>
+      </p:par>
+    </p:tnLst>
+  </p:timing>
+</p:sld>
+</file>
+
+<file path=ppt/slides/slide34.xml><?xml version="1.0" encoding="utf-8"?>
+<p:sld xmlns:a="http://schemas.openxmlformats.org/drawingml/2006/main" xmlns:r="http://schemas.openxmlformats.org/officeDocument/2006/relationships" xmlns:p="http://schemas.openxmlformats.org/presentationml/2006/main">
+  <p:cSld>
+    <p:spTree>
+      <p:nvGrpSpPr>
+        <p:cNvPr id="1" name=""/>
+        <p:cNvGrpSpPr/>
+        <p:nvPr/>
+      </p:nvGrpSpPr>
+      <p:grpSpPr>
+        <a:xfrm>
+          <a:off x="0" y="0"/>
+          <a:ext cx="0" cy="0"/>
+          <a:chOff x="0" y="0"/>
+          <a:chExt cx="0" cy="0"/>
+        </a:xfrm>
+      </p:grpSpPr>
+      <p:sp>
+        <p:nvSpPr>
+          <p:cNvPr id="2" name="Заголовок 1"/>
+          <p:cNvSpPr>
+            <a:spLocks noGrp="1"/>
+          </p:cNvSpPr>
+          <p:nvPr>
+            <p:ph type="title"/>
+          </p:nvPr>
+        </p:nvSpPr>
+        <p:spPr/>
+        <p:txBody>
+          <a:bodyPr/>
+          <a:lstStyle/>
+          <a:p>
+            <a:r>
+              <a:rPr lang="en-US" dirty="0" smtClean="0"/>
               <a:t>UDP-</a:t>
             </a:r>
             <a:r>
@@ -9473,7 +9727,7 @@
 </p:sld>
 </file>
 
-<file path=ppt/slides/slide33.xml><?xml version="1.0" encoding="utf-8"?>
+<file path=ppt/slides/slide35.xml><?xml version="1.0" encoding="utf-8"?>
 <p:sld xmlns:a="http://schemas.openxmlformats.org/drawingml/2006/main" xmlns:r="http://schemas.openxmlformats.org/officeDocument/2006/relationships" xmlns:p="http://schemas.openxmlformats.org/presentationml/2006/main">
   <p:cSld>
     <p:spTree>
@@ -9571,7 +9825,7 @@
 </p:sld>
 </file>
 
-<file path=ppt/slides/slide34.xml><?xml version="1.0" encoding="utf-8"?>
+<file path=ppt/slides/slide36.xml><?xml version="1.0" encoding="utf-8"?>
 <p:sld xmlns:a="http://schemas.openxmlformats.org/drawingml/2006/main" xmlns:r="http://schemas.openxmlformats.org/officeDocument/2006/relationships" xmlns:p="http://schemas.openxmlformats.org/presentationml/2006/main">
   <p:cSld>
     <p:spTree>
@@ -9801,7 +10055,7 @@
 </p:sld>
 </file>
 
-<file path=ppt/slides/slide35.xml><?xml version="1.0" encoding="utf-8"?>
+<file path=ppt/slides/slide37.xml><?xml version="1.0" encoding="utf-8"?>
 <p:sld xmlns:a="http://schemas.openxmlformats.org/drawingml/2006/main" xmlns:r="http://schemas.openxmlformats.org/officeDocument/2006/relationships" xmlns:p="http://schemas.openxmlformats.org/presentationml/2006/main">
   <p:cSld>
     <p:spTree>
@@ -10184,7 +10438,7 @@
 </p:sld>
 </file>
 
-<file path=ppt/slides/slide36.xml><?xml version="1.0" encoding="utf-8"?>
+<file path=ppt/slides/slide38.xml><?xml version="1.0" encoding="utf-8"?>
 <p:sld xmlns:a="http://schemas.openxmlformats.org/drawingml/2006/main" xmlns:r="http://schemas.openxmlformats.org/officeDocument/2006/relationships" xmlns:p="http://schemas.openxmlformats.org/presentationml/2006/main">
   <p:cSld>
     <p:spTree>
@@ -10513,7 +10767,7 @@
 </p:sld>
 </file>
 
-<file path=ppt/slides/slide37.xml><?xml version="1.0" encoding="utf-8"?>
+<file path=ppt/slides/slide39.xml><?xml version="1.0" encoding="utf-8"?>
 <p:sld xmlns:a="http://schemas.openxmlformats.org/drawingml/2006/main" xmlns:r="http://schemas.openxmlformats.org/officeDocument/2006/relationships" xmlns:p="http://schemas.openxmlformats.org/presentationml/2006/main">
   <p:cSld>
     <p:spTree>
@@ -10830,6 +11084,272 @@
 </p:sld>
 </file>
 
+<file path=ppt/slides/slide40.xml><?xml version="1.0" encoding="utf-8"?>
+<p:sld xmlns:a="http://schemas.openxmlformats.org/drawingml/2006/main" xmlns:r="http://schemas.openxmlformats.org/officeDocument/2006/relationships" xmlns:p="http://schemas.openxmlformats.org/presentationml/2006/main">
+  <p:cSld>
+    <p:spTree>
+      <p:nvGrpSpPr>
+        <p:cNvPr id="1" name=""/>
+        <p:cNvGrpSpPr/>
+        <p:nvPr/>
+      </p:nvGrpSpPr>
+      <p:grpSpPr>
+        <a:xfrm>
+          <a:off x="0" y="0"/>
+          <a:ext cx="0" cy="0"/>
+          <a:chOff x="0" y="0"/>
+          <a:chExt cx="0" cy="0"/>
+        </a:xfrm>
+      </p:grpSpPr>
+      <p:sp>
+        <p:nvSpPr>
+          <p:cNvPr id="2" name="Заголовок 1"/>
+          <p:cNvSpPr>
+            <a:spLocks noGrp="1"/>
+          </p:cNvSpPr>
+          <p:nvPr>
+            <p:ph type="title"/>
+          </p:nvPr>
+        </p:nvSpPr>
+        <p:spPr/>
+        <p:txBody>
+          <a:bodyPr/>
+          <a:lstStyle/>
+          <a:p>
+            <a:r>
+              <a:rPr lang="ru-RU" dirty="0" smtClean="0"/>
+              <a:t>Мультивещание</a:t>
+            </a:r>
+            <a:endParaRPr lang="ru-RU" dirty="0"/>
+          </a:p>
+        </p:txBody>
+      </p:sp>
+      <p:sp>
+        <p:nvSpPr>
+          <p:cNvPr id="3" name="Объект 2"/>
+          <p:cNvSpPr>
+            <a:spLocks noGrp="1"/>
+          </p:cNvSpPr>
+          <p:nvPr>
+            <p:ph idx="1"/>
+          </p:nvPr>
+        </p:nvSpPr>
+        <p:spPr/>
+        <p:txBody>
+          <a:bodyPr/>
+          <a:lstStyle/>
+          <a:p>
+            <a:pPr marL="0" indent="0">
+              <a:buNone/>
+            </a:pPr>
+            <a:r>
+              <a:rPr lang="ru-RU" dirty="0"/>
+              <a:t>В IPv4 для мультивещания зарезервирована подсеть 224.0.0.0/4</a:t>
+            </a:r>
+          </a:p>
+        </p:txBody>
+      </p:sp>
+      <p:pic>
+        <p:nvPicPr>
+          <p:cNvPr id="2050" name="Picture 2"/>
+          <p:cNvPicPr>
+            <a:picLocks noChangeAspect="1" noChangeArrowheads="1"/>
+          </p:cNvPicPr>
+          <p:nvPr/>
+        </p:nvPicPr>
+        <p:blipFill rotWithShape="1">
+          <a:blip r:embed="rId2">
+            <a:extLst>
+              <a:ext uri="{28A0092B-C50C-407E-A947-70E740481C1C}">
+                <a14:useLocalDpi xmlns:a14="http://schemas.microsoft.com/office/drawing/2010/main" val="0"/>
+              </a:ext>
+            </a:extLst>
+          </a:blip>
+          <a:srcRect l="7713" t="12074" r="34541" b="19599"/>
+          <a:stretch/>
+        </p:blipFill>
+        <p:spPr bwMode="auto">
+          <a:xfrm>
+            <a:off x="2051720" y="2852936"/>
+            <a:ext cx="4768077" cy="3173477"/>
+          </a:xfrm>
+          <a:prstGeom prst="rect">
+            <a:avLst/>
+          </a:prstGeom>
+          <a:noFill/>
+          <a:ln>
+            <a:noFill/>
+          </a:ln>
+          <a:extLst>
+            <a:ext uri="{909E8E84-426E-40DD-AFC4-6F175D3DCCD1}">
+              <a14:hiddenFill xmlns:a14="http://schemas.microsoft.com/office/drawing/2010/main">
+                <a:solidFill>
+                  <a:schemeClr val="accent1"/>
+                </a:solidFill>
+              </a14:hiddenFill>
+            </a:ext>
+            <a:ext uri="{91240B29-F687-4F45-9708-019B960494DF}">
+              <a14:hiddenLine xmlns:a14="http://schemas.microsoft.com/office/drawing/2010/main" w="9525">
+                <a:solidFill>
+                  <a:schemeClr val="tx1"/>
+                </a:solidFill>
+                <a:miter lim="800000"/>
+                <a:headEnd/>
+                <a:tailEnd/>
+              </a14:hiddenLine>
+            </a:ext>
+          </a:extLst>
+        </p:spPr>
+      </p:pic>
+    </p:spTree>
+    <p:extLst>
+      <p:ext uri="{BB962C8B-B14F-4D97-AF65-F5344CB8AC3E}">
+        <p14:creationId xmlns:p14="http://schemas.microsoft.com/office/powerpoint/2010/main" val="1954034276"/>
+      </p:ext>
+    </p:extLst>
+  </p:cSld>
+  <p:clrMapOvr>
+    <a:masterClrMapping/>
+  </p:clrMapOvr>
+  <p:timing>
+    <p:tnLst>
+      <p:par>
+        <p:cTn id="1" dur="indefinite" restart="never" nodeType="tmRoot"/>
+      </p:par>
+    </p:tnLst>
+  </p:timing>
+</p:sld>
+</file>
+
+<file path=ppt/slides/slide41.xml><?xml version="1.0" encoding="utf-8"?>
+<p:sld xmlns:a="http://schemas.openxmlformats.org/drawingml/2006/main" xmlns:r="http://schemas.openxmlformats.org/officeDocument/2006/relationships" xmlns:p="http://schemas.openxmlformats.org/presentationml/2006/main">
+  <p:cSld>
+    <p:spTree>
+      <p:nvGrpSpPr>
+        <p:cNvPr id="1" name=""/>
+        <p:cNvGrpSpPr/>
+        <p:nvPr/>
+      </p:nvGrpSpPr>
+      <p:grpSpPr>
+        <a:xfrm>
+          <a:off x="0" y="0"/>
+          <a:ext cx="0" cy="0"/>
+          <a:chOff x="0" y="0"/>
+          <a:chExt cx="0" cy="0"/>
+        </a:xfrm>
+      </p:grpSpPr>
+      <p:sp>
+        <p:nvSpPr>
+          <p:cNvPr id="2" name="Заголовок 1"/>
+          <p:cNvSpPr>
+            <a:spLocks noGrp="1"/>
+          </p:cNvSpPr>
+          <p:nvPr>
+            <p:ph type="title"/>
+          </p:nvPr>
+        </p:nvSpPr>
+        <p:spPr/>
+        <p:txBody>
+          <a:bodyPr/>
+          <a:lstStyle/>
+          <a:p>
+            <a:endParaRPr lang="ru-RU"/>
+          </a:p>
+        </p:txBody>
+      </p:sp>
+      <p:sp>
+        <p:nvSpPr>
+          <p:cNvPr id="3" name="Объект 2"/>
+          <p:cNvSpPr>
+            <a:spLocks noGrp="1"/>
+          </p:cNvSpPr>
+          <p:nvPr>
+            <p:ph idx="1"/>
+          </p:nvPr>
+        </p:nvSpPr>
+        <p:spPr/>
+        <p:txBody>
+          <a:bodyPr/>
+          <a:lstStyle/>
+          <a:p>
+            <a:endParaRPr lang="ru-RU"/>
+          </a:p>
+        </p:txBody>
+      </p:sp>
+      <p:pic>
+        <p:nvPicPr>
+          <p:cNvPr id="3074" name="Picture 2"/>
+          <p:cNvPicPr>
+            <a:picLocks noChangeAspect="1" noChangeArrowheads="1"/>
+          </p:cNvPicPr>
+          <p:nvPr/>
+        </p:nvPicPr>
+        <p:blipFill>
+          <a:blip r:embed="rId2">
+            <a:extLst>
+              <a:ext uri="{28A0092B-C50C-407E-A947-70E740481C1C}">
+                <a14:useLocalDpi xmlns:a14="http://schemas.microsoft.com/office/drawing/2010/main" val="0"/>
+              </a:ext>
+            </a:extLst>
+          </a:blip>
+          <a:srcRect/>
+          <a:stretch>
+            <a:fillRect/>
+          </a:stretch>
+        </p:blipFill>
+        <p:spPr bwMode="auto">
+          <a:xfrm>
+            <a:off x="3491880" y="2132856"/>
+            <a:ext cx="2121768" cy="3232381"/>
+          </a:xfrm>
+          <a:prstGeom prst="rect">
+            <a:avLst/>
+          </a:prstGeom>
+          <a:noFill/>
+          <a:ln>
+            <a:noFill/>
+          </a:ln>
+          <a:extLst>
+            <a:ext uri="{909E8E84-426E-40DD-AFC4-6F175D3DCCD1}">
+              <a14:hiddenFill xmlns:a14="http://schemas.microsoft.com/office/drawing/2010/main">
+                <a:solidFill>
+                  <a:schemeClr val="accent1"/>
+                </a:solidFill>
+              </a14:hiddenFill>
+            </a:ext>
+            <a:ext uri="{91240B29-F687-4F45-9708-019B960494DF}">
+              <a14:hiddenLine xmlns:a14="http://schemas.microsoft.com/office/drawing/2010/main" w="9525">
+                <a:solidFill>
+                  <a:schemeClr val="tx1"/>
+                </a:solidFill>
+                <a:miter lim="800000"/>
+                <a:headEnd/>
+                <a:tailEnd/>
+              </a14:hiddenLine>
+            </a:ext>
+          </a:extLst>
+        </p:spPr>
+      </p:pic>
+    </p:spTree>
+    <p:extLst>
+      <p:ext uri="{BB962C8B-B14F-4D97-AF65-F5344CB8AC3E}">
+        <p14:creationId xmlns:p14="http://schemas.microsoft.com/office/powerpoint/2010/main" val="2032411876"/>
+      </p:ext>
+    </p:extLst>
+  </p:cSld>
+  <p:clrMapOvr>
+    <a:masterClrMapping/>
+  </p:clrMapOvr>
+  <p:timing>
+    <p:tnLst>
+      <p:par>
+        <p:cTn id="1" dur="indefinite" restart="never" nodeType="tmRoot"/>
+      </p:par>
+    </p:tnLst>
+  </p:timing>
+</p:sld>
+</file>
+
 <file path=ppt/slides/slide5.xml><?xml version="1.0" encoding="utf-8"?>
 <p:sld xmlns:a="http://schemas.openxmlformats.org/drawingml/2006/main" xmlns:r="http://schemas.openxmlformats.org/officeDocument/2006/relationships" xmlns:p="http://schemas.openxmlformats.org/presentationml/2006/main">
   <p:cSld>
@@ -10999,11 +11519,7 @@
           <a:p>
             <a:r>
               <a:rPr lang="ru-RU" sz="2400" dirty="0" smtClean="0"/>
-              <a:t>Идентифицирует </a:t>
-            </a:r>
-            <a:r>
-              <a:rPr lang="ru-RU" sz="2400" dirty="0" smtClean="0"/>
-              <a:t>ресурс</a:t>
+              <a:t>Идентифицирует ресурс</a:t>
             </a:r>
             <a:r>
               <a:rPr lang="en-US" sz="2400" dirty="0" smtClean="0"/>

--- a/Lesson16/Network.pptx
+++ b/Lesson16/Network.pptx
@@ -10,43 +10,43 @@
   <p:sldIdLst>
     <p:sldId id="256" r:id="rId2"/>
     <p:sldId id="353" r:id="rId3"/>
-    <p:sldId id="354" r:id="rId4"/>
-    <p:sldId id="355" r:id="rId5"/>
-    <p:sldId id="356" r:id="rId6"/>
-    <p:sldId id="378" r:id="rId7"/>
-    <p:sldId id="388" r:id="rId8"/>
-    <p:sldId id="379" r:id="rId9"/>
-    <p:sldId id="380" r:id="rId10"/>
-    <p:sldId id="381" r:id="rId11"/>
-    <p:sldId id="382" r:id="rId12"/>
-    <p:sldId id="383" r:id="rId13"/>
-    <p:sldId id="384" r:id="rId14"/>
-    <p:sldId id="385" r:id="rId15"/>
-    <p:sldId id="386" r:id="rId16"/>
-    <p:sldId id="387" r:id="rId17"/>
-    <p:sldId id="357" r:id="rId18"/>
-    <p:sldId id="358" r:id="rId19"/>
-    <p:sldId id="359" r:id="rId20"/>
-    <p:sldId id="360" r:id="rId21"/>
-    <p:sldId id="361" r:id="rId22"/>
-    <p:sldId id="362" r:id="rId23"/>
-    <p:sldId id="363" r:id="rId24"/>
-    <p:sldId id="364" r:id="rId25"/>
-    <p:sldId id="372" r:id="rId26"/>
-    <p:sldId id="365" r:id="rId27"/>
-    <p:sldId id="366" r:id="rId28"/>
-    <p:sldId id="367" r:id="rId29"/>
-    <p:sldId id="368" r:id="rId30"/>
-    <p:sldId id="369" r:id="rId31"/>
-    <p:sldId id="370" r:id="rId32"/>
-    <p:sldId id="392" r:id="rId33"/>
-    <p:sldId id="390" r:id="rId34"/>
-    <p:sldId id="371" r:id="rId35"/>
-    <p:sldId id="373" r:id="rId36"/>
-    <p:sldId id="374" r:id="rId37"/>
-    <p:sldId id="375" r:id="rId38"/>
-    <p:sldId id="376" r:id="rId39"/>
-    <p:sldId id="377" r:id="rId40"/>
+    <p:sldId id="378" r:id="rId4"/>
+    <p:sldId id="388" r:id="rId5"/>
+    <p:sldId id="379" r:id="rId6"/>
+    <p:sldId id="380" r:id="rId7"/>
+    <p:sldId id="381" r:id="rId8"/>
+    <p:sldId id="382" r:id="rId9"/>
+    <p:sldId id="383" r:id="rId10"/>
+    <p:sldId id="384" r:id="rId11"/>
+    <p:sldId id="385" r:id="rId12"/>
+    <p:sldId id="386" r:id="rId13"/>
+    <p:sldId id="387" r:id="rId14"/>
+    <p:sldId id="393" r:id="rId15"/>
+    <p:sldId id="357" r:id="rId16"/>
+    <p:sldId id="358" r:id="rId17"/>
+    <p:sldId id="359" r:id="rId18"/>
+    <p:sldId id="360" r:id="rId19"/>
+    <p:sldId id="361" r:id="rId20"/>
+    <p:sldId id="362" r:id="rId21"/>
+    <p:sldId id="363" r:id="rId22"/>
+    <p:sldId id="394" r:id="rId23"/>
+    <p:sldId id="364" r:id="rId24"/>
+    <p:sldId id="372" r:id="rId25"/>
+    <p:sldId id="365" r:id="rId26"/>
+    <p:sldId id="366" r:id="rId27"/>
+    <p:sldId id="367" r:id="rId28"/>
+    <p:sldId id="368" r:id="rId29"/>
+    <p:sldId id="369" r:id="rId30"/>
+    <p:sldId id="370" r:id="rId31"/>
+    <p:sldId id="392" r:id="rId32"/>
+    <p:sldId id="395" r:id="rId33"/>
+    <p:sldId id="371" r:id="rId34"/>
+    <p:sldId id="373" r:id="rId35"/>
+    <p:sldId id="374" r:id="rId36"/>
+    <p:sldId id="375" r:id="rId37"/>
+    <p:sldId id="376" r:id="rId38"/>
+    <p:sldId id="377" r:id="rId39"/>
+    <p:sldId id="396" r:id="rId40"/>
     <p:sldId id="389" r:id="rId41"/>
     <p:sldId id="391" r:id="rId42"/>
   </p:sldIdLst>
@@ -179,7 +179,7 @@
   </p:defaultTextStyle>
   <p:extLst>
     <p:ext uri="{EFAFB233-063F-42B5-8137-9DF3F51BA10A}">
-      <p15:sldGuideLst xmlns="" xmlns:p15="http://schemas.microsoft.com/office/powerpoint/2012/main">
+      <p15:sldGuideLst xmlns:p15="http://schemas.microsoft.com/office/powerpoint/2012/main" xmlns="">
         <p15:guide id="1" orient="horz" pos="2160">
           <p15:clr>
             <a:srgbClr val="A4A3A4"/>
@@ -4879,619 +4879,6 @@
           <a:p>
             <a:r>
               <a:rPr lang="ru-RU" dirty="0" smtClean="0"/>
-              <a:t>Операции над </a:t>
-            </a:r>
-            <a:r>
-              <a:rPr lang="en-US" dirty="0" smtClean="0"/>
-              <a:t>URI</a:t>
-            </a:r>
-            <a:endParaRPr lang="ru-RU" dirty="0"/>
-          </a:p>
-        </p:txBody>
-      </p:sp>
-      <p:sp>
-        <p:nvSpPr>
-          <p:cNvPr id="3" name="Объект 2"/>
-          <p:cNvSpPr>
-            <a:spLocks noGrp="1"/>
-          </p:cNvSpPr>
-          <p:nvPr>
-            <p:ph idx="1"/>
-          </p:nvPr>
-        </p:nvSpPr>
-        <p:spPr>
-          <a:xfrm>
-            <a:off x="539552" y="1412776"/>
-            <a:ext cx="7924800" cy="4419600"/>
-          </a:xfrm>
-        </p:spPr>
-        <p:txBody>
-          <a:bodyPr/>
-          <a:lstStyle/>
-          <a:p>
-            <a:pPr marL="0" indent="0">
-              <a:buNone/>
-            </a:pPr>
-            <a:r>
-              <a:rPr lang="ru-RU" sz="2400" dirty="0" smtClean="0"/>
-              <a:t>Нормализация</a:t>
-            </a:r>
-          </a:p>
-          <a:p>
-            <a:r>
-              <a:rPr lang="ru-RU" sz="2400" dirty="0" smtClean="0"/>
-              <a:t>    </a:t>
-            </a:r>
-            <a:r>
-              <a:rPr lang="en-US" sz="2400" dirty="0" smtClean="0">
-                <a:solidFill>
-                  <a:srgbClr val="0070C0"/>
-                </a:solidFill>
-              </a:rPr>
-              <a:t>URI normalize() </a:t>
-            </a:r>
-            <a:r>
-              <a:rPr lang="en-US" sz="2400" dirty="0" smtClean="0"/>
-              <a:t>– </a:t>
-            </a:r>
-            <a:r>
-              <a:rPr lang="ru-RU" sz="2400" dirty="0" err="1" smtClean="0"/>
-              <a:t>нормалиовать</a:t>
-            </a:r>
-            <a:r>
-              <a:rPr lang="ru-RU" sz="2400" dirty="0" smtClean="0"/>
-              <a:t> </a:t>
-            </a:r>
-            <a:r>
-              <a:rPr lang="en-US" sz="2400" dirty="0" smtClean="0"/>
-              <a:t>URI</a:t>
-            </a:r>
-          </a:p>
-          <a:p>
-            <a:pPr marL="0" indent="0">
-              <a:buNone/>
-            </a:pPr>
-            <a:r>
-              <a:rPr lang="en-US" sz="2400" dirty="0" smtClean="0"/>
-              <a:t>«</a:t>
-            </a:r>
-            <a:r>
-              <a:rPr lang="ru-RU" sz="2400" dirty="0" smtClean="0"/>
-              <a:t>Откладывание» от базового </a:t>
-            </a:r>
-            <a:r>
-              <a:rPr lang="en-US" sz="2400" dirty="0" smtClean="0"/>
-              <a:t>URI</a:t>
-            </a:r>
-          </a:p>
-          <a:p>
-            <a:r>
-              <a:rPr lang="en-US" sz="2400" dirty="0" smtClean="0"/>
-              <a:t>    </a:t>
-            </a:r>
-            <a:r>
-              <a:rPr lang="en-US" sz="2400" dirty="0" smtClean="0">
-                <a:solidFill>
-                  <a:srgbClr val="0070C0"/>
-                </a:solidFill>
-              </a:rPr>
-              <a:t>URI resolve(URI base)</a:t>
-            </a:r>
-          </a:p>
-          <a:p>
-            <a:r>
-              <a:rPr lang="en-US" sz="2400" dirty="0" smtClean="0">
-                <a:solidFill>
-                  <a:srgbClr val="0070C0"/>
-                </a:solidFill>
-              </a:rPr>
-              <a:t>    URI resolve(String base)</a:t>
-            </a:r>
-          </a:p>
-          <a:p>
-            <a:r>
-              <a:rPr lang="ru-RU" sz="2400" dirty="0" smtClean="0"/>
-              <a:t>Взятие относительного </a:t>
-            </a:r>
-            <a:r>
-              <a:rPr lang="en-US" sz="2400" dirty="0" smtClean="0"/>
-              <a:t>URI</a:t>
-            </a:r>
-          </a:p>
-          <a:p>
-            <a:r>
-              <a:rPr lang="en-US" sz="2400" dirty="0" smtClean="0"/>
-              <a:t>    </a:t>
-            </a:r>
-            <a:r>
-              <a:rPr lang="en-US" sz="2400" dirty="0" smtClean="0">
-                <a:solidFill>
-                  <a:srgbClr val="0070C0"/>
-                </a:solidFill>
-              </a:rPr>
-              <a:t>URI relativize(URI base)</a:t>
-            </a:r>
-          </a:p>
-          <a:p>
-            <a:r>
-              <a:rPr lang="ru-RU" sz="2400" dirty="0" smtClean="0"/>
-              <a:t>Сравнение</a:t>
-            </a:r>
-          </a:p>
-          <a:p>
-            <a:r>
-              <a:rPr lang="ru-RU" sz="2400" dirty="0" smtClean="0"/>
-              <a:t>    </a:t>
-            </a:r>
-            <a:r>
-              <a:rPr lang="en-US" sz="2400" dirty="0" smtClean="0">
-                <a:solidFill>
-                  <a:srgbClr val="0070C0"/>
-                </a:solidFill>
-              </a:rPr>
-              <a:t>equals(Object)</a:t>
-            </a:r>
-            <a:endParaRPr lang="ru-RU" sz="2400" dirty="0">
-              <a:solidFill>
-                <a:srgbClr val="0070C0"/>
-              </a:solidFill>
-            </a:endParaRPr>
-          </a:p>
-        </p:txBody>
-      </p:sp>
-    </p:spTree>
-    <p:extLst>
-      <p:ext uri="{BB962C8B-B14F-4D97-AF65-F5344CB8AC3E}">
-        <p14:creationId xmlns:p14="http://schemas.microsoft.com/office/powerpoint/2010/main" val="3856902695"/>
-      </p:ext>
-    </p:extLst>
-  </p:cSld>
-  <p:clrMapOvr>
-    <a:masterClrMapping/>
-  </p:clrMapOvr>
-  <p:timing>
-    <p:tnLst>
-      <p:par>
-        <p:cTn id="1" dur="indefinite" restart="never" nodeType="tmRoot"/>
-      </p:par>
-    </p:tnLst>
-  </p:timing>
-</p:sld>
-</file>
-
-<file path=ppt/slides/slide11.xml><?xml version="1.0" encoding="utf-8"?>
-<p:sld xmlns:a="http://schemas.openxmlformats.org/drawingml/2006/main" xmlns:r="http://schemas.openxmlformats.org/officeDocument/2006/relationships" xmlns:p="http://schemas.openxmlformats.org/presentationml/2006/main">
-  <p:cSld>
-    <p:spTree>
-      <p:nvGrpSpPr>
-        <p:cNvPr id="1" name=""/>
-        <p:cNvGrpSpPr/>
-        <p:nvPr/>
-      </p:nvGrpSpPr>
-      <p:grpSpPr>
-        <a:xfrm>
-          <a:off x="0" y="0"/>
-          <a:ext cx="0" cy="0"/>
-          <a:chOff x="0" y="0"/>
-          <a:chExt cx="0" cy="0"/>
-        </a:xfrm>
-      </p:grpSpPr>
-      <p:sp>
-        <p:nvSpPr>
-          <p:cNvPr id="2" name="Заголовок 1"/>
-          <p:cNvSpPr>
-            <a:spLocks noGrp="1"/>
-          </p:cNvSpPr>
-          <p:nvPr>
-            <p:ph type="title"/>
-          </p:nvPr>
-        </p:nvSpPr>
-        <p:spPr/>
-        <p:txBody>
-          <a:bodyPr/>
-          <a:lstStyle/>
-          <a:p>
-            <a:r>
-              <a:rPr lang="en-US" dirty="0" smtClean="0"/>
-              <a:t>Uniform Resource Locator</a:t>
-            </a:r>
-            <a:endParaRPr lang="ru-RU" dirty="0"/>
-          </a:p>
-        </p:txBody>
-      </p:sp>
-      <p:sp>
-        <p:nvSpPr>
-          <p:cNvPr id="3" name="Объект 2"/>
-          <p:cNvSpPr>
-            <a:spLocks noGrp="1"/>
-          </p:cNvSpPr>
-          <p:nvPr>
-            <p:ph idx="1"/>
-          </p:nvPr>
-        </p:nvSpPr>
-        <p:spPr/>
-        <p:txBody>
-          <a:bodyPr/>
-          <a:lstStyle/>
-          <a:p>
-            <a:pPr marL="0" indent="0">
-              <a:buNone/>
-            </a:pPr>
-            <a:r>
-              <a:rPr lang="ru-RU" dirty="0" smtClean="0"/>
-              <a:t>Указывает местоположение ресурса </a:t>
-            </a:r>
-            <a:r>
-              <a:rPr lang="en-US" dirty="0">
-                <a:solidFill>
-                  <a:srgbClr val="FF0000"/>
-                </a:solidFill>
-              </a:rPr>
-              <a:t>RFC 1738</a:t>
-            </a:r>
-            <a:endParaRPr lang="ru-RU" dirty="0" smtClean="0">
-              <a:solidFill>
-                <a:srgbClr val="FF0000"/>
-              </a:solidFill>
-            </a:endParaRPr>
-          </a:p>
-          <a:p>
-            <a:r>
-              <a:rPr lang="ru-RU" dirty="0" smtClean="0"/>
-              <a:t>Подмножество иерархических URI</a:t>
-            </a:r>
-          </a:p>
-          <a:p>
-            <a:r>
-              <a:rPr lang="ru-RU" dirty="0" smtClean="0"/>
-              <a:t>Класс URL</a:t>
-            </a:r>
-          </a:p>
-          <a:p>
-            <a:pPr marL="0" indent="0">
-              <a:buNone/>
-            </a:pPr>
-            <a:r>
-              <a:rPr lang="ru-RU" dirty="0"/>
-              <a:t>Примеры:</a:t>
-            </a:r>
-          </a:p>
-          <a:p>
-            <a:r>
-              <a:rPr lang="en-US" dirty="0"/>
-              <a:t>http://java.sun.com/j2se/1.3/</a:t>
-            </a:r>
-          </a:p>
-          <a:p>
-            <a:r>
-              <a:rPr lang="en-US" dirty="0"/>
-              <a:t>file:/home/av/projects/</a:t>
-            </a:r>
-            <a:endParaRPr lang="ru-RU" dirty="0"/>
-          </a:p>
-        </p:txBody>
-      </p:sp>
-    </p:spTree>
-    <p:extLst>
-      <p:ext uri="{BB962C8B-B14F-4D97-AF65-F5344CB8AC3E}">
-        <p14:creationId xmlns:p14="http://schemas.microsoft.com/office/powerpoint/2010/main" val="2482730033"/>
-      </p:ext>
-    </p:extLst>
-  </p:cSld>
-  <p:clrMapOvr>
-    <a:masterClrMapping/>
-  </p:clrMapOvr>
-  <p:timing>
-    <p:tnLst>
-      <p:par>
-        <p:cTn id="1" dur="indefinite" restart="never" nodeType="tmRoot"/>
-      </p:par>
-    </p:tnLst>
-  </p:timing>
-</p:sld>
-</file>
-
-<file path=ppt/slides/slide12.xml><?xml version="1.0" encoding="utf-8"?>
-<p:sld xmlns:a="http://schemas.openxmlformats.org/drawingml/2006/main" xmlns:r="http://schemas.openxmlformats.org/officeDocument/2006/relationships" xmlns:p="http://schemas.openxmlformats.org/presentationml/2006/main">
-  <p:cSld>
-    <p:spTree>
-      <p:nvGrpSpPr>
-        <p:cNvPr id="1" name=""/>
-        <p:cNvGrpSpPr/>
-        <p:nvPr/>
-      </p:nvGrpSpPr>
-      <p:grpSpPr>
-        <a:xfrm>
-          <a:off x="0" y="0"/>
-          <a:ext cx="0" cy="0"/>
-          <a:chOff x="0" y="0"/>
-          <a:chExt cx="0" cy="0"/>
-        </a:xfrm>
-      </p:grpSpPr>
-      <p:sp>
-        <p:nvSpPr>
-          <p:cNvPr id="2" name="Заголовок 1"/>
-          <p:cNvSpPr>
-            <a:spLocks noGrp="1"/>
-          </p:cNvSpPr>
-          <p:nvPr>
-            <p:ph type="title"/>
-          </p:nvPr>
-        </p:nvSpPr>
-        <p:spPr/>
-        <p:txBody>
-          <a:bodyPr/>
-          <a:lstStyle/>
-          <a:p>
-            <a:r>
-              <a:rPr lang="ru-RU" dirty="0" smtClean="0"/>
-              <a:t>Создание </a:t>
-            </a:r>
-            <a:r>
-              <a:rPr lang="en-US" dirty="0" smtClean="0"/>
-              <a:t>URL</a:t>
-            </a:r>
-            <a:endParaRPr lang="ru-RU" dirty="0"/>
-          </a:p>
-        </p:txBody>
-      </p:sp>
-      <p:sp>
-        <p:nvSpPr>
-          <p:cNvPr id="3" name="Объект 2"/>
-          <p:cNvSpPr>
-            <a:spLocks noGrp="1"/>
-          </p:cNvSpPr>
-          <p:nvPr>
-            <p:ph idx="1"/>
-          </p:nvPr>
-        </p:nvSpPr>
-        <p:spPr>
-          <a:xfrm>
-            <a:off x="683568" y="1412776"/>
-            <a:ext cx="7924800" cy="4419600"/>
-          </a:xfrm>
-        </p:spPr>
-        <p:txBody>
-          <a:bodyPr/>
-          <a:lstStyle/>
-          <a:p>
-            <a:pPr marL="0" indent="0">
-              <a:buNone/>
-            </a:pPr>
-            <a:r>
-              <a:rPr lang="ru-RU" sz="2400" dirty="0" smtClean="0"/>
-              <a:t>Конструкторы класса </a:t>
-            </a:r>
-            <a:r>
-              <a:rPr lang="en-US" sz="2400" dirty="0" smtClean="0"/>
-              <a:t>URL</a:t>
-            </a:r>
-          </a:p>
-          <a:p>
-            <a:r>
-              <a:rPr lang="en-US" sz="2400" dirty="0" smtClean="0"/>
-              <a:t>    </a:t>
-            </a:r>
-            <a:r>
-              <a:rPr lang="en-US" sz="2400" dirty="0" smtClean="0">
-                <a:solidFill>
-                  <a:srgbClr val="0070C0"/>
-                </a:solidFill>
-              </a:rPr>
-              <a:t>URL(String) </a:t>
-            </a:r>
-            <a:r>
-              <a:rPr lang="en-US" sz="2400" dirty="0" smtClean="0"/>
-              <a:t>– </a:t>
-            </a:r>
-            <a:r>
-              <a:rPr lang="ru-RU" sz="2400" dirty="0" smtClean="0"/>
-              <a:t>по строке</a:t>
-            </a:r>
-          </a:p>
-          <a:p>
-            <a:r>
-              <a:rPr lang="ru-RU" sz="2400" dirty="0" smtClean="0"/>
-              <a:t>    </a:t>
-            </a:r>
-            <a:r>
-              <a:rPr lang="en-US" sz="2400" dirty="0" smtClean="0">
-                <a:solidFill>
-                  <a:srgbClr val="0070C0"/>
-                </a:solidFill>
-              </a:rPr>
-              <a:t>URL(protocol, host, file) </a:t>
-            </a:r>
-            <a:r>
-              <a:rPr lang="en-US" sz="2400" dirty="0" smtClean="0"/>
-              <a:t>– </a:t>
-            </a:r>
-            <a:r>
-              <a:rPr lang="ru-RU" sz="2400" dirty="0" smtClean="0"/>
-              <a:t>из крупных частей</a:t>
-            </a:r>
-          </a:p>
-          <a:p>
-            <a:r>
-              <a:rPr lang="ru-RU" sz="2400" dirty="0" smtClean="0"/>
-              <a:t>    </a:t>
-            </a:r>
-            <a:r>
-              <a:rPr lang="en-US" sz="2400" dirty="0" smtClean="0">
-                <a:solidFill>
-                  <a:srgbClr val="0070C0"/>
-                </a:solidFill>
-              </a:rPr>
-              <a:t>URL(protocol, host, port, file, path, query, fragment) </a:t>
-            </a:r>
-            <a:r>
-              <a:rPr lang="en-US" sz="2400" dirty="0" smtClean="0"/>
-              <a:t>– </a:t>
-            </a:r>
-            <a:r>
-              <a:rPr lang="ru-RU" sz="2400" dirty="0" smtClean="0"/>
-              <a:t>из мелких частей</a:t>
-            </a:r>
-          </a:p>
-          <a:p>
-            <a:pPr marL="0" indent="0">
-              <a:buNone/>
-            </a:pPr>
-            <a:endParaRPr lang="ru-RU" sz="2400" dirty="0" smtClean="0"/>
-          </a:p>
-          <a:p>
-            <a:pPr marL="0" indent="0">
-              <a:buNone/>
-            </a:pPr>
-            <a:r>
-              <a:rPr lang="ru-RU" sz="2400" dirty="0" smtClean="0"/>
-              <a:t>Из других объектов</a:t>
-            </a:r>
-          </a:p>
-          <a:p>
-            <a:r>
-              <a:rPr lang="ru-RU" sz="2400" dirty="0" smtClean="0">
-                <a:solidFill>
-                  <a:srgbClr val="0070C0"/>
-                </a:solidFill>
-              </a:rPr>
-              <a:t>    </a:t>
-            </a:r>
-            <a:r>
-              <a:rPr lang="en-US" sz="2400" dirty="0" err="1" smtClean="0">
-                <a:solidFill>
-                  <a:srgbClr val="0070C0"/>
-                </a:solidFill>
-              </a:rPr>
-              <a:t>file.toURL</a:t>
-            </a:r>
-            <a:r>
-              <a:rPr lang="en-US" sz="2400" dirty="0" smtClean="0">
-                <a:solidFill>
-                  <a:srgbClr val="0070C0"/>
-                </a:solidFill>
-              </a:rPr>
-              <a:t>() </a:t>
-            </a:r>
-            <a:r>
-              <a:rPr lang="en-US" sz="2400" dirty="0" smtClean="0"/>
-              <a:t>– </a:t>
-            </a:r>
-            <a:r>
-              <a:rPr lang="ru-RU" sz="2400" dirty="0" smtClean="0"/>
-              <a:t>из дескриптора файла</a:t>
-            </a:r>
-          </a:p>
-          <a:p>
-            <a:r>
-              <a:rPr lang="ru-RU" sz="2400" dirty="0" smtClean="0"/>
-              <a:t>    </a:t>
-            </a:r>
-            <a:r>
-              <a:rPr lang="en-US" sz="2400" dirty="0" err="1" smtClean="0">
-                <a:solidFill>
-                  <a:srgbClr val="0070C0"/>
-                </a:solidFill>
-              </a:rPr>
-              <a:t>uri.toURL</a:t>
-            </a:r>
-            <a:r>
-              <a:rPr lang="en-US" sz="2400" dirty="0" smtClean="0">
-                <a:solidFill>
-                  <a:srgbClr val="0070C0"/>
-                </a:solidFill>
-              </a:rPr>
-              <a:t>() </a:t>
-            </a:r>
-            <a:r>
-              <a:rPr lang="en-US" sz="2400" dirty="0" smtClean="0"/>
-              <a:t>– </a:t>
-            </a:r>
-            <a:r>
-              <a:rPr lang="ru-RU" sz="2400" dirty="0" smtClean="0"/>
-              <a:t>из </a:t>
-            </a:r>
-            <a:r>
-              <a:rPr lang="en-US" sz="2400" dirty="0" smtClean="0"/>
-              <a:t>URI</a:t>
-            </a:r>
-          </a:p>
-          <a:p>
-            <a:pPr marL="0" indent="0">
-              <a:buNone/>
-            </a:pPr>
-            <a:endParaRPr lang="ru-RU" sz="2400" dirty="0" smtClean="0"/>
-          </a:p>
-          <a:p>
-            <a:pPr marL="0" indent="0">
-              <a:buNone/>
-            </a:pPr>
-            <a:r>
-              <a:rPr lang="ru-RU" sz="2400" dirty="0" smtClean="0"/>
-              <a:t>Исключение </a:t>
-            </a:r>
-            <a:r>
-              <a:rPr lang="en-US" sz="2400" dirty="0" err="1" smtClean="0"/>
-              <a:t>MalformedURLException</a:t>
-            </a:r>
-            <a:endParaRPr lang="ru-RU" sz="2400" dirty="0"/>
-          </a:p>
-        </p:txBody>
-      </p:sp>
-    </p:spTree>
-    <p:extLst>
-      <p:ext uri="{BB962C8B-B14F-4D97-AF65-F5344CB8AC3E}">
-        <p14:creationId xmlns:p14="http://schemas.microsoft.com/office/powerpoint/2010/main" val="33823718"/>
-      </p:ext>
-    </p:extLst>
-  </p:cSld>
-  <p:clrMapOvr>
-    <a:masterClrMapping/>
-  </p:clrMapOvr>
-  <p:timing>
-    <p:tnLst>
-      <p:par>
-        <p:cTn id="1" dur="indefinite" restart="never" nodeType="tmRoot"/>
-      </p:par>
-    </p:tnLst>
-  </p:timing>
-</p:sld>
-</file>
-
-<file path=ppt/slides/slide13.xml><?xml version="1.0" encoding="utf-8"?>
-<p:sld xmlns:a="http://schemas.openxmlformats.org/drawingml/2006/main" xmlns:r="http://schemas.openxmlformats.org/officeDocument/2006/relationships" xmlns:p="http://schemas.openxmlformats.org/presentationml/2006/main">
-  <p:cSld>
-    <p:spTree>
-      <p:nvGrpSpPr>
-        <p:cNvPr id="1" name=""/>
-        <p:cNvGrpSpPr/>
-        <p:nvPr/>
-      </p:nvGrpSpPr>
-      <p:grpSpPr>
-        <a:xfrm>
-          <a:off x="0" y="0"/>
-          <a:ext cx="0" cy="0"/>
-          <a:chOff x="0" y="0"/>
-          <a:chExt cx="0" cy="0"/>
-        </a:xfrm>
-      </p:grpSpPr>
-      <p:sp>
-        <p:nvSpPr>
-          <p:cNvPr id="2" name="Заголовок 1"/>
-          <p:cNvSpPr>
-            <a:spLocks noGrp="1"/>
-          </p:cNvSpPr>
-          <p:nvPr>
-            <p:ph type="title"/>
-          </p:nvPr>
-        </p:nvSpPr>
-        <p:spPr/>
-        <p:txBody>
-          <a:bodyPr/>
-          <a:lstStyle/>
-          <a:p>
-            <a:r>
-              <a:rPr lang="ru-RU" dirty="0" smtClean="0"/>
               <a:t>Соединения</a:t>
             </a:r>
             <a:endParaRPr lang="ru-RU" dirty="0"/>
@@ -5565,7 +4952,7 @@
 </p:sld>
 </file>
 
-<file path=ppt/slides/slide14.xml><?xml version="1.0" encoding="utf-8"?>
+<file path=ppt/slides/slide11.xml><?xml version="1.0" encoding="utf-8"?>
 <p:sld xmlns:a="http://schemas.openxmlformats.org/drawingml/2006/main" xmlns:r="http://schemas.openxmlformats.org/officeDocument/2006/relationships" xmlns:p="http://schemas.openxmlformats.org/presentationml/2006/main">
   <p:cSld>
     <p:spTree>
@@ -5664,7 +5051,7 @@
 </p:sld>
 </file>
 
-<file path=ppt/slides/slide15.xml><?xml version="1.0" encoding="utf-8"?>
+<file path=ppt/slides/slide12.xml><?xml version="1.0" encoding="utf-8"?>
 <p:sld xmlns:a="http://schemas.openxmlformats.org/drawingml/2006/main" xmlns:r="http://schemas.openxmlformats.org/officeDocument/2006/relationships" xmlns:p="http://schemas.openxmlformats.org/presentationml/2006/main">
   <p:cSld>
     <p:spTree>
@@ -5898,7 +5285,7 @@
 </p:sld>
 </file>
 
-<file path=ppt/slides/slide16.xml><?xml version="1.0" encoding="utf-8"?>
+<file path=ppt/slides/slide13.xml><?xml version="1.0" encoding="utf-8"?>
 <p:sld xmlns:a="http://schemas.openxmlformats.org/drawingml/2006/main" xmlns:r="http://schemas.openxmlformats.org/officeDocument/2006/relationships" xmlns:p="http://schemas.openxmlformats.org/presentationml/2006/main">
   <p:cSld>
     <p:spTree>
@@ -6029,7 +5416,161 @@
 </p:sld>
 </file>
 
-<file path=ppt/slides/slide17.xml><?xml version="1.0" encoding="utf-8"?>
+<file path=ppt/slides/slide14.xml><?xml version="1.0" encoding="utf-8"?>
+<p:sld xmlns:a="http://schemas.openxmlformats.org/drawingml/2006/main" xmlns:r="http://schemas.openxmlformats.org/officeDocument/2006/relationships" xmlns:p="http://schemas.openxmlformats.org/presentationml/2006/main">
+  <p:cSld>
+    <p:spTree>
+      <p:nvGrpSpPr>
+        <p:cNvPr id="1" name=""/>
+        <p:cNvGrpSpPr/>
+        <p:nvPr/>
+      </p:nvGrpSpPr>
+      <p:grpSpPr>
+        <a:xfrm>
+          <a:off x="0" y="0"/>
+          <a:ext cx="0" cy="0"/>
+          <a:chOff x="0" y="0"/>
+          <a:chExt cx="0" cy="0"/>
+        </a:xfrm>
+      </p:grpSpPr>
+      <p:sp>
+        <p:nvSpPr>
+          <p:cNvPr id="2" name="Заголовок 1"/>
+          <p:cNvSpPr>
+            <a:spLocks noGrp="1"/>
+          </p:cNvSpPr>
+          <p:nvPr>
+            <p:ph type="title"/>
+          </p:nvPr>
+        </p:nvSpPr>
+        <p:spPr/>
+        <p:txBody>
+          <a:bodyPr/>
+          <a:lstStyle/>
+          <a:p>
+            <a:r>
+              <a:rPr lang="en-US" dirty="0" smtClean="0"/>
+              <a:t>Internet Protocol (IP)</a:t>
+            </a:r>
+            <a:endParaRPr lang="ru-RU" dirty="0"/>
+          </a:p>
+        </p:txBody>
+      </p:sp>
+      <p:sp>
+        <p:nvSpPr>
+          <p:cNvPr id="3" name="Объект 2"/>
+          <p:cNvSpPr>
+            <a:spLocks noGrp="1"/>
+          </p:cNvSpPr>
+          <p:nvPr>
+            <p:ph idx="1"/>
+          </p:nvPr>
+        </p:nvSpPr>
+        <p:spPr>
+          <a:xfrm>
+            <a:off x="467544" y="1480631"/>
+            <a:ext cx="7924800" cy="4419600"/>
+          </a:xfrm>
+        </p:spPr>
+        <p:txBody>
+          <a:bodyPr/>
+          <a:lstStyle/>
+          <a:p>
+            <a:r>
+              <a:rPr lang="ru-RU" sz="2000" dirty="0" smtClean="0"/>
+              <a:t>IP-адрес</a:t>
+            </a:r>
+          </a:p>
+          <a:p>
+            <a:r>
+              <a:rPr lang="ru-RU" sz="2000" dirty="0" smtClean="0"/>
+              <a:t>    IPv4 (32 бита)</a:t>
+            </a:r>
+          </a:p>
+          <a:p>
+            <a:r>
+              <a:rPr lang="ru-RU" sz="2000" dirty="0" smtClean="0"/>
+              <a:t>    IPv6 (128 бит)</a:t>
+            </a:r>
+          </a:p>
+          <a:p>
+            <a:r>
+              <a:rPr lang="ru-RU" sz="2000" dirty="0" smtClean="0"/>
+              <a:t>Порт (16 бит)</a:t>
+            </a:r>
+            <a:endParaRPr lang="ru-RU" sz="2000" dirty="0"/>
+          </a:p>
+        </p:txBody>
+      </p:sp>
+      <p:pic>
+        <p:nvPicPr>
+          <p:cNvPr id="6" name="Рисунок 5"/>
+          <p:cNvPicPr>
+            <a:picLocks noChangeAspect="1"/>
+          </p:cNvPicPr>
+          <p:nvPr/>
+        </p:nvPicPr>
+        <p:blipFill>
+          <a:blip r:embed="rId2"/>
+          <a:stretch>
+            <a:fillRect/>
+          </a:stretch>
+        </p:blipFill>
+        <p:spPr>
+          <a:xfrm>
+            <a:off x="539552" y="3645024"/>
+            <a:ext cx="4879551" cy="2087413"/>
+          </a:xfrm>
+          <a:prstGeom prst="rect">
+            <a:avLst/>
+          </a:prstGeom>
+        </p:spPr>
+      </p:pic>
+      <p:pic>
+        <p:nvPicPr>
+          <p:cNvPr id="5" name="Рисунок 4"/>
+          <p:cNvPicPr>
+            <a:picLocks noChangeAspect="1"/>
+          </p:cNvPicPr>
+          <p:nvPr/>
+        </p:nvPicPr>
+        <p:blipFill>
+          <a:blip r:embed="rId3"/>
+          <a:stretch>
+            <a:fillRect/>
+          </a:stretch>
+        </p:blipFill>
+        <p:spPr>
+          <a:xfrm>
+            <a:off x="4644008" y="1418851"/>
+            <a:ext cx="3927401" cy="2736304"/>
+          </a:xfrm>
+          <a:prstGeom prst="rect">
+            <a:avLst/>
+          </a:prstGeom>
+        </p:spPr>
+      </p:pic>
+    </p:spTree>
+    <p:extLst>
+      <p:ext uri="{BB962C8B-B14F-4D97-AF65-F5344CB8AC3E}">
+        <p14:creationId xmlns:p14="http://schemas.microsoft.com/office/powerpoint/2010/main" val="3253192375"/>
+      </p:ext>
+    </p:extLst>
+  </p:cSld>
+  <p:clrMapOvr>
+    <a:masterClrMapping/>
+  </p:clrMapOvr>
+  <p:timing>
+    <p:tnLst>
+      <p:par>
+        <p:cTn id="1" dur="indefinite" restart="never" nodeType="tmRoot"/>
+      </p:par>
+    </p:tnLst>
+  </p:timing>
+</p:sld>
+</file>
+
+<file path=ppt/slides/slide15.xml><?xml version="1.0" encoding="utf-8"?>
 <p:sld xmlns:a="http://schemas.openxmlformats.org/drawingml/2006/main" xmlns:r="http://schemas.openxmlformats.org/officeDocument/2006/relationships" xmlns:p="http://schemas.openxmlformats.org/presentationml/2006/main">
   <p:cSld>
     <p:spTree>
@@ -6136,7 +5677,7 @@
 </p:sld>
 </file>
 
-<file path=ppt/slides/slide18.xml><?xml version="1.0" encoding="utf-8"?>
+<file path=ppt/slides/slide16.xml><?xml version="1.0" encoding="utf-8"?>
 <p:sld xmlns:a="http://schemas.openxmlformats.org/drawingml/2006/main" xmlns:r="http://schemas.openxmlformats.org/officeDocument/2006/relationships" xmlns:p="http://schemas.openxmlformats.org/presentationml/2006/main">
   <p:cSld>
     <p:spTree>
@@ -6238,6 +5779,694 @@
 </p:sld>
 </file>
 
+<file path=ppt/slides/slide17.xml><?xml version="1.0" encoding="utf-8"?>
+<p:sld xmlns:a="http://schemas.openxmlformats.org/drawingml/2006/main" xmlns:r="http://schemas.openxmlformats.org/officeDocument/2006/relationships" xmlns:p="http://schemas.openxmlformats.org/presentationml/2006/main">
+  <p:cSld>
+    <p:spTree>
+      <p:nvGrpSpPr>
+        <p:cNvPr id="1" name=""/>
+        <p:cNvGrpSpPr/>
+        <p:nvPr/>
+      </p:nvGrpSpPr>
+      <p:grpSpPr>
+        <a:xfrm>
+          <a:off x="0" y="0"/>
+          <a:ext cx="0" cy="0"/>
+          <a:chOff x="0" y="0"/>
+          <a:chExt cx="0" cy="0"/>
+        </a:xfrm>
+      </p:grpSpPr>
+      <p:sp>
+        <p:nvSpPr>
+          <p:cNvPr id="2" name="Заголовок 1"/>
+          <p:cNvSpPr>
+            <a:spLocks noGrp="1"/>
+          </p:cNvSpPr>
+          <p:nvPr>
+            <p:ph type="title"/>
+          </p:nvPr>
+        </p:nvSpPr>
+        <p:spPr/>
+        <p:txBody>
+          <a:bodyPr/>
+          <a:lstStyle/>
+          <a:p>
+            <a:r>
+              <a:rPr lang="ru-RU" dirty="0" smtClean="0"/>
+              <a:t>Получение интернет-адресов</a:t>
+            </a:r>
+            <a:endParaRPr lang="ru-RU" dirty="0"/>
+          </a:p>
+        </p:txBody>
+      </p:sp>
+      <p:sp>
+        <p:nvSpPr>
+          <p:cNvPr id="3" name="Объект 2"/>
+          <p:cNvSpPr>
+            <a:spLocks noGrp="1"/>
+          </p:cNvSpPr>
+          <p:nvPr>
+            <p:ph idx="1"/>
+          </p:nvPr>
+        </p:nvSpPr>
+        <p:spPr/>
+        <p:txBody>
+          <a:bodyPr/>
+          <a:lstStyle/>
+          <a:p>
+            <a:pPr marL="0" indent="0">
+              <a:buNone/>
+            </a:pPr>
+            <a:r>
+              <a:rPr lang="ru-RU" sz="2400" dirty="0" smtClean="0"/>
+              <a:t>Фабричные методы класса </a:t>
+            </a:r>
+            <a:r>
+              <a:rPr lang="en-US" sz="2400" dirty="0" err="1" smtClean="0">
+                <a:solidFill>
+                  <a:srgbClr val="0070C0"/>
+                </a:solidFill>
+              </a:rPr>
+              <a:t>InetAddress</a:t>
+            </a:r>
+            <a:endParaRPr lang="en-US" sz="2400" dirty="0" smtClean="0">
+              <a:solidFill>
+                <a:srgbClr val="0070C0"/>
+              </a:solidFill>
+            </a:endParaRPr>
+          </a:p>
+          <a:p>
+            <a:r>
+              <a:rPr lang="en-US" sz="2400" dirty="0" smtClean="0"/>
+              <a:t>    </a:t>
+            </a:r>
+            <a:r>
+              <a:rPr lang="en-US" sz="2400" dirty="0" err="1" smtClean="0">
+                <a:solidFill>
+                  <a:srgbClr val="0070C0"/>
+                </a:solidFill>
+              </a:rPr>
+              <a:t>InetAddress</a:t>
+            </a:r>
+            <a:r>
+              <a:rPr lang="en-US" sz="2400" dirty="0" smtClean="0">
+                <a:solidFill>
+                  <a:srgbClr val="0070C0"/>
+                </a:solidFill>
+              </a:rPr>
+              <a:t> </a:t>
+            </a:r>
+            <a:r>
+              <a:rPr lang="en-US" sz="2400" dirty="0" err="1" smtClean="0">
+                <a:solidFill>
+                  <a:srgbClr val="0070C0"/>
+                </a:solidFill>
+              </a:rPr>
+              <a:t>getByName</a:t>
+            </a:r>
+            <a:r>
+              <a:rPr lang="en-US" sz="2400" dirty="0" smtClean="0">
+                <a:solidFill>
+                  <a:srgbClr val="0070C0"/>
+                </a:solidFill>
+              </a:rPr>
+              <a:t>(String) </a:t>
+            </a:r>
+            <a:r>
+              <a:rPr lang="en-US" sz="2400" dirty="0" smtClean="0"/>
+              <a:t>– </a:t>
+            </a:r>
+            <a:r>
+              <a:rPr lang="ru-RU" sz="2400" dirty="0" smtClean="0"/>
+              <a:t>любой по доменному имени</a:t>
+            </a:r>
+          </a:p>
+          <a:p>
+            <a:r>
+              <a:rPr lang="ru-RU" sz="2400" dirty="0" smtClean="0"/>
+              <a:t>    </a:t>
+            </a:r>
+            <a:r>
+              <a:rPr lang="en-US" sz="2400" dirty="0" err="1" smtClean="0">
+                <a:solidFill>
+                  <a:srgbClr val="0070C0"/>
+                </a:solidFill>
+              </a:rPr>
+              <a:t>InetAddress</a:t>
+            </a:r>
+            <a:r>
+              <a:rPr lang="en-US" sz="2400" dirty="0" smtClean="0">
+                <a:solidFill>
+                  <a:srgbClr val="0070C0"/>
+                </a:solidFill>
+              </a:rPr>
+              <a:t>[] </a:t>
+            </a:r>
+            <a:r>
+              <a:rPr lang="en-US" sz="2400" dirty="0" err="1" smtClean="0">
+                <a:solidFill>
+                  <a:srgbClr val="0070C0"/>
+                </a:solidFill>
+              </a:rPr>
+              <a:t>getAllByName</a:t>
+            </a:r>
+            <a:r>
+              <a:rPr lang="en-US" sz="2400" dirty="0" smtClean="0">
+                <a:solidFill>
+                  <a:srgbClr val="0070C0"/>
+                </a:solidFill>
+              </a:rPr>
+              <a:t>(String) </a:t>
+            </a:r>
+            <a:r>
+              <a:rPr lang="en-US" sz="2400" dirty="0" smtClean="0"/>
+              <a:t>– </a:t>
+            </a:r>
+            <a:r>
+              <a:rPr lang="ru-RU" sz="2400" dirty="0" smtClean="0"/>
+              <a:t>все по доменному имени</a:t>
+            </a:r>
+          </a:p>
+          <a:p>
+            <a:r>
+              <a:rPr lang="ru-RU" sz="2400" dirty="0" smtClean="0"/>
+              <a:t>    </a:t>
+            </a:r>
+            <a:r>
+              <a:rPr lang="en-US" sz="2400" dirty="0" err="1" smtClean="0">
+                <a:solidFill>
+                  <a:srgbClr val="0070C0"/>
+                </a:solidFill>
+              </a:rPr>
+              <a:t>InetAddress</a:t>
+            </a:r>
+            <a:r>
+              <a:rPr lang="en-US" sz="2400" dirty="0" smtClean="0">
+                <a:solidFill>
+                  <a:srgbClr val="0070C0"/>
+                </a:solidFill>
+              </a:rPr>
+              <a:t> </a:t>
+            </a:r>
+            <a:r>
+              <a:rPr lang="en-US" sz="2400" dirty="0" err="1" smtClean="0">
+                <a:solidFill>
+                  <a:srgbClr val="0070C0"/>
+                </a:solidFill>
+              </a:rPr>
+              <a:t>getByAddress</a:t>
+            </a:r>
+            <a:r>
+              <a:rPr lang="en-US" sz="2400" dirty="0" smtClean="0">
+                <a:solidFill>
+                  <a:srgbClr val="0070C0"/>
+                </a:solidFill>
+              </a:rPr>
+              <a:t>(byte[]) </a:t>
+            </a:r>
+            <a:r>
+              <a:rPr lang="en-US" sz="2400" dirty="0" smtClean="0"/>
+              <a:t>– </a:t>
+            </a:r>
+            <a:r>
+              <a:rPr lang="ru-RU" sz="2400" dirty="0" smtClean="0"/>
+              <a:t>по </a:t>
+            </a:r>
+            <a:r>
+              <a:rPr lang="en-US" sz="2400" dirty="0" smtClean="0"/>
+              <a:t>IP-</a:t>
+            </a:r>
+            <a:r>
+              <a:rPr lang="ru-RU" sz="2400" dirty="0" smtClean="0"/>
+              <a:t>адресу</a:t>
+            </a:r>
+          </a:p>
+          <a:p>
+            <a:r>
+              <a:rPr lang="ru-RU" sz="2400" dirty="0" smtClean="0">
+                <a:solidFill>
+                  <a:srgbClr val="0070C0"/>
+                </a:solidFill>
+              </a:rPr>
+              <a:t>    </a:t>
+            </a:r>
+            <a:r>
+              <a:rPr lang="en-US" sz="2400" dirty="0" err="1" smtClean="0">
+                <a:solidFill>
+                  <a:srgbClr val="0070C0"/>
+                </a:solidFill>
+              </a:rPr>
+              <a:t>InetAddress</a:t>
+            </a:r>
+            <a:r>
+              <a:rPr lang="en-US" sz="2400" dirty="0" smtClean="0">
+                <a:solidFill>
+                  <a:srgbClr val="0070C0"/>
+                </a:solidFill>
+              </a:rPr>
+              <a:t> </a:t>
+            </a:r>
+            <a:r>
+              <a:rPr lang="en-US" sz="2400" dirty="0" err="1" smtClean="0">
+                <a:solidFill>
+                  <a:srgbClr val="0070C0"/>
+                </a:solidFill>
+              </a:rPr>
+              <a:t>getByAddress</a:t>
+            </a:r>
+            <a:r>
+              <a:rPr lang="en-US" sz="2400" dirty="0" smtClean="0">
+                <a:solidFill>
+                  <a:srgbClr val="0070C0"/>
+                </a:solidFill>
+              </a:rPr>
+              <a:t>(String, byte[]) </a:t>
+            </a:r>
+            <a:r>
+              <a:rPr lang="en-US" sz="2400" dirty="0" smtClean="0"/>
+              <a:t>– </a:t>
+            </a:r>
+            <a:r>
+              <a:rPr lang="ru-RU" sz="2400" dirty="0" smtClean="0"/>
+              <a:t>по доменному имени и </a:t>
+            </a:r>
+            <a:r>
+              <a:rPr lang="en-US" sz="2400" dirty="0" smtClean="0"/>
+              <a:t>IP-</a:t>
+            </a:r>
+            <a:r>
+              <a:rPr lang="ru-RU" sz="2400" dirty="0" smtClean="0"/>
+              <a:t>адресу</a:t>
+            </a:r>
+          </a:p>
+          <a:p>
+            <a:r>
+              <a:rPr lang="ru-RU" sz="2400" dirty="0" smtClean="0"/>
+              <a:t>    </a:t>
+            </a:r>
+            <a:r>
+              <a:rPr lang="en-US" sz="2400" dirty="0" err="1" smtClean="0">
+                <a:solidFill>
+                  <a:srgbClr val="0070C0"/>
+                </a:solidFill>
+              </a:rPr>
+              <a:t>InetAddress</a:t>
+            </a:r>
+            <a:r>
+              <a:rPr lang="en-US" sz="2400" dirty="0" smtClean="0">
+                <a:solidFill>
+                  <a:srgbClr val="0070C0"/>
+                </a:solidFill>
+              </a:rPr>
+              <a:t> </a:t>
+            </a:r>
+            <a:r>
+              <a:rPr lang="en-US" sz="2400" dirty="0" err="1" smtClean="0">
+                <a:solidFill>
+                  <a:srgbClr val="0070C0"/>
+                </a:solidFill>
+              </a:rPr>
+              <a:t>getLocalHost</a:t>
+            </a:r>
+            <a:r>
+              <a:rPr lang="en-US" sz="2400" dirty="0" smtClean="0">
+                <a:solidFill>
+                  <a:srgbClr val="0070C0"/>
+                </a:solidFill>
+              </a:rPr>
+              <a:t>() </a:t>
+            </a:r>
+            <a:r>
+              <a:rPr lang="en-US" sz="2400" dirty="0" smtClean="0"/>
+              <a:t>– </a:t>
+            </a:r>
+            <a:r>
+              <a:rPr lang="ru-RU" sz="2400" dirty="0" smtClean="0"/>
+              <a:t>адрес текущего компьютера</a:t>
+            </a:r>
+            <a:endParaRPr lang="ru-RU" sz="2400" dirty="0"/>
+          </a:p>
+        </p:txBody>
+      </p:sp>
+    </p:spTree>
+    <p:extLst>
+      <p:ext uri="{BB962C8B-B14F-4D97-AF65-F5344CB8AC3E}">
+        <p14:creationId xmlns:p14="http://schemas.microsoft.com/office/powerpoint/2010/main" val="385257626"/>
+      </p:ext>
+    </p:extLst>
+  </p:cSld>
+  <p:clrMapOvr>
+    <a:masterClrMapping/>
+  </p:clrMapOvr>
+  <p:timing>
+    <p:tnLst>
+      <p:par>
+        <p:cTn id="1" dur="indefinite" restart="never" nodeType="tmRoot"/>
+      </p:par>
+    </p:tnLst>
+  </p:timing>
+</p:sld>
+</file>
+
+<file path=ppt/slides/slide18.xml><?xml version="1.0" encoding="utf-8"?>
+<p:sld xmlns:a="http://schemas.openxmlformats.org/drawingml/2006/main" xmlns:r="http://schemas.openxmlformats.org/officeDocument/2006/relationships" xmlns:p="http://schemas.openxmlformats.org/presentationml/2006/main">
+  <p:cSld>
+    <p:spTree>
+      <p:nvGrpSpPr>
+        <p:cNvPr id="1" name=""/>
+        <p:cNvGrpSpPr/>
+        <p:nvPr/>
+      </p:nvGrpSpPr>
+      <p:grpSpPr>
+        <a:xfrm>
+          <a:off x="0" y="0"/>
+          <a:ext cx="0" cy="0"/>
+          <a:chOff x="0" y="0"/>
+          <a:chExt cx="0" cy="0"/>
+        </a:xfrm>
+      </p:grpSpPr>
+      <p:sp>
+        <p:nvSpPr>
+          <p:cNvPr id="2" name="Заголовок 1"/>
+          <p:cNvSpPr>
+            <a:spLocks noGrp="1"/>
+          </p:cNvSpPr>
+          <p:nvPr>
+            <p:ph type="title"/>
+          </p:nvPr>
+        </p:nvSpPr>
+        <p:spPr/>
+        <p:txBody>
+          <a:bodyPr/>
+          <a:lstStyle/>
+          <a:p>
+            <a:r>
+              <a:rPr lang="ru-RU" dirty="0" smtClean="0"/>
+              <a:t>Методы интернет-адресов</a:t>
+            </a:r>
+            <a:endParaRPr lang="ru-RU" dirty="0"/>
+          </a:p>
+        </p:txBody>
+      </p:sp>
+      <p:sp>
+        <p:nvSpPr>
+          <p:cNvPr id="3" name="Объект 2"/>
+          <p:cNvSpPr>
+            <a:spLocks noGrp="1"/>
+          </p:cNvSpPr>
+          <p:nvPr>
+            <p:ph idx="1"/>
+          </p:nvPr>
+        </p:nvSpPr>
+        <p:spPr>
+          <a:xfrm>
+            <a:off x="467544" y="1412776"/>
+            <a:ext cx="7924800" cy="4419600"/>
+          </a:xfrm>
+        </p:spPr>
+        <p:txBody>
+          <a:bodyPr/>
+          <a:lstStyle/>
+          <a:p>
+            <a:pPr marL="0" indent="0">
+              <a:buNone/>
+            </a:pPr>
+            <a:r>
+              <a:rPr lang="ru-RU" sz="2400" u="sng" dirty="0" smtClean="0"/>
+              <a:t>Работа с </a:t>
+            </a:r>
+            <a:r>
+              <a:rPr lang="en-US" sz="2400" u="sng" dirty="0" smtClean="0"/>
+              <a:t>DNS</a:t>
+            </a:r>
+          </a:p>
+          <a:p>
+            <a:r>
+              <a:rPr lang="en-US" sz="2400" dirty="0" smtClean="0"/>
+              <a:t>    </a:t>
+            </a:r>
+            <a:r>
+              <a:rPr lang="en-US" sz="2400" dirty="0" smtClean="0">
+                <a:solidFill>
+                  <a:srgbClr val="0070C0"/>
+                </a:solidFill>
+              </a:rPr>
+              <a:t>String </a:t>
+            </a:r>
+            <a:r>
+              <a:rPr lang="en-US" sz="2400" dirty="0" err="1" smtClean="0">
+                <a:solidFill>
+                  <a:srgbClr val="0070C0"/>
+                </a:solidFill>
+              </a:rPr>
+              <a:t>getHostName</a:t>
+            </a:r>
+            <a:r>
+              <a:rPr lang="en-US" sz="2400" dirty="0" smtClean="0">
+                <a:solidFill>
+                  <a:srgbClr val="0070C0"/>
+                </a:solidFill>
+              </a:rPr>
+              <a:t>() </a:t>
+            </a:r>
+            <a:r>
+              <a:rPr lang="en-US" sz="2400" dirty="0" smtClean="0"/>
+              <a:t>– </a:t>
+            </a:r>
+            <a:r>
+              <a:rPr lang="ru-RU" sz="2400" dirty="0" smtClean="0"/>
+              <a:t>получение доменного имени</a:t>
+            </a:r>
+          </a:p>
+          <a:p>
+            <a:r>
+              <a:rPr lang="ru-RU" sz="2400" dirty="0" smtClean="0"/>
+              <a:t>    </a:t>
+            </a:r>
+            <a:r>
+              <a:rPr lang="en-US" sz="2400" dirty="0" smtClean="0">
+                <a:solidFill>
+                  <a:srgbClr val="0070C0"/>
+                </a:solidFill>
+              </a:rPr>
+              <a:t>String </a:t>
+            </a:r>
+            <a:r>
+              <a:rPr lang="en-US" sz="2400" dirty="0" err="1" smtClean="0">
+                <a:solidFill>
+                  <a:srgbClr val="0070C0"/>
+                </a:solidFill>
+              </a:rPr>
+              <a:t>getCanonicalHostName</a:t>
+            </a:r>
+            <a:r>
+              <a:rPr lang="en-US" sz="2400" dirty="0" smtClean="0">
+                <a:solidFill>
+                  <a:srgbClr val="0070C0"/>
+                </a:solidFill>
+              </a:rPr>
+              <a:t>() </a:t>
+            </a:r>
+            <a:r>
+              <a:rPr lang="en-US" sz="2400" dirty="0" smtClean="0"/>
+              <a:t>– </a:t>
+            </a:r>
+            <a:r>
+              <a:rPr lang="ru-RU" sz="2400" dirty="0" smtClean="0"/>
+              <a:t>получение полного доменного имени</a:t>
+            </a:r>
+          </a:p>
+          <a:p>
+            <a:pPr marL="0" indent="0">
+              <a:buNone/>
+            </a:pPr>
+            <a:r>
+              <a:rPr lang="ru-RU" sz="2400" u="sng" dirty="0" smtClean="0"/>
+              <a:t>Работа с </a:t>
+            </a:r>
+            <a:r>
+              <a:rPr lang="en-US" sz="2400" u="sng" dirty="0" smtClean="0"/>
+              <a:t>IP-</a:t>
+            </a:r>
+            <a:r>
+              <a:rPr lang="ru-RU" sz="2400" u="sng" dirty="0" smtClean="0"/>
+              <a:t>адресом</a:t>
+            </a:r>
+          </a:p>
+          <a:p>
+            <a:r>
+              <a:rPr lang="ru-RU" sz="2400" dirty="0" smtClean="0">
+                <a:solidFill>
+                  <a:srgbClr val="0070C0"/>
+                </a:solidFill>
+              </a:rPr>
+              <a:t>    </a:t>
+            </a:r>
+            <a:r>
+              <a:rPr lang="en-US" sz="2400" dirty="0" smtClean="0">
+                <a:solidFill>
+                  <a:srgbClr val="0070C0"/>
+                </a:solidFill>
+              </a:rPr>
+              <a:t>byte[] </a:t>
+            </a:r>
+            <a:r>
+              <a:rPr lang="en-US" sz="2400" dirty="0" err="1" smtClean="0">
+                <a:solidFill>
+                  <a:srgbClr val="0070C0"/>
+                </a:solidFill>
+              </a:rPr>
+              <a:t>getAddress</a:t>
+            </a:r>
+            <a:r>
+              <a:rPr lang="en-US" sz="2400" dirty="0" smtClean="0">
+                <a:solidFill>
+                  <a:srgbClr val="0070C0"/>
+                </a:solidFill>
+              </a:rPr>
+              <a:t>() </a:t>
+            </a:r>
+            <a:r>
+              <a:rPr lang="en-US" sz="2400" dirty="0" smtClean="0"/>
+              <a:t>– </a:t>
+            </a:r>
+            <a:r>
+              <a:rPr lang="ru-RU" sz="2400" dirty="0" smtClean="0"/>
+              <a:t>получение </a:t>
+            </a:r>
+            <a:r>
+              <a:rPr lang="en-US" sz="2400" dirty="0" smtClean="0"/>
+              <a:t>IP-</a:t>
+            </a:r>
+            <a:r>
+              <a:rPr lang="ru-RU" sz="2400" dirty="0" smtClean="0"/>
+              <a:t>адреса</a:t>
+            </a:r>
+          </a:p>
+          <a:p>
+            <a:r>
+              <a:rPr lang="ru-RU" sz="2400" dirty="0" smtClean="0"/>
+              <a:t>    </a:t>
+            </a:r>
+            <a:r>
+              <a:rPr lang="en-US" sz="2400" dirty="0" smtClean="0">
+                <a:solidFill>
+                  <a:srgbClr val="0070C0"/>
+                </a:solidFill>
+              </a:rPr>
+              <a:t>String </a:t>
+            </a:r>
+            <a:r>
+              <a:rPr lang="en-US" sz="2400" dirty="0" err="1" smtClean="0">
+                <a:solidFill>
+                  <a:srgbClr val="0070C0"/>
+                </a:solidFill>
+              </a:rPr>
+              <a:t>getHostAddress</a:t>
+            </a:r>
+            <a:r>
+              <a:rPr lang="en-US" sz="2400" dirty="0" smtClean="0">
+                <a:solidFill>
+                  <a:srgbClr val="0070C0"/>
+                </a:solidFill>
+              </a:rPr>
+              <a:t>() </a:t>
+            </a:r>
+            <a:r>
+              <a:rPr lang="en-US" sz="2400" dirty="0" smtClean="0"/>
+              <a:t>– </a:t>
+            </a:r>
+            <a:r>
+              <a:rPr lang="ru-RU" sz="2400" dirty="0" smtClean="0"/>
+              <a:t>получение </a:t>
+            </a:r>
+            <a:r>
+              <a:rPr lang="en-US" sz="2400" dirty="0" smtClean="0"/>
+              <a:t>IP-</a:t>
+            </a:r>
+            <a:r>
+              <a:rPr lang="ru-RU" sz="2400" dirty="0" smtClean="0"/>
+              <a:t>адреса в текстовой форме</a:t>
+            </a:r>
+          </a:p>
+          <a:p>
+            <a:pPr marL="0" indent="0">
+              <a:buNone/>
+            </a:pPr>
+            <a:r>
+              <a:rPr lang="ru-RU" sz="2400" u="sng" dirty="0" smtClean="0"/>
+              <a:t>Прочие</a:t>
+            </a:r>
+          </a:p>
+          <a:p>
+            <a:r>
+              <a:rPr lang="ru-RU" sz="2400" dirty="0" smtClean="0"/>
+              <a:t>    </a:t>
+            </a:r>
+            <a:r>
+              <a:rPr lang="en-US" sz="2400" dirty="0" err="1" smtClean="0">
+                <a:solidFill>
+                  <a:srgbClr val="0070C0"/>
+                </a:solidFill>
+              </a:rPr>
+              <a:t>isReachable</a:t>
+            </a:r>
+            <a:r>
+              <a:rPr lang="en-US" sz="2400" dirty="0" smtClean="0">
+                <a:solidFill>
+                  <a:srgbClr val="0070C0"/>
+                </a:solidFill>
+              </a:rPr>
+              <a:t>(</a:t>
+            </a:r>
+            <a:r>
+              <a:rPr lang="en-US" sz="2400" dirty="0" err="1" smtClean="0">
+                <a:solidFill>
+                  <a:srgbClr val="0070C0"/>
+                </a:solidFill>
+              </a:rPr>
+              <a:t>int</a:t>
+            </a:r>
+            <a:r>
+              <a:rPr lang="en-US" sz="2400" dirty="0" smtClean="0">
+                <a:solidFill>
+                  <a:srgbClr val="0070C0"/>
+                </a:solidFill>
+              </a:rPr>
+              <a:t> timeout)</a:t>
+            </a:r>
+            <a:r>
+              <a:rPr lang="en-US" sz="2400" dirty="0" smtClean="0"/>
+              <a:t> – </a:t>
+            </a:r>
+            <a:r>
+              <a:rPr lang="ru-RU" sz="2400" dirty="0" smtClean="0"/>
+              <a:t>проверка достижимости</a:t>
+            </a:r>
+            <a:endParaRPr lang="ru-RU" sz="2400" dirty="0"/>
+          </a:p>
+        </p:txBody>
+      </p:sp>
+    </p:spTree>
+    <p:extLst>
+      <p:ext uri="{BB962C8B-B14F-4D97-AF65-F5344CB8AC3E}">
+        <p14:creationId xmlns:p14="http://schemas.microsoft.com/office/powerpoint/2010/main" val="1661315362"/>
+      </p:ext>
+    </p:extLst>
+  </p:cSld>
+  <p:clrMapOvr>
+    <a:masterClrMapping/>
+  </p:clrMapOvr>
+  <p:timing>
+    <p:tnLst>
+      <p:par>
+        <p:cTn id="1" dur="indefinite" restart="never" nodeType="tmRoot"/>
+      </p:par>
+    </p:tnLst>
+  </p:timing>
+</p:sld>
+</file>
+
 <file path=ppt/slides/slide19.xml><?xml version="1.0" encoding="utf-8"?>
 <p:sld xmlns:a="http://schemas.openxmlformats.org/drawingml/2006/main" xmlns:r="http://schemas.openxmlformats.org/officeDocument/2006/relationships" xmlns:p="http://schemas.openxmlformats.org/presentationml/2006/main">
   <p:cSld>
@@ -6272,7 +6501,7 @@
           <a:p>
             <a:r>
               <a:rPr lang="ru-RU" dirty="0" smtClean="0"/>
-              <a:t>Получение интернет-адресов</a:t>
+              <a:t>Адрес порта</a:t>
             </a:r>
             <a:endParaRPr lang="ru-RU" dirty="0"/>
           </a:p>
@@ -6293,284 +6522,41 @@
           <a:bodyPr/>
           <a:lstStyle/>
           <a:p>
-            <a:pPr marL="0" indent="0">
-              <a:buNone/>
-            </a:pPr>
-            <a:r>
-              <a:rPr lang="ru-RU" sz="2400" dirty="0" smtClean="0"/>
-              <a:t>Фабричные методы класса </a:t>
-            </a:r>
-            <a:r>
-              <a:rPr lang="en-US" sz="2400" dirty="0" err="1" smtClean="0">
-                <a:solidFill>
-                  <a:srgbClr val="0070C0"/>
-                </a:solidFill>
-              </a:rPr>
-              <a:t>InetAddress</a:t>
-            </a:r>
-            <a:endParaRPr lang="en-US" sz="2400" dirty="0" smtClean="0">
-              <a:solidFill>
-                <a:srgbClr val="0070C0"/>
-              </a:solidFill>
-            </a:endParaRPr>
-          </a:p>
-          <a:p>
-            <a:r>
-              <a:rPr lang="en-US" sz="2400" dirty="0" smtClean="0"/>
-              <a:t>    </a:t>
-            </a:r>
-            <a:r>
-              <a:rPr lang="en-US" sz="2400" dirty="0" err="1" smtClean="0">
-                <a:solidFill>
-                  <a:srgbClr val="0070C0"/>
-                </a:solidFill>
-              </a:rPr>
-              <a:t>InetAddress</a:t>
-            </a:r>
-            <a:r>
-              <a:rPr lang="en-US" sz="2400" dirty="0" smtClean="0">
-                <a:solidFill>
-                  <a:srgbClr val="0070C0"/>
-                </a:solidFill>
-              </a:rPr>
-              <a:t> </a:t>
-            </a:r>
-            <a:r>
-              <a:rPr lang="en-US" sz="2400" dirty="0" err="1" smtClean="0">
-                <a:solidFill>
-                  <a:srgbClr val="0070C0"/>
-                </a:solidFill>
-              </a:rPr>
-              <a:t>getByName</a:t>
-            </a:r>
-            <a:r>
-              <a:rPr lang="en-US" sz="2400" dirty="0" smtClean="0">
-                <a:solidFill>
-                  <a:srgbClr val="0070C0"/>
-                </a:solidFill>
-              </a:rPr>
-              <a:t>(String) </a:t>
-            </a:r>
-            <a:r>
-              <a:rPr lang="en-US" sz="2400" dirty="0" smtClean="0"/>
-              <a:t>– </a:t>
-            </a:r>
-            <a:r>
-              <a:rPr lang="ru-RU" sz="2400" dirty="0" smtClean="0"/>
-              <a:t>любой по доменному имени</a:t>
-            </a:r>
-          </a:p>
-          <a:p>
-            <a:r>
-              <a:rPr lang="ru-RU" sz="2400" dirty="0" smtClean="0"/>
-              <a:t>    </a:t>
-            </a:r>
-            <a:r>
-              <a:rPr lang="en-US" sz="2400" dirty="0" err="1" smtClean="0">
-                <a:solidFill>
-                  <a:srgbClr val="0070C0"/>
-                </a:solidFill>
-              </a:rPr>
-              <a:t>InetAddress</a:t>
-            </a:r>
-            <a:r>
-              <a:rPr lang="en-US" sz="2400" dirty="0" smtClean="0">
-                <a:solidFill>
-                  <a:srgbClr val="0070C0"/>
-                </a:solidFill>
-              </a:rPr>
-              <a:t>[] </a:t>
-            </a:r>
-            <a:r>
-              <a:rPr lang="en-US" sz="2400" dirty="0" err="1" smtClean="0">
-                <a:solidFill>
-                  <a:srgbClr val="0070C0"/>
-                </a:solidFill>
-              </a:rPr>
-              <a:t>getAllByName</a:t>
-            </a:r>
-            <a:r>
-              <a:rPr lang="en-US" sz="2400" dirty="0" smtClean="0">
-                <a:solidFill>
-                  <a:srgbClr val="0070C0"/>
-                </a:solidFill>
-              </a:rPr>
-              <a:t>(String) </a:t>
-            </a:r>
-            <a:r>
-              <a:rPr lang="en-US" sz="2400" dirty="0" smtClean="0"/>
-              <a:t>– </a:t>
-            </a:r>
-            <a:r>
-              <a:rPr lang="ru-RU" sz="2400" dirty="0" smtClean="0"/>
-              <a:t>все по доменному имени</a:t>
-            </a:r>
-          </a:p>
-          <a:p>
-            <a:r>
-              <a:rPr lang="ru-RU" sz="2400" dirty="0" smtClean="0"/>
-              <a:t>    </a:t>
-            </a:r>
-            <a:r>
-              <a:rPr lang="en-US" sz="2400" dirty="0" err="1" smtClean="0">
-                <a:solidFill>
-                  <a:srgbClr val="0070C0"/>
-                </a:solidFill>
-              </a:rPr>
-              <a:t>InetAddress</a:t>
-            </a:r>
-            <a:r>
-              <a:rPr lang="en-US" sz="2400" dirty="0" smtClean="0">
-                <a:solidFill>
-                  <a:srgbClr val="0070C0"/>
-                </a:solidFill>
-              </a:rPr>
-              <a:t> </a:t>
-            </a:r>
-            <a:r>
-              <a:rPr lang="en-US" sz="2400" dirty="0" err="1" smtClean="0">
-                <a:solidFill>
-                  <a:srgbClr val="0070C0"/>
-                </a:solidFill>
-              </a:rPr>
-              <a:t>getByAddress</a:t>
-            </a:r>
-            <a:r>
-              <a:rPr lang="en-US" sz="2400" dirty="0" smtClean="0">
-                <a:solidFill>
-                  <a:srgbClr val="0070C0"/>
-                </a:solidFill>
-              </a:rPr>
-              <a:t>(byte[]) </a:t>
-            </a:r>
-            <a:r>
-              <a:rPr lang="en-US" sz="2400" dirty="0" smtClean="0"/>
-              <a:t>– </a:t>
-            </a:r>
-            <a:r>
-              <a:rPr lang="ru-RU" sz="2400" dirty="0" smtClean="0"/>
-              <a:t>по </a:t>
-            </a:r>
-            <a:r>
-              <a:rPr lang="en-US" sz="2400" dirty="0" smtClean="0"/>
-              <a:t>IP-</a:t>
-            </a:r>
-            <a:r>
-              <a:rPr lang="ru-RU" sz="2400" dirty="0" smtClean="0"/>
-              <a:t>адресу</a:t>
-            </a:r>
-          </a:p>
-          <a:p>
-            <a:r>
-              <a:rPr lang="ru-RU" sz="2400" dirty="0" smtClean="0">
-                <a:solidFill>
-                  <a:srgbClr val="0070C0"/>
-                </a:solidFill>
-              </a:rPr>
-              <a:t>    </a:t>
-            </a:r>
-            <a:r>
-              <a:rPr lang="en-US" sz="2400" dirty="0" err="1" smtClean="0">
-                <a:solidFill>
-                  <a:srgbClr val="0070C0"/>
-                </a:solidFill>
-              </a:rPr>
-              <a:t>InetAddress</a:t>
-            </a:r>
-            <a:r>
-              <a:rPr lang="en-US" sz="2400" dirty="0" smtClean="0">
-                <a:solidFill>
-                  <a:srgbClr val="0070C0"/>
-                </a:solidFill>
-              </a:rPr>
-              <a:t> </a:t>
-            </a:r>
-            <a:r>
-              <a:rPr lang="en-US" sz="2400" dirty="0" err="1" smtClean="0">
-                <a:solidFill>
-                  <a:srgbClr val="0070C0"/>
-                </a:solidFill>
-              </a:rPr>
-              <a:t>getByAddress</a:t>
-            </a:r>
-            <a:r>
-              <a:rPr lang="en-US" sz="2400" dirty="0" smtClean="0">
-                <a:solidFill>
-                  <a:srgbClr val="0070C0"/>
-                </a:solidFill>
-              </a:rPr>
-              <a:t>(String, byte[]) </a:t>
-            </a:r>
-            <a:r>
-              <a:rPr lang="en-US" sz="2400" dirty="0" smtClean="0"/>
-              <a:t>– </a:t>
-            </a:r>
-            <a:r>
-              <a:rPr lang="ru-RU" sz="2400" dirty="0" smtClean="0"/>
-              <a:t>по доменному имени и </a:t>
-            </a:r>
-            <a:r>
-              <a:rPr lang="en-US" sz="2400" dirty="0" smtClean="0"/>
-              <a:t>IP-</a:t>
-            </a:r>
-            <a:r>
-              <a:rPr lang="ru-RU" sz="2400" dirty="0" smtClean="0"/>
-              <a:t>адресу</a:t>
-            </a:r>
-          </a:p>
-          <a:p>
-            <a:r>
-              <a:rPr lang="ru-RU" sz="2400" dirty="0" smtClean="0"/>
-              <a:t>    </a:t>
-            </a:r>
-            <a:r>
-              <a:rPr lang="en-US" sz="2400" dirty="0" err="1" smtClean="0">
-                <a:solidFill>
-                  <a:srgbClr val="0070C0"/>
-                </a:solidFill>
-              </a:rPr>
-              <a:t>InetAddress</a:t>
-            </a:r>
-            <a:r>
-              <a:rPr lang="en-US" sz="2400" dirty="0" smtClean="0">
-                <a:solidFill>
-                  <a:srgbClr val="0070C0"/>
-                </a:solidFill>
-              </a:rPr>
-              <a:t> </a:t>
-            </a:r>
-            <a:r>
-              <a:rPr lang="en-US" sz="2400" dirty="0" err="1" smtClean="0">
-                <a:solidFill>
-                  <a:srgbClr val="0070C0"/>
-                </a:solidFill>
-              </a:rPr>
-              <a:t>getLocalHost</a:t>
-            </a:r>
-            <a:r>
-              <a:rPr lang="en-US" sz="2400" dirty="0" smtClean="0">
-                <a:solidFill>
-                  <a:srgbClr val="0070C0"/>
-                </a:solidFill>
-              </a:rPr>
-              <a:t>() </a:t>
-            </a:r>
-            <a:r>
-              <a:rPr lang="en-US" sz="2400" dirty="0" smtClean="0"/>
-              <a:t>– </a:t>
-            </a:r>
-            <a:r>
-              <a:rPr lang="ru-RU" sz="2400" dirty="0" smtClean="0"/>
-              <a:t>адрес текущего компьютера</a:t>
-            </a:r>
-            <a:endParaRPr lang="ru-RU" sz="2400" dirty="0"/>
-          </a:p>
-        </p:txBody>
-      </p:sp>
+            <a:r>
+              <a:rPr lang="ru-RU" dirty="0" smtClean="0"/>
+              <a:t>Представляет пару интернет-адрес – порт </a:t>
+            </a:r>
+            <a:endParaRPr lang="ru-RU" dirty="0"/>
+          </a:p>
+        </p:txBody>
+      </p:sp>
+      <p:pic>
+        <p:nvPicPr>
+          <p:cNvPr id="4" name="Рисунок 3"/>
+          <p:cNvPicPr>
+            <a:picLocks noChangeAspect="1"/>
+          </p:cNvPicPr>
+          <p:nvPr/>
+        </p:nvPicPr>
+        <p:blipFill rotWithShape="1">
+          <a:blip r:embed="rId2"/>
+          <a:srcRect l="6859" t="24579" r="60272" b="37843"/>
+          <a:stretch/>
+        </p:blipFill>
+        <p:spPr>
+          <a:xfrm>
+            <a:off x="2843808" y="2390077"/>
+            <a:ext cx="3384376" cy="3595900"/>
+          </a:xfrm>
+          <a:prstGeom prst="rect">
+            <a:avLst/>
+          </a:prstGeom>
+        </p:spPr>
+      </p:pic>
     </p:spTree>
     <p:extLst>
       <p:ext uri="{BB962C8B-B14F-4D97-AF65-F5344CB8AC3E}">
-        <p14:creationId xmlns:p14="http://schemas.microsoft.com/office/powerpoint/2010/main" val="385257626"/>
+        <p14:creationId xmlns:p14="http://schemas.microsoft.com/office/powerpoint/2010/main" val="2148051703"/>
       </p:ext>
     </p:extLst>
   </p:cSld>
@@ -6700,7 +6686,7 @@
           <a:p>
             <a:r>
               <a:rPr lang="ru-RU" dirty="0" smtClean="0"/>
-              <a:t>Методы интернет-адресов</a:t>
+              <a:t>Создание адресов порта</a:t>
             </a:r>
             <a:endParaRPr lang="ru-RU" dirty="0"/>
           </a:p>
@@ -6716,12 +6702,7 @@
             <p:ph idx="1"/>
           </p:nvPr>
         </p:nvSpPr>
-        <p:spPr>
-          <a:xfrm>
-            <a:off x="467544" y="1412776"/>
-            <a:ext cx="7924800" cy="4419600"/>
-          </a:xfrm>
-        </p:spPr>
+        <p:spPr/>
         <p:txBody>
           <a:bodyPr/>
           <a:lstStyle/>
@@ -6730,265 +6711,134 @@
               <a:buNone/>
             </a:pPr>
             <a:r>
-              <a:rPr lang="ru-RU" sz="2400" u="sng" dirty="0" smtClean="0"/>
-              <a:t>Работа с </a:t>
-            </a:r>
-            <a:r>
-              <a:rPr lang="en-US" sz="2400" u="sng" dirty="0" smtClean="0"/>
-              <a:t>DNS</a:t>
-            </a:r>
-          </a:p>
-          <a:p>
-            <a:r>
-              <a:rPr lang="en-US" sz="2400" dirty="0" smtClean="0"/>
+              <a:rPr lang="ru-RU" u="sng" dirty="0" smtClean="0"/>
+              <a:t>Конструкторы класса </a:t>
+            </a:r>
+            <a:r>
+              <a:rPr lang="en-US" u="sng" dirty="0" err="1" smtClean="0"/>
+              <a:t>InetSocketAddress</a:t>
+            </a:r>
+            <a:endParaRPr lang="en-US" u="sng" dirty="0" smtClean="0"/>
+          </a:p>
+          <a:p>
+            <a:r>
+              <a:rPr lang="en-US" dirty="0" smtClean="0">
+                <a:solidFill>
+                  <a:srgbClr val="0070C0"/>
+                </a:solidFill>
+              </a:rPr>
               <a:t>    </a:t>
             </a:r>
             <a:r>
-              <a:rPr lang="en-US" sz="2400" dirty="0" smtClean="0">
-                <a:solidFill>
-                  <a:srgbClr val="0070C0"/>
-                </a:solidFill>
-              </a:rPr>
-              <a:t>String </a:t>
-            </a:r>
-            <a:r>
-              <a:rPr lang="en-US" sz="2400" dirty="0" err="1" smtClean="0">
-                <a:solidFill>
-                  <a:srgbClr val="0070C0"/>
-                </a:solidFill>
-              </a:rPr>
-              <a:t>getHostName</a:t>
-            </a:r>
-            <a:r>
-              <a:rPr lang="en-US" sz="2400" dirty="0" smtClean="0">
-                <a:solidFill>
-                  <a:srgbClr val="0070C0"/>
-                </a:solidFill>
-              </a:rPr>
-              <a:t>() </a:t>
-            </a:r>
-            <a:r>
-              <a:rPr lang="en-US" sz="2400" dirty="0" smtClean="0"/>
+              <a:rPr lang="en-US" dirty="0" err="1" smtClean="0">
+                <a:solidFill>
+                  <a:srgbClr val="0070C0"/>
+                </a:solidFill>
+              </a:rPr>
+              <a:t>InetSocketAddress</a:t>
+            </a:r>
+            <a:r>
+              <a:rPr lang="en-US" dirty="0" smtClean="0">
+                <a:solidFill>
+                  <a:srgbClr val="0070C0"/>
+                </a:solidFill>
+              </a:rPr>
+              <a:t>(</a:t>
+            </a:r>
+            <a:r>
+              <a:rPr lang="en-US" dirty="0" err="1" smtClean="0">
+                <a:solidFill>
+                  <a:srgbClr val="0070C0"/>
+                </a:solidFill>
+              </a:rPr>
+              <a:t>InetAddress</a:t>
+            </a:r>
+            <a:r>
+              <a:rPr lang="en-US" dirty="0" smtClean="0">
+                <a:solidFill>
+                  <a:srgbClr val="0070C0"/>
+                </a:solidFill>
+              </a:rPr>
+              <a:t>, </a:t>
+            </a:r>
+            <a:r>
+              <a:rPr lang="en-US" dirty="0" err="1" smtClean="0">
+                <a:solidFill>
+                  <a:srgbClr val="0070C0"/>
+                </a:solidFill>
+              </a:rPr>
+              <a:t>int</a:t>
+            </a:r>
+            <a:r>
+              <a:rPr lang="en-US" dirty="0" smtClean="0">
+                <a:solidFill>
+                  <a:srgbClr val="0070C0"/>
+                </a:solidFill>
+              </a:rPr>
+              <a:t> port) </a:t>
+            </a:r>
+            <a:r>
+              <a:rPr lang="en-US" dirty="0" smtClean="0"/>
               <a:t>– </a:t>
             </a:r>
             <a:r>
-              <a:rPr lang="ru-RU" sz="2400" dirty="0" smtClean="0"/>
-              <a:t>получение доменного имени</a:t>
-            </a:r>
-          </a:p>
-          <a:p>
-            <a:r>
-              <a:rPr lang="ru-RU" sz="2400" dirty="0" smtClean="0"/>
+              <a:rPr lang="ru-RU" dirty="0" smtClean="0"/>
+              <a:t>по адресу и порту</a:t>
+            </a:r>
+          </a:p>
+          <a:p>
+            <a:r>
+              <a:rPr lang="ru-RU" dirty="0" smtClean="0"/>
               <a:t>    </a:t>
             </a:r>
             <a:r>
-              <a:rPr lang="en-US" sz="2400" dirty="0" smtClean="0">
-                <a:solidFill>
-                  <a:srgbClr val="0070C0"/>
-                </a:solidFill>
-              </a:rPr>
-              <a:t>String </a:t>
-            </a:r>
-            <a:r>
-              <a:rPr lang="en-US" sz="2400" dirty="0" err="1" smtClean="0">
-                <a:solidFill>
-                  <a:srgbClr val="0070C0"/>
-                </a:solidFill>
-              </a:rPr>
-              <a:t>getCanonicalHostName</a:t>
-            </a:r>
-            <a:r>
-              <a:rPr lang="en-US" sz="2400" dirty="0" smtClean="0">
-                <a:solidFill>
-                  <a:srgbClr val="0070C0"/>
-                </a:solidFill>
-              </a:rPr>
-              <a:t>() </a:t>
-            </a:r>
-            <a:r>
-              <a:rPr lang="en-US" sz="2400" dirty="0" smtClean="0"/>
+              <a:rPr lang="en-US" dirty="0" err="1" smtClean="0">
+                <a:solidFill>
+                  <a:srgbClr val="0070C0"/>
+                </a:solidFill>
+              </a:rPr>
+              <a:t>InetSocketAddress</a:t>
+            </a:r>
+            <a:r>
+              <a:rPr lang="en-US" dirty="0" smtClean="0">
+                <a:solidFill>
+                  <a:srgbClr val="0070C0"/>
+                </a:solidFill>
+              </a:rPr>
+              <a:t>(String, </a:t>
+            </a:r>
+            <a:r>
+              <a:rPr lang="en-US" dirty="0" err="1" smtClean="0">
+                <a:solidFill>
+                  <a:srgbClr val="0070C0"/>
+                </a:solidFill>
+              </a:rPr>
+              <a:t>int</a:t>
+            </a:r>
+            <a:r>
+              <a:rPr lang="en-US" dirty="0" smtClean="0">
+                <a:solidFill>
+                  <a:srgbClr val="0070C0"/>
+                </a:solidFill>
+              </a:rPr>
+              <a:t> port) </a:t>
+            </a:r>
+            <a:r>
+              <a:rPr lang="en-US" dirty="0" smtClean="0"/>
               <a:t>– </a:t>
             </a:r>
             <a:r>
-              <a:rPr lang="ru-RU" sz="2400" dirty="0" smtClean="0"/>
-              <a:t>получение полного доменного имени</a:t>
-            </a:r>
-          </a:p>
-          <a:p>
-            <a:pPr marL="0" indent="0">
-              <a:buNone/>
-            </a:pPr>
-            <a:r>
-              <a:rPr lang="ru-RU" sz="2400" u="sng" dirty="0" smtClean="0"/>
-              <a:t>Работа с </a:t>
-            </a:r>
-            <a:r>
-              <a:rPr lang="en-US" sz="2400" u="sng" dirty="0" smtClean="0"/>
-              <a:t>IP-</a:t>
-            </a:r>
-            <a:r>
-              <a:rPr lang="ru-RU" sz="2400" u="sng" dirty="0" smtClean="0"/>
-              <a:t>адресом</a:t>
-            </a:r>
-          </a:p>
-          <a:p>
-            <a:r>
-              <a:rPr lang="ru-RU" sz="2400" dirty="0" smtClean="0">
-                <a:solidFill>
-                  <a:srgbClr val="0070C0"/>
-                </a:solidFill>
-              </a:rPr>
-              <a:t>    </a:t>
-            </a:r>
-            <a:r>
-              <a:rPr lang="en-US" sz="2400" dirty="0" smtClean="0">
-                <a:solidFill>
-                  <a:srgbClr val="0070C0"/>
-                </a:solidFill>
-              </a:rPr>
-              <a:t>byte[] </a:t>
-            </a:r>
-            <a:r>
-              <a:rPr lang="en-US" sz="2400" dirty="0" err="1" smtClean="0">
-                <a:solidFill>
-                  <a:srgbClr val="0070C0"/>
-                </a:solidFill>
-              </a:rPr>
-              <a:t>getAddress</a:t>
-            </a:r>
-            <a:r>
-              <a:rPr lang="en-US" sz="2400" dirty="0" smtClean="0">
-                <a:solidFill>
-                  <a:srgbClr val="0070C0"/>
-                </a:solidFill>
-              </a:rPr>
-              <a:t>() </a:t>
-            </a:r>
-            <a:r>
-              <a:rPr lang="en-US" sz="2400" dirty="0" smtClean="0"/>
-              <a:t>– </a:t>
-            </a:r>
-            <a:r>
-              <a:rPr lang="ru-RU" sz="2400" dirty="0" smtClean="0"/>
-              <a:t>получение </a:t>
-            </a:r>
-            <a:r>
-              <a:rPr lang="en-US" sz="2400" dirty="0" smtClean="0"/>
-              <a:t>IP-</a:t>
-            </a:r>
-            <a:r>
-              <a:rPr lang="ru-RU" sz="2400" dirty="0" smtClean="0"/>
-              <a:t>адреса</a:t>
-            </a:r>
-          </a:p>
-          <a:p>
-            <a:r>
-              <a:rPr lang="ru-RU" sz="2400" dirty="0" smtClean="0"/>
-              <a:t>    </a:t>
-            </a:r>
-            <a:r>
-              <a:rPr lang="en-US" sz="2400" dirty="0" smtClean="0">
-                <a:solidFill>
-                  <a:srgbClr val="0070C0"/>
-                </a:solidFill>
-              </a:rPr>
-              <a:t>String </a:t>
-            </a:r>
-            <a:r>
-              <a:rPr lang="en-US" sz="2400" dirty="0" err="1" smtClean="0">
-                <a:solidFill>
-                  <a:srgbClr val="0070C0"/>
-                </a:solidFill>
-              </a:rPr>
-              <a:t>getHostAddress</a:t>
-            </a:r>
-            <a:r>
-              <a:rPr lang="en-US" sz="2400" dirty="0" smtClean="0">
-                <a:solidFill>
-                  <a:srgbClr val="0070C0"/>
-                </a:solidFill>
-              </a:rPr>
-              <a:t>() </a:t>
-            </a:r>
-            <a:r>
-              <a:rPr lang="en-US" sz="2400" dirty="0" smtClean="0"/>
-              <a:t>– </a:t>
-            </a:r>
-            <a:r>
-              <a:rPr lang="ru-RU" sz="2400" dirty="0" smtClean="0"/>
-              <a:t>получение </a:t>
-            </a:r>
-            <a:r>
-              <a:rPr lang="en-US" sz="2400" dirty="0" smtClean="0"/>
-              <a:t>IP-</a:t>
-            </a:r>
-            <a:r>
-              <a:rPr lang="ru-RU" sz="2400" dirty="0" smtClean="0"/>
-              <a:t>адреса в текстовой форме</a:t>
-            </a:r>
-          </a:p>
-          <a:p>
-            <a:pPr marL="0" indent="0">
-              <a:buNone/>
-            </a:pPr>
-            <a:r>
-              <a:rPr lang="ru-RU" sz="2400" u="sng" dirty="0" smtClean="0"/>
-              <a:t>Прочие</a:t>
-            </a:r>
-          </a:p>
-          <a:p>
-            <a:r>
-              <a:rPr lang="ru-RU" sz="2400" dirty="0" smtClean="0"/>
-              <a:t>    </a:t>
-            </a:r>
-            <a:r>
-              <a:rPr lang="en-US" sz="2400" dirty="0" err="1" smtClean="0">
-                <a:solidFill>
-                  <a:srgbClr val="0070C0"/>
-                </a:solidFill>
-              </a:rPr>
-              <a:t>isReachable</a:t>
-            </a:r>
-            <a:r>
-              <a:rPr lang="en-US" sz="2400" dirty="0" smtClean="0">
-                <a:solidFill>
-                  <a:srgbClr val="0070C0"/>
-                </a:solidFill>
-              </a:rPr>
-              <a:t>(</a:t>
-            </a:r>
-            <a:r>
-              <a:rPr lang="en-US" sz="2400" dirty="0" err="1" smtClean="0">
-                <a:solidFill>
-                  <a:srgbClr val="0070C0"/>
-                </a:solidFill>
-              </a:rPr>
-              <a:t>int</a:t>
-            </a:r>
-            <a:r>
-              <a:rPr lang="en-US" sz="2400" dirty="0" smtClean="0">
-                <a:solidFill>
-                  <a:srgbClr val="0070C0"/>
-                </a:solidFill>
-              </a:rPr>
-              <a:t> timeout)</a:t>
-            </a:r>
-            <a:r>
-              <a:rPr lang="en-US" sz="2400" dirty="0" smtClean="0"/>
-              <a:t> – </a:t>
-            </a:r>
-            <a:r>
-              <a:rPr lang="ru-RU" sz="2400" dirty="0" smtClean="0"/>
-              <a:t>проверка достижимости</a:t>
-            </a:r>
-            <a:endParaRPr lang="ru-RU" sz="2400" dirty="0"/>
+              <a:rPr lang="ru-RU" dirty="0" smtClean="0"/>
+              <a:t>по доменному имени и порту</a:t>
+            </a:r>
+            <a:endParaRPr lang="ru-RU" dirty="0"/>
           </a:p>
         </p:txBody>
       </p:sp>
     </p:spTree>
     <p:extLst>
       <p:ext uri="{BB962C8B-B14F-4D97-AF65-F5344CB8AC3E}">
-        <p14:creationId xmlns:p14="http://schemas.microsoft.com/office/powerpoint/2010/main" val="1661315362"/>
+        <p14:creationId xmlns:p14="http://schemas.microsoft.com/office/powerpoint/2010/main" val="3143102808"/>
       </p:ext>
     </p:extLst>
   </p:cSld>
@@ -7039,7 +6889,7 @@
           <a:p>
             <a:r>
               <a:rPr lang="ru-RU" dirty="0" smtClean="0"/>
-              <a:t>Адрес порта</a:t>
+              <a:t>Методы адресов портов</a:t>
             </a:r>
             <a:endParaRPr lang="ru-RU" dirty="0"/>
           </a:p>
@@ -7060,41 +6910,99 @@
           <a:bodyPr/>
           <a:lstStyle/>
           <a:p>
+            <a:pPr marL="0" indent="0">
+              <a:buNone/>
+            </a:pPr>
             <a:r>
               <a:rPr lang="ru-RU" dirty="0" smtClean="0"/>
-              <a:t>Представляет пару интернет-адрес – порт </a:t>
+              <a:t>Информация об адресе</a:t>
+            </a:r>
+          </a:p>
+          <a:p>
+            <a:r>
+              <a:rPr lang="ru-RU" dirty="0" smtClean="0"/>
+              <a:t>    </a:t>
+            </a:r>
+            <a:r>
+              <a:rPr lang="ru-RU" dirty="0" err="1" smtClean="0">
+                <a:solidFill>
+                  <a:srgbClr val="0070C0"/>
+                </a:solidFill>
+              </a:rPr>
+              <a:t>getAddress</a:t>
+            </a:r>
+            <a:r>
+              <a:rPr lang="ru-RU" dirty="0" smtClean="0">
+                <a:solidFill>
+                  <a:srgbClr val="0070C0"/>
+                </a:solidFill>
+              </a:rPr>
+              <a:t>() </a:t>
+            </a:r>
+            <a:r>
+              <a:rPr lang="ru-RU" dirty="0" smtClean="0"/>
+              <a:t>– получение интернет-адреса</a:t>
+            </a:r>
+          </a:p>
+          <a:p>
+            <a:r>
+              <a:rPr lang="ru-RU" dirty="0" smtClean="0"/>
+              <a:t>    </a:t>
+            </a:r>
+            <a:r>
+              <a:rPr lang="ru-RU" dirty="0" err="1" smtClean="0">
+                <a:solidFill>
+                  <a:srgbClr val="0070C0"/>
+                </a:solidFill>
+              </a:rPr>
+              <a:t>getHostName</a:t>
+            </a:r>
+            <a:r>
+              <a:rPr lang="ru-RU" dirty="0" smtClean="0">
+                <a:solidFill>
+                  <a:srgbClr val="0070C0"/>
+                </a:solidFill>
+              </a:rPr>
+              <a:t>() </a:t>
+            </a:r>
+            <a:r>
+              <a:rPr lang="ru-RU" dirty="0" smtClean="0"/>
+              <a:t>– получение имени</a:t>
+            </a:r>
+          </a:p>
+          <a:p>
+            <a:r>
+              <a:rPr lang="ru-RU" dirty="0" smtClean="0"/>
+              <a:t>    </a:t>
+            </a:r>
+            <a:r>
+              <a:rPr lang="ru-RU" dirty="0" err="1" smtClean="0">
+                <a:solidFill>
+                  <a:srgbClr val="0070C0"/>
+                </a:solidFill>
+              </a:rPr>
+              <a:t>getPort</a:t>
+            </a:r>
+            <a:r>
+              <a:rPr lang="ru-RU" dirty="0" smtClean="0">
+                <a:solidFill>
+                  <a:srgbClr val="0070C0"/>
+                </a:solidFill>
+              </a:rPr>
+              <a:t>() </a:t>
+            </a:r>
+            <a:r>
+              <a:rPr lang="ru-RU" dirty="0" smtClean="0"/>
+              <a:t>– получение порта</a:t>
             </a:r>
             <a:endParaRPr lang="ru-RU" dirty="0"/>
           </a:p>
         </p:txBody>
       </p:sp>
-      <p:pic>
-        <p:nvPicPr>
-          <p:cNvPr id="4" name="Рисунок 3"/>
-          <p:cNvPicPr>
-            <a:picLocks noChangeAspect="1"/>
-          </p:cNvPicPr>
-          <p:nvPr/>
-        </p:nvPicPr>
-        <p:blipFill rotWithShape="1">
-          <a:blip r:embed="rId2"/>
-          <a:srcRect l="6859" t="24579" r="60272" b="37843"/>
-          <a:stretch/>
-        </p:blipFill>
-        <p:spPr>
-          <a:xfrm>
-            <a:off x="2843808" y="2390077"/>
-            <a:ext cx="3384376" cy="3595900"/>
-          </a:xfrm>
-          <a:prstGeom prst="rect">
-            <a:avLst/>
-          </a:prstGeom>
-        </p:spPr>
-      </p:pic>
     </p:spTree>
     <p:extLst>
       <p:ext uri="{BB962C8B-B14F-4D97-AF65-F5344CB8AC3E}">
-        <p14:creationId xmlns:p14="http://schemas.microsoft.com/office/powerpoint/2010/main" val="2148051703"/>
+        <p14:creationId xmlns:p14="http://schemas.microsoft.com/office/powerpoint/2010/main" val="3220317410"/>
       </p:ext>
     </p:extLst>
   </p:cSld>
@@ -7128,6 +7036,30 @@
           <a:chExt cx="0" cy="0"/>
         </a:xfrm>
       </p:grpSpPr>
+      <p:pic>
+        <p:nvPicPr>
+          <p:cNvPr id="4" name="Рисунок 3"/>
+          <p:cNvPicPr>
+            <a:picLocks noChangeAspect="1"/>
+          </p:cNvPicPr>
+          <p:nvPr/>
+        </p:nvPicPr>
+        <p:blipFill>
+          <a:blip r:embed="rId2"/>
+          <a:stretch>
+            <a:fillRect/>
+          </a:stretch>
+        </p:blipFill>
+        <p:spPr>
+          <a:xfrm>
+            <a:off x="1547664" y="1641528"/>
+            <a:ext cx="6120680" cy="4451768"/>
+          </a:xfrm>
+          <a:prstGeom prst="rect">
+            <a:avLst/>
+          </a:prstGeom>
+        </p:spPr>
+      </p:pic>
       <p:sp>
         <p:nvSpPr>
           <p:cNvPr id="2" name="Заголовок 1"/>
@@ -7144,8 +7076,8 @@
           <a:lstStyle/>
           <a:p>
             <a:r>
-              <a:rPr lang="ru-RU" dirty="0" smtClean="0"/>
-              <a:t>Создание адресов порта</a:t>
+              <a:rPr lang="en-US" dirty="0" smtClean="0"/>
+              <a:t>Transmission Control Protocol</a:t>
             </a:r>
             <a:endParaRPr lang="ru-RU" dirty="0"/>
           </a:p>
@@ -7161,134 +7093,19 @@
             <p:ph idx="1"/>
           </p:nvPr>
         </p:nvSpPr>
-        <p:spPr/>
+        <p:spPr>
+          <a:xfrm>
+            <a:off x="539552" y="1484784"/>
+            <a:ext cx="7924800" cy="4419600"/>
+          </a:xfrm>
+        </p:spPr>
         <p:txBody>
           <a:bodyPr/>
           <a:lstStyle/>
           <a:p>
-            <a:pPr marL="0" indent="0">
-              <a:buNone/>
-            </a:pPr>
-            <a:r>
-              <a:rPr lang="ru-RU" u="sng" dirty="0" smtClean="0"/>
-              <a:t>Конструкторы класса </a:t>
-            </a:r>
-            <a:r>
-              <a:rPr lang="en-US" u="sng" dirty="0" err="1" smtClean="0"/>
-              <a:t>InetSocketAddress</a:t>
-            </a:r>
-            <a:endParaRPr lang="en-US" u="sng" dirty="0" smtClean="0"/>
-          </a:p>
-          <a:p>
-            <a:r>
-              <a:rPr lang="en-US" dirty="0" smtClean="0">
-                <a:solidFill>
-                  <a:srgbClr val="0070C0"/>
-                </a:solidFill>
-              </a:rPr>
-              <a:t>    </a:t>
-            </a:r>
-            <a:r>
-              <a:rPr lang="en-US" dirty="0" err="1" smtClean="0">
-                <a:solidFill>
-                  <a:srgbClr val="0070C0"/>
-                </a:solidFill>
-              </a:rPr>
-              <a:t>InetSocketAddress</a:t>
-            </a:r>
-            <a:r>
-              <a:rPr lang="en-US" dirty="0" smtClean="0">
-                <a:solidFill>
-                  <a:srgbClr val="0070C0"/>
-                </a:solidFill>
-              </a:rPr>
-              <a:t>(</a:t>
-            </a:r>
-            <a:r>
-              <a:rPr lang="en-US" dirty="0" err="1" smtClean="0">
-                <a:solidFill>
-                  <a:srgbClr val="0070C0"/>
-                </a:solidFill>
-              </a:rPr>
-              <a:t>InetAddress</a:t>
-            </a:r>
-            <a:r>
-              <a:rPr lang="en-US" dirty="0" smtClean="0">
-                <a:solidFill>
-                  <a:srgbClr val="0070C0"/>
-                </a:solidFill>
-              </a:rPr>
-              <a:t>, </a:t>
-            </a:r>
-            <a:r>
-              <a:rPr lang="en-US" dirty="0" err="1" smtClean="0">
-                <a:solidFill>
-                  <a:srgbClr val="0070C0"/>
-                </a:solidFill>
-              </a:rPr>
-              <a:t>int</a:t>
-            </a:r>
-            <a:r>
-              <a:rPr lang="en-US" dirty="0" smtClean="0">
-                <a:solidFill>
-                  <a:srgbClr val="0070C0"/>
-                </a:solidFill>
-              </a:rPr>
-              <a:t> port) </a:t>
-            </a:r>
-            <a:r>
-              <a:rPr lang="en-US" dirty="0" smtClean="0"/>
-              <a:t>– </a:t>
-            </a:r>
             <a:r>
               <a:rPr lang="ru-RU" dirty="0" smtClean="0"/>
-              <a:t>по адресу и порту</a:t>
-            </a:r>
-          </a:p>
-          <a:p>
-            <a:r>
-              <a:rPr lang="ru-RU" dirty="0" smtClean="0"/>
-              <a:t>    </a:t>
-            </a:r>
-            <a:r>
-              <a:rPr lang="en-US" dirty="0" err="1" smtClean="0">
-                <a:solidFill>
-                  <a:srgbClr val="0070C0"/>
-                </a:solidFill>
-              </a:rPr>
-              <a:t>InetSocketAddress</a:t>
-            </a:r>
-            <a:r>
-              <a:rPr lang="en-US" dirty="0" smtClean="0">
-                <a:solidFill>
-                  <a:srgbClr val="0070C0"/>
-                </a:solidFill>
-              </a:rPr>
-              <a:t>(String, </a:t>
-            </a:r>
-            <a:r>
-              <a:rPr lang="en-US" dirty="0" err="1" smtClean="0">
-                <a:solidFill>
-                  <a:srgbClr val="0070C0"/>
-                </a:solidFill>
-              </a:rPr>
-              <a:t>int</a:t>
-            </a:r>
-            <a:r>
-              <a:rPr lang="en-US" dirty="0" smtClean="0">
-                <a:solidFill>
-                  <a:srgbClr val="0070C0"/>
-                </a:solidFill>
-              </a:rPr>
-              <a:t> port) </a:t>
-            </a:r>
-            <a:r>
-              <a:rPr lang="en-US" dirty="0" smtClean="0"/>
-              <a:t>– </a:t>
-            </a:r>
-            <a:r>
-              <a:rPr lang="ru-RU" dirty="0" smtClean="0"/>
-              <a:t>по доменному имени и порту</a:t>
+              <a:t>Двусторонний канал с гарантией доставки</a:t>
             </a:r>
             <a:endParaRPr lang="ru-RU" dirty="0"/>
           </a:p>
@@ -7297,7 +7114,7 @@
     </p:spTree>
     <p:extLst>
       <p:ext uri="{BB962C8B-B14F-4D97-AF65-F5344CB8AC3E}">
-        <p14:creationId xmlns:p14="http://schemas.microsoft.com/office/powerpoint/2010/main" val="3143102808"/>
+        <p14:creationId xmlns:p14="http://schemas.microsoft.com/office/powerpoint/2010/main" val="1690593321"/>
       </p:ext>
     </p:extLst>
   </p:cSld>
@@ -7347,170 +7164,6 @@
           <a:lstStyle/>
           <a:p>
             <a:r>
-              <a:rPr lang="ru-RU" dirty="0" smtClean="0"/>
-              <a:t>Методы адресов портов</a:t>
-            </a:r>
-            <a:endParaRPr lang="ru-RU" dirty="0"/>
-          </a:p>
-        </p:txBody>
-      </p:sp>
-      <p:sp>
-        <p:nvSpPr>
-          <p:cNvPr id="3" name="Объект 2"/>
-          <p:cNvSpPr>
-            <a:spLocks noGrp="1"/>
-          </p:cNvSpPr>
-          <p:nvPr>
-            <p:ph idx="1"/>
-          </p:nvPr>
-        </p:nvSpPr>
-        <p:spPr/>
-        <p:txBody>
-          <a:bodyPr/>
-          <a:lstStyle/>
-          <a:p>
-            <a:pPr marL="0" indent="0">
-              <a:buNone/>
-            </a:pPr>
-            <a:r>
-              <a:rPr lang="ru-RU" dirty="0" smtClean="0"/>
-              <a:t>Информация об адресе</a:t>
-            </a:r>
-          </a:p>
-          <a:p>
-            <a:r>
-              <a:rPr lang="ru-RU" dirty="0" smtClean="0"/>
-              <a:t>    </a:t>
-            </a:r>
-            <a:r>
-              <a:rPr lang="ru-RU" dirty="0" err="1" smtClean="0">
-                <a:solidFill>
-                  <a:srgbClr val="0070C0"/>
-                </a:solidFill>
-              </a:rPr>
-              <a:t>getAddress</a:t>
-            </a:r>
-            <a:r>
-              <a:rPr lang="ru-RU" dirty="0" smtClean="0">
-                <a:solidFill>
-                  <a:srgbClr val="0070C0"/>
-                </a:solidFill>
-              </a:rPr>
-              <a:t>() </a:t>
-            </a:r>
-            <a:r>
-              <a:rPr lang="ru-RU" dirty="0" smtClean="0"/>
-              <a:t>– получение интернет-адреса</a:t>
-            </a:r>
-          </a:p>
-          <a:p>
-            <a:r>
-              <a:rPr lang="ru-RU" dirty="0" smtClean="0"/>
-              <a:t>    </a:t>
-            </a:r>
-            <a:r>
-              <a:rPr lang="ru-RU" dirty="0" err="1" smtClean="0">
-                <a:solidFill>
-                  <a:srgbClr val="0070C0"/>
-                </a:solidFill>
-              </a:rPr>
-              <a:t>getHostName</a:t>
-            </a:r>
-            <a:r>
-              <a:rPr lang="ru-RU" dirty="0" smtClean="0">
-                <a:solidFill>
-                  <a:srgbClr val="0070C0"/>
-                </a:solidFill>
-              </a:rPr>
-              <a:t>() </a:t>
-            </a:r>
-            <a:r>
-              <a:rPr lang="ru-RU" dirty="0" smtClean="0"/>
-              <a:t>– получение имени</a:t>
-            </a:r>
-          </a:p>
-          <a:p>
-            <a:r>
-              <a:rPr lang="ru-RU" dirty="0" smtClean="0"/>
-              <a:t>    </a:t>
-            </a:r>
-            <a:r>
-              <a:rPr lang="ru-RU" dirty="0" err="1" smtClean="0">
-                <a:solidFill>
-                  <a:srgbClr val="0070C0"/>
-                </a:solidFill>
-              </a:rPr>
-              <a:t>getPort</a:t>
-            </a:r>
-            <a:r>
-              <a:rPr lang="ru-RU" dirty="0" smtClean="0">
-                <a:solidFill>
-                  <a:srgbClr val="0070C0"/>
-                </a:solidFill>
-              </a:rPr>
-              <a:t>() </a:t>
-            </a:r>
-            <a:r>
-              <a:rPr lang="ru-RU" dirty="0" smtClean="0"/>
-              <a:t>– получение порта</a:t>
-            </a:r>
-            <a:endParaRPr lang="ru-RU" dirty="0"/>
-          </a:p>
-        </p:txBody>
-      </p:sp>
-    </p:spTree>
-    <p:extLst>
-      <p:ext uri="{BB962C8B-B14F-4D97-AF65-F5344CB8AC3E}">
-        <p14:creationId xmlns:p14="http://schemas.microsoft.com/office/powerpoint/2010/main" val="3220317410"/>
-      </p:ext>
-    </p:extLst>
-  </p:cSld>
-  <p:clrMapOvr>
-    <a:masterClrMapping/>
-  </p:clrMapOvr>
-  <p:timing>
-    <p:tnLst>
-      <p:par>
-        <p:cTn id="1" dur="indefinite" restart="never" nodeType="tmRoot"/>
-      </p:par>
-    </p:tnLst>
-  </p:timing>
-</p:sld>
-</file>
-
-<file path=ppt/slides/slide24.xml><?xml version="1.0" encoding="utf-8"?>
-<p:sld xmlns:a="http://schemas.openxmlformats.org/drawingml/2006/main" xmlns:r="http://schemas.openxmlformats.org/officeDocument/2006/relationships" xmlns:p="http://schemas.openxmlformats.org/presentationml/2006/main">
-  <p:cSld>
-    <p:spTree>
-      <p:nvGrpSpPr>
-        <p:cNvPr id="1" name=""/>
-        <p:cNvGrpSpPr/>
-        <p:nvPr/>
-      </p:nvGrpSpPr>
-      <p:grpSpPr>
-        <a:xfrm>
-          <a:off x="0" y="0"/>
-          <a:ext cx="0" cy="0"/>
-          <a:chOff x="0" y="0"/>
-          <a:chExt cx="0" cy="0"/>
-        </a:xfrm>
-      </p:grpSpPr>
-      <p:sp>
-        <p:nvSpPr>
-          <p:cNvPr id="2" name="Заголовок 1"/>
-          <p:cNvSpPr>
-            <a:spLocks noGrp="1"/>
-          </p:cNvSpPr>
-          <p:nvPr>
-            <p:ph type="title"/>
-          </p:nvPr>
-        </p:nvSpPr>
-        <p:spPr/>
-        <p:txBody>
-          <a:bodyPr/>
-          <a:lstStyle/>
-          <a:p>
-            <a:r>
               <a:rPr lang="en-US" dirty="0" smtClean="0"/>
               <a:t>TCP-</a:t>
             </a:r>
@@ -7630,7 +7283,7 @@
 </p:sld>
 </file>
 
-<file path=ppt/slides/slide25.xml><?xml version="1.0" encoding="utf-8"?>
+<file path=ppt/slides/slide24.xml><?xml version="1.0" encoding="utf-8"?>
 <p:sld xmlns:a="http://schemas.openxmlformats.org/drawingml/2006/main" xmlns:r="http://schemas.openxmlformats.org/officeDocument/2006/relationships" xmlns:p="http://schemas.openxmlformats.org/presentationml/2006/main">
   <p:cSld>
     <p:spTree>
@@ -7728,6 +7381,263 @@
 </p:sld>
 </file>
 
+<file path=ppt/slides/slide25.xml><?xml version="1.0" encoding="utf-8"?>
+<p:sld xmlns:a="http://schemas.openxmlformats.org/drawingml/2006/main" xmlns:r="http://schemas.openxmlformats.org/officeDocument/2006/relationships" xmlns:p="http://schemas.openxmlformats.org/presentationml/2006/main">
+  <p:cSld>
+    <p:spTree>
+      <p:nvGrpSpPr>
+        <p:cNvPr id="1" name=""/>
+        <p:cNvGrpSpPr/>
+        <p:nvPr/>
+      </p:nvGrpSpPr>
+      <p:grpSpPr>
+        <a:xfrm>
+          <a:off x="0" y="0"/>
+          <a:ext cx="0" cy="0"/>
+          <a:chOff x="0" y="0"/>
+          <a:chExt cx="0" cy="0"/>
+        </a:xfrm>
+      </p:grpSpPr>
+      <p:sp>
+        <p:nvSpPr>
+          <p:cNvPr id="2" name="Заголовок 1"/>
+          <p:cNvSpPr>
+            <a:spLocks noGrp="1"/>
+          </p:cNvSpPr>
+          <p:nvPr>
+            <p:ph type="title"/>
+          </p:nvPr>
+        </p:nvSpPr>
+        <p:spPr/>
+        <p:txBody>
+          <a:bodyPr/>
+          <a:lstStyle/>
+          <a:p>
+            <a:r>
+              <a:rPr lang="ru-RU" dirty="0" smtClean="0"/>
+              <a:t>Создание соединения на клиенте</a:t>
+            </a:r>
+            <a:endParaRPr lang="ru-RU" dirty="0"/>
+          </a:p>
+        </p:txBody>
+      </p:sp>
+      <p:sp>
+        <p:nvSpPr>
+          <p:cNvPr id="3" name="Объект 2"/>
+          <p:cNvSpPr>
+            <a:spLocks noGrp="1"/>
+          </p:cNvSpPr>
+          <p:nvPr>
+            <p:ph idx="1"/>
+          </p:nvPr>
+        </p:nvSpPr>
+        <p:spPr/>
+        <p:txBody>
+          <a:bodyPr/>
+          <a:lstStyle/>
+          <a:p>
+            <a:pPr marL="0" indent="0">
+              <a:buNone/>
+            </a:pPr>
+            <a:r>
+              <a:rPr lang="ru-RU" sz="2400" dirty="0" smtClean="0"/>
+              <a:t>Конструкторы класса </a:t>
+            </a:r>
+            <a:r>
+              <a:rPr lang="en-US" sz="2400" dirty="0" smtClean="0"/>
+              <a:t>Socket</a:t>
+            </a:r>
+          </a:p>
+          <a:p>
+            <a:r>
+              <a:rPr lang="en-US" sz="2400" dirty="0" smtClean="0">
+                <a:solidFill>
+                  <a:srgbClr val="0070C0"/>
+                </a:solidFill>
+              </a:rPr>
+              <a:t>Socket(</a:t>
+            </a:r>
+            <a:r>
+              <a:rPr lang="en-US" sz="2400" dirty="0" err="1" smtClean="0">
+                <a:solidFill>
+                  <a:srgbClr val="0070C0"/>
+                </a:solidFill>
+              </a:rPr>
+              <a:t>InetAddress</a:t>
+            </a:r>
+            <a:r>
+              <a:rPr lang="en-US" sz="2400" dirty="0" smtClean="0">
+                <a:solidFill>
+                  <a:srgbClr val="0070C0"/>
+                </a:solidFill>
+              </a:rPr>
+              <a:t>, port) </a:t>
+            </a:r>
+            <a:r>
+              <a:rPr lang="en-US" sz="2400" dirty="0" smtClean="0"/>
+              <a:t>– </a:t>
+            </a:r>
+            <a:r>
+              <a:rPr lang="ru-RU" sz="2400" dirty="0" smtClean="0"/>
+              <a:t>по интернет-адресу</a:t>
+            </a:r>
+          </a:p>
+          <a:p>
+            <a:r>
+              <a:rPr lang="en-US" sz="2400" dirty="0" smtClean="0">
+                <a:solidFill>
+                  <a:srgbClr val="0070C0"/>
+                </a:solidFill>
+              </a:rPr>
+              <a:t>Socket(String host, port) </a:t>
+            </a:r>
+            <a:r>
+              <a:rPr lang="en-US" sz="2400" dirty="0" smtClean="0"/>
+              <a:t>– </a:t>
+            </a:r>
+            <a:r>
+              <a:rPr lang="ru-RU" sz="2400" dirty="0" smtClean="0"/>
+              <a:t>по доменному имени</a:t>
+            </a:r>
+          </a:p>
+          <a:p>
+            <a:r>
+              <a:rPr lang="en-US" sz="2400" dirty="0" smtClean="0">
+                <a:solidFill>
+                  <a:srgbClr val="0070C0"/>
+                </a:solidFill>
+              </a:rPr>
+              <a:t>Socket(</a:t>
+            </a:r>
+            <a:r>
+              <a:rPr lang="en-US" sz="2400" dirty="0" err="1" smtClean="0">
+                <a:solidFill>
+                  <a:srgbClr val="0070C0"/>
+                </a:solidFill>
+              </a:rPr>
+              <a:t>InetAddress</a:t>
+            </a:r>
+            <a:r>
+              <a:rPr lang="en-US" sz="2400" dirty="0" smtClean="0">
+                <a:solidFill>
+                  <a:srgbClr val="0070C0"/>
+                </a:solidFill>
+              </a:rPr>
+              <a:t>, port, </a:t>
+            </a:r>
+            <a:r>
+              <a:rPr lang="en-US" sz="2400" dirty="0" err="1" smtClean="0">
+                <a:solidFill>
+                  <a:srgbClr val="0070C0"/>
+                </a:solidFill>
+              </a:rPr>
+              <a:t>InetAddress</a:t>
+            </a:r>
+            <a:r>
+              <a:rPr lang="en-US" sz="2400" dirty="0" smtClean="0">
+                <a:solidFill>
+                  <a:srgbClr val="0070C0"/>
+                </a:solidFill>
+              </a:rPr>
+              <a:t>, port) </a:t>
+            </a:r>
+            <a:r>
+              <a:rPr lang="en-US" sz="2400" dirty="0" smtClean="0"/>
+              <a:t>– </a:t>
+            </a:r>
+            <a:r>
+              <a:rPr lang="ru-RU" sz="2400" dirty="0" smtClean="0"/>
+              <a:t>по заданному локальному адресу и порту</a:t>
+            </a:r>
+          </a:p>
+          <a:p>
+            <a:r>
+              <a:rPr lang="en-US" sz="2400" dirty="0" smtClean="0">
+                <a:solidFill>
+                  <a:srgbClr val="0070C0"/>
+                </a:solidFill>
+              </a:rPr>
+              <a:t>Socket() </a:t>
+            </a:r>
+            <a:r>
+              <a:rPr lang="en-US" sz="2400" dirty="0" smtClean="0"/>
+              <a:t>– </a:t>
+            </a:r>
+            <a:r>
+              <a:rPr lang="ru-RU" sz="2400" dirty="0" smtClean="0"/>
+              <a:t>без установления соединения</a:t>
+            </a:r>
+          </a:p>
+          <a:p>
+            <a:pPr marL="0" indent="0">
+              <a:buNone/>
+            </a:pPr>
+            <a:r>
+              <a:rPr lang="ru-RU" sz="2400" dirty="0" smtClean="0"/>
+              <a:t>Методы класса </a:t>
+            </a:r>
+            <a:r>
+              <a:rPr lang="en-US" sz="2400" dirty="0" smtClean="0"/>
+              <a:t>Socket</a:t>
+            </a:r>
+          </a:p>
+          <a:p>
+            <a:r>
+              <a:rPr lang="en-US" sz="2400" dirty="0" smtClean="0">
+                <a:solidFill>
+                  <a:srgbClr val="0070C0"/>
+                </a:solidFill>
+              </a:rPr>
+              <a:t>connect(</a:t>
+            </a:r>
+            <a:r>
+              <a:rPr lang="en-US" sz="2400" dirty="0" err="1" smtClean="0">
+                <a:solidFill>
+                  <a:srgbClr val="0070C0"/>
+                </a:solidFill>
+              </a:rPr>
+              <a:t>SocketAddress</a:t>
+            </a:r>
+            <a:r>
+              <a:rPr lang="en-US" sz="2400" dirty="0" smtClean="0">
+                <a:solidFill>
+                  <a:srgbClr val="0070C0"/>
+                </a:solidFill>
+              </a:rPr>
+              <a:t>, timeout?) </a:t>
+            </a:r>
+            <a:r>
+              <a:rPr lang="en-US" sz="2400" dirty="0" smtClean="0"/>
+              <a:t>– </a:t>
+            </a:r>
+            <a:r>
+              <a:rPr lang="ru-RU" sz="2400" dirty="0" smtClean="0"/>
+              <a:t>установить соединение</a:t>
+            </a:r>
+            <a:endParaRPr lang="ru-RU" sz="2400" dirty="0"/>
+          </a:p>
+        </p:txBody>
+      </p:sp>
+    </p:spTree>
+    <p:extLst>
+      <p:ext uri="{BB962C8B-B14F-4D97-AF65-F5344CB8AC3E}">
+        <p14:creationId xmlns:p14="http://schemas.microsoft.com/office/powerpoint/2010/main" val="1560232411"/>
+      </p:ext>
+    </p:extLst>
+  </p:cSld>
+  <p:clrMapOvr>
+    <a:masterClrMapping/>
+  </p:clrMapOvr>
+  <p:timing>
+    <p:tnLst>
+      <p:par>
+        <p:cTn id="1" dur="indefinite" restart="never" nodeType="tmRoot"/>
+      </p:par>
+    </p:tnLst>
+  </p:timing>
+</p:sld>
+</file>
+
 <file path=ppt/slides/slide26.xml><?xml version="1.0" encoding="utf-8"?>
 <p:sld xmlns:a="http://schemas.openxmlformats.org/drawingml/2006/main" xmlns:r="http://schemas.openxmlformats.org/officeDocument/2006/relationships" xmlns:p="http://schemas.openxmlformats.org/presentationml/2006/main">
   <p:cSld>
@@ -7762,7 +7672,7 @@
           <a:p>
             <a:r>
               <a:rPr lang="ru-RU" dirty="0" smtClean="0"/>
-              <a:t>Создание соединения на клиенте</a:t>
+              <a:t>Ввод-вывод</a:t>
             </a:r>
             <a:endParaRPr lang="ru-RU" dirty="0"/>
           </a:p>
@@ -7788,37 +7698,25 @@
             </a:pPr>
             <a:r>
               <a:rPr lang="ru-RU" sz="2400" dirty="0" smtClean="0"/>
-              <a:t>Конструкторы класса </a:t>
-            </a:r>
-            <a:r>
-              <a:rPr lang="en-US" sz="2400" dirty="0" smtClean="0"/>
-              <a:t>Socket</a:t>
-            </a:r>
-          </a:p>
-          <a:p>
+              <a:t>Потоки</a:t>
+            </a:r>
+          </a:p>
+          <a:p>
+            <a:r>
+              <a:rPr lang="en-US" sz="2400" dirty="0" err="1" smtClean="0">
+                <a:solidFill>
+                  <a:srgbClr val="0070C0"/>
+                </a:solidFill>
+              </a:rPr>
+              <a:t>getInputStream</a:t>
+            </a:r>
             <a:r>
               <a:rPr lang="en-US" sz="2400" dirty="0" smtClean="0">
                 <a:solidFill>
                   <a:srgbClr val="0070C0"/>
                 </a:solidFill>
               </a:rPr>
-              <a:t>Socket(</a:t>
-            </a:r>
-            <a:r>
-              <a:rPr lang="en-US" sz="2400" dirty="0" err="1" smtClean="0">
-                <a:solidFill>
-                  <a:srgbClr val="0070C0"/>
-                </a:solidFill>
-              </a:rPr>
-              <a:t>InetAddress</a:t>
-            </a:r>
-            <a:r>
-              <a:rPr lang="en-US" sz="2400" dirty="0" smtClean="0">
-                <a:solidFill>
-                  <a:srgbClr val="0070C0"/>
-                </a:solidFill>
-              </a:rPr>
-              <a:t>, port) </a:t>
+              <a:t>() </a:t>
             </a:r>
             <a:r>
               <a:rPr lang="en-US" sz="2400" dirty="0" smtClean="0"/>
@@ -7826,17 +7724,25 @@
             </a:r>
             <a:r>
               <a:rPr lang="ru-RU" sz="2400" dirty="0" smtClean="0"/>
-              <a:t>по интернет-адресу</a:t>
-            </a:r>
-          </a:p>
-          <a:p>
+              <a:t>входящий поток</a:t>
+            </a:r>
+          </a:p>
+          <a:p>
+            <a:r>
+              <a:rPr lang="en-US" sz="2400" dirty="0" err="1" smtClean="0">
+                <a:solidFill>
+                  <a:srgbClr val="0070C0"/>
+                </a:solidFill>
+              </a:rPr>
+              <a:t>getOutputStream</a:t>
+            </a:r>
             <a:r>
               <a:rPr lang="en-US" sz="2400" dirty="0" smtClean="0">
                 <a:solidFill>
                   <a:srgbClr val="0070C0"/>
                 </a:solidFill>
               </a:rPr>
-              <a:t>Socket(String host, port) </a:t>
+              <a:t>() </a:t>
             </a:r>
             <a:r>
               <a:rPr lang="en-US" sz="2400" dirty="0" smtClean="0"/>
@@ -7844,75 +7750,7 @@
             </a:r>
             <a:r>
               <a:rPr lang="ru-RU" sz="2400" dirty="0" smtClean="0"/>
-              <a:t>по доменному имени</a:t>
-            </a:r>
-          </a:p>
-          <a:p>
-            <a:r>
-              <a:rPr lang="en-US" sz="2400" dirty="0" smtClean="0">
-                <a:solidFill>
-                  <a:srgbClr val="0070C0"/>
-                </a:solidFill>
-              </a:rPr>
-              <a:t>Socket(</a:t>
-            </a:r>
-            <a:r>
-              <a:rPr lang="en-US" sz="2400" dirty="0" err="1" smtClean="0">
-                <a:solidFill>
-                  <a:srgbClr val="0070C0"/>
-                </a:solidFill>
-              </a:rPr>
-              <a:t>InetAddress</a:t>
-            </a:r>
-            <a:r>
-              <a:rPr lang="en-US" sz="2400" dirty="0" smtClean="0">
-                <a:solidFill>
-                  <a:srgbClr val="0070C0"/>
-                </a:solidFill>
-              </a:rPr>
-              <a:t>, port, </a:t>
-            </a:r>
-            <a:r>
-              <a:rPr lang="en-US" sz="2400" dirty="0" err="1" smtClean="0">
-                <a:solidFill>
-                  <a:srgbClr val="0070C0"/>
-                </a:solidFill>
-              </a:rPr>
-              <a:t>InetAddress</a:t>
-            </a:r>
-            <a:r>
-              <a:rPr lang="en-US" sz="2400" dirty="0" smtClean="0">
-                <a:solidFill>
-                  <a:srgbClr val="0070C0"/>
-                </a:solidFill>
-              </a:rPr>
-              <a:t>, port) </a:t>
-            </a:r>
-            <a:r>
-              <a:rPr lang="en-US" sz="2400" dirty="0" smtClean="0"/>
-              <a:t>– </a:t>
-            </a:r>
-            <a:r>
-              <a:rPr lang="ru-RU" sz="2400" dirty="0" smtClean="0"/>
-              <a:t>по заданному локальному адресу и порту</a:t>
-            </a:r>
-          </a:p>
-          <a:p>
-            <a:r>
-              <a:rPr lang="en-US" sz="2400" dirty="0" smtClean="0">
-                <a:solidFill>
-                  <a:srgbClr val="0070C0"/>
-                </a:solidFill>
-              </a:rPr>
-              <a:t>Socket() </a:t>
-            </a:r>
-            <a:r>
-              <a:rPr lang="en-US" sz="2400" dirty="0" smtClean="0"/>
-              <a:t>– </a:t>
-            </a:r>
-            <a:r>
-              <a:rPr lang="ru-RU" sz="2400" dirty="0" smtClean="0"/>
-              <a:t>без установления соединения</a:t>
+              <a:t>исходящий поток</a:t>
             </a:r>
           </a:p>
           <a:p>
@@ -7921,37 +7759,25 @@
             </a:pPr>
             <a:r>
               <a:rPr lang="ru-RU" sz="2400" dirty="0" smtClean="0"/>
-              <a:t>Методы класса </a:t>
-            </a:r>
-            <a:r>
-              <a:rPr lang="en-US" sz="2400" dirty="0" smtClean="0"/>
-              <a:t>Socket</a:t>
-            </a:r>
-          </a:p>
-          <a:p>
+              <a:t>Закрытие потоков</a:t>
+            </a:r>
+          </a:p>
+          <a:p>
+            <a:r>
+              <a:rPr lang="en-US" sz="2400" dirty="0" err="1" smtClean="0">
+                <a:solidFill>
+                  <a:srgbClr val="0070C0"/>
+                </a:solidFill>
+              </a:rPr>
+              <a:t>shutdownInput</a:t>
+            </a:r>
             <a:r>
               <a:rPr lang="en-US" sz="2400" dirty="0" smtClean="0">
                 <a:solidFill>
                   <a:srgbClr val="0070C0"/>
                 </a:solidFill>
               </a:rPr>
-              <a:t>connect(</a:t>
-            </a:r>
-            <a:r>
-              <a:rPr lang="en-US" sz="2400" dirty="0" err="1" smtClean="0">
-                <a:solidFill>
-                  <a:srgbClr val="0070C0"/>
-                </a:solidFill>
-              </a:rPr>
-              <a:t>SocketAddress</a:t>
-            </a:r>
-            <a:r>
-              <a:rPr lang="en-US" sz="2400" dirty="0" smtClean="0">
-                <a:solidFill>
-                  <a:srgbClr val="0070C0"/>
-                </a:solidFill>
-              </a:rPr>
-              <a:t>, timeout?) </a:t>
+              <a:t>() </a:t>
             </a:r>
             <a:r>
               <a:rPr lang="en-US" sz="2400" dirty="0" smtClean="0"/>
@@ -7959,7 +7785,106 @@
             </a:r>
             <a:r>
               <a:rPr lang="ru-RU" sz="2400" dirty="0" smtClean="0"/>
-              <a:t>установить соединение</a:t>
+              <a:t>закрытие входящего потока и отбрасывание полученных данных</a:t>
+            </a:r>
+          </a:p>
+          <a:p>
+            <a:r>
+              <a:rPr lang="en-US" sz="2400" dirty="0" err="1" smtClean="0">
+                <a:solidFill>
+                  <a:srgbClr val="0070C0"/>
+                </a:solidFill>
+              </a:rPr>
+              <a:t>shutdownOutput</a:t>
+            </a:r>
+            <a:r>
+              <a:rPr lang="en-US" sz="2400" dirty="0" smtClean="0">
+                <a:solidFill>
+                  <a:srgbClr val="0070C0"/>
+                </a:solidFill>
+              </a:rPr>
+              <a:t>() </a:t>
+            </a:r>
+            <a:r>
+              <a:rPr lang="en-US" sz="2400" dirty="0" smtClean="0"/>
+              <a:t>– </a:t>
+            </a:r>
+            <a:r>
+              <a:rPr lang="ru-RU" sz="2400" dirty="0" smtClean="0"/>
+              <a:t>закрытие исходящего потока</a:t>
+            </a:r>
+          </a:p>
+          <a:p>
+            <a:pPr marL="0" indent="0">
+              <a:buNone/>
+            </a:pPr>
+            <a:r>
+              <a:rPr lang="ru-RU" sz="2400" dirty="0" smtClean="0"/>
+              <a:t>Проверка потоков</a:t>
+            </a:r>
+          </a:p>
+          <a:p>
+            <a:r>
+              <a:rPr lang="ru-RU" sz="2400" dirty="0" smtClean="0"/>
+              <a:t>    </a:t>
+            </a:r>
+            <a:r>
+              <a:rPr lang="en-US" sz="2400" dirty="0" err="1" smtClean="0">
+                <a:solidFill>
+                  <a:srgbClr val="0070C0"/>
+                </a:solidFill>
+              </a:rPr>
+              <a:t>isInputShutdown</a:t>
+            </a:r>
+            <a:r>
+              <a:rPr lang="en-US" sz="2400" dirty="0" smtClean="0">
+                <a:solidFill>
+                  <a:srgbClr val="0070C0"/>
+                </a:solidFill>
+              </a:rPr>
+              <a:t>() </a:t>
+            </a:r>
+            <a:r>
+              <a:rPr lang="en-US" sz="2400" dirty="0" smtClean="0"/>
+              <a:t>– </a:t>
+            </a:r>
+            <a:r>
+              <a:rPr lang="ru-RU" sz="2400" dirty="0" smtClean="0"/>
+              <a:t>входящего потока</a:t>
+            </a:r>
+          </a:p>
+          <a:p>
+            <a:r>
+              <a:rPr lang="ru-RU" sz="2400" dirty="0" smtClean="0">
+                <a:solidFill>
+                  <a:srgbClr val="0070C0"/>
+                </a:solidFill>
+              </a:rPr>
+              <a:t>    </a:t>
+            </a:r>
+            <a:r>
+              <a:rPr lang="en-US" sz="2400" dirty="0" err="1" smtClean="0">
+                <a:solidFill>
+                  <a:srgbClr val="0070C0"/>
+                </a:solidFill>
+              </a:rPr>
+              <a:t>isOutputShutdown</a:t>
+            </a:r>
+            <a:r>
+              <a:rPr lang="en-US" sz="2400" dirty="0" smtClean="0">
+                <a:solidFill>
+                  <a:srgbClr val="0070C0"/>
+                </a:solidFill>
+              </a:rPr>
+              <a:t>() </a:t>
+            </a:r>
+            <a:r>
+              <a:rPr lang="en-US" sz="2400" dirty="0" smtClean="0"/>
+              <a:t>– </a:t>
+            </a:r>
+            <a:r>
+              <a:rPr lang="ru-RU" sz="2400" dirty="0" smtClean="0"/>
+              <a:t>исходящего потока</a:t>
             </a:r>
             <a:endParaRPr lang="ru-RU" sz="2400" dirty="0"/>
           </a:p>
@@ -7968,7 +7893,7 @@
     </p:spTree>
     <p:extLst>
       <p:ext uri="{BB962C8B-B14F-4D97-AF65-F5344CB8AC3E}">
-        <p14:creationId xmlns:p14="http://schemas.microsoft.com/office/powerpoint/2010/main" val="1560232411"/>
+        <p14:creationId xmlns:p14="http://schemas.microsoft.com/office/powerpoint/2010/main" val="1563398695"/>
       </p:ext>
     </p:extLst>
   </p:cSld>
@@ -8019,7 +7944,7 @@
           <a:p>
             <a:r>
               <a:rPr lang="ru-RU" dirty="0" smtClean="0"/>
-              <a:t>Ввод-вывод</a:t>
+              <a:t>Получение информации</a:t>
             </a:r>
             <a:endParaRPr lang="ru-RU" dirty="0"/>
           </a:p>
@@ -8035,7 +7960,12 @@
             <p:ph idx="1"/>
           </p:nvPr>
         </p:nvSpPr>
-        <p:spPr/>
+        <p:spPr>
+          <a:xfrm>
+            <a:off x="539552" y="1412776"/>
+            <a:ext cx="7924800" cy="4419600"/>
+          </a:xfrm>
+        </p:spPr>
         <p:txBody>
           <a:bodyPr/>
           <a:lstStyle/>
@@ -8044,21 +7974,25 @@
               <a:buNone/>
             </a:pPr>
             <a:r>
-              <a:rPr lang="ru-RU" sz="2400" dirty="0" smtClean="0"/>
-              <a:t>Потоки</a:t>
-            </a:r>
-          </a:p>
-          <a:p>
-            <a:r>
-              <a:rPr lang="en-US" sz="2400" dirty="0" err="1" smtClean="0">
-                <a:solidFill>
-                  <a:srgbClr val="0070C0"/>
-                </a:solidFill>
-              </a:rPr>
-              <a:t>getInputStream</a:t>
-            </a:r>
-            <a:r>
-              <a:rPr lang="en-US" sz="2400" dirty="0" smtClean="0">
+              <a:rPr lang="ru-RU" sz="2800" dirty="0" smtClean="0"/>
+              <a:t>Об удаленном конце</a:t>
+            </a:r>
+          </a:p>
+          <a:p>
+            <a:r>
+              <a:rPr lang="ru-RU" sz="2800" dirty="0" smtClean="0"/>
+              <a:t>    </a:t>
+            </a:r>
+            <a:r>
+              <a:rPr lang="en-US" sz="2800" dirty="0" err="1" smtClean="0">
+                <a:solidFill>
+                  <a:srgbClr val="0070C0"/>
+                </a:solidFill>
+              </a:rPr>
+              <a:t>getInetAddress</a:t>
+            </a:r>
+            <a:r>
+              <a:rPr lang="en-US" sz="2800" dirty="0" smtClean="0">
                 <a:solidFill>
                   <a:srgbClr val="0070C0"/>
                 </a:solidFill>
@@ -8066,25 +8000,33 @@
               <a:t>() </a:t>
             </a:r>
             <a:r>
-              <a:rPr lang="en-US" sz="2400" dirty="0" smtClean="0"/>
+              <a:rPr lang="en-US" sz="2800" dirty="0" smtClean="0"/>
               <a:t>– </a:t>
             </a:r>
             <a:r>
-              <a:rPr lang="ru-RU" sz="2400" dirty="0" smtClean="0"/>
-              <a:t>входящий поток</a:t>
-            </a:r>
-          </a:p>
-          <a:p>
-            <a:r>
-              <a:rPr lang="en-US" sz="2400" dirty="0" err="1" smtClean="0">
-                <a:solidFill>
-                  <a:srgbClr val="0070C0"/>
-                </a:solidFill>
-              </a:rPr>
-              <a:t>getOutputStream</a:t>
-            </a:r>
-            <a:r>
-              <a:rPr lang="en-US" sz="2400" dirty="0" smtClean="0">
+              <a:rPr lang="ru-RU" sz="2800" dirty="0" smtClean="0"/>
+              <a:t>интернет адрес</a:t>
+            </a:r>
+          </a:p>
+          <a:p>
+            <a:r>
+              <a:rPr lang="ru-RU" sz="2800" dirty="0" smtClean="0">
+                <a:solidFill>
+                  <a:srgbClr val="0070C0"/>
+                </a:solidFill>
+              </a:rPr>
+              <a:t>    </a:t>
+            </a:r>
+            <a:r>
+              <a:rPr lang="en-US" sz="2800" dirty="0" err="1" smtClean="0">
+                <a:solidFill>
+                  <a:srgbClr val="0070C0"/>
+                </a:solidFill>
+              </a:rPr>
+              <a:t>getPort</a:t>
+            </a:r>
+            <a:r>
+              <a:rPr lang="en-US" sz="2800" dirty="0" smtClean="0">
                 <a:solidFill>
                   <a:srgbClr val="0070C0"/>
                 </a:solidFill>
@@ -8092,12 +8034,42 @@
               <a:t>() </a:t>
             </a:r>
             <a:r>
-              <a:rPr lang="en-US" sz="2400" dirty="0" smtClean="0"/>
+              <a:rPr lang="en-US" sz="2800" dirty="0" smtClean="0"/>
               <a:t>– </a:t>
             </a:r>
             <a:r>
-              <a:rPr lang="ru-RU" sz="2400" dirty="0" smtClean="0"/>
-              <a:t>исходящий поток</a:t>
+              <a:rPr lang="ru-RU" sz="2800" dirty="0" smtClean="0"/>
+              <a:t>порт</a:t>
+            </a:r>
+          </a:p>
+          <a:p>
+            <a:r>
+              <a:rPr lang="ru-RU" sz="2800" dirty="0" smtClean="0"/>
+              <a:t>    </a:t>
+            </a:r>
+            <a:r>
+              <a:rPr lang="en-US" sz="2800" dirty="0" err="1" smtClean="0">
+                <a:solidFill>
+                  <a:srgbClr val="0070C0"/>
+                </a:solidFill>
+              </a:rPr>
+              <a:t>getRemoteSocketAddreess</a:t>
+            </a:r>
+            <a:r>
+              <a:rPr lang="en-US" sz="2800" dirty="0" smtClean="0">
+                <a:solidFill>
+                  <a:srgbClr val="0070C0"/>
+                </a:solidFill>
+              </a:rPr>
+              <a:t>() </a:t>
+            </a:r>
+            <a:r>
+              <a:rPr lang="en-US" sz="2800" dirty="0" smtClean="0"/>
+              <a:t>– </a:t>
+            </a:r>
+            <a:r>
+              <a:rPr lang="ru-RU" sz="2800" dirty="0" smtClean="0"/>
+              <a:t>адрес порта</a:t>
             </a:r>
           </a:p>
           <a:p>
@@ -8105,21 +8077,25 @@
               <a:buNone/>
             </a:pPr>
             <a:r>
-              <a:rPr lang="ru-RU" sz="2400" dirty="0" smtClean="0"/>
-              <a:t>Закрытие потоков</a:t>
-            </a:r>
-          </a:p>
-          <a:p>
-            <a:r>
-              <a:rPr lang="en-US" sz="2400" dirty="0" err="1" smtClean="0">
-                <a:solidFill>
-                  <a:srgbClr val="0070C0"/>
-                </a:solidFill>
-              </a:rPr>
-              <a:t>shutdownInput</a:t>
-            </a:r>
-            <a:r>
-              <a:rPr lang="en-US" sz="2400" dirty="0" smtClean="0">
+              <a:rPr lang="ru-RU" sz="2800" dirty="0" smtClean="0"/>
+              <a:t>Об локальном конце</a:t>
+            </a:r>
+          </a:p>
+          <a:p>
+            <a:r>
+              <a:rPr lang="ru-RU" sz="2800" dirty="0" smtClean="0"/>
+              <a:t>    </a:t>
+            </a:r>
+            <a:r>
+              <a:rPr lang="en-US" sz="2800" dirty="0" err="1" smtClean="0">
+                <a:solidFill>
+                  <a:srgbClr val="0070C0"/>
+                </a:solidFill>
+              </a:rPr>
+              <a:t>getLocalAddress</a:t>
+            </a:r>
+            <a:r>
+              <a:rPr lang="en-US" sz="2800" dirty="0" smtClean="0">
                 <a:solidFill>
                   <a:srgbClr val="0070C0"/>
                 </a:solidFill>
@@ -8127,25 +8103,29 @@
               <a:t>() </a:t>
             </a:r>
             <a:r>
-              <a:rPr lang="en-US" sz="2400" dirty="0" smtClean="0"/>
+              <a:rPr lang="en-US" sz="2800" dirty="0" smtClean="0"/>
               <a:t>– </a:t>
             </a:r>
             <a:r>
-              <a:rPr lang="ru-RU" sz="2400" dirty="0" smtClean="0"/>
-              <a:t>закрытие входящего потока и отбрасывание полученных данных</a:t>
-            </a:r>
-          </a:p>
-          <a:p>
-            <a:r>
-              <a:rPr lang="en-US" sz="2400" dirty="0" err="1" smtClean="0">
-                <a:solidFill>
-                  <a:srgbClr val="0070C0"/>
-                </a:solidFill>
-              </a:rPr>
-              <a:t>shutdownOutput</a:t>
-            </a:r>
-            <a:r>
-              <a:rPr lang="en-US" sz="2400" dirty="0" smtClean="0">
+              <a:rPr lang="ru-RU" sz="2800" dirty="0" smtClean="0"/>
+              <a:t>интернет адрес</a:t>
+            </a:r>
+          </a:p>
+          <a:p>
+            <a:r>
+              <a:rPr lang="ru-RU" sz="2800" dirty="0" smtClean="0"/>
+              <a:t>    </a:t>
+            </a:r>
+            <a:r>
+              <a:rPr lang="en-US" sz="2800" dirty="0" err="1" smtClean="0">
+                <a:solidFill>
+                  <a:srgbClr val="0070C0"/>
+                </a:solidFill>
+              </a:rPr>
+              <a:t>getLocalPort</a:t>
+            </a:r>
+            <a:r>
+              <a:rPr lang="en-US" sz="2800" dirty="0" smtClean="0">
                 <a:solidFill>
                   <a:srgbClr val="0070C0"/>
                 </a:solidFill>
@@ -8153,38 +8133,29 @@
               <a:t>() </a:t>
             </a:r>
             <a:r>
-              <a:rPr lang="en-US" sz="2400" dirty="0" smtClean="0"/>
+              <a:rPr lang="en-US" sz="2800" dirty="0" smtClean="0"/>
               <a:t>– </a:t>
             </a:r>
             <a:r>
-              <a:rPr lang="ru-RU" sz="2400" dirty="0" smtClean="0"/>
-              <a:t>закрытие исходящего потока</a:t>
-            </a:r>
-          </a:p>
-          <a:p>
-            <a:pPr marL="0" indent="0">
-              <a:buNone/>
-            </a:pPr>
-            <a:r>
-              <a:rPr lang="ru-RU" sz="2400" dirty="0" smtClean="0"/>
-              <a:t>Проверка потоков</a:t>
-            </a:r>
-          </a:p>
-          <a:p>
-            <a:r>
-              <a:rPr lang="ru-RU" sz="2400" dirty="0" smtClean="0"/>
+              <a:rPr lang="ru-RU" sz="2800" dirty="0" smtClean="0"/>
+              <a:t>порт</a:t>
+            </a:r>
+          </a:p>
+          <a:p>
+            <a:r>
+              <a:rPr lang="ru-RU" sz="2800" dirty="0" smtClean="0"/>
               <a:t>    </a:t>
             </a:r>
             <a:r>
-              <a:rPr lang="en-US" sz="2400" dirty="0" err="1" smtClean="0">
-                <a:solidFill>
-                  <a:srgbClr val="0070C0"/>
-                </a:solidFill>
-              </a:rPr>
-              <a:t>isInputShutdown</a:t>
-            </a:r>
-            <a:r>
-              <a:rPr lang="en-US" sz="2400" dirty="0" smtClean="0">
+              <a:rPr lang="en-US" sz="2800" dirty="0" err="1" smtClean="0">
+                <a:solidFill>
+                  <a:srgbClr val="0070C0"/>
+                </a:solidFill>
+              </a:rPr>
+              <a:t>getLocalSocketAddreess</a:t>
+            </a:r>
+            <a:r>
+              <a:rPr lang="en-US" sz="2800" dirty="0" smtClean="0">
                 <a:solidFill>
                   <a:srgbClr val="0070C0"/>
                 </a:solidFill>
@@ -8192,55 +8163,21 @@
               <a:t>() </a:t>
             </a:r>
             <a:r>
-              <a:rPr lang="en-US" sz="2400" dirty="0" smtClean="0"/>
+              <a:rPr lang="en-US" sz="2800" dirty="0" smtClean="0"/>
               <a:t>– </a:t>
             </a:r>
             <a:r>
-              <a:rPr lang="ru-RU" sz="2400" dirty="0" smtClean="0"/>
-              <a:t>входящего потока</a:t>
-            </a:r>
-          </a:p>
-          <a:p>
-            <a:r>
-              <a:rPr lang="ru-RU" sz="2400" dirty="0" smtClean="0">
-                <a:solidFill>
-                  <a:srgbClr val="0070C0"/>
-                </a:solidFill>
-              </a:rPr>
-              <a:t>    </a:t>
-            </a:r>
-            <a:r>
-              <a:rPr lang="en-US" sz="2400" dirty="0" err="1" smtClean="0">
-                <a:solidFill>
-                  <a:srgbClr val="0070C0"/>
-                </a:solidFill>
-              </a:rPr>
-              <a:t>isOutputShutdown</a:t>
-            </a:r>
-            <a:r>
-              <a:rPr lang="en-US" sz="2400" dirty="0" smtClean="0">
-                <a:solidFill>
-                  <a:srgbClr val="0070C0"/>
-                </a:solidFill>
-              </a:rPr>
-              <a:t>() </a:t>
-            </a:r>
-            <a:r>
-              <a:rPr lang="en-US" sz="2400" dirty="0" smtClean="0"/>
-              <a:t>– </a:t>
-            </a:r>
-            <a:r>
-              <a:rPr lang="ru-RU" sz="2400" dirty="0" smtClean="0"/>
-              <a:t>исходящего потока</a:t>
-            </a:r>
-            <a:endParaRPr lang="ru-RU" sz="2400" dirty="0"/>
+              <a:rPr lang="ru-RU" sz="2800" dirty="0" smtClean="0"/>
+              <a:t>адрес порта</a:t>
+            </a:r>
+            <a:endParaRPr lang="ru-RU" sz="2800" dirty="0"/>
           </a:p>
         </p:txBody>
       </p:sp>
     </p:spTree>
     <p:extLst>
       <p:ext uri="{BB962C8B-B14F-4D97-AF65-F5344CB8AC3E}">
-        <p14:creationId xmlns:p14="http://schemas.microsoft.com/office/powerpoint/2010/main" val="1563398695"/>
+        <p14:creationId xmlns:p14="http://schemas.microsoft.com/office/powerpoint/2010/main" val="3476131997"/>
       </p:ext>
     </p:extLst>
   </p:cSld>
@@ -8291,7 +8228,7 @@
           <a:p>
             <a:r>
               <a:rPr lang="ru-RU" dirty="0" smtClean="0"/>
-              <a:t>Получение информации</a:t>
+              <a:t>Закрытие соединения</a:t>
             </a:r>
             <a:endParaRPr lang="ru-RU" dirty="0"/>
           </a:p>
@@ -8307,12 +8244,7 @@
             <p:ph idx="1"/>
           </p:nvPr>
         </p:nvSpPr>
-        <p:spPr>
-          <a:xfrm>
-            <a:off x="539552" y="1412776"/>
-            <a:ext cx="7924800" cy="4419600"/>
-          </a:xfrm>
-        </p:spPr>
+        <p:spPr/>
         <p:txBody>
           <a:bodyPr/>
           <a:lstStyle/>
@@ -8321,25 +8253,25 @@
               <a:buNone/>
             </a:pPr>
             <a:r>
-              <a:rPr lang="ru-RU" sz="2800" dirty="0" smtClean="0"/>
-              <a:t>Об удаленном конце</a:t>
-            </a:r>
-          </a:p>
-          <a:p>
-            <a:r>
-              <a:rPr lang="ru-RU" sz="2800" dirty="0" smtClean="0"/>
-              <a:t>    </a:t>
-            </a:r>
-            <a:r>
-              <a:rPr lang="en-US" sz="2800" dirty="0" err="1" smtClean="0">
-                <a:solidFill>
-                  <a:srgbClr val="0070C0"/>
-                </a:solidFill>
-              </a:rPr>
-              <a:t>getInetAddress</a:t>
-            </a:r>
-            <a:r>
-              <a:rPr lang="en-US" sz="2800" dirty="0" smtClean="0">
+              <a:rPr lang="ru-RU" dirty="0" smtClean="0"/>
+              <a:t>Соединение закрывается</a:t>
+            </a:r>
+          </a:p>
+          <a:p>
+            <a:r>
+              <a:rPr lang="ru-RU" dirty="0" smtClean="0"/>
+              <a:t>    Методом </a:t>
+            </a:r>
+            <a:r>
+              <a:rPr lang="ru-RU" dirty="0" err="1" smtClean="0">
+                <a:solidFill>
+                  <a:srgbClr val="0070C0"/>
+                </a:solidFill>
+              </a:rPr>
+              <a:t>close</a:t>
+            </a:r>
+            <a:r>
+              <a:rPr lang="ru-RU" dirty="0" smtClean="0">
                 <a:solidFill>
                   <a:srgbClr val="0070C0"/>
                 </a:solidFill>
@@ -8347,33 +8279,25 @@
               <a:t>() </a:t>
             </a:r>
             <a:r>
-              <a:rPr lang="en-US" sz="2800" dirty="0" smtClean="0"/>
-              <a:t>– </a:t>
-            </a:r>
-            <a:r>
-              <a:rPr lang="ru-RU" sz="2800" dirty="0" smtClean="0"/>
-              <a:t>интернет адрес</a:t>
-            </a:r>
-          </a:p>
-          <a:p>
-            <a:r>
-              <a:rPr lang="ru-RU" sz="2800" dirty="0" smtClean="0">
-                <a:solidFill>
-                  <a:srgbClr val="0070C0"/>
-                </a:solidFill>
-              </a:rPr>
-              <a:t>    </a:t>
-            </a:r>
-            <a:r>
-              <a:rPr lang="en-US" sz="2800" dirty="0" err="1" smtClean="0">
-                <a:solidFill>
-                  <a:srgbClr val="0070C0"/>
-                </a:solidFill>
-              </a:rPr>
-              <a:t>getPort</a:t>
-            </a:r>
-            <a:r>
-              <a:rPr lang="en-US" sz="2800" dirty="0" smtClean="0">
+              <a:rPr lang="ru-RU" dirty="0" smtClean="0"/>
+              <a:t>сокета</a:t>
+            </a:r>
+          </a:p>
+          <a:p>
+            <a:r>
+              <a:rPr lang="ru-RU" dirty="0" smtClean="0"/>
+              <a:t>    Методом </a:t>
+            </a:r>
+            <a:r>
+              <a:rPr lang="ru-RU" dirty="0" err="1" smtClean="0">
+                <a:solidFill>
+                  <a:srgbClr val="0070C0"/>
+                </a:solidFill>
+              </a:rPr>
+              <a:t>close</a:t>
+            </a:r>
+            <a:r>
+              <a:rPr lang="ru-RU" dirty="0" smtClean="0">
                 <a:solidFill>
                   <a:srgbClr val="0070C0"/>
                 </a:solidFill>
@@ -8381,150 +8305,23 @@
               <a:t>() </a:t>
             </a:r>
             <a:r>
-              <a:rPr lang="en-US" sz="2800" dirty="0" smtClean="0"/>
-              <a:t>– </a:t>
-            </a:r>
-            <a:r>
-              <a:rPr lang="ru-RU" sz="2800" dirty="0" smtClean="0"/>
-              <a:t>порт</a:t>
-            </a:r>
-          </a:p>
-          <a:p>
-            <a:r>
-              <a:rPr lang="ru-RU" sz="2800" dirty="0" smtClean="0"/>
-              <a:t>    </a:t>
-            </a:r>
-            <a:r>
-              <a:rPr lang="en-US" sz="2800" dirty="0" err="1" smtClean="0">
-                <a:solidFill>
-                  <a:srgbClr val="0070C0"/>
-                </a:solidFill>
-              </a:rPr>
-              <a:t>getRemoteSocketAddreess</a:t>
-            </a:r>
-            <a:r>
-              <a:rPr lang="en-US" sz="2800" dirty="0" smtClean="0">
-                <a:solidFill>
-                  <a:srgbClr val="0070C0"/>
-                </a:solidFill>
-              </a:rPr>
-              <a:t>() </a:t>
-            </a:r>
-            <a:r>
-              <a:rPr lang="en-US" sz="2800" dirty="0" smtClean="0"/>
-              <a:t>– </a:t>
-            </a:r>
-            <a:r>
-              <a:rPr lang="ru-RU" sz="2800" dirty="0" smtClean="0"/>
-              <a:t>адрес порта</a:t>
-            </a:r>
-          </a:p>
-          <a:p>
-            <a:pPr marL="0" indent="0">
-              <a:buNone/>
-            </a:pPr>
-            <a:r>
-              <a:rPr lang="ru-RU" sz="2800" dirty="0" smtClean="0"/>
-              <a:t>Об локальном конце</a:t>
-            </a:r>
-          </a:p>
-          <a:p>
-            <a:r>
-              <a:rPr lang="ru-RU" sz="2800" dirty="0" smtClean="0"/>
-              <a:t>    </a:t>
-            </a:r>
-            <a:r>
-              <a:rPr lang="en-US" sz="2800" dirty="0" err="1" smtClean="0">
-                <a:solidFill>
-                  <a:srgbClr val="0070C0"/>
-                </a:solidFill>
-              </a:rPr>
-              <a:t>getLocalAddress</a:t>
-            </a:r>
-            <a:r>
-              <a:rPr lang="en-US" sz="2800" dirty="0" smtClean="0">
-                <a:solidFill>
-                  <a:srgbClr val="0070C0"/>
-                </a:solidFill>
-              </a:rPr>
-              <a:t>() </a:t>
-            </a:r>
-            <a:r>
-              <a:rPr lang="en-US" sz="2800" dirty="0" smtClean="0"/>
-              <a:t>– </a:t>
-            </a:r>
-            <a:r>
-              <a:rPr lang="ru-RU" sz="2800" dirty="0" smtClean="0"/>
-              <a:t>интернет адрес</a:t>
-            </a:r>
-          </a:p>
-          <a:p>
-            <a:r>
-              <a:rPr lang="ru-RU" sz="2800" dirty="0" smtClean="0"/>
-              <a:t>    </a:t>
-            </a:r>
-            <a:r>
-              <a:rPr lang="en-US" sz="2800" dirty="0" err="1" smtClean="0">
-                <a:solidFill>
-                  <a:srgbClr val="0070C0"/>
-                </a:solidFill>
-              </a:rPr>
-              <a:t>getLocalPort</a:t>
-            </a:r>
-            <a:r>
-              <a:rPr lang="en-US" sz="2800" dirty="0" smtClean="0">
-                <a:solidFill>
-                  <a:srgbClr val="0070C0"/>
-                </a:solidFill>
-              </a:rPr>
-              <a:t>() </a:t>
-            </a:r>
-            <a:r>
-              <a:rPr lang="en-US" sz="2800" dirty="0" smtClean="0"/>
-              <a:t>– </a:t>
-            </a:r>
-            <a:r>
-              <a:rPr lang="ru-RU" sz="2800" dirty="0" smtClean="0"/>
-              <a:t>порт</a:t>
-            </a:r>
-          </a:p>
-          <a:p>
-            <a:r>
-              <a:rPr lang="ru-RU" sz="2800" dirty="0" smtClean="0"/>
-              <a:t>    </a:t>
-            </a:r>
-            <a:r>
-              <a:rPr lang="en-US" sz="2800" dirty="0" err="1" smtClean="0">
-                <a:solidFill>
-                  <a:srgbClr val="0070C0"/>
-                </a:solidFill>
-              </a:rPr>
-              <a:t>getLocalSocketAddreess</a:t>
-            </a:r>
-            <a:r>
-              <a:rPr lang="en-US" sz="2800" dirty="0" smtClean="0">
-                <a:solidFill>
-                  <a:srgbClr val="0070C0"/>
-                </a:solidFill>
-              </a:rPr>
-              <a:t>() </a:t>
-            </a:r>
-            <a:r>
-              <a:rPr lang="en-US" sz="2800" dirty="0" smtClean="0"/>
-              <a:t>– </a:t>
-            </a:r>
-            <a:r>
-              <a:rPr lang="ru-RU" sz="2800" dirty="0" smtClean="0"/>
-              <a:t>адрес порта</a:t>
-            </a:r>
-            <a:endParaRPr lang="ru-RU" sz="2800" dirty="0"/>
+              <a:rPr lang="ru-RU" dirty="0" smtClean="0"/>
+              <a:t>потоков сокета</a:t>
+            </a:r>
+          </a:p>
+          <a:p>
+            <a:r>
+              <a:rPr lang="ru-RU" dirty="0" smtClean="0"/>
+              <a:t>    При закрытии с удаленной стороны</a:t>
+            </a:r>
+            <a:endParaRPr lang="ru-RU" dirty="0"/>
           </a:p>
         </p:txBody>
       </p:sp>
     </p:spTree>
     <p:extLst>
       <p:ext uri="{BB962C8B-B14F-4D97-AF65-F5344CB8AC3E}">
-        <p14:creationId xmlns:p14="http://schemas.microsoft.com/office/powerpoint/2010/main" val="3476131997"/>
+        <p14:creationId xmlns:p14="http://schemas.microsoft.com/office/powerpoint/2010/main" val="3190543813"/>
       </p:ext>
     </p:extLst>
   </p:cSld>
@@ -8575,7 +8372,7 @@
           <a:p>
             <a:r>
               <a:rPr lang="ru-RU" dirty="0" smtClean="0"/>
-              <a:t>Закрытие соединения</a:t>
+              <a:t>Создание соединений на сервере</a:t>
             </a:r>
             <a:endParaRPr lang="ru-RU" dirty="0"/>
           </a:p>
@@ -8600,25 +8397,102 @@
               <a:buNone/>
             </a:pPr>
             <a:r>
-              <a:rPr lang="ru-RU" dirty="0" smtClean="0"/>
-              <a:t>Соединение закрывается</a:t>
-            </a:r>
-          </a:p>
-          <a:p>
-            <a:r>
-              <a:rPr lang="ru-RU" dirty="0" smtClean="0"/>
-              <a:t>    Методом </a:t>
-            </a:r>
-            <a:r>
-              <a:rPr lang="ru-RU" dirty="0" err="1" smtClean="0">
-                <a:solidFill>
-                  <a:srgbClr val="0070C0"/>
-                </a:solidFill>
-              </a:rPr>
-              <a:t>close</a:t>
-            </a:r>
-            <a:r>
-              <a:rPr lang="ru-RU" dirty="0" smtClean="0">
+              <a:rPr lang="ru-RU" sz="2400" dirty="0" smtClean="0"/>
+              <a:t>Конструкторы класса </a:t>
+            </a:r>
+            <a:r>
+              <a:rPr lang="en-US" sz="2400" dirty="0" err="1" smtClean="0">
+                <a:solidFill>
+                  <a:srgbClr val="0070C0"/>
+                </a:solidFill>
+              </a:rPr>
+              <a:t>ServerSocket</a:t>
+            </a:r>
+            <a:endParaRPr lang="en-US" sz="2400" dirty="0" smtClean="0">
+              <a:solidFill>
+                <a:srgbClr val="0070C0"/>
+              </a:solidFill>
+            </a:endParaRPr>
+          </a:p>
+          <a:p>
+            <a:r>
+              <a:rPr lang="en-US" sz="2400" dirty="0" smtClean="0">
+                <a:solidFill>
+                  <a:srgbClr val="0070C0"/>
+                </a:solidFill>
+              </a:rPr>
+              <a:t>  </a:t>
+            </a:r>
+            <a:r>
+              <a:rPr lang="en-US" sz="2400" dirty="0" err="1" smtClean="0">
+                <a:solidFill>
+                  <a:srgbClr val="0070C0"/>
+                </a:solidFill>
+              </a:rPr>
+              <a:t>ServerSocket</a:t>
+            </a:r>
+            <a:r>
+              <a:rPr lang="en-US" sz="2400" dirty="0" smtClean="0">
+                <a:solidFill>
+                  <a:srgbClr val="0070C0"/>
+                </a:solidFill>
+              </a:rPr>
+              <a:t>(port) </a:t>
+            </a:r>
+            <a:r>
+              <a:rPr lang="en-US" sz="2400" dirty="0" smtClean="0"/>
+              <a:t>– </a:t>
+            </a:r>
+            <a:r>
+              <a:rPr lang="ru-RU" sz="2400" dirty="0" smtClean="0"/>
+              <a:t>по порту</a:t>
+            </a:r>
+          </a:p>
+          <a:p>
+            <a:r>
+              <a:rPr lang="ru-RU" sz="2400" dirty="0" smtClean="0"/>
+              <a:t>  </a:t>
+            </a:r>
+            <a:r>
+              <a:rPr lang="en-US" sz="2400" dirty="0" err="1" smtClean="0">
+                <a:solidFill>
+                  <a:srgbClr val="0070C0"/>
+                </a:solidFill>
+              </a:rPr>
+              <a:t>ServerSocket</a:t>
+            </a:r>
+            <a:r>
+              <a:rPr lang="en-US" sz="2400" dirty="0" smtClean="0">
+                <a:solidFill>
+                  <a:srgbClr val="0070C0"/>
+                </a:solidFill>
+              </a:rPr>
+              <a:t>(port, backlog) </a:t>
+            </a:r>
+            <a:r>
+              <a:rPr lang="en-US" sz="2400" dirty="0" smtClean="0"/>
+              <a:t>– </a:t>
+            </a:r>
+            <a:r>
+              <a:rPr lang="ru-RU" sz="2400" dirty="0" smtClean="0"/>
+              <a:t>по порту, с указанием размера очереди</a:t>
+            </a:r>
+          </a:p>
+          <a:p>
+            <a:r>
+              <a:rPr lang="ru-RU" sz="2400" dirty="0" smtClean="0"/>
+              <a:t> </a:t>
+            </a:r>
+            <a:r>
+              <a:rPr lang="en-US" sz="2400" dirty="0" err="1" smtClean="0">
+                <a:solidFill>
+                  <a:srgbClr val="0070C0"/>
+                </a:solidFill>
+              </a:rPr>
+              <a:t>ServerSocket</a:t>
+            </a:r>
+            <a:r>
+              <a:rPr lang="en-US" sz="2400" dirty="0" smtClean="0">
                 <a:solidFill>
                   <a:srgbClr val="0070C0"/>
                 </a:solidFill>
@@ -8626,49 +8500,111 @@
               <a:t>() </a:t>
             </a:r>
             <a:r>
-              <a:rPr lang="ru-RU" dirty="0" smtClean="0"/>
-              <a:t>сокета</a:t>
-            </a:r>
-          </a:p>
-          <a:p>
-            <a:r>
-              <a:rPr lang="ru-RU" dirty="0" smtClean="0"/>
-              <a:t>    Методом </a:t>
-            </a:r>
-            <a:r>
-              <a:rPr lang="ru-RU" dirty="0" err="1" smtClean="0">
-                <a:solidFill>
-                  <a:srgbClr val="0070C0"/>
-                </a:solidFill>
-              </a:rPr>
-              <a:t>close</a:t>
-            </a:r>
-            <a:r>
-              <a:rPr lang="ru-RU" dirty="0" smtClean="0">
-                <a:solidFill>
-                  <a:srgbClr val="0070C0"/>
-                </a:solidFill>
-              </a:rPr>
-              <a:t>() </a:t>
-            </a:r>
-            <a:r>
-              <a:rPr lang="ru-RU" dirty="0" smtClean="0"/>
-              <a:t>потоков сокета</a:t>
-            </a:r>
-          </a:p>
-          <a:p>
-            <a:r>
-              <a:rPr lang="ru-RU" dirty="0" smtClean="0"/>
-              <a:t>    При закрытии с удаленной стороны</a:t>
-            </a:r>
-            <a:endParaRPr lang="ru-RU" dirty="0"/>
+              <a:rPr lang="en-US" sz="2400" dirty="0" smtClean="0"/>
+              <a:t>– </a:t>
+            </a:r>
+            <a:r>
+              <a:rPr lang="ru-RU" sz="2400" dirty="0" smtClean="0"/>
+              <a:t>без привязки</a:t>
+            </a:r>
+          </a:p>
+          <a:p>
+            <a:pPr marL="0" indent="0">
+              <a:buNone/>
+            </a:pPr>
+            <a:r>
+              <a:rPr lang="ru-RU" sz="2400" dirty="0" smtClean="0"/>
+              <a:t>Методы класса </a:t>
+            </a:r>
+            <a:r>
+              <a:rPr lang="en-US" sz="2400" dirty="0" err="1" smtClean="0"/>
+              <a:t>ServerSocket</a:t>
+            </a:r>
+            <a:endParaRPr lang="en-US" sz="2400" dirty="0" smtClean="0"/>
+          </a:p>
+          <a:p>
+            <a:r>
+              <a:rPr lang="en-US" sz="2400" dirty="0" smtClean="0"/>
+              <a:t>    </a:t>
+            </a:r>
+            <a:r>
+              <a:rPr lang="en-US" sz="2400" dirty="0" smtClean="0">
+                <a:solidFill>
+                  <a:srgbClr val="0070C0"/>
+                </a:solidFill>
+              </a:rPr>
+              <a:t>bind(</a:t>
+            </a:r>
+            <a:r>
+              <a:rPr lang="en-US" sz="2400" dirty="0" err="1" smtClean="0">
+                <a:solidFill>
+                  <a:srgbClr val="0070C0"/>
+                </a:solidFill>
+              </a:rPr>
+              <a:t>SocketAddress</a:t>
+            </a:r>
+            <a:r>
+              <a:rPr lang="en-US" sz="2400" dirty="0" smtClean="0">
+                <a:solidFill>
+                  <a:srgbClr val="0070C0"/>
+                </a:solidFill>
+              </a:rPr>
+              <a:t>) </a:t>
+            </a:r>
+            <a:r>
+              <a:rPr lang="en-US" sz="2400" dirty="0" smtClean="0"/>
+              <a:t>– </a:t>
+            </a:r>
+            <a:r>
+              <a:rPr lang="ru-RU" sz="2400" dirty="0" smtClean="0"/>
+              <a:t>по адресу порта</a:t>
+            </a:r>
+          </a:p>
+          <a:p>
+            <a:r>
+              <a:rPr lang="ru-RU" sz="2400" dirty="0" smtClean="0"/>
+              <a:t>    </a:t>
+            </a:r>
+            <a:r>
+              <a:rPr lang="en-US" sz="2400" dirty="0" smtClean="0">
+                <a:solidFill>
+                  <a:srgbClr val="0070C0"/>
+                </a:solidFill>
+              </a:rPr>
+              <a:t>bind(</a:t>
+            </a:r>
+            <a:r>
+              <a:rPr lang="en-US" sz="2400" dirty="0" err="1" smtClean="0">
+                <a:solidFill>
+                  <a:srgbClr val="0070C0"/>
+                </a:solidFill>
+              </a:rPr>
+              <a:t>SocketAddress</a:t>
+            </a:r>
+            <a:r>
+              <a:rPr lang="en-US" sz="2400" dirty="0" smtClean="0">
+                <a:solidFill>
+                  <a:srgbClr val="0070C0"/>
+                </a:solidFill>
+              </a:rPr>
+              <a:t>, backlog) </a:t>
+            </a:r>
+            <a:r>
+              <a:rPr lang="en-US" sz="2400" dirty="0" smtClean="0"/>
+              <a:t>– </a:t>
+            </a:r>
+            <a:r>
+              <a:rPr lang="ru-RU" sz="2400" dirty="0" smtClean="0"/>
+              <a:t>по адресу порта, с указанием размера очереди</a:t>
+            </a:r>
+            <a:endParaRPr lang="ru-RU" sz="2400" dirty="0"/>
           </a:p>
         </p:txBody>
       </p:sp>
     </p:spTree>
     <p:extLst>
       <p:ext uri="{BB962C8B-B14F-4D97-AF65-F5344CB8AC3E}">
-        <p14:creationId xmlns:p14="http://schemas.microsoft.com/office/powerpoint/2010/main" val="3190543813"/>
+        <p14:creationId xmlns:p14="http://schemas.microsoft.com/office/powerpoint/2010/main" val="1877891021"/>
       </p:ext>
     </p:extLst>
   </p:cSld>
@@ -8719,7 +8655,7 @@
           <a:p>
             <a:r>
               <a:rPr lang="en-US" dirty="0" smtClean="0"/>
-              <a:t>Internet Protocol (IP)</a:t>
+              <a:t>Uniform Resource Identifier</a:t>
             </a:r>
             <a:endParaRPr lang="ru-RU" dirty="0"/>
           </a:p>
@@ -8737,8 +8673,8 @@
         </p:nvSpPr>
         <p:spPr>
           <a:xfrm>
-            <a:off x="467544" y="1480631"/>
-            <a:ext cx="7924800" cy="4419600"/>
+            <a:off x="467544" y="1364034"/>
+            <a:ext cx="7924800" cy="5593357"/>
           </a:xfrm>
         </p:spPr>
         <p:txBody>
@@ -8746,34 +8682,100 @@
           <a:lstStyle/>
           <a:p>
             <a:r>
-              <a:rPr lang="ru-RU" sz="2000" dirty="0" smtClean="0"/>
-              <a:t>IP-адрес</a:t>
-            </a:r>
-          </a:p>
-          <a:p>
-            <a:r>
-              <a:rPr lang="ru-RU" sz="2000" dirty="0" smtClean="0"/>
-              <a:t>    IPv4 (32 бита)</a:t>
-            </a:r>
-          </a:p>
-          <a:p>
-            <a:r>
-              <a:rPr lang="ru-RU" sz="2000" dirty="0" smtClean="0"/>
-              <a:t>    IPv6 (128 бит)</a:t>
-            </a:r>
-          </a:p>
-          <a:p>
-            <a:r>
-              <a:rPr lang="ru-RU" sz="2000" dirty="0" smtClean="0"/>
-              <a:t>Порт (16 бит)</a:t>
-            </a:r>
-            <a:endParaRPr lang="ru-RU" sz="2000" dirty="0"/>
+              <a:rPr lang="ru-RU" sz="2400" dirty="0" smtClean="0"/>
+              <a:t>Идентифицирует ресурс</a:t>
+            </a:r>
+            <a:r>
+              <a:rPr lang="en-US" sz="2400" dirty="0" smtClean="0"/>
+              <a:t> </a:t>
+            </a:r>
+            <a:r>
+              <a:rPr lang="en-US" sz="2400" dirty="0">
+                <a:solidFill>
+                  <a:srgbClr val="FF0000"/>
+                </a:solidFill>
+              </a:rPr>
+              <a:t>RFC 3986</a:t>
+            </a:r>
+            <a:endParaRPr lang="ru-RU" sz="2400" dirty="0" smtClean="0">
+              <a:solidFill>
+                <a:srgbClr val="FF0000"/>
+              </a:solidFill>
+            </a:endParaRPr>
+          </a:p>
+          <a:p>
+            <a:r>
+              <a:rPr lang="ru-RU" sz="2400" dirty="0" smtClean="0"/>
+              <a:t>Общий </a:t>
+            </a:r>
+            <a:r>
+              <a:rPr lang="en-US" sz="2400" dirty="0" smtClean="0"/>
+              <a:t>URI</a:t>
+            </a:r>
+          </a:p>
+          <a:p>
+            <a:pPr marL="0" indent="0" algn="ctr">
+              <a:buNone/>
+            </a:pPr>
+            <a:r>
+              <a:rPr lang="en-US" sz="2400" dirty="0" smtClean="0">
+                <a:solidFill>
+                  <a:srgbClr val="0070C0"/>
+                </a:solidFill>
+              </a:rPr>
+              <a:t>[scheme:]scheme-specific-part[#fragment]</a:t>
+            </a:r>
+          </a:p>
+          <a:p>
+            <a:r>
+              <a:rPr lang="ru-RU" sz="2400" dirty="0" smtClean="0"/>
+              <a:t>Иерархический </a:t>
+            </a:r>
+            <a:r>
+              <a:rPr lang="en-US" sz="2400" dirty="0" smtClean="0"/>
+              <a:t>URI</a:t>
+            </a:r>
+          </a:p>
+          <a:p>
+            <a:pPr marL="0" indent="0" algn="ctr">
+              <a:buNone/>
+            </a:pPr>
+            <a:r>
+              <a:rPr lang="en-US" sz="2400" dirty="0" smtClean="0">
+                <a:solidFill>
+                  <a:srgbClr val="0070C0"/>
+                </a:solidFill>
+              </a:rPr>
+              <a:t>[scheme:][//[user-info@]host[:port]][path][?query] [#fragment]</a:t>
+            </a:r>
+          </a:p>
+          <a:p>
+            <a:r>
+              <a:rPr lang="ru-RU" sz="2400" dirty="0" smtClean="0"/>
+              <a:t>Класс </a:t>
+            </a:r>
+            <a:r>
+              <a:rPr lang="en-US" sz="2400" dirty="0" smtClean="0"/>
+              <a:t>URI</a:t>
+            </a:r>
+          </a:p>
+          <a:p>
+            <a:endParaRPr lang="en-US" sz="2400" dirty="0"/>
+          </a:p>
+          <a:p>
+            <a:endParaRPr lang="en-US" sz="2400" dirty="0" smtClean="0"/>
+          </a:p>
+          <a:p>
+            <a:endParaRPr lang="en-US" sz="2400" dirty="0"/>
+          </a:p>
+          <a:p>
+            <a:endParaRPr lang="en-US" sz="2400" dirty="0" smtClean="0"/>
           </a:p>
         </p:txBody>
       </p:sp>
       <p:pic>
         <p:nvPicPr>
-          <p:cNvPr id="6" name="Рисунок 5"/>
+          <p:cNvPr id="4" name="Рисунок 3"/>
           <p:cNvPicPr>
             <a:picLocks noChangeAspect="1"/>
           </p:cNvPicPr>
@@ -8787,32 +8789,8 @@
         </p:blipFill>
         <p:spPr>
           <a:xfrm>
-            <a:off x="539552" y="3645024"/>
-            <a:ext cx="4879551" cy="2087413"/>
-          </a:xfrm>
-          <a:prstGeom prst="rect">
-            <a:avLst/>
-          </a:prstGeom>
-        </p:spPr>
-      </p:pic>
-      <p:pic>
-        <p:nvPicPr>
-          <p:cNvPr id="5" name="Рисунок 4"/>
-          <p:cNvPicPr>
-            <a:picLocks noChangeAspect="1"/>
-          </p:cNvPicPr>
-          <p:nvPr/>
-        </p:nvPicPr>
-        <p:blipFill>
-          <a:blip r:embed="rId3"/>
-          <a:stretch>
-            <a:fillRect/>
-          </a:stretch>
-        </p:blipFill>
-        <p:spPr>
-          <a:xfrm>
-            <a:off x="4644008" y="1418851"/>
-            <a:ext cx="3927401" cy="2736304"/>
+            <a:off x="2627784" y="4160712"/>
+            <a:ext cx="4592743" cy="2035299"/>
           </a:xfrm>
           <a:prstGeom prst="rect">
             <a:avLst/>
@@ -8822,7 +8800,7 @@
     </p:spTree>
     <p:extLst>
       <p:ext uri="{BB962C8B-B14F-4D97-AF65-F5344CB8AC3E}">
-        <p14:creationId xmlns:p14="http://schemas.microsoft.com/office/powerpoint/2010/main" val="2161762614"/>
+        <p14:creationId xmlns:p14="http://schemas.microsoft.com/office/powerpoint/2010/main" val="640148541"/>
       </p:ext>
     </p:extLst>
   </p:cSld>
@@ -8873,289 +8851,6 @@
           <a:p>
             <a:r>
               <a:rPr lang="ru-RU" dirty="0" smtClean="0"/>
-              <a:t>Создание соединений на сервере</a:t>
-            </a:r>
-            <a:endParaRPr lang="ru-RU" dirty="0"/>
-          </a:p>
-        </p:txBody>
-      </p:sp>
-      <p:sp>
-        <p:nvSpPr>
-          <p:cNvPr id="3" name="Объект 2"/>
-          <p:cNvSpPr>
-            <a:spLocks noGrp="1"/>
-          </p:cNvSpPr>
-          <p:nvPr>
-            <p:ph idx="1"/>
-          </p:nvPr>
-        </p:nvSpPr>
-        <p:spPr/>
-        <p:txBody>
-          <a:bodyPr/>
-          <a:lstStyle/>
-          <a:p>
-            <a:pPr marL="0" indent="0">
-              <a:buNone/>
-            </a:pPr>
-            <a:r>
-              <a:rPr lang="ru-RU" sz="2400" dirty="0" smtClean="0"/>
-              <a:t>Конструкторы класса </a:t>
-            </a:r>
-            <a:r>
-              <a:rPr lang="en-US" sz="2400" dirty="0" err="1" smtClean="0">
-                <a:solidFill>
-                  <a:srgbClr val="0070C0"/>
-                </a:solidFill>
-              </a:rPr>
-              <a:t>ServerSocket</a:t>
-            </a:r>
-            <a:endParaRPr lang="en-US" sz="2400" dirty="0" smtClean="0">
-              <a:solidFill>
-                <a:srgbClr val="0070C0"/>
-              </a:solidFill>
-            </a:endParaRPr>
-          </a:p>
-          <a:p>
-            <a:r>
-              <a:rPr lang="en-US" sz="2400" dirty="0" smtClean="0">
-                <a:solidFill>
-                  <a:srgbClr val="0070C0"/>
-                </a:solidFill>
-              </a:rPr>
-              <a:t>  </a:t>
-            </a:r>
-            <a:r>
-              <a:rPr lang="en-US" sz="2400" dirty="0" err="1" smtClean="0">
-                <a:solidFill>
-                  <a:srgbClr val="0070C0"/>
-                </a:solidFill>
-              </a:rPr>
-              <a:t>ServerSocket</a:t>
-            </a:r>
-            <a:r>
-              <a:rPr lang="en-US" sz="2400" dirty="0" smtClean="0">
-                <a:solidFill>
-                  <a:srgbClr val="0070C0"/>
-                </a:solidFill>
-              </a:rPr>
-              <a:t>(port) </a:t>
-            </a:r>
-            <a:r>
-              <a:rPr lang="en-US" sz="2400" dirty="0" smtClean="0"/>
-              <a:t>– </a:t>
-            </a:r>
-            <a:r>
-              <a:rPr lang="ru-RU" sz="2400" dirty="0" smtClean="0"/>
-              <a:t>по порту</a:t>
-            </a:r>
-          </a:p>
-          <a:p>
-            <a:r>
-              <a:rPr lang="ru-RU" sz="2400" dirty="0" smtClean="0"/>
-              <a:t>  </a:t>
-            </a:r>
-            <a:r>
-              <a:rPr lang="en-US" sz="2400" dirty="0" err="1" smtClean="0">
-                <a:solidFill>
-                  <a:srgbClr val="0070C0"/>
-                </a:solidFill>
-              </a:rPr>
-              <a:t>ServerSocket</a:t>
-            </a:r>
-            <a:r>
-              <a:rPr lang="en-US" sz="2400" dirty="0" smtClean="0">
-                <a:solidFill>
-                  <a:srgbClr val="0070C0"/>
-                </a:solidFill>
-              </a:rPr>
-              <a:t>(port, backlog) </a:t>
-            </a:r>
-            <a:r>
-              <a:rPr lang="en-US" sz="2400" dirty="0" smtClean="0"/>
-              <a:t>– </a:t>
-            </a:r>
-            <a:r>
-              <a:rPr lang="ru-RU" sz="2400" dirty="0" smtClean="0"/>
-              <a:t>по порту, с указанием размера очереди</a:t>
-            </a:r>
-          </a:p>
-          <a:p>
-            <a:r>
-              <a:rPr lang="ru-RU" sz="2400" dirty="0" smtClean="0"/>
-              <a:t> </a:t>
-            </a:r>
-            <a:r>
-              <a:rPr lang="en-US" sz="2400" dirty="0" err="1" smtClean="0">
-                <a:solidFill>
-                  <a:srgbClr val="0070C0"/>
-                </a:solidFill>
-              </a:rPr>
-              <a:t>ServerSocket</a:t>
-            </a:r>
-            <a:r>
-              <a:rPr lang="en-US" sz="2400" dirty="0" smtClean="0">
-                <a:solidFill>
-                  <a:srgbClr val="0070C0"/>
-                </a:solidFill>
-              </a:rPr>
-              <a:t>() </a:t>
-            </a:r>
-            <a:r>
-              <a:rPr lang="en-US" sz="2400" dirty="0" smtClean="0"/>
-              <a:t>– </a:t>
-            </a:r>
-            <a:r>
-              <a:rPr lang="ru-RU" sz="2400" dirty="0" smtClean="0"/>
-              <a:t>без привязки</a:t>
-            </a:r>
-          </a:p>
-          <a:p>
-            <a:pPr marL="0" indent="0">
-              <a:buNone/>
-            </a:pPr>
-            <a:r>
-              <a:rPr lang="ru-RU" sz="2400" dirty="0" smtClean="0"/>
-              <a:t>Методы класса </a:t>
-            </a:r>
-            <a:r>
-              <a:rPr lang="en-US" sz="2400" dirty="0" err="1" smtClean="0"/>
-              <a:t>ServerSocket</a:t>
-            </a:r>
-            <a:endParaRPr lang="en-US" sz="2400" dirty="0" smtClean="0"/>
-          </a:p>
-          <a:p>
-            <a:r>
-              <a:rPr lang="en-US" sz="2400" dirty="0" smtClean="0"/>
-              <a:t>    </a:t>
-            </a:r>
-            <a:r>
-              <a:rPr lang="en-US" sz="2400" dirty="0" smtClean="0">
-                <a:solidFill>
-                  <a:srgbClr val="0070C0"/>
-                </a:solidFill>
-              </a:rPr>
-              <a:t>bind(</a:t>
-            </a:r>
-            <a:r>
-              <a:rPr lang="en-US" sz="2400" dirty="0" err="1" smtClean="0">
-                <a:solidFill>
-                  <a:srgbClr val="0070C0"/>
-                </a:solidFill>
-              </a:rPr>
-              <a:t>SocketAddress</a:t>
-            </a:r>
-            <a:r>
-              <a:rPr lang="en-US" sz="2400" dirty="0" smtClean="0">
-                <a:solidFill>
-                  <a:srgbClr val="0070C0"/>
-                </a:solidFill>
-              </a:rPr>
-              <a:t>) </a:t>
-            </a:r>
-            <a:r>
-              <a:rPr lang="en-US" sz="2400" dirty="0" smtClean="0"/>
-              <a:t>– </a:t>
-            </a:r>
-            <a:r>
-              <a:rPr lang="ru-RU" sz="2400" dirty="0" smtClean="0"/>
-              <a:t>по адресу порта</a:t>
-            </a:r>
-          </a:p>
-          <a:p>
-            <a:r>
-              <a:rPr lang="ru-RU" sz="2400" dirty="0" smtClean="0"/>
-              <a:t>    </a:t>
-            </a:r>
-            <a:r>
-              <a:rPr lang="en-US" sz="2400" dirty="0" smtClean="0">
-                <a:solidFill>
-                  <a:srgbClr val="0070C0"/>
-                </a:solidFill>
-              </a:rPr>
-              <a:t>bind(</a:t>
-            </a:r>
-            <a:r>
-              <a:rPr lang="en-US" sz="2400" dirty="0" err="1" smtClean="0">
-                <a:solidFill>
-                  <a:srgbClr val="0070C0"/>
-                </a:solidFill>
-              </a:rPr>
-              <a:t>SocketAddress</a:t>
-            </a:r>
-            <a:r>
-              <a:rPr lang="en-US" sz="2400" dirty="0" smtClean="0">
-                <a:solidFill>
-                  <a:srgbClr val="0070C0"/>
-                </a:solidFill>
-              </a:rPr>
-              <a:t>, backlog) </a:t>
-            </a:r>
-            <a:r>
-              <a:rPr lang="en-US" sz="2400" dirty="0" smtClean="0"/>
-              <a:t>– </a:t>
-            </a:r>
-            <a:r>
-              <a:rPr lang="ru-RU" sz="2400" dirty="0" smtClean="0"/>
-              <a:t>по адресу порта, с указанием размера очереди</a:t>
-            </a:r>
-            <a:endParaRPr lang="ru-RU" sz="2400" dirty="0"/>
-          </a:p>
-        </p:txBody>
-      </p:sp>
-    </p:spTree>
-    <p:extLst>
-      <p:ext uri="{BB962C8B-B14F-4D97-AF65-F5344CB8AC3E}">
-        <p14:creationId xmlns:p14="http://schemas.microsoft.com/office/powerpoint/2010/main" val="1877891021"/>
-      </p:ext>
-    </p:extLst>
-  </p:cSld>
-  <p:clrMapOvr>
-    <a:masterClrMapping/>
-  </p:clrMapOvr>
-  <p:timing>
-    <p:tnLst>
-      <p:par>
-        <p:cTn id="1" dur="indefinite" restart="never" nodeType="tmRoot"/>
-      </p:par>
-    </p:tnLst>
-  </p:timing>
-</p:sld>
-</file>
-
-<file path=ppt/slides/slide31.xml><?xml version="1.0" encoding="utf-8"?>
-<p:sld xmlns:a="http://schemas.openxmlformats.org/drawingml/2006/main" xmlns:r="http://schemas.openxmlformats.org/officeDocument/2006/relationships" xmlns:p="http://schemas.openxmlformats.org/presentationml/2006/main">
-  <p:cSld>
-    <p:spTree>
-      <p:nvGrpSpPr>
-        <p:cNvPr id="1" name=""/>
-        <p:cNvGrpSpPr/>
-        <p:nvPr/>
-      </p:nvGrpSpPr>
-      <p:grpSpPr>
-        <a:xfrm>
-          <a:off x="0" y="0"/>
-          <a:ext cx="0" cy="0"/>
-          <a:chOff x="0" y="0"/>
-          <a:chExt cx="0" cy="0"/>
-        </a:xfrm>
-      </p:grpSpPr>
-      <p:sp>
-        <p:nvSpPr>
-          <p:cNvPr id="2" name="Заголовок 1"/>
-          <p:cNvSpPr>
-            <a:spLocks noGrp="1"/>
-          </p:cNvSpPr>
-          <p:nvPr>
-            <p:ph type="title"/>
-          </p:nvPr>
-        </p:nvSpPr>
-        <p:spPr/>
-        <p:txBody>
-          <a:bodyPr/>
-          <a:lstStyle/>
-          <a:p>
-            <a:r>
-              <a:rPr lang="ru-RU" dirty="0" smtClean="0"/>
               <a:t>Прием соединений на сервере</a:t>
             </a:r>
             <a:endParaRPr lang="ru-RU" dirty="0"/>
@@ -9338,7 +9033,7 @@
 </p:sld>
 </file>
 
-<file path=ppt/slides/slide32.xml><?xml version="1.0" encoding="utf-8"?>
+<file path=ppt/slides/slide31.xml><?xml version="1.0" encoding="utf-8"?>
 <p:sld xmlns:a="http://schemas.openxmlformats.org/drawingml/2006/main" xmlns:r="http://schemas.openxmlformats.org/officeDocument/2006/relationships" xmlns:p="http://schemas.openxmlformats.org/presentationml/2006/main">
   <p:cSld>
     <p:spTree>
@@ -9469,7 +9164,7 @@
 </p:sld>
 </file>
 
-<file path=ppt/slides/slide33.xml><?xml version="1.0" encoding="utf-8"?>
+<file path=ppt/slides/slide32.xml><?xml version="1.0" encoding="utf-8"?>
 <p:sld xmlns:a="http://schemas.openxmlformats.org/drawingml/2006/main" xmlns:r="http://schemas.openxmlformats.org/officeDocument/2006/relationships" xmlns:p="http://schemas.openxmlformats.org/presentationml/2006/main">
   <p:cSld>
     <p:spTree>
@@ -9503,7 +9198,7 @@
           <a:p>
             <a:r>
               <a:rPr lang="en-US" dirty="0" smtClean="0"/>
-              <a:t>Broadcast</a:t>
+              <a:t>User Datagram Protocol</a:t>
             </a:r>
             <a:endParaRPr lang="ru-RU" dirty="0"/>
           </a:p>
@@ -9524,66 +9219,42 @@
           <a:bodyPr/>
           <a:lstStyle/>
           <a:p>
+            <a:r>
+              <a:rPr lang="ru-RU" dirty="0" smtClean="0"/>
+              <a:t>Односторонний канал без гарантии доставки</a:t>
+            </a:r>
             <a:endParaRPr lang="ru-RU" dirty="0"/>
           </a:p>
         </p:txBody>
       </p:sp>
       <p:pic>
         <p:nvPicPr>
-          <p:cNvPr id="1028" name="Picture 4"/>
+          <p:cNvPr id="4" name="Рисунок 3"/>
           <p:cNvPicPr>
-            <a:picLocks noChangeAspect="1" noChangeArrowheads="1"/>
+            <a:picLocks noChangeAspect="1"/>
           </p:cNvPicPr>
           <p:nvPr/>
         </p:nvPicPr>
-        <p:blipFill rotWithShape="1">
-          <a:blip r:embed="rId2">
-            <a:extLst>
-              <a:ext uri="{28A0092B-C50C-407E-A947-70E740481C1C}">
-                <a14:useLocalDpi xmlns:a14="http://schemas.microsoft.com/office/drawing/2010/main" val="0"/>
-              </a:ext>
-            </a:extLst>
-          </a:blip>
-          <a:srcRect l="7241" t="11861" r="34515" b="19716"/>
-          <a:stretch/>
+        <p:blipFill>
+          <a:blip r:embed="rId2"/>
+          <a:stretch>
+            <a:fillRect/>
+          </a:stretch>
         </p:blipFill>
-        <p:spPr bwMode="auto">
+        <p:spPr>
           <a:xfrm>
-            <a:off x="2267744" y="2996952"/>
-            <a:ext cx="4517286" cy="2985040"/>
+            <a:off x="2339752" y="2642403"/>
+            <a:ext cx="4655840" cy="3382759"/>
           </a:xfrm>
           <a:prstGeom prst="rect">
             <a:avLst/>
           </a:prstGeom>
-          <a:noFill/>
-          <a:ln>
-            <a:noFill/>
-          </a:ln>
-          <a:extLst>
-            <a:ext uri="{909E8E84-426E-40DD-AFC4-6F175D3DCCD1}">
-              <a14:hiddenFill xmlns:a14="http://schemas.microsoft.com/office/drawing/2010/main">
-                <a:solidFill>
-                  <a:schemeClr val="accent1"/>
-                </a:solidFill>
-              </a14:hiddenFill>
-            </a:ext>
-            <a:ext uri="{91240B29-F687-4F45-9708-019B960494DF}">
-              <a14:hiddenLine xmlns:a14="http://schemas.microsoft.com/office/drawing/2010/main" w="9525">
-                <a:solidFill>
-                  <a:schemeClr val="tx1"/>
-                </a:solidFill>
-                <a:miter lim="800000"/>
-                <a:headEnd/>
-                <a:tailEnd/>
-              </a14:hiddenLine>
-            </a:ext>
-          </a:extLst>
         </p:spPr>
       </p:pic>
     </p:spTree>
     <p:extLst>
       <p:ext uri="{BB962C8B-B14F-4D97-AF65-F5344CB8AC3E}">
-        <p14:creationId xmlns:p14="http://schemas.microsoft.com/office/powerpoint/2010/main" val="2330022226"/>
+        <p14:creationId xmlns:p14="http://schemas.microsoft.com/office/powerpoint/2010/main" val="2897707525"/>
       </p:ext>
     </p:extLst>
   </p:cSld>
@@ -9600,7 +9271,7 @@
 </p:sld>
 </file>
 
-<file path=ppt/slides/slide34.xml><?xml version="1.0" encoding="utf-8"?>
+<file path=ppt/slides/slide33.xml><?xml version="1.0" encoding="utf-8"?>
 <p:sld xmlns:a="http://schemas.openxmlformats.org/drawingml/2006/main" xmlns:r="http://schemas.openxmlformats.org/officeDocument/2006/relationships" xmlns:p="http://schemas.openxmlformats.org/presentationml/2006/main">
   <p:cSld>
     <p:spTree>
@@ -9727,7 +9398,7 @@
 </p:sld>
 </file>
 
-<file path=ppt/slides/slide35.xml><?xml version="1.0" encoding="utf-8"?>
+<file path=ppt/slides/slide34.xml><?xml version="1.0" encoding="utf-8"?>
 <p:sld xmlns:a="http://schemas.openxmlformats.org/drawingml/2006/main" xmlns:r="http://schemas.openxmlformats.org/officeDocument/2006/relationships" xmlns:p="http://schemas.openxmlformats.org/presentationml/2006/main">
   <p:cSld>
     <p:spTree>
@@ -9825,6 +9496,236 @@
 </p:sld>
 </file>
 
+<file path=ppt/slides/slide35.xml><?xml version="1.0" encoding="utf-8"?>
+<p:sld xmlns:a="http://schemas.openxmlformats.org/drawingml/2006/main" xmlns:r="http://schemas.openxmlformats.org/officeDocument/2006/relationships" xmlns:p="http://schemas.openxmlformats.org/presentationml/2006/main">
+  <p:cSld>
+    <p:spTree>
+      <p:nvGrpSpPr>
+        <p:cNvPr id="1" name=""/>
+        <p:cNvGrpSpPr/>
+        <p:nvPr/>
+      </p:nvGrpSpPr>
+      <p:grpSpPr>
+        <a:xfrm>
+          <a:off x="0" y="0"/>
+          <a:ext cx="0" cy="0"/>
+          <a:chOff x="0" y="0"/>
+          <a:chExt cx="0" cy="0"/>
+        </a:xfrm>
+      </p:grpSpPr>
+      <p:sp>
+        <p:nvSpPr>
+          <p:cNvPr id="2" name="Заголовок 1"/>
+          <p:cNvSpPr>
+            <a:spLocks noGrp="1"/>
+          </p:cNvSpPr>
+          <p:nvPr>
+            <p:ph type="title"/>
+          </p:nvPr>
+        </p:nvSpPr>
+        <p:spPr/>
+        <p:txBody>
+          <a:bodyPr/>
+          <a:lstStyle/>
+          <a:p>
+            <a:r>
+              <a:rPr lang="ru-RU" dirty="0" smtClean="0"/>
+              <a:t>Создание </a:t>
+            </a:r>
+            <a:r>
+              <a:rPr lang="en-US" dirty="0" smtClean="0"/>
+              <a:t>UDP-</a:t>
+            </a:r>
+            <a:r>
+              <a:rPr lang="ru-RU" dirty="0" smtClean="0"/>
+              <a:t>пакетов</a:t>
+            </a:r>
+            <a:endParaRPr lang="ru-RU" dirty="0"/>
+          </a:p>
+        </p:txBody>
+      </p:sp>
+      <p:sp>
+        <p:nvSpPr>
+          <p:cNvPr id="3" name="Объект 2"/>
+          <p:cNvSpPr>
+            <a:spLocks noGrp="1"/>
+          </p:cNvSpPr>
+          <p:nvPr>
+            <p:ph idx="1"/>
+          </p:nvPr>
+        </p:nvSpPr>
+        <p:spPr>
+          <a:xfrm>
+            <a:off x="539552" y="1556792"/>
+            <a:ext cx="7924800" cy="4419600"/>
+          </a:xfrm>
+        </p:spPr>
+        <p:txBody>
+          <a:bodyPr/>
+          <a:lstStyle/>
+          <a:p>
+            <a:pPr marL="0" indent="0">
+              <a:buNone/>
+            </a:pPr>
+            <a:r>
+              <a:rPr lang="ru-RU" sz="2800" dirty="0" smtClean="0"/>
+              <a:t>Для приема</a:t>
+            </a:r>
+          </a:p>
+          <a:p>
+            <a:r>
+              <a:rPr lang="ru-RU" sz="2800" dirty="0" smtClean="0"/>
+              <a:t>    </a:t>
+            </a:r>
+            <a:r>
+              <a:rPr lang="en-US" sz="2800" dirty="0" err="1" smtClean="0">
+                <a:solidFill>
+                  <a:srgbClr val="0070C0"/>
+                </a:solidFill>
+              </a:rPr>
+              <a:t>DatagramPacket</a:t>
+            </a:r>
+            <a:r>
+              <a:rPr lang="en-US" sz="2800" dirty="0" smtClean="0">
+                <a:solidFill>
+                  <a:srgbClr val="0070C0"/>
+                </a:solidFill>
+              </a:rPr>
+              <a:t>(byte[], offset?, length) </a:t>
+            </a:r>
+            <a:r>
+              <a:rPr lang="en-US" sz="2800" dirty="0" smtClean="0"/>
+              <a:t>– </a:t>
+            </a:r>
+            <a:r>
+              <a:rPr lang="ru-RU" sz="2800" dirty="0" smtClean="0"/>
+              <a:t>по буферу</a:t>
+            </a:r>
+          </a:p>
+          <a:p>
+            <a:pPr marL="0" indent="0">
+              <a:buNone/>
+            </a:pPr>
+            <a:r>
+              <a:rPr lang="ru-RU" sz="2800" dirty="0" smtClean="0"/>
+              <a:t>Для отправки</a:t>
+            </a:r>
+          </a:p>
+          <a:p>
+            <a:r>
+              <a:rPr lang="ru-RU" sz="2800" dirty="0" smtClean="0"/>
+              <a:t>    </a:t>
+            </a:r>
+            <a:r>
+              <a:rPr lang="en-US" sz="2800" dirty="0" err="1" smtClean="0">
+                <a:solidFill>
+                  <a:srgbClr val="0070C0"/>
+                </a:solidFill>
+              </a:rPr>
+              <a:t>DatagramPacket</a:t>
+            </a:r>
+            <a:r>
+              <a:rPr lang="en-US" sz="2800" dirty="0" smtClean="0">
+                <a:solidFill>
+                  <a:srgbClr val="0070C0"/>
+                </a:solidFill>
+              </a:rPr>
+              <a:t>(byte[], offset?, length, </a:t>
+            </a:r>
+            <a:r>
+              <a:rPr lang="en-US" sz="2800" dirty="0" err="1" smtClean="0">
+                <a:solidFill>
+                  <a:srgbClr val="0070C0"/>
+                </a:solidFill>
+              </a:rPr>
+              <a:t>InetAddress</a:t>
+            </a:r>
+            <a:r>
+              <a:rPr lang="en-US" sz="2800" dirty="0" smtClean="0">
+                <a:solidFill>
+                  <a:srgbClr val="0070C0"/>
+                </a:solidFill>
+              </a:rPr>
+              <a:t>, port) </a:t>
+            </a:r>
+            <a:r>
+              <a:rPr lang="en-US" sz="2800" dirty="0" smtClean="0"/>
+              <a:t>– </a:t>
+            </a:r>
+            <a:r>
+              <a:rPr lang="ru-RU" sz="2800" dirty="0" smtClean="0"/>
+              <a:t>по интернет-адресу и порту</a:t>
+            </a:r>
+          </a:p>
+          <a:p>
+            <a:r>
+              <a:rPr lang="ru-RU" sz="2800" dirty="0" smtClean="0"/>
+              <a:t>    </a:t>
+            </a:r>
+            <a:r>
+              <a:rPr lang="en-US" sz="2800" dirty="0" err="1" smtClean="0">
+                <a:solidFill>
+                  <a:srgbClr val="0070C0"/>
+                </a:solidFill>
+              </a:rPr>
+              <a:t>DatagramPacket</a:t>
+            </a:r>
+            <a:r>
+              <a:rPr lang="en-US" sz="2800" dirty="0" smtClean="0">
+                <a:solidFill>
+                  <a:srgbClr val="0070C0"/>
+                </a:solidFill>
+              </a:rPr>
+              <a:t>(byte[], offset?, length, </a:t>
+            </a:r>
+            <a:r>
+              <a:rPr lang="en-US" sz="2800" dirty="0" err="1" smtClean="0">
+                <a:solidFill>
+                  <a:srgbClr val="0070C0"/>
+                </a:solidFill>
+              </a:rPr>
+              <a:t>SocketAddress</a:t>
+            </a:r>
+            <a:r>
+              <a:rPr lang="en-US" sz="2800" dirty="0" smtClean="0">
+                <a:solidFill>
+                  <a:srgbClr val="0070C0"/>
+                </a:solidFill>
+              </a:rPr>
+              <a:t>) </a:t>
+            </a:r>
+            <a:r>
+              <a:rPr lang="en-US" sz="2800" dirty="0" smtClean="0"/>
+              <a:t>– </a:t>
+            </a:r>
+            <a:r>
+              <a:rPr lang="ru-RU" sz="2800" dirty="0" smtClean="0"/>
+              <a:t>по адресу порта</a:t>
+            </a:r>
+            <a:endParaRPr lang="ru-RU" sz="2800" dirty="0"/>
+          </a:p>
+        </p:txBody>
+      </p:sp>
+    </p:spTree>
+    <p:extLst>
+      <p:ext uri="{BB962C8B-B14F-4D97-AF65-F5344CB8AC3E}">
+        <p14:creationId xmlns:p14="http://schemas.microsoft.com/office/powerpoint/2010/main" val="2127876300"/>
+      </p:ext>
+    </p:extLst>
+  </p:cSld>
+  <p:clrMapOvr>
+    <a:masterClrMapping/>
+  </p:clrMapOvr>
+  <p:timing>
+    <p:tnLst>
+      <p:par>
+        <p:cTn id="1" dur="indefinite" restart="never" nodeType="tmRoot"/>
+      </p:par>
+    </p:tnLst>
+  </p:timing>
+</p:sld>
+</file>
+
 <file path=ppt/slides/slide36.xml><?xml version="1.0" encoding="utf-8"?>
 <p:sld xmlns:a="http://schemas.openxmlformats.org/drawingml/2006/main" xmlns:r="http://schemas.openxmlformats.org/officeDocument/2006/relationships" xmlns:p="http://schemas.openxmlformats.org/presentationml/2006/main">
   <p:cSld>
@@ -9859,7 +9760,7 @@
           <a:p>
             <a:r>
               <a:rPr lang="ru-RU" dirty="0" smtClean="0"/>
-              <a:t>Создание </a:t>
+              <a:t>Операции с </a:t>
             </a:r>
             <a:r>
               <a:rPr lang="en-US" dirty="0" smtClean="0"/>
@@ -9867,7 +9768,7 @@
             </a:r>
             <a:r>
               <a:rPr lang="ru-RU" dirty="0" smtClean="0"/>
-              <a:t>пакетов</a:t>
+              <a:t>пакетами</a:t>
             </a:r>
             <a:endParaRPr lang="ru-RU" dirty="0"/>
           </a:p>
@@ -9883,12 +9784,7 @@
             <p:ph idx="1"/>
           </p:nvPr>
         </p:nvSpPr>
-        <p:spPr>
-          <a:xfrm>
-            <a:off x="539552" y="1556792"/>
-            <a:ext cx="7924800" cy="4419600"/>
-          </a:xfrm>
-        </p:spPr>
+        <p:spPr/>
         <p:txBody>
           <a:bodyPr/>
           <a:lstStyle/>
@@ -9897,38 +9793,146 @@
               <a:buNone/>
             </a:pPr>
             <a:r>
-              <a:rPr lang="ru-RU" sz="2800" dirty="0" smtClean="0"/>
-              <a:t>Для приема</a:t>
-            </a:r>
-          </a:p>
-          <a:p>
-            <a:r>
-              <a:rPr lang="ru-RU" sz="2800" dirty="0" smtClean="0"/>
+              <a:rPr lang="ru-RU" sz="2400" dirty="0" smtClean="0"/>
+              <a:t>Работа с данными</a:t>
+            </a:r>
+          </a:p>
+          <a:p>
+            <a:r>
+              <a:rPr lang="ru-RU" sz="2400" dirty="0" smtClean="0"/>
               <a:t>    </a:t>
             </a:r>
             <a:r>
-              <a:rPr lang="en-US" sz="2800" dirty="0" err="1" smtClean="0">
-                <a:solidFill>
-                  <a:srgbClr val="0070C0"/>
-                </a:solidFill>
-              </a:rPr>
-              <a:t>DatagramPacket</a:t>
-            </a:r>
-            <a:r>
-              <a:rPr lang="en-US" sz="2800" dirty="0" smtClean="0">
-                <a:solidFill>
-                  <a:srgbClr val="0070C0"/>
-                </a:solidFill>
-              </a:rPr>
-              <a:t>(byte[], offset?, length) </a:t>
-            </a:r>
-            <a:r>
-              <a:rPr lang="en-US" sz="2800" dirty="0" smtClean="0"/>
+              <a:rPr lang="en-US" sz="2400" dirty="0" err="1" smtClean="0">
+                <a:solidFill>
+                  <a:srgbClr val="0070C0"/>
+                </a:solidFill>
+              </a:rPr>
+              <a:t>getData</a:t>
+            </a:r>
+            <a:r>
+              <a:rPr lang="en-US" sz="2400" dirty="0" smtClean="0">
+                <a:solidFill>
+                  <a:srgbClr val="0070C0"/>
+                </a:solidFill>
+              </a:rPr>
+              <a:t>()/</a:t>
+            </a:r>
+            <a:r>
+              <a:rPr lang="en-US" sz="2400" dirty="0" err="1" smtClean="0">
+                <a:solidFill>
+                  <a:srgbClr val="0070C0"/>
+                </a:solidFill>
+              </a:rPr>
+              <a:t>setData</a:t>
+            </a:r>
+            <a:r>
+              <a:rPr lang="en-US" sz="2400" dirty="0" smtClean="0">
+                <a:solidFill>
+                  <a:srgbClr val="0070C0"/>
+                </a:solidFill>
+              </a:rPr>
+              <a:t>() </a:t>
+            </a:r>
+            <a:r>
+              <a:rPr lang="en-US" sz="2400" dirty="0" smtClean="0"/>
               <a:t>– </a:t>
             </a:r>
             <a:r>
-              <a:rPr lang="ru-RU" sz="2800" dirty="0" smtClean="0"/>
-              <a:t>по буферу</a:t>
+              <a:rPr lang="ru-RU" sz="2400" dirty="0" smtClean="0"/>
+              <a:t>буфер данных</a:t>
+            </a:r>
+          </a:p>
+          <a:p>
+            <a:r>
+              <a:rPr lang="ru-RU" sz="2400" dirty="0" smtClean="0"/>
+              <a:t>    </a:t>
+            </a:r>
+            <a:r>
+              <a:rPr lang="en-US" sz="2400" dirty="0" err="1" smtClean="0">
+                <a:solidFill>
+                  <a:srgbClr val="0070C0"/>
+                </a:solidFill>
+              </a:rPr>
+              <a:t>getOffset</a:t>
+            </a:r>
+            <a:r>
+              <a:rPr lang="en-US" sz="2400" dirty="0" smtClean="0">
+                <a:solidFill>
+                  <a:srgbClr val="0070C0"/>
+                </a:solidFill>
+              </a:rPr>
+              <a:t>()/</a:t>
+            </a:r>
+            <a:r>
+              <a:rPr lang="en-US" sz="2400" dirty="0" err="1" smtClean="0">
+                <a:solidFill>
+                  <a:srgbClr val="0070C0"/>
+                </a:solidFill>
+              </a:rPr>
+              <a:t>setOffset</a:t>
+            </a:r>
+            <a:r>
+              <a:rPr lang="en-US" sz="2400" dirty="0" smtClean="0">
+                <a:solidFill>
+                  <a:srgbClr val="0070C0"/>
+                </a:solidFill>
+              </a:rPr>
+              <a:t>() </a:t>
+            </a:r>
+            <a:r>
+              <a:rPr lang="en-US" sz="2400" dirty="0" smtClean="0"/>
+              <a:t>– </a:t>
+            </a:r>
+            <a:r>
+              <a:rPr lang="ru-RU" sz="2400" dirty="0" smtClean="0"/>
+              <a:t>смещение данных</a:t>
+            </a:r>
+          </a:p>
+          <a:p>
+            <a:r>
+              <a:rPr lang="ru-RU" sz="2400" dirty="0" smtClean="0"/>
+              <a:t>    </a:t>
+            </a:r>
+            <a:r>
+              <a:rPr lang="en-US" sz="2400" dirty="0" err="1" smtClean="0">
+                <a:solidFill>
+                  <a:srgbClr val="0070C0"/>
+                </a:solidFill>
+              </a:rPr>
+              <a:t>getLength</a:t>
+            </a:r>
+            <a:r>
+              <a:rPr lang="en-US" sz="2400" dirty="0" smtClean="0">
+                <a:solidFill>
+                  <a:srgbClr val="0070C0"/>
+                </a:solidFill>
+              </a:rPr>
+              <a:t>()/</a:t>
+            </a:r>
+            <a:r>
+              <a:rPr lang="en-US" sz="2400" dirty="0" err="1" smtClean="0">
+                <a:solidFill>
+                  <a:srgbClr val="0070C0"/>
+                </a:solidFill>
+              </a:rPr>
+              <a:t>setLength</a:t>
+            </a:r>
+            <a:r>
+              <a:rPr lang="en-US" sz="2400" dirty="0" smtClean="0">
+                <a:solidFill>
+                  <a:srgbClr val="0070C0"/>
+                </a:solidFill>
+              </a:rPr>
+              <a:t>() </a:t>
+            </a:r>
+            <a:r>
+              <a:rPr lang="en-US" sz="2400" dirty="0" smtClean="0"/>
+              <a:t>– </a:t>
+            </a:r>
+            <a:r>
+              <a:rPr lang="ru-RU" sz="2400" dirty="0" smtClean="0"/>
+              <a:t>длина данных</a:t>
             </a:r>
           </a:p>
           <a:p>
@@ -9936,109 +9940,159 @@
               <a:buNone/>
             </a:pPr>
             <a:r>
-              <a:rPr lang="ru-RU" sz="2800" dirty="0" smtClean="0"/>
-              <a:t>Для отправки</a:t>
-            </a:r>
-          </a:p>
-          <a:p>
-            <a:r>
-              <a:rPr lang="ru-RU" sz="2800" dirty="0" smtClean="0"/>
+              <a:rPr lang="ru-RU" sz="2400" dirty="0" smtClean="0"/>
+              <a:t>Работа с адресами</a:t>
+            </a:r>
+          </a:p>
+          <a:p>
+            <a:r>
+              <a:rPr lang="ru-RU" sz="2400" dirty="0" smtClean="0"/>
               <a:t>    </a:t>
             </a:r>
             <a:r>
-              <a:rPr lang="en-US" sz="2800" dirty="0" err="1" smtClean="0">
-                <a:solidFill>
-                  <a:srgbClr val="0070C0"/>
-                </a:solidFill>
-              </a:rPr>
-              <a:t>DatagramPacket</a:t>
-            </a:r>
-            <a:r>
-              <a:rPr lang="en-US" sz="2800" dirty="0" smtClean="0">
-                <a:solidFill>
-                  <a:srgbClr val="0070C0"/>
-                </a:solidFill>
-              </a:rPr>
-              <a:t>(byte[], offset?, length, </a:t>
-            </a:r>
-            <a:r>
-              <a:rPr lang="en-US" sz="2800" dirty="0" err="1" smtClean="0">
-                <a:solidFill>
-                  <a:srgbClr val="0070C0"/>
-                </a:solidFill>
-              </a:rPr>
-              <a:t>InetAddress</a:t>
-            </a:r>
-            <a:r>
-              <a:rPr lang="en-US" sz="2800" dirty="0" smtClean="0">
-                <a:solidFill>
-                  <a:srgbClr val="0070C0"/>
-                </a:solidFill>
-              </a:rPr>
-              <a:t>, port) </a:t>
-            </a:r>
-            <a:r>
-              <a:rPr lang="en-US" sz="2800" dirty="0" smtClean="0"/>
+              <a:rPr lang="en-US" sz="2400" dirty="0" err="1" smtClean="0">
+                <a:solidFill>
+                  <a:srgbClr val="0070C0"/>
+                </a:solidFill>
+              </a:rPr>
+              <a:t>getAddress</a:t>
+            </a:r>
+            <a:r>
+              <a:rPr lang="en-US" sz="2400" dirty="0" smtClean="0">
+                <a:solidFill>
+                  <a:srgbClr val="0070C0"/>
+                </a:solidFill>
+              </a:rPr>
+              <a:t>()/</a:t>
+            </a:r>
+            <a:r>
+              <a:rPr lang="en-US" sz="2400" dirty="0" err="1" smtClean="0">
+                <a:solidFill>
+                  <a:srgbClr val="0070C0"/>
+                </a:solidFill>
+              </a:rPr>
+              <a:t>setAddress</a:t>
+            </a:r>
+            <a:r>
+              <a:rPr lang="en-US" sz="2400" dirty="0" smtClean="0">
+                <a:solidFill>
+                  <a:srgbClr val="0070C0"/>
+                </a:solidFill>
+              </a:rPr>
+              <a:t>() </a:t>
+            </a:r>
+            <a:r>
+              <a:rPr lang="en-US" sz="2400" dirty="0" smtClean="0"/>
               <a:t>– </a:t>
             </a:r>
             <a:r>
-              <a:rPr lang="ru-RU" sz="2800" dirty="0" smtClean="0"/>
-              <a:t>по интернет-адресу и порту</a:t>
-            </a:r>
-          </a:p>
-          <a:p>
-            <a:r>
-              <a:rPr lang="ru-RU" sz="2800" dirty="0" smtClean="0"/>
+              <a:rPr lang="ru-RU" sz="2400" dirty="0" smtClean="0"/>
+              <a:t>интернет-адрес</a:t>
+            </a:r>
+          </a:p>
+          <a:p>
+            <a:r>
+              <a:rPr lang="ru-RU" sz="2400" dirty="0" smtClean="0"/>
               <a:t>    </a:t>
             </a:r>
             <a:r>
-              <a:rPr lang="en-US" sz="2800" dirty="0" err="1" smtClean="0">
-                <a:solidFill>
-                  <a:srgbClr val="0070C0"/>
-                </a:solidFill>
-              </a:rPr>
-              <a:t>DatagramPacket</a:t>
-            </a:r>
-            <a:r>
-              <a:rPr lang="en-US" sz="2800" dirty="0" smtClean="0">
-                <a:solidFill>
-                  <a:srgbClr val="0070C0"/>
-                </a:solidFill>
-              </a:rPr>
-              <a:t>(byte[], offset?, length, </a:t>
-            </a:r>
-            <a:r>
-              <a:rPr lang="en-US" sz="2800" dirty="0" err="1" smtClean="0">
-                <a:solidFill>
-                  <a:srgbClr val="0070C0"/>
-                </a:solidFill>
-              </a:rPr>
-              <a:t>SocketAddress</a:t>
-            </a:r>
-            <a:r>
-              <a:rPr lang="en-US" sz="2800" dirty="0" smtClean="0">
-                <a:solidFill>
-                  <a:srgbClr val="0070C0"/>
-                </a:solidFill>
-              </a:rPr>
-              <a:t>) </a:t>
-            </a:r>
-            <a:r>
-              <a:rPr lang="en-US" sz="2800" dirty="0" smtClean="0"/>
+              <a:rPr lang="en-US" sz="2400" dirty="0" err="1" smtClean="0">
+                <a:solidFill>
+                  <a:srgbClr val="0070C0"/>
+                </a:solidFill>
+              </a:rPr>
+              <a:t>getPort</a:t>
+            </a:r>
+            <a:r>
+              <a:rPr lang="en-US" sz="2400" dirty="0" smtClean="0">
+                <a:solidFill>
+                  <a:srgbClr val="0070C0"/>
+                </a:solidFill>
+              </a:rPr>
+              <a:t>()/</a:t>
+            </a:r>
+            <a:r>
+              <a:rPr lang="en-US" sz="2400" dirty="0" err="1" smtClean="0">
+                <a:solidFill>
+                  <a:srgbClr val="0070C0"/>
+                </a:solidFill>
+              </a:rPr>
+              <a:t>setPort</a:t>
+            </a:r>
+            <a:r>
+              <a:rPr lang="en-US" sz="2400" dirty="0" smtClean="0">
+                <a:solidFill>
+                  <a:srgbClr val="0070C0"/>
+                </a:solidFill>
+              </a:rPr>
+              <a:t>() </a:t>
+            </a:r>
+            <a:r>
+              <a:rPr lang="en-US" sz="2400" dirty="0" smtClean="0"/>
               <a:t>– </a:t>
             </a:r>
             <a:r>
-              <a:rPr lang="ru-RU" sz="2800" dirty="0" smtClean="0"/>
-              <a:t>по адресу порта</a:t>
-            </a:r>
-            <a:endParaRPr lang="ru-RU" sz="2800" dirty="0"/>
+              <a:rPr lang="ru-RU" sz="2400" dirty="0" smtClean="0"/>
+              <a:t>порт</a:t>
+            </a:r>
+          </a:p>
+          <a:p>
+            <a:r>
+              <a:rPr lang="ru-RU" sz="2400" dirty="0" smtClean="0">
+                <a:solidFill>
+                  <a:srgbClr val="0070C0"/>
+                </a:solidFill>
+              </a:rPr>
+              <a:t>    </a:t>
+            </a:r>
+            <a:r>
+              <a:rPr lang="en-US" sz="2400" dirty="0" err="1" smtClean="0">
+                <a:solidFill>
+                  <a:srgbClr val="0070C0"/>
+                </a:solidFill>
+              </a:rPr>
+              <a:t>getSocketAddress</a:t>
+            </a:r>
+            <a:r>
+              <a:rPr lang="en-US" sz="2400" dirty="0" smtClean="0">
+                <a:solidFill>
+                  <a:srgbClr val="0070C0"/>
+                </a:solidFill>
+              </a:rPr>
+              <a:t>()/</a:t>
+            </a:r>
+            <a:r>
+              <a:rPr lang="en-US" sz="2400" dirty="0" err="1" smtClean="0">
+                <a:solidFill>
+                  <a:srgbClr val="0070C0"/>
+                </a:solidFill>
+              </a:rPr>
+              <a:t>setSocketAddress</a:t>
+            </a:r>
+            <a:r>
+              <a:rPr lang="en-US" sz="2400" dirty="0" smtClean="0">
+                <a:solidFill>
+                  <a:srgbClr val="0070C0"/>
+                </a:solidFill>
+              </a:rPr>
+              <a:t>() </a:t>
+            </a:r>
+            <a:r>
+              <a:rPr lang="en-US" sz="2400" dirty="0" smtClean="0"/>
+              <a:t>– </a:t>
+            </a:r>
+            <a:r>
+              <a:rPr lang="ru-RU" sz="2400" dirty="0" smtClean="0"/>
+              <a:t>адрес порта</a:t>
+            </a:r>
+            <a:endParaRPr lang="ru-RU" sz="2400" dirty="0"/>
           </a:p>
         </p:txBody>
       </p:sp>
     </p:spTree>
     <p:extLst>
       <p:ext uri="{BB962C8B-B14F-4D97-AF65-F5344CB8AC3E}">
-        <p14:creationId xmlns:p14="http://schemas.microsoft.com/office/powerpoint/2010/main" val="2127876300"/>
+        <p14:creationId xmlns:p14="http://schemas.microsoft.com/office/powerpoint/2010/main" val="3929425304"/>
       </p:ext>
     </p:extLst>
   </p:cSld>
@@ -10089,7 +10143,7 @@
           <a:p>
             <a:r>
               <a:rPr lang="ru-RU" dirty="0" smtClean="0"/>
-              <a:t>Операции с </a:t>
+              <a:t>Создание </a:t>
             </a:r>
             <a:r>
               <a:rPr lang="en-US" dirty="0" smtClean="0"/>
@@ -10097,7 +10151,7 @@
             </a:r>
             <a:r>
               <a:rPr lang="ru-RU" dirty="0" smtClean="0"/>
-              <a:t>пакетами</a:t>
+              <a:t>сокета</a:t>
             </a:r>
             <a:endParaRPr lang="ru-RU" dirty="0"/>
           </a:p>
@@ -10123,7 +10177,42 @@
             </a:pPr>
             <a:r>
               <a:rPr lang="ru-RU" sz="2400" dirty="0" smtClean="0"/>
-              <a:t>Работа с данными</a:t>
+              <a:t>Конструкторы класса </a:t>
+            </a:r>
+            <a:r>
+              <a:rPr lang="en-US" sz="2400" dirty="0" err="1" smtClean="0"/>
+              <a:t>DatagramSocket</a:t>
+            </a:r>
+            <a:endParaRPr lang="en-US" sz="2400" dirty="0" smtClean="0"/>
+          </a:p>
+          <a:p>
+            <a:r>
+              <a:rPr lang="en-US" sz="2400" dirty="0" smtClean="0"/>
+              <a:t>    </a:t>
+            </a:r>
+            <a:r>
+              <a:rPr lang="en-US" sz="2400" dirty="0" err="1" smtClean="0">
+                <a:solidFill>
+                  <a:srgbClr val="0070C0"/>
+                </a:solidFill>
+              </a:rPr>
+              <a:t>DatagramSocket</a:t>
+            </a:r>
+            <a:r>
+              <a:rPr lang="en-US" sz="2400" dirty="0" smtClean="0">
+                <a:solidFill>
+                  <a:srgbClr val="0070C0"/>
+                </a:solidFill>
+              </a:rPr>
+              <a:t>(port)</a:t>
+            </a:r>
+            <a:r>
+              <a:rPr lang="en-US" sz="2400" dirty="0" smtClean="0"/>
+              <a:t> – </a:t>
+            </a:r>
+            <a:r>
+              <a:rPr lang="ru-RU" sz="2400" dirty="0" smtClean="0"/>
+              <a:t>по порту</a:t>
             </a:r>
           </a:p>
           <a:p>
@@ -10137,23 +10226,7 @@
                   <a:srgbClr val="0070C0"/>
                 </a:solidFill>
               </a:rPr>
-              <a:t>getData</a:t>
-            </a:r>
-            <a:r>
-              <a:rPr lang="en-US" sz="2400" dirty="0" smtClean="0">
-                <a:solidFill>
-                  <a:srgbClr val="0070C0"/>
-                </a:solidFill>
-              </a:rPr>
-              <a:t>()/</a:t>
-            </a:r>
-            <a:r>
-              <a:rPr lang="en-US" sz="2400" dirty="0" err="1" smtClean="0">
-                <a:solidFill>
-                  <a:srgbClr val="0070C0"/>
-                </a:solidFill>
-              </a:rPr>
-              <a:t>setData</a:t>
+              <a:t>DatagramSocket</a:t>
             </a:r>
             <a:r>
               <a:rPr lang="en-US" sz="2400" dirty="0" smtClean="0">
@@ -10169,7 +10242,7 @@
             </a:r>
             <a:r>
               <a:rPr lang="ru-RU" sz="2400" dirty="0" smtClean="0"/>
-              <a:t>буфер данных</a:t>
+              <a:t>случайный порт</a:t>
             </a:r>
           </a:p>
           <a:p>
@@ -10183,7 +10256,7 @@
                   <a:srgbClr val="0070C0"/>
                 </a:solidFill>
               </a:rPr>
-              <a:t>getOffset</a:t>
+              <a:t>DatagramSocket</a:t>
             </a:r>
             <a:r>
               <a:rPr lang="en-US" sz="2400" dirty="0" smtClean="0">
@@ -10191,7 +10264,7 @@
                   <a:srgbClr val="0070C0"/>
                 </a:solidFill>
               </a:rPr>
-              <a:t>()/</a:t>
+              <a:t>(</a:t>
             </a:r>
             <a:r>
               <a:rPr lang="en-US" sz="2400" dirty="0" err="1" smtClean="0">
@@ -10199,7 +10272,7 @@
                   <a:srgbClr val="0070C0"/>
                 </a:solidFill>
               </a:rPr>
-              <a:t>setOffset</a:t>
+              <a:t>InetAddress</a:t>
             </a:r>
             <a:r>
               <a:rPr lang="en-US" sz="2400" dirty="0" smtClean="0">
@@ -10207,7 +10280,7 @@
                   <a:srgbClr val="0070C0"/>
                 </a:solidFill>
               </a:rPr>
-              <a:t>() </a:t>
+              <a:t>, port) </a:t>
             </a:r>
             <a:r>
               <a:rPr lang="en-US" sz="2400" dirty="0" smtClean="0"/>
@@ -10215,7 +10288,7 @@
             </a:r>
             <a:r>
               <a:rPr lang="ru-RU" sz="2400" dirty="0" smtClean="0"/>
-              <a:t>смещение данных</a:t>
+              <a:t>по порту и адресу</a:t>
             </a:r>
           </a:p>
           <a:p>
@@ -10229,7 +10302,7 @@
                   <a:srgbClr val="0070C0"/>
                 </a:solidFill>
               </a:rPr>
-              <a:t>getLength</a:t>
+              <a:t>DatagramSocket</a:t>
             </a:r>
             <a:r>
               <a:rPr lang="en-US" sz="2400" dirty="0" smtClean="0">
@@ -10237,7 +10310,7 @@
                   <a:srgbClr val="0070C0"/>
                 </a:solidFill>
               </a:rPr>
-              <a:t>()/</a:t>
+              <a:t>(</a:t>
             </a:r>
             <a:r>
               <a:rPr lang="en-US" sz="2400" dirty="0" err="1" smtClean="0">
@@ -10245,7 +10318,29 @@
                   <a:srgbClr val="0070C0"/>
                 </a:solidFill>
               </a:rPr>
-              <a:t>setLength</a:t>
+              <a:t>SocketAddress</a:t>
+            </a:r>
+            <a:r>
+              <a:rPr lang="en-US" sz="2400" dirty="0" smtClean="0"/>
+              <a:t>) – </a:t>
+            </a:r>
+            <a:r>
+              <a:rPr lang="ru-RU" sz="2400" dirty="0" smtClean="0"/>
+              <a:t>по адресу порта</a:t>
+            </a:r>
+          </a:p>
+          <a:p>
+            <a:r>
+              <a:rPr lang="ru-RU" sz="2400" dirty="0" smtClean="0"/>
+              <a:t>    </a:t>
+            </a:r>
+            <a:r>
+              <a:rPr lang="en-US" sz="2400" dirty="0" err="1" smtClean="0">
+                <a:solidFill>
+                  <a:srgbClr val="0070C0"/>
+                </a:solidFill>
+              </a:rPr>
+              <a:t>DatagramSocket</a:t>
             </a:r>
             <a:r>
               <a:rPr lang="en-US" sz="2400" dirty="0" smtClean="0">
@@ -10253,15 +10348,15 @@
                   <a:srgbClr val="0070C0"/>
                 </a:solidFill>
               </a:rPr>
-              <a:t>() </a:t>
+              <a:t>(null)</a:t>
             </a:r>
             <a:r>
               <a:rPr lang="en-US" sz="2400" dirty="0" smtClean="0"/>
-              <a:t>– </a:t>
+              <a:t> – </a:t>
             </a:r>
             <a:r>
               <a:rPr lang="ru-RU" sz="2400" dirty="0" smtClean="0"/>
-              <a:t>длина данных</a:t>
+              <a:t>без привязки</a:t>
             </a:r>
           </a:p>
           <a:p>
@@ -10270,13 +10365,7 @@
             </a:pPr>
             <a:r>
               <a:rPr lang="ru-RU" sz="2400" dirty="0" smtClean="0"/>
-              <a:t>Работа с адресами</a:t>
-            </a:r>
-          </a:p>
-          <a:p>
-            <a:r>
-              <a:rPr lang="ru-RU" sz="2400" dirty="0" smtClean="0"/>
-              <a:t>    </a:t>
+              <a:t>Методы класса </a:t>
             </a:r>
             <a:r>
               <a:rPr lang="en-US" sz="2400" dirty="0" err="1" smtClean="0">
@@ -10284,15 +10373,22 @@
                   <a:srgbClr val="0070C0"/>
                 </a:solidFill>
               </a:rPr>
-              <a:t>getAddress</a:t>
-            </a:r>
+              <a:t>DatagramSocket</a:t>
+            </a:r>
+            <a:endParaRPr lang="en-US" sz="2400" dirty="0" smtClean="0">
+              <a:solidFill>
+                <a:srgbClr val="0070C0"/>
+              </a:solidFill>
+            </a:endParaRPr>
+          </a:p>
+          <a:p>
             <a:r>
               <a:rPr lang="en-US" sz="2400" dirty="0" smtClean="0">
                 <a:solidFill>
                   <a:srgbClr val="0070C0"/>
                 </a:solidFill>
               </a:rPr>
-              <a:t>()/</a:t>
+              <a:t>    bind(</a:t>
             </a:r>
             <a:r>
               <a:rPr lang="en-US" sz="2400" dirty="0" err="1" smtClean="0">
@@ -10300,7 +10396,7 @@
                   <a:srgbClr val="0070C0"/>
                 </a:solidFill>
               </a:rPr>
-              <a:t>setAddress</a:t>
+              <a:t>SocketAddress</a:t>
             </a:r>
             <a:r>
               <a:rPr lang="en-US" sz="2400" dirty="0" smtClean="0">
@@ -10308,7 +10404,7 @@
                   <a:srgbClr val="0070C0"/>
                 </a:solidFill>
               </a:rPr>
-              <a:t>() </a:t>
+              <a:t>) </a:t>
             </a:r>
             <a:r>
               <a:rPr lang="en-US" sz="2400" dirty="0" smtClean="0"/>
@@ -10316,103 +10412,7 @@
             </a:r>
             <a:r>
               <a:rPr lang="ru-RU" sz="2400" dirty="0" smtClean="0"/>
-              <a:t>интернет-адрес</a:t>
-            </a:r>
-          </a:p>
-          <a:p>
-            <a:r>
-              <a:rPr lang="ru-RU" sz="2400" dirty="0" smtClean="0"/>
-              <a:t>    </a:t>
-            </a:r>
-            <a:r>
-              <a:rPr lang="en-US" sz="2400" dirty="0" err="1" smtClean="0">
-                <a:solidFill>
-                  <a:srgbClr val="0070C0"/>
-                </a:solidFill>
-              </a:rPr>
-              <a:t>getPort</a:t>
-            </a:r>
-            <a:r>
-              <a:rPr lang="en-US" sz="2400" dirty="0" smtClean="0">
-                <a:solidFill>
-                  <a:srgbClr val="0070C0"/>
-                </a:solidFill>
-              </a:rPr>
-              <a:t>()/</a:t>
-            </a:r>
-            <a:r>
-              <a:rPr lang="en-US" sz="2400" dirty="0" err="1" smtClean="0">
-                <a:solidFill>
-                  <a:srgbClr val="0070C0"/>
-                </a:solidFill>
-              </a:rPr>
-              <a:t>setPort</a:t>
-            </a:r>
-            <a:r>
-              <a:rPr lang="en-US" sz="2400" dirty="0" smtClean="0">
-                <a:solidFill>
-                  <a:srgbClr val="0070C0"/>
-                </a:solidFill>
-              </a:rPr>
-              <a:t>() </a:t>
-            </a:r>
-            <a:r>
-              <a:rPr lang="en-US" sz="2400" dirty="0" smtClean="0"/>
-              <a:t>– </a:t>
-            </a:r>
-            <a:r>
-              <a:rPr lang="ru-RU" sz="2400" dirty="0" smtClean="0"/>
-              <a:t>порт</a:t>
-            </a:r>
-          </a:p>
-          <a:p>
-            <a:r>
-              <a:rPr lang="ru-RU" sz="2400" dirty="0" smtClean="0">
-                <a:solidFill>
-                  <a:srgbClr val="0070C0"/>
-                </a:solidFill>
-              </a:rPr>
-              <a:t>    </a:t>
-            </a:r>
-            <a:r>
-              <a:rPr lang="en-US" sz="2400" dirty="0" err="1" smtClean="0">
-                <a:solidFill>
-                  <a:srgbClr val="0070C0"/>
-                </a:solidFill>
-              </a:rPr>
-              <a:t>getSocketAddress</a:t>
-            </a:r>
-            <a:r>
-              <a:rPr lang="en-US" sz="2400" dirty="0" smtClean="0">
-                <a:solidFill>
-                  <a:srgbClr val="0070C0"/>
-                </a:solidFill>
-              </a:rPr>
-              <a:t>()/</a:t>
-            </a:r>
-            <a:r>
-              <a:rPr lang="en-US" sz="2400" dirty="0" err="1" smtClean="0">
-                <a:solidFill>
-                  <a:srgbClr val="0070C0"/>
-                </a:solidFill>
-              </a:rPr>
-              <a:t>setSocketAddress</a:t>
-            </a:r>
-            <a:r>
-              <a:rPr lang="en-US" sz="2400" dirty="0" smtClean="0">
-                <a:solidFill>
-                  <a:srgbClr val="0070C0"/>
-                </a:solidFill>
-              </a:rPr>
-              <a:t>() </a:t>
-            </a:r>
-            <a:r>
-              <a:rPr lang="en-US" sz="2400" dirty="0" smtClean="0"/>
-              <a:t>– </a:t>
-            </a:r>
-            <a:r>
-              <a:rPr lang="ru-RU" sz="2400" dirty="0" smtClean="0"/>
-              <a:t>адрес порта</a:t>
+              <a:t>привязывает к адресу</a:t>
             </a:r>
             <a:endParaRPr lang="ru-RU" sz="2400" dirty="0"/>
           </a:p>
@@ -10421,7 +10421,7 @@
     </p:spTree>
     <p:extLst>
       <p:ext uri="{BB962C8B-B14F-4D97-AF65-F5344CB8AC3E}">
-        <p14:creationId xmlns:p14="http://schemas.microsoft.com/office/powerpoint/2010/main" val="3929425304"/>
+        <p14:creationId xmlns:p14="http://schemas.microsoft.com/office/powerpoint/2010/main" val="41826866"/>
       </p:ext>
     </p:extLst>
   </p:cSld>
@@ -10472,7 +10472,7 @@
           <a:p>
             <a:r>
               <a:rPr lang="ru-RU" dirty="0" smtClean="0"/>
-              <a:t>Создание </a:t>
+              <a:t>Прием и отсылка </a:t>
             </a:r>
             <a:r>
               <a:rPr lang="en-US" dirty="0" smtClean="0"/>
@@ -10480,7 +10480,7 @@
             </a:r>
             <a:r>
               <a:rPr lang="ru-RU" dirty="0" smtClean="0"/>
-              <a:t>сокета</a:t>
+              <a:t>пакетов</a:t>
             </a:r>
             <a:endParaRPr lang="ru-RU" dirty="0"/>
           </a:p>
@@ -10506,42 +10506,7 @@
             </a:pPr>
             <a:r>
               <a:rPr lang="ru-RU" sz="2400" dirty="0" smtClean="0"/>
-              <a:t>Конструкторы класса </a:t>
-            </a:r>
-            <a:r>
-              <a:rPr lang="en-US" sz="2400" dirty="0" err="1" smtClean="0"/>
-              <a:t>DatagramSocket</a:t>
-            </a:r>
-            <a:endParaRPr lang="en-US" sz="2400" dirty="0" smtClean="0"/>
-          </a:p>
-          <a:p>
-            <a:r>
-              <a:rPr lang="en-US" sz="2400" dirty="0" smtClean="0"/>
-              <a:t>    </a:t>
-            </a:r>
-            <a:r>
-              <a:rPr lang="en-US" sz="2400" dirty="0" err="1" smtClean="0">
-                <a:solidFill>
-                  <a:srgbClr val="0070C0"/>
-                </a:solidFill>
-              </a:rPr>
-              <a:t>DatagramSocket</a:t>
-            </a:r>
-            <a:r>
-              <a:rPr lang="en-US" sz="2400" dirty="0" smtClean="0">
-                <a:solidFill>
-                  <a:srgbClr val="0070C0"/>
-                </a:solidFill>
-              </a:rPr>
-              <a:t>(port)</a:t>
-            </a:r>
-            <a:r>
-              <a:rPr lang="en-US" sz="2400" dirty="0" smtClean="0"/>
-              <a:t> – </a:t>
-            </a:r>
-            <a:r>
-              <a:rPr lang="ru-RU" sz="2400" dirty="0" smtClean="0"/>
-              <a:t>по порту</a:t>
+              <a:t>Прием пакета</a:t>
             </a:r>
           </a:p>
           <a:p>
@@ -10550,142 +10515,52 @@
               <a:t>    </a:t>
             </a:r>
             <a:r>
-              <a:rPr lang="en-US" sz="2400" dirty="0" err="1" smtClean="0">
-                <a:solidFill>
-                  <a:srgbClr val="0070C0"/>
-                </a:solidFill>
-              </a:rPr>
-              <a:t>DatagramSocket</a:t>
-            </a:r>
-            <a:r>
-              <a:rPr lang="en-US" sz="2400" dirty="0" smtClean="0">
-                <a:solidFill>
-                  <a:srgbClr val="0070C0"/>
-                </a:solidFill>
-              </a:rPr>
-              <a:t>() </a:t>
-            </a:r>
-            <a:r>
-              <a:rPr lang="en-US" sz="2400" dirty="0" smtClean="0"/>
-              <a:t>– </a:t>
+              <a:rPr lang="ru-RU" sz="2400" dirty="0" err="1" smtClean="0">
+                <a:solidFill>
+                  <a:srgbClr val="0070C0"/>
+                </a:solidFill>
+              </a:rPr>
+              <a:t>receive</a:t>
+            </a:r>
+            <a:r>
+              <a:rPr lang="ru-RU" sz="2400" dirty="0" smtClean="0">
+                <a:solidFill>
+                  <a:srgbClr val="0070C0"/>
+                </a:solidFill>
+              </a:rPr>
+              <a:t>(</a:t>
+            </a:r>
+            <a:r>
+              <a:rPr lang="ru-RU" sz="2400" dirty="0" err="1" smtClean="0">
+                <a:solidFill>
+                  <a:srgbClr val="0070C0"/>
+                </a:solidFill>
+              </a:rPr>
+              <a:t>DatagramPacket</a:t>
+            </a:r>
+            <a:r>
+              <a:rPr lang="ru-RU" sz="2400" dirty="0" smtClean="0">
+                <a:solidFill>
+                  <a:srgbClr val="0070C0"/>
+                </a:solidFill>
+              </a:rPr>
+              <a:t>) </a:t>
             </a:r>
             <a:r>
               <a:rPr lang="ru-RU" sz="2400" dirty="0" smtClean="0"/>
-              <a:t>случайный порт</a:t>
+              <a:t>– ожидает получения пакета</a:t>
             </a:r>
           </a:p>
           <a:p>
             <a:r>
               <a:rPr lang="ru-RU" sz="2400" dirty="0" smtClean="0"/>
-              <a:t>    </a:t>
-            </a:r>
-            <a:r>
-              <a:rPr lang="en-US" sz="2400" dirty="0" err="1" smtClean="0">
-                <a:solidFill>
-                  <a:srgbClr val="0070C0"/>
-                </a:solidFill>
-              </a:rPr>
-              <a:t>DatagramSocket</a:t>
-            </a:r>
-            <a:r>
-              <a:rPr lang="en-US" sz="2400" dirty="0" smtClean="0">
-                <a:solidFill>
-                  <a:srgbClr val="0070C0"/>
-                </a:solidFill>
-              </a:rPr>
-              <a:t>(</a:t>
-            </a:r>
-            <a:r>
-              <a:rPr lang="en-US" sz="2400" dirty="0" err="1" smtClean="0">
-                <a:solidFill>
-                  <a:srgbClr val="0070C0"/>
-                </a:solidFill>
-              </a:rPr>
-              <a:t>InetAddress</a:t>
-            </a:r>
-            <a:r>
-              <a:rPr lang="en-US" sz="2400" dirty="0" smtClean="0">
-                <a:solidFill>
-                  <a:srgbClr val="0070C0"/>
-                </a:solidFill>
-              </a:rPr>
-              <a:t>, port) </a:t>
-            </a:r>
-            <a:r>
-              <a:rPr lang="en-US" sz="2400" dirty="0" smtClean="0"/>
-              <a:t>– </a:t>
-            </a:r>
+              <a:t>    Блокируется до приема пакета</a:t>
+            </a:r>
+          </a:p>
+          <a:p>
             <a:r>
               <a:rPr lang="ru-RU" sz="2400" dirty="0" smtClean="0"/>
-              <a:t>по порту и адресу</a:t>
-            </a:r>
-          </a:p>
-          <a:p>
-            <a:r>
-              <a:rPr lang="ru-RU" sz="2400" dirty="0" smtClean="0"/>
-              <a:t>    </a:t>
-            </a:r>
-            <a:r>
-              <a:rPr lang="en-US" sz="2400" dirty="0" err="1" smtClean="0">
-                <a:solidFill>
-                  <a:srgbClr val="0070C0"/>
-                </a:solidFill>
-              </a:rPr>
-              <a:t>DatagramSocket</a:t>
-            </a:r>
-            <a:r>
-              <a:rPr lang="en-US" sz="2400" dirty="0" smtClean="0">
-                <a:solidFill>
-                  <a:srgbClr val="0070C0"/>
-                </a:solidFill>
-              </a:rPr>
-              <a:t>(</a:t>
-            </a:r>
-            <a:r>
-              <a:rPr lang="en-US" sz="2400" dirty="0" err="1" smtClean="0">
-                <a:solidFill>
-                  <a:srgbClr val="0070C0"/>
-                </a:solidFill>
-              </a:rPr>
-              <a:t>SocketAddress</a:t>
-            </a:r>
-            <a:r>
-              <a:rPr lang="en-US" sz="2400" dirty="0" smtClean="0"/>
-              <a:t>) – </a:t>
-            </a:r>
-            <a:r>
-              <a:rPr lang="ru-RU" sz="2400" dirty="0" smtClean="0"/>
-              <a:t>по адресу порта</a:t>
-            </a:r>
-          </a:p>
-          <a:p>
-            <a:r>
-              <a:rPr lang="ru-RU" sz="2400" dirty="0" smtClean="0"/>
-              <a:t>    </a:t>
-            </a:r>
-            <a:r>
-              <a:rPr lang="en-US" sz="2400" dirty="0" err="1" smtClean="0">
-                <a:solidFill>
-                  <a:srgbClr val="0070C0"/>
-                </a:solidFill>
-              </a:rPr>
-              <a:t>DatagramSocket</a:t>
-            </a:r>
-            <a:r>
-              <a:rPr lang="en-US" sz="2400" dirty="0" smtClean="0">
-                <a:solidFill>
-                  <a:srgbClr val="0070C0"/>
-                </a:solidFill>
-              </a:rPr>
-              <a:t>(null)</a:t>
-            </a:r>
-            <a:r>
-              <a:rPr lang="en-US" sz="2400" dirty="0" smtClean="0"/>
-              <a:t> – </a:t>
-            </a:r>
-            <a:r>
-              <a:rPr lang="ru-RU" sz="2400" dirty="0" smtClean="0"/>
-              <a:t>без привязки</a:t>
+              <a:t>    Возможно принимать пакеты параллельно</a:t>
             </a:r>
           </a:p>
           <a:p>
@@ -10694,54 +10569,55 @@
             </a:pPr>
             <a:r>
               <a:rPr lang="ru-RU" sz="2400" dirty="0" smtClean="0"/>
-              <a:t>Методы класса </a:t>
-            </a:r>
-            <a:r>
-              <a:rPr lang="en-US" sz="2400" dirty="0" err="1" smtClean="0">
-                <a:solidFill>
-                  <a:srgbClr val="0070C0"/>
-                </a:solidFill>
-              </a:rPr>
-              <a:t>DatagramSocket</a:t>
-            </a:r>
-            <a:endParaRPr lang="en-US" sz="2400" dirty="0" smtClean="0">
-              <a:solidFill>
-                <a:srgbClr val="0070C0"/>
-              </a:solidFill>
-            </a:endParaRPr>
-          </a:p>
-          <a:p>
-            <a:r>
-              <a:rPr lang="en-US" sz="2400" dirty="0" smtClean="0">
-                <a:solidFill>
-                  <a:srgbClr val="0070C0"/>
-                </a:solidFill>
-              </a:rPr>
-              <a:t>    bind(</a:t>
-            </a:r>
-            <a:r>
-              <a:rPr lang="en-US" sz="2400" dirty="0" err="1" smtClean="0">
-                <a:solidFill>
-                  <a:srgbClr val="0070C0"/>
-                </a:solidFill>
-              </a:rPr>
-              <a:t>SocketAddress</a:t>
-            </a:r>
-            <a:r>
-              <a:rPr lang="en-US" sz="2400" dirty="0" smtClean="0">
-                <a:solidFill>
-                  <a:srgbClr val="0070C0"/>
-                </a:solidFill>
-              </a:rPr>
-              <a:t>) </a:t>
-            </a:r>
-            <a:r>
-              <a:rPr lang="en-US" sz="2400" dirty="0" smtClean="0"/>
-              <a:t>– </a:t>
-            </a:r>
+              <a:t>Отсылка пакета</a:t>
+            </a:r>
+          </a:p>
+          <a:p>
             <a:r>
               <a:rPr lang="ru-RU" sz="2400" dirty="0" smtClean="0"/>
-              <a:t>привязывает к адресу</a:t>
+              <a:t>    </a:t>
+            </a:r>
+            <a:r>
+              <a:rPr lang="ru-RU" sz="2400" dirty="0" err="1" smtClean="0">
+                <a:solidFill>
+                  <a:srgbClr val="0070C0"/>
+                </a:solidFill>
+              </a:rPr>
+              <a:t>send</a:t>
+            </a:r>
+            <a:r>
+              <a:rPr lang="ru-RU" sz="2400" dirty="0" smtClean="0">
+                <a:solidFill>
+                  <a:srgbClr val="0070C0"/>
+                </a:solidFill>
+              </a:rPr>
+              <a:t>(</a:t>
+            </a:r>
+            <a:r>
+              <a:rPr lang="ru-RU" sz="2400" dirty="0" err="1" smtClean="0">
+                <a:solidFill>
+                  <a:srgbClr val="0070C0"/>
+                </a:solidFill>
+              </a:rPr>
+              <a:t>DatagramPacket</a:t>
+            </a:r>
+            <a:r>
+              <a:rPr lang="ru-RU" sz="2400" dirty="0" smtClean="0">
+                <a:solidFill>
+                  <a:srgbClr val="0070C0"/>
+                </a:solidFill>
+              </a:rPr>
+              <a:t>)</a:t>
+            </a:r>
+            <a:r>
+              <a:rPr lang="ru-RU" sz="2400" dirty="0" smtClean="0"/>
+              <a:t> – отсылает пакет</a:t>
+            </a:r>
+          </a:p>
+          <a:p>
+            <a:r>
+              <a:rPr lang="ru-RU" sz="2400" dirty="0" smtClean="0"/>
+              <a:t>    Возможно отсылать пакеты параллельно</a:t>
             </a:r>
             <a:endParaRPr lang="ru-RU" sz="2400" dirty="0"/>
           </a:p>
@@ -10750,7 +10626,7 @@
     </p:spTree>
     <p:extLst>
       <p:ext uri="{BB962C8B-B14F-4D97-AF65-F5344CB8AC3E}">
-        <p14:creationId xmlns:p14="http://schemas.microsoft.com/office/powerpoint/2010/main" val="41826866"/>
+        <p14:creationId xmlns:p14="http://schemas.microsoft.com/office/powerpoint/2010/main" val="3060899805"/>
       </p:ext>
     </p:extLst>
   </p:cSld>
@@ -10800,16 +10676,8 @@
           <a:lstStyle/>
           <a:p>
             <a:r>
-              <a:rPr lang="ru-RU" dirty="0" smtClean="0"/>
-              <a:t>Прием и отсылка </a:t>
-            </a:r>
-            <a:r>
               <a:rPr lang="en-US" dirty="0" smtClean="0"/>
-              <a:t>UDP-</a:t>
-            </a:r>
-            <a:r>
-              <a:rPr lang="ru-RU" dirty="0" smtClean="0"/>
-              <a:t>пакетов</a:t>
+              <a:t>Broadcast</a:t>
             </a:r>
             <a:endParaRPr lang="ru-RU" dirty="0"/>
           </a:p>
@@ -10830,132 +10698,66 @@
           <a:bodyPr/>
           <a:lstStyle/>
           <a:p>
-            <a:pPr marL="0" indent="0">
-              <a:buNone/>
-            </a:pPr>
-            <a:r>
-              <a:rPr lang="ru-RU" sz="2400" dirty="0" smtClean="0"/>
-              <a:t>Прием пакета</a:t>
-            </a:r>
-          </a:p>
-          <a:p>
-            <a:r>
-              <a:rPr lang="ru-RU" sz="2400" dirty="0" smtClean="0"/>
-              <a:t>    </a:t>
-            </a:r>
-            <a:r>
-              <a:rPr lang="ru-RU" sz="2400" dirty="0" err="1" smtClean="0">
-                <a:solidFill>
-                  <a:srgbClr val="0070C0"/>
-                </a:solidFill>
-              </a:rPr>
-              <a:t>receive</a:t>
-            </a:r>
-            <a:r>
-              <a:rPr lang="ru-RU" sz="2400" dirty="0" smtClean="0">
-                <a:solidFill>
-                  <a:srgbClr val="0070C0"/>
-                </a:solidFill>
-              </a:rPr>
-              <a:t>(</a:t>
-            </a:r>
-            <a:r>
-              <a:rPr lang="ru-RU" sz="2400" dirty="0" err="1" smtClean="0">
-                <a:solidFill>
-                  <a:srgbClr val="0070C0"/>
-                </a:solidFill>
-              </a:rPr>
-              <a:t>DatagramPacket</a:t>
-            </a:r>
-            <a:r>
-              <a:rPr lang="ru-RU" sz="2400" dirty="0" smtClean="0">
-                <a:solidFill>
-                  <a:srgbClr val="0070C0"/>
-                </a:solidFill>
-              </a:rPr>
-              <a:t>) </a:t>
-            </a:r>
-            <a:r>
-              <a:rPr lang="ru-RU" sz="2400" dirty="0" smtClean="0"/>
-              <a:t>– ожидает получения пакета</a:t>
-            </a:r>
-          </a:p>
-          <a:p>
-            <a:r>
-              <a:rPr lang="ru-RU" sz="2400" dirty="0" smtClean="0"/>
-              <a:t>    Блокируется до приема пакета</a:t>
-            </a:r>
-          </a:p>
-          <a:p>
-            <a:r>
-              <a:rPr lang="ru-RU" sz="2400" dirty="0" smtClean="0"/>
-              <a:t>    Возможно принимать пакеты параллельно</a:t>
-            </a:r>
-          </a:p>
-          <a:p>
-            <a:pPr marL="0" indent="0">
-              <a:buNone/>
-            </a:pPr>
-            <a:r>
-              <a:rPr lang="ru-RU" sz="2400" dirty="0" smtClean="0"/>
-              <a:t>Отсылка пакета</a:t>
-            </a:r>
-          </a:p>
-          <a:p>
-            <a:r>
-              <a:rPr lang="ru-RU" sz="2400" dirty="0" smtClean="0"/>
-              <a:t>    </a:t>
-            </a:r>
-            <a:r>
-              <a:rPr lang="ru-RU" sz="2400" dirty="0" err="1" smtClean="0">
-                <a:solidFill>
-                  <a:srgbClr val="0070C0"/>
-                </a:solidFill>
-              </a:rPr>
-              <a:t>send</a:t>
-            </a:r>
-            <a:r>
-              <a:rPr lang="ru-RU" sz="2400" dirty="0" smtClean="0">
-                <a:solidFill>
-                  <a:srgbClr val="0070C0"/>
-                </a:solidFill>
-              </a:rPr>
-              <a:t>(</a:t>
-            </a:r>
-            <a:r>
-              <a:rPr lang="ru-RU" sz="2400" dirty="0" err="1" smtClean="0">
-                <a:solidFill>
-                  <a:srgbClr val="0070C0"/>
-                </a:solidFill>
-              </a:rPr>
-              <a:t>DatagramPacket</a:t>
-            </a:r>
-            <a:r>
-              <a:rPr lang="ru-RU" sz="2400" dirty="0" smtClean="0">
-                <a:solidFill>
-                  <a:srgbClr val="0070C0"/>
-                </a:solidFill>
-              </a:rPr>
-              <a:t>)</a:t>
-            </a:r>
-            <a:r>
-              <a:rPr lang="ru-RU" sz="2400" dirty="0" smtClean="0"/>
-              <a:t> – отсылает пакет</a:t>
-            </a:r>
-          </a:p>
-          <a:p>
-            <a:r>
-              <a:rPr lang="ru-RU" sz="2400" dirty="0" smtClean="0"/>
-              <a:t>    Возможно отсылать пакеты параллельно</a:t>
-            </a:r>
-            <a:endParaRPr lang="ru-RU" sz="2400" dirty="0"/>
-          </a:p>
-        </p:txBody>
-      </p:sp>
+            <a:endParaRPr lang="ru-RU" dirty="0"/>
+          </a:p>
+        </p:txBody>
+      </p:sp>
+      <p:pic>
+        <p:nvPicPr>
+          <p:cNvPr id="1028" name="Picture 4"/>
+          <p:cNvPicPr>
+            <a:picLocks noChangeAspect="1" noChangeArrowheads="1"/>
+          </p:cNvPicPr>
+          <p:nvPr/>
+        </p:nvPicPr>
+        <p:blipFill rotWithShape="1">
+          <a:blip r:embed="rId2">
+            <a:extLst>
+              <a:ext uri="{28A0092B-C50C-407E-A947-70E740481C1C}">
+                <a14:useLocalDpi xmlns:a14="http://schemas.microsoft.com/office/drawing/2010/main" val="0"/>
+              </a:ext>
+            </a:extLst>
+          </a:blip>
+          <a:srcRect l="7241" t="11861" r="34515" b="19716"/>
+          <a:stretch/>
+        </p:blipFill>
+        <p:spPr bwMode="auto">
+          <a:xfrm>
+            <a:off x="2267744" y="2996952"/>
+            <a:ext cx="4517286" cy="2985040"/>
+          </a:xfrm>
+          <a:prstGeom prst="rect">
+            <a:avLst/>
+          </a:prstGeom>
+          <a:noFill/>
+          <a:ln>
+            <a:noFill/>
+          </a:ln>
+          <a:extLst>
+            <a:ext uri="{909E8E84-426E-40DD-AFC4-6F175D3DCCD1}">
+              <a14:hiddenFill xmlns:a14="http://schemas.microsoft.com/office/drawing/2010/main">
+                <a:solidFill>
+                  <a:schemeClr val="accent1"/>
+                </a:solidFill>
+              </a14:hiddenFill>
+            </a:ext>
+            <a:ext uri="{91240B29-F687-4F45-9708-019B960494DF}">
+              <a14:hiddenLine xmlns:a14="http://schemas.microsoft.com/office/drawing/2010/main" w="9525">
+                <a:solidFill>
+                  <a:schemeClr val="tx1"/>
+                </a:solidFill>
+                <a:miter lim="800000"/>
+                <a:headEnd/>
+                <a:tailEnd/>
+              </a14:hiddenLine>
+            </a:ext>
+          </a:extLst>
+        </p:spPr>
+      </p:pic>
     </p:spTree>
     <p:extLst>
       <p:ext uri="{BB962C8B-B14F-4D97-AF65-F5344CB8AC3E}">
-        <p14:creationId xmlns:p14="http://schemas.microsoft.com/office/powerpoint/2010/main" val="3060899805"/>
+        <p14:creationId xmlns:p14="http://schemas.microsoft.com/office/powerpoint/2010/main" val="2055311413"/>
       </p:ext>
     </p:extLst>
   </p:cSld>
@@ -10989,30 +10791,6 @@
           <a:chExt cx="0" cy="0"/>
         </a:xfrm>
       </p:grpSpPr>
-      <p:pic>
-        <p:nvPicPr>
-          <p:cNvPr id="4" name="Рисунок 3"/>
-          <p:cNvPicPr>
-            <a:picLocks noChangeAspect="1"/>
-          </p:cNvPicPr>
-          <p:nvPr/>
-        </p:nvPicPr>
-        <p:blipFill>
-          <a:blip r:embed="rId2"/>
-          <a:stretch>
-            <a:fillRect/>
-          </a:stretch>
-        </p:blipFill>
-        <p:spPr>
-          <a:xfrm>
-            <a:off x="1547664" y="1641528"/>
-            <a:ext cx="6120680" cy="4451768"/>
-          </a:xfrm>
-          <a:prstGeom prst="rect">
-            <a:avLst/>
-          </a:prstGeom>
-        </p:spPr>
-      </p:pic>
       <p:sp>
         <p:nvSpPr>
           <p:cNvPr id="2" name="Заголовок 1"/>
@@ -11029,8 +10807,8 @@
           <a:lstStyle/>
           <a:p>
             <a:r>
-              <a:rPr lang="en-US" dirty="0" smtClean="0"/>
-              <a:t>Transmission Control Protocol</a:t>
+              <a:rPr lang="ru-RU" dirty="0" smtClean="0"/>
+              <a:t>Примеры</a:t>
             </a:r>
             <a:endParaRPr lang="ru-RU" dirty="0"/>
           </a:p>
@@ -11046,19 +10824,32 @@
             <p:ph idx="1"/>
           </p:nvPr>
         </p:nvSpPr>
-        <p:spPr>
-          <a:xfrm>
-            <a:off x="539552" y="1484784"/>
-            <a:ext cx="7924800" cy="4419600"/>
-          </a:xfrm>
-        </p:spPr>
+        <p:spPr/>
         <p:txBody>
           <a:bodyPr/>
           <a:lstStyle/>
           <a:p>
             <a:r>
-              <a:rPr lang="ru-RU" dirty="0" smtClean="0"/>
-              <a:t>Двусторонний канал с гарантией доставки</a:t>
+              <a:rPr lang="en-US" dirty="0"/>
+              <a:t>mailto:java-net@java.sun.com</a:t>
+            </a:r>
+          </a:p>
+          <a:p>
+            <a:r>
+              <a:rPr lang="en-US" dirty="0"/>
+              <a:t>urn:isbn:096139210x</a:t>
+            </a:r>
+          </a:p>
+          <a:p>
+            <a:r>
+              <a:rPr lang="en-US" dirty="0"/>
+              <a:t>http://java.sun.com/j2se/1.3/</a:t>
+            </a:r>
+          </a:p>
+          <a:p>
+            <a:r>
+              <a:rPr lang="en-US" dirty="0"/>
+              <a:t>docs/guide/collections/designfaq.html#28</a:t>
             </a:r>
             <a:endParaRPr lang="ru-RU" dirty="0"/>
           </a:p>
@@ -11067,7 +10858,7 @@
     </p:spTree>
     <p:extLst>
       <p:ext uri="{BB962C8B-B14F-4D97-AF65-F5344CB8AC3E}">
-        <p14:creationId xmlns:p14="http://schemas.microsoft.com/office/powerpoint/2010/main" val="1075848010"/>
+        <p14:creationId xmlns:p14="http://schemas.microsoft.com/office/powerpoint/2010/main" val="200484691"/>
       </p:ext>
     </p:extLst>
   </p:cSld>
@@ -11383,8 +11174,12 @@
           <a:lstStyle/>
           <a:p>
             <a:r>
+              <a:rPr lang="ru-RU" dirty="0" smtClean="0"/>
+              <a:t>Создание </a:t>
+            </a:r>
+            <a:r>
               <a:rPr lang="en-US" dirty="0" smtClean="0"/>
-              <a:t>User Datagram Protocol</a:t>
+              <a:t>URI</a:t>
             </a:r>
             <a:endParaRPr lang="ru-RU" dirty="0"/>
           </a:p>
@@ -11400,47 +11195,274 @@
             <p:ph idx="1"/>
           </p:nvPr>
         </p:nvSpPr>
-        <p:spPr/>
+        <p:spPr>
+          <a:xfrm>
+            <a:off x="539552" y="1412776"/>
+            <a:ext cx="7924800" cy="4419600"/>
+          </a:xfrm>
+        </p:spPr>
         <p:txBody>
           <a:bodyPr/>
           <a:lstStyle/>
           <a:p>
-            <a:r>
-              <a:rPr lang="ru-RU" dirty="0" smtClean="0"/>
-              <a:t>Односторонний канал без гарантии доставки</a:t>
-            </a:r>
-            <a:endParaRPr lang="ru-RU" dirty="0"/>
-          </a:p>
-        </p:txBody>
-      </p:sp>
-      <p:pic>
-        <p:nvPicPr>
-          <p:cNvPr id="4" name="Рисунок 3"/>
-          <p:cNvPicPr>
-            <a:picLocks noChangeAspect="1"/>
-          </p:cNvPicPr>
-          <p:nvPr/>
-        </p:nvPicPr>
-        <p:blipFill>
-          <a:blip r:embed="rId2"/>
-          <a:stretch>
-            <a:fillRect/>
-          </a:stretch>
-        </p:blipFill>
-        <p:spPr>
-          <a:xfrm>
-            <a:off x="2339752" y="2642403"/>
-            <a:ext cx="4655840" cy="3382759"/>
-          </a:xfrm>
-          <a:prstGeom prst="rect">
-            <a:avLst/>
-          </a:prstGeom>
-        </p:spPr>
-      </p:pic>
+            <a:pPr marL="0" indent="0">
+              <a:buNone/>
+            </a:pPr>
+            <a:r>
+              <a:rPr lang="ru-RU" sz="2400" dirty="0" smtClean="0"/>
+              <a:t>Конструкторы класса </a:t>
+            </a:r>
+            <a:r>
+              <a:rPr lang="en-US" sz="2400" dirty="0" smtClean="0"/>
+              <a:t>URI</a:t>
+            </a:r>
+          </a:p>
+          <a:p>
+            <a:r>
+              <a:rPr lang="en-US" sz="2400" dirty="0" smtClean="0"/>
+              <a:t>    </a:t>
+            </a:r>
+            <a:r>
+              <a:rPr lang="en-US" sz="2400" dirty="0" smtClean="0">
+                <a:solidFill>
+                  <a:srgbClr val="0070C0"/>
+                </a:solidFill>
+              </a:rPr>
+              <a:t>URI(String)</a:t>
+            </a:r>
+            <a:r>
+              <a:rPr lang="en-US" sz="2400" dirty="0" smtClean="0"/>
+              <a:t> – </a:t>
+            </a:r>
+            <a:r>
+              <a:rPr lang="ru-RU" sz="2400" dirty="0" smtClean="0"/>
+              <a:t>по строке</a:t>
+            </a:r>
+          </a:p>
+          <a:p>
+            <a:r>
+              <a:rPr lang="ru-RU" sz="2400" dirty="0" smtClean="0"/>
+              <a:t>    </a:t>
+            </a:r>
+            <a:r>
+              <a:rPr lang="en-US" sz="2400" dirty="0" smtClean="0">
+                <a:solidFill>
+                  <a:srgbClr val="0070C0"/>
+                </a:solidFill>
+              </a:rPr>
+              <a:t>URI(scheme, </a:t>
+            </a:r>
+            <a:r>
+              <a:rPr lang="en-US" sz="2400" dirty="0" err="1" smtClean="0">
+                <a:solidFill>
+                  <a:srgbClr val="0070C0"/>
+                </a:solidFill>
+              </a:rPr>
+              <a:t>ssp</a:t>
+            </a:r>
+            <a:r>
+              <a:rPr lang="en-US" sz="2400" dirty="0" smtClean="0">
+                <a:solidFill>
+                  <a:srgbClr val="0070C0"/>
+                </a:solidFill>
+              </a:rPr>
+              <a:t>, fragment) </a:t>
+            </a:r>
+            <a:r>
+              <a:rPr lang="en-US" sz="2400" dirty="0" smtClean="0"/>
+              <a:t>– </a:t>
+            </a:r>
+            <a:r>
+              <a:rPr lang="ru-RU" sz="2400" dirty="0" smtClean="0"/>
+              <a:t>из крупных частей</a:t>
+            </a:r>
+          </a:p>
+          <a:p>
+            <a:r>
+              <a:rPr lang="ru-RU" sz="2400" dirty="0" smtClean="0"/>
+              <a:t>    </a:t>
+            </a:r>
+            <a:r>
+              <a:rPr lang="en-US" sz="2400" dirty="0" smtClean="0">
+                <a:solidFill>
+                  <a:srgbClr val="0070C0"/>
+                </a:solidFill>
+              </a:rPr>
+              <a:t>URI(</a:t>
+            </a:r>
+            <a:r>
+              <a:rPr lang="en-US" sz="2400" dirty="0" err="1" smtClean="0">
+                <a:solidFill>
+                  <a:srgbClr val="0070C0"/>
+                </a:solidFill>
+              </a:rPr>
+              <a:t>sheme</a:t>
+            </a:r>
+            <a:r>
+              <a:rPr lang="en-US" sz="2400" dirty="0" smtClean="0">
+                <a:solidFill>
+                  <a:srgbClr val="0070C0"/>
+                </a:solidFill>
+              </a:rPr>
+              <a:t>, </a:t>
+            </a:r>
+            <a:r>
+              <a:rPr lang="en-US" sz="2400" dirty="0" err="1" smtClean="0">
+                <a:solidFill>
+                  <a:srgbClr val="0070C0"/>
+                </a:solidFill>
+              </a:rPr>
+              <a:t>userInfo</a:t>
+            </a:r>
+            <a:r>
+              <a:rPr lang="en-US" sz="2400" dirty="0" smtClean="0">
+                <a:solidFill>
+                  <a:srgbClr val="0070C0"/>
+                </a:solidFill>
+              </a:rPr>
+              <a:t>, host, port, path, query, fragment)</a:t>
+            </a:r>
+            <a:r>
+              <a:rPr lang="en-US" sz="2400" dirty="0" smtClean="0"/>
+              <a:t> – </a:t>
+            </a:r>
+            <a:r>
+              <a:rPr lang="ru-RU" sz="2400" dirty="0" smtClean="0"/>
+              <a:t>из мелких частей</a:t>
+            </a:r>
+          </a:p>
+          <a:p>
+            <a:pPr marL="0" indent="0">
+              <a:buNone/>
+            </a:pPr>
+            <a:r>
+              <a:rPr lang="ru-RU" sz="2400" dirty="0" smtClean="0"/>
+              <a:t>Фабричные методы класса </a:t>
+            </a:r>
+            <a:r>
+              <a:rPr lang="en-US" sz="2400" dirty="0" smtClean="0"/>
+              <a:t>URI</a:t>
+            </a:r>
+          </a:p>
+          <a:p>
+            <a:r>
+              <a:rPr lang="en-US" sz="2400" dirty="0" smtClean="0"/>
+              <a:t>    </a:t>
+            </a:r>
+            <a:r>
+              <a:rPr lang="en-US" sz="2400" dirty="0" smtClean="0">
+                <a:solidFill>
+                  <a:srgbClr val="0070C0"/>
+                </a:solidFill>
+              </a:rPr>
+              <a:t>create(String)</a:t>
+            </a:r>
+            <a:r>
+              <a:rPr lang="en-US" sz="2400" dirty="0" smtClean="0"/>
+              <a:t> – </a:t>
+            </a:r>
+            <a:r>
+              <a:rPr lang="ru-RU" sz="2400" dirty="0" smtClean="0"/>
+              <a:t>по строке</a:t>
+            </a:r>
+          </a:p>
+          <a:p>
+            <a:pPr marL="0" indent="0">
+              <a:buNone/>
+            </a:pPr>
+            <a:r>
+              <a:rPr lang="ru-RU" sz="2400" dirty="0" smtClean="0"/>
+              <a:t>Из других объектов</a:t>
+            </a:r>
+          </a:p>
+          <a:p>
+            <a:r>
+              <a:rPr lang="ru-RU" sz="2400" dirty="0" smtClean="0">
+                <a:solidFill>
+                  <a:srgbClr val="0070C0"/>
+                </a:solidFill>
+              </a:rPr>
+              <a:t>    </a:t>
+            </a:r>
+            <a:r>
+              <a:rPr lang="en-US" sz="2400" dirty="0" err="1" smtClean="0">
+                <a:solidFill>
+                  <a:srgbClr val="0070C0"/>
+                </a:solidFill>
+              </a:rPr>
+              <a:t>file.toURI</a:t>
+            </a:r>
+            <a:r>
+              <a:rPr lang="en-US" sz="2400" dirty="0" smtClean="0">
+                <a:solidFill>
+                  <a:srgbClr val="0070C0"/>
+                </a:solidFill>
+              </a:rPr>
+              <a:t>() </a:t>
+            </a:r>
+            <a:r>
+              <a:rPr lang="en-US" sz="2400" dirty="0" smtClean="0"/>
+              <a:t>– </a:t>
+            </a:r>
+            <a:r>
+              <a:rPr lang="ru-RU" sz="2400" dirty="0" smtClean="0"/>
+              <a:t>из дескриптора файла</a:t>
+            </a:r>
+          </a:p>
+          <a:p>
+            <a:r>
+              <a:rPr lang="ru-RU" sz="2400" dirty="0" smtClean="0"/>
+              <a:t>    </a:t>
+            </a:r>
+            <a:r>
+              <a:rPr lang="en-US" sz="2400" dirty="0" err="1" smtClean="0">
+                <a:solidFill>
+                  <a:srgbClr val="0070C0"/>
+                </a:solidFill>
+              </a:rPr>
+              <a:t>url.toURI</a:t>
+            </a:r>
+            <a:r>
+              <a:rPr lang="en-US" sz="2400" dirty="0" smtClean="0">
+                <a:solidFill>
+                  <a:srgbClr val="0070C0"/>
+                </a:solidFill>
+              </a:rPr>
+              <a:t>() </a:t>
+            </a:r>
+            <a:r>
+              <a:rPr lang="en-US" sz="2400" dirty="0" smtClean="0"/>
+              <a:t>– </a:t>
+            </a:r>
+            <a:r>
+              <a:rPr lang="ru-RU" sz="2400" dirty="0" smtClean="0"/>
+              <a:t>из </a:t>
+            </a:r>
+            <a:r>
+              <a:rPr lang="en-US" sz="2400" dirty="0" smtClean="0"/>
+              <a:t>URL</a:t>
+            </a:r>
+          </a:p>
+          <a:p>
+            <a:pPr marL="0" indent="0">
+              <a:buNone/>
+            </a:pPr>
+            <a:r>
+              <a:rPr lang="ru-RU" sz="2400" dirty="0" smtClean="0"/>
+              <a:t>Исключение </a:t>
+            </a:r>
+            <a:r>
+              <a:rPr lang="en-US" sz="2400" dirty="0" err="1" smtClean="0"/>
+              <a:t>URISyntaxException</a:t>
+            </a:r>
+            <a:endParaRPr lang="ru-RU" sz="2400" dirty="0"/>
+          </a:p>
+        </p:txBody>
+      </p:sp>
     </p:spTree>
     <p:extLst>
       <p:ext uri="{BB962C8B-B14F-4D97-AF65-F5344CB8AC3E}">
-        <p14:creationId xmlns:p14="http://schemas.microsoft.com/office/powerpoint/2010/main" val="3464142453"/>
+        <p14:creationId xmlns:p14="http://schemas.microsoft.com/office/powerpoint/2010/main" val="503529821"/>
       </p:ext>
     </p:extLst>
   </p:cSld>
@@ -11490,8 +11512,12 @@
           <a:lstStyle/>
           <a:p>
             <a:r>
+              <a:rPr lang="ru-RU" dirty="0" smtClean="0"/>
+              <a:t>Получение частей </a:t>
+            </a:r>
+            <a:r>
               <a:rPr lang="en-US" dirty="0" smtClean="0"/>
-              <a:t>Uniform Resource Identifier</a:t>
+              <a:t>URI </a:t>
             </a:r>
             <a:endParaRPr lang="ru-RU" dirty="0"/>
           </a:p>
@@ -11507,136 +11533,274 @@
             <p:ph idx="1"/>
           </p:nvPr>
         </p:nvSpPr>
-        <p:spPr>
-          <a:xfrm>
-            <a:off x="467544" y="1364034"/>
-            <a:ext cx="7924800" cy="5593357"/>
-          </a:xfrm>
-        </p:spPr>
+        <p:spPr/>
         <p:txBody>
           <a:bodyPr/>
           <a:lstStyle/>
           <a:p>
-            <a:r>
-              <a:rPr lang="ru-RU" sz="2400" dirty="0" smtClean="0"/>
-              <a:t>Идентифицирует ресурс</a:t>
-            </a:r>
-            <a:r>
-              <a:rPr lang="en-US" sz="2400" dirty="0" smtClean="0"/>
-              <a:t> </a:t>
-            </a:r>
-            <a:r>
-              <a:rPr lang="en-US" sz="2400" dirty="0">
-                <a:solidFill>
-                  <a:srgbClr val="FF0000"/>
-                </a:solidFill>
-              </a:rPr>
-              <a:t>RFC 3986</a:t>
-            </a:r>
-            <a:endParaRPr lang="ru-RU" sz="2400" dirty="0" smtClean="0">
-              <a:solidFill>
-                <a:srgbClr val="FF0000"/>
-              </a:solidFill>
-            </a:endParaRPr>
-          </a:p>
-          <a:p>
-            <a:r>
-              <a:rPr lang="ru-RU" sz="2400" dirty="0" smtClean="0"/>
-              <a:t>Общий </a:t>
-            </a:r>
-            <a:r>
-              <a:rPr lang="en-US" sz="2400" dirty="0" smtClean="0"/>
-              <a:t>URI</a:t>
-            </a:r>
-          </a:p>
-          <a:p>
-            <a:pPr marL="0" indent="0" algn="ctr">
+            <a:pPr marL="0" indent="0">
               <a:buNone/>
             </a:pPr>
             <a:r>
+              <a:rPr lang="en-US" sz="2400" dirty="0" err="1" smtClean="0">
+                <a:solidFill>
+                  <a:srgbClr val="0070C0"/>
+                </a:solidFill>
+              </a:rPr>
+              <a:t>getScheme</a:t>
+            </a:r>
+            <a:r>
               <a:rPr lang="en-US" sz="2400" dirty="0" smtClean="0">
                 <a:solidFill>
                   <a:srgbClr val="0070C0"/>
                 </a:solidFill>
               </a:rPr>
-              <a:t>[scheme:]scheme-specific-part[#fragment]</a:t>
-            </a:r>
-          </a:p>
-          <a:p>
-            <a:r>
-              <a:rPr lang="ru-RU" sz="2400" dirty="0" smtClean="0"/>
-              <a:t>Иерархический </a:t>
+              <a:t>()	</a:t>
             </a:r>
             <a:r>
               <a:rPr lang="en-US" sz="2400" dirty="0" smtClean="0"/>
-              <a:t>URI</a:t>
-            </a:r>
-          </a:p>
-          <a:p>
-            <a:pPr marL="0" indent="0" algn="ctr">
+              <a:t>			scheme</a:t>
+            </a:r>
+          </a:p>
+          <a:p>
+            <a:pPr marL="0" indent="0">
               <a:buNone/>
             </a:pPr>
             <a:r>
+              <a:rPr lang="en-US" sz="2400" dirty="0" err="1" smtClean="0">
+                <a:solidFill>
+                  <a:srgbClr val="0070C0"/>
+                </a:solidFill>
+              </a:rPr>
+              <a:t>getSchemeSpecificPart</a:t>
+            </a:r>
+            <a:r>
               <a:rPr lang="en-US" sz="2400" dirty="0" smtClean="0">
                 <a:solidFill>
                   <a:srgbClr val="0070C0"/>
                 </a:solidFill>
               </a:rPr>
-              <a:t>[scheme:][//[user-info@]host[:port]][path][?query] [#fragment]</a:t>
-            </a:r>
-          </a:p>
-          <a:p>
-            <a:r>
-              <a:rPr lang="ru-RU" sz="2400" dirty="0" smtClean="0"/>
-              <a:t>Класс </a:t>
+              <a:t>()	</a:t>
             </a:r>
             <a:r>
               <a:rPr lang="en-US" sz="2400" dirty="0" smtClean="0"/>
-              <a:t>URI</a:t>
-            </a:r>
-          </a:p>
-          <a:p>
-            <a:endParaRPr lang="en-US" sz="2400" dirty="0"/>
-          </a:p>
-          <a:p>
-            <a:endParaRPr lang="en-US" sz="2400" dirty="0" smtClean="0"/>
-          </a:p>
-          <a:p>
-            <a:endParaRPr lang="en-US" sz="2400" dirty="0"/>
-          </a:p>
-          <a:p>
-            <a:endParaRPr lang="en-US" sz="2400" dirty="0" smtClean="0"/>
-          </a:p>
-        </p:txBody>
-      </p:sp>
-      <p:pic>
-        <p:nvPicPr>
-          <p:cNvPr id="4" name="Рисунок 3"/>
-          <p:cNvPicPr>
-            <a:picLocks noChangeAspect="1"/>
-          </p:cNvPicPr>
-          <p:nvPr/>
-        </p:nvPicPr>
-        <p:blipFill>
-          <a:blip r:embed="rId2"/>
-          <a:stretch>
-            <a:fillRect/>
-          </a:stretch>
-        </p:blipFill>
-        <p:spPr>
-          <a:xfrm>
-            <a:off x="2627784" y="4160712"/>
-            <a:ext cx="4592743" cy="2035299"/>
-          </a:xfrm>
-          <a:prstGeom prst="rect">
-            <a:avLst/>
-          </a:prstGeom>
-        </p:spPr>
-      </p:pic>
+              <a:t>	</a:t>
+            </a:r>
+            <a:r>
+              <a:rPr lang="en-US" sz="2400" dirty="0" err="1" smtClean="0"/>
+              <a:t>sheme</a:t>
+            </a:r>
+            <a:r>
+              <a:rPr lang="en-US" sz="2400" dirty="0" smtClean="0"/>
+              <a:t>-specific part</a:t>
+            </a:r>
+          </a:p>
+          <a:p>
+            <a:pPr marL="0" indent="0">
+              <a:buNone/>
+            </a:pPr>
+            <a:r>
+              <a:rPr lang="en-US" sz="2400" dirty="0" smtClean="0"/>
+              <a:t>	</a:t>
+            </a:r>
+            <a:r>
+              <a:rPr lang="en-US" sz="2400" dirty="0" err="1" smtClean="0">
+                <a:solidFill>
+                  <a:srgbClr val="0070C0"/>
+                </a:solidFill>
+              </a:rPr>
+              <a:t>getAuthority</a:t>
+            </a:r>
+            <a:r>
+              <a:rPr lang="en-US" sz="2400" dirty="0" smtClean="0">
+                <a:solidFill>
+                  <a:srgbClr val="0070C0"/>
+                </a:solidFill>
+              </a:rPr>
+              <a:t>()	</a:t>
+            </a:r>
+            <a:r>
+              <a:rPr lang="en-US" sz="2400" dirty="0" smtClean="0"/>
+              <a:t>	[user-info@]host[:port]</a:t>
+            </a:r>
+          </a:p>
+          <a:p>
+            <a:pPr marL="0" indent="0">
+              <a:buNone/>
+            </a:pPr>
+            <a:r>
+              <a:rPr lang="en-US" sz="2400" dirty="0" smtClean="0"/>
+              <a:t>		</a:t>
+            </a:r>
+            <a:r>
+              <a:rPr lang="en-US" sz="2400" dirty="0" err="1" smtClean="0">
+                <a:solidFill>
+                  <a:srgbClr val="0070C0"/>
+                </a:solidFill>
+              </a:rPr>
+              <a:t>getUserInfo</a:t>
+            </a:r>
+            <a:r>
+              <a:rPr lang="en-US" sz="2400" dirty="0" smtClean="0">
+                <a:solidFill>
+                  <a:srgbClr val="0070C0"/>
+                </a:solidFill>
+              </a:rPr>
+              <a:t>()	</a:t>
+            </a:r>
+            <a:r>
+              <a:rPr lang="en-US" sz="2400" dirty="0" smtClean="0"/>
+              <a:t>	user-info</a:t>
+            </a:r>
+          </a:p>
+          <a:p>
+            <a:pPr marL="0" indent="0">
+              <a:buNone/>
+            </a:pPr>
+            <a:r>
+              <a:rPr lang="en-US" sz="2400" dirty="0" smtClean="0"/>
+              <a:t>		</a:t>
+            </a:r>
+            <a:r>
+              <a:rPr lang="en-US" sz="2400" dirty="0" err="1" smtClean="0">
+                <a:solidFill>
+                  <a:srgbClr val="0070C0"/>
+                </a:solidFill>
+              </a:rPr>
+              <a:t>getHost</a:t>
+            </a:r>
+            <a:r>
+              <a:rPr lang="en-US" sz="2400" dirty="0" smtClean="0">
+                <a:solidFill>
+                  <a:srgbClr val="0070C0"/>
+                </a:solidFill>
+              </a:rPr>
+              <a:t>()</a:t>
+            </a:r>
+            <a:r>
+              <a:rPr lang="en-US" sz="2400" dirty="0" smtClean="0"/>
+              <a:t>		port</a:t>
+            </a:r>
+          </a:p>
+          <a:p>
+            <a:pPr marL="0" indent="0">
+              <a:buNone/>
+            </a:pPr>
+            <a:r>
+              <a:rPr lang="en-US" sz="2400" dirty="0" smtClean="0"/>
+              <a:t>		</a:t>
+            </a:r>
+            <a:r>
+              <a:rPr lang="en-US" sz="2400" dirty="0" err="1" smtClean="0">
+                <a:solidFill>
+                  <a:srgbClr val="0070C0"/>
+                </a:solidFill>
+              </a:rPr>
+              <a:t>getPort</a:t>
+            </a:r>
+            <a:r>
+              <a:rPr lang="en-US" sz="2400" dirty="0" smtClean="0">
+                <a:solidFill>
+                  <a:srgbClr val="0070C0"/>
+                </a:solidFill>
+              </a:rPr>
+              <a:t>()</a:t>
+            </a:r>
+            <a:r>
+              <a:rPr lang="en-US" sz="2400" dirty="0" smtClean="0"/>
+              <a:t>		host</a:t>
+            </a:r>
+          </a:p>
+          <a:p>
+            <a:pPr marL="0" indent="0">
+              <a:buNone/>
+            </a:pPr>
+            <a:r>
+              <a:rPr lang="en-US" sz="2400" dirty="0" smtClean="0"/>
+              <a:t>	</a:t>
+            </a:r>
+            <a:r>
+              <a:rPr lang="en-US" sz="2400" dirty="0" err="1" smtClean="0">
+                <a:solidFill>
+                  <a:srgbClr val="0070C0"/>
+                </a:solidFill>
+              </a:rPr>
+              <a:t>getPath</a:t>
+            </a:r>
+            <a:r>
+              <a:rPr lang="en-US" sz="2400" dirty="0" smtClean="0">
+                <a:solidFill>
+                  <a:srgbClr val="0070C0"/>
+                </a:solidFill>
+              </a:rPr>
+              <a:t>()</a:t>
+            </a:r>
+            <a:r>
+              <a:rPr lang="en-US" sz="2400" dirty="0" smtClean="0"/>
+              <a:t>			path</a:t>
+            </a:r>
+          </a:p>
+          <a:p>
+            <a:pPr marL="0" indent="0">
+              <a:buNone/>
+            </a:pPr>
+            <a:r>
+              <a:rPr lang="en-US" sz="2400" dirty="0" smtClean="0"/>
+              <a:t>	</a:t>
+            </a:r>
+            <a:r>
+              <a:rPr lang="en-US" sz="2400" dirty="0" err="1" smtClean="0">
+                <a:solidFill>
+                  <a:srgbClr val="0070C0"/>
+                </a:solidFill>
+              </a:rPr>
+              <a:t>getQuery</a:t>
+            </a:r>
+            <a:r>
+              <a:rPr lang="en-US" sz="2400" dirty="0" smtClean="0">
+                <a:solidFill>
+                  <a:srgbClr val="0070C0"/>
+                </a:solidFill>
+              </a:rPr>
+              <a:t>()</a:t>
+            </a:r>
+            <a:r>
+              <a:rPr lang="en-US" sz="2400" dirty="0" smtClean="0"/>
+              <a:t>			query</a:t>
+            </a:r>
+          </a:p>
+          <a:p>
+            <a:pPr marL="0" indent="0">
+              <a:buNone/>
+            </a:pPr>
+            <a:r>
+              <a:rPr lang="en-US" sz="2400" dirty="0" err="1" smtClean="0">
+                <a:solidFill>
+                  <a:srgbClr val="0070C0"/>
+                </a:solidFill>
+              </a:rPr>
+              <a:t>getFragment</a:t>
+            </a:r>
+            <a:r>
+              <a:rPr lang="en-US" sz="2400" dirty="0" smtClean="0">
+                <a:solidFill>
+                  <a:srgbClr val="0070C0"/>
+                </a:solidFill>
+              </a:rPr>
+              <a:t>()</a:t>
+            </a:r>
+            <a:r>
+              <a:rPr lang="en-US" sz="2400" dirty="0" smtClean="0"/>
+              <a:t>			fragment</a:t>
+            </a:r>
+            <a:endParaRPr lang="ru-RU" sz="2400" dirty="0"/>
+          </a:p>
+        </p:txBody>
+      </p:sp>
     </p:spTree>
     <p:extLst>
       <p:ext uri="{BB962C8B-B14F-4D97-AF65-F5344CB8AC3E}">
-        <p14:creationId xmlns:p14="http://schemas.microsoft.com/office/powerpoint/2010/main" val="640148541"/>
+        <p14:creationId xmlns:p14="http://schemas.microsoft.com/office/powerpoint/2010/main" val="315330198"/>
       </p:ext>
     </p:extLst>
   </p:cSld>
@@ -11687,7 +11851,11 @@
           <a:p>
             <a:r>
               <a:rPr lang="ru-RU" dirty="0" smtClean="0"/>
-              <a:t>Примеры</a:t>
+              <a:t>Операции над </a:t>
+            </a:r>
+            <a:r>
+              <a:rPr lang="en-US" dirty="0" smtClean="0"/>
+              <a:t>URI</a:t>
             </a:r>
             <a:endParaRPr lang="ru-RU" dirty="0"/>
           </a:p>
@@ -11703,47 +11871,159 @@
             <p:ph idx="1"/>
           </p:nvPr>
         </p:nvSpPr>
-        <p:spPr/>
+        <p:spPr>
+          <a:xfrm>
+            <a:off x="539552" y="1412776"/>
+            <a:ext cx="7924800" cy="4419600"/>
+          </a:xfrm>
+        </p:spPr>
         <p:txBody>
           <a:bodyPr/>
           <a:lstStyle/>
           <a:p>
-            <a:r>
-              <a:rPr lang="en-US" dirty="0"/>
-              <a:t>mailto:java-net@java.sun.com</a:t>
-            </a:r>
-          </a:p>
-          <a:p>
-            <a:r>
-              <a:rPr lang="en-US" dirty="0"/>
-              <a:t>urn:isbn:096139210x</a:t>
-            </a:r>
-          </a:p>
-          <a:p>
-            <a:r>
-              <a:rPr lang="en-US" dirty="0"/>
-              <a:t>http://java.sun.com/j2se/1.3/</a:t>
-            </a:r>
-          </a:p>
-          <a:p>
-            <a:r>
-              <a:rPr lang="en-US" dirty="0"/>
-              <a:t>docs/guide/collections/designfaq.html#28</a:t>
-            </a:r>
-            <a:endParaRPr lang="ru-RU" dirty="0"/>
+            <a:pPr marL="0" indent="0">
+              <a:buNone/>
+            </a:pPr>
+            <a:r>
+              <a:rPr lang="ru-RU" sz="2400" dirty="0" smtClean="0"/>
+              <a:t>Нормализация</a:t>
+            </a:r>
+          </a:p>
+          <a:p>
+            <a:r>
+              <a:rPr lang="ru-RU" sz="2400" dirty="0" smtClean="0"/>
+              <a:t>    </a:t>
+            </a:r>
+            <a:r>
+              <a:rPr lang="en-US" sz="2400" dirty="0" smtClean="0">
+                <a:solidFill>
+                  <a:srgbClr val="0070C0"/>
+                </a:solidFill>
+              </a:rPr>
+              <a:t>URI normalize() </a:t>
+            </a:r>
+            <a:r>
+              <a:rPr lang="en-US" sz="2400" dirty="0" smtClean="0"/>
+              <a:t>– </a:t>
+            </a:r>
+            <a:r>
+              <a:rPr lang="ru-RU" sz="2400" dirty="0" smtClean="0"/>
+              <a:t>нормализовать </a:t>
+            </a:r>
+            <a:r>
+              <a:rPr lang="en-US" sz="2400" dirty="0" smtClean="0"/>
+              <a:t>URI</a:t>
+            </a:r>
+          </a:p>
+          <a:p>
+            <a:pPr marL="0" indent="0">
+              <a:buNone/>
+            </a:pPr>
+            <a:r>
+              <a:rPr lang="en-US" sz="2400" dirty="0" smtClean="0"/>
+              <a:t>«</a:t>
+            </a:r>
+            <a:r>
+              <a:rPr lang="ru-RU" sz="2400" dirty="0" smtClean="0"/>
+              <a:t>Откладывание» от базового </a:t>
+            </a:r>
+            <a:r>
+              <a:rPr lang="en-US" sz="2400" dirty="0" smtClean="0"/>
+              <a:t>URI</a:t>
+            </a:r>
+          </a:p>
+          <a:p>
+            <a:r>
+              <a:rPr lang="en-US" sz="2400" dirty="0" smtClean="0"/>
+              <a:t>    </a:t>
+            </a:r>
+            <a:r>
+              <a:rPr lang="en-US" sz="2400" dirty="0" smtClean="0">
+                <a:solidFill>
+                  <a:srgbClr val="0070C0"/>
+                </a:solidFill>
+              </a:rPr>
+              <a:t>URI resolve(URI base)</a:t>
+            </a:r>
+          </a:p>
+          <a:p>
+            <a:r>
+              <a:rPr lang="en-US" sz="2400" dirty="0" smtClean="0">
+                <a:solidFill>
+                  <a:srgbClr val="0070C0"/>
+                </a:solidFill>
+              </a:rPr>
+              <a:t>    URI resolve(String base)</a:t>
+            </a:r>
+          </a:p>
+          <a:p>
+            <a:r>
+              <a:rPr lang="ru-RU" sz="2400" dirty="0" smtClean="0"/>
+              <a:t>Взятие относительного </a:t>
+            </a:r>
+            <a:r>
+              <a:rPr lang="en-US" sz="2400" dirty="0" smtClean="0"/>
+              <a:t>URI</a:t>
+            </a:r>
+          </a:p>
+          <a:p>
+            <a:r>
+              <a:rPr lang="en-US" sz="2400" dirty="0" smtClean="0"/>
+              <a:t>    </a:t>
+            </a:r>
+            <a:r>
+              <a:rPr lang="en-US" sz="2400" dirty="0" smtClean="0">
+                <a:solidFill>
+                  <a:srgbClr val="0070C0"/>
+                </a:solidFill>
+              </a:rPr>
+              <a:t>URI relativize(URI base)</a:t>
+            </a:r>
+          </a:p>
+          <a:p>
+            <a:r>
+              <a:rPr lang="ru-RU" sz="2400" dirty="0" smtClean="0"/>
+              <a:t>Сравнение</a:t>
+            </a:r>
+          </a:p>
+          <a:p>
+            <a:r>
+              <a:rPr lang="ru-RU" sz="2400" dirty="0" smtClean="0"/>
+              <a:t>    </a:t>
+            </a:r>
+            <a:r>
+              <a:rPr lang="en-US" sz="2400" dirty="0" smtClean="0">
+                <a:solidFill>
+                  <a:srgbClr val="0070C0"/>
+                </a:solidFill>
+              </a:rPr>
+              <a:t>equals(Object)</a:t>
+            </a:r>
+            <a:endParaRPr lang="ru-RU" sz="2400" dirty="0">
+              <a:solidFill>
+                <a:srgbClr val="0070C0"/>
+              </a:solidFill>
+            </a:endParaRPr>
           </a:p>
         </p:txBody>
       </p:sp>
     </p:spTree>
     <p:extLst>
       <p:ext uri="{BB962C8B-B14F-4D97-AF65-F5344CB8AC3E}">
-        <p14:creationId xmlns:p14="http://schemas.microsoft.com/office/powerpoint/2010/main" val="200484691"/>
+        <p14:creationId xmlns:p14="http://schemas.microsoft.com/office/powerpoint/2010/main" val="3856902695"/>
       </p:ext>
     </p:extLst>
   </p:cSld>
   <p:clrMapOvr>
     <a:masterClrMapping/>
   </p:clrMapOvr>
+  <p:timing>
+    <p:tnLst>
+      <p:par>
+        <p:cTn id="1" dur="indefinite" restart="never" nodeType="tmRoot"/>
+      </p:par>
+    </p:tnLst>
+  </p:timing>
 </p:sld>
 </file>
 
@@ -11780,12 +12060,8 @@
           <a:lstStyle/>
           <a:p>
             <a:r>
-              <a:rPr lang="ru-RU" dirty="0" smtClean="0"/>
-              <a:t>Создание </a:t>
-            </a:r>
-            <a:r>
               <a:rPr lang="en-US" dirty="0" smtClean="0"/>
-              <a:t>URI</a:t>
+              <a:t>Uniform Resource Locator</a:t>
             </a:r>
             <a:endParaRPr lang="ru-RU" dirty="0"/>
           </a:p>
@@ -11801,12 +12077,7 @@
             <p:ph idx="1"/>
           </p:nvPr>
         </p:nvSpPr>
-        <p:spPr>
-          <a:xfrm>
-            <a:off x="539552" y="1412776"/>
-            <a:ext cx="7924800" cy="4419600"/>
-          </a:xfrm>
-        </p:spPr>
+        <p:spPr/>
         <p:txBody>
           <a:bodyPr/>
           <a:lstStyle/>
@@ -11815,126 +12086,33 @@
               <a:buNone/>
             </a:pPr>
             <a:r>
-              <a:rPr lang="ru-RU" sz="2400" dirty="0" smtClean="0"/>
-              <a:t>Конструкторы класса </a:t>
-            </a:r>
-            <a:r>
-              <a:rPr lang="en-US" sz="2400" dirty="0" smtClean="0"/>
-              <a:t>URI</a:t>
-            </a:r>
-          </a:p>
-          <a:p>
-            <a:r>
-              <a:rPr lang="en-US" sz="2400" dirty="0" smtClean="0"/>
-              <a:t>    </a:t>
-            </a:r>
-            <a:r>
-              <a:rPr lang="en-US" sz="2400" dirty="0" smtClean="0">
-                <a:solidFill>
-                  <a:srgbClr val="0070C0"/>
-                </a:solidFill>
-              </a:rPr>
-              <a:t>URI(String)</a:t>
-            </a:r>
-            <a:r>
-              <a:rPr lang="en-US" sz="2400" dirty="0" smtClean="0"/>
-              <a:t> – </a:t>
-            </a:r>
-            <a:r>
-              <a:rPr lang="ru-RU" sz="2400" dirty="0" smtClean="0"/>
-              <a:t>по строке</a:t>
-            </a:r>
-          </a:p>
-          <a:p>
-            <a:r>
-              <a:rPr lang="ru-RU" sz="2400" dirty="0" smtClean="0"/>
-              <a:t>    </a:t>
-            </a:r>
-            <a:r>
-              <a:rPr lang="en-US" sz="2400" dirty="0" smtClean="0">
-                <a:solidFill>
-                  <a:srgbClr val="0070C0"/>
-                </a:solidFill>
-              </a:rPr>
-              <a:t>URI(scheme, </a:t>
-            </a:r>
-            <a:r>
-              <a:rPr lang="en-US" sz="2400" dirty="0" err="1" smtClean="0">
-                <a:solidFill>
-                  <a:srgbClr val="0070C0"/>
-                </a:solidFill>
-              </a:rPr>
-              <a:t>ssp</a:t>
-            </a:r>
-            <a:r>
-              <a:rPr lang="en-US" sz="2400" dirty="0" smtClean="0">
-                <a:solidFill>
-                  <a:srgbClr val="0070C0"/>
-                </a:solidFill>
-              </a:rPr>
-              <a:t>, fragment) </a:t>
-            </a:r>
-            <a:r>
-              <a:rPr lang="en-US" sz="2400" dirty="0" smtClean="0"/>
-              <a:t>– </a:t>
-            </a:r>
-            <a:r>
-              <a:rPr lang="ru-RU" sz="2400" dirty="0" smtClean="0"/>
-              <a:t>из крупных частей</a:t>
-            </a:r>
-          </a:p>
-          <a:p>
-            <a:r>
-              <a:rPr lang="ru-RU" sz="2400" dirty="0" smtClean="0"/>
-              <a:t>    </a:t>
-            </a:r>
-            <a:r>
-              <a:rPr lang="en-US" sz="2400" dirty="0" smtClean="0">
-                <a:solidFill>
-                  <a:srgbClr val="0070C0"/>
-                </a:solidFill>
-              </a:rPr>
-              <a:t>URI(</a:t>
-            </a:r>
-            <a:r>
-              <a:rPr lang="en-US" sz="2400" dirty="0" err="1" smtClean="0">
-                <a:solidFill>
-                  <a:srgbClr val="0070C0"/>
-                </a:solidFill>
-              </a:rPr>
-              <a:t>sheme</a:t>
-            </a:r>
-            <a:r>
-              <a:rPr lang="en-US" sz="2400" dirty="0" smtClean="0">
-                <a:solidFill>
-                  <a:srgbClr val="0070C0"/>
-                </a:solidFill>
-              </a:rPr>
-              <a:t>, </a:t>
-            </a:r>
-            <a:r>
-              <a:rPr lang="en-US" sz="2400" dirty="0" err="1" smtClean="0">
-                <a:solidFill>
-                  <a:srgbClr val="0070C0"/>
-                </a:solidFill>
-              </a:rPr>
-              <a:t>userInfo</a:t>
-            </a:r>
-            <a:r>
-              <a:rPr lang="en-US" sz="2400" dirty="0" smtClean="0">
-                <a:solidFill>
-                  <a:srgbClr val="0070C0"/>
-                </a:solidFill>
-              </a:rPr>
-              <a:t>, host, port, path, query, fragment)</a:t>
-            </a:r>
-            <a:r>
-              <a:rPr lang="en-US" sz="2400" dirty="0" smtClean="0"/>
-              <a:t> – </a:t>
-            </a:r>
-            <a:r>
-              <a:rPr lang="ru-RU" sz="2400" dirty="0" smtClean="0"/>
-              <a:t>из мелких частей</a:t>
+              <a:rPr lang="ru-RU" dirty="0" smtClean="0"/>
+              <a:t>Указывает местоположение ресурса </a:t>
+            </a:r>
+            <a:r>
+              <a:rPr lang="en-US" dirty="0">
+                <a:solidFill>
+                  <a:srgbClr val="FF0000"/>
+                </a:solidFill>
+              </a:rPr>
+              <a:t>RFC 1738</a:t>
+            </a:r>
+            <a:endParaRPr lang="ru-RU" dirty="0" smtClean="0">
+              <a:solidFill>
+                <a:srgbClr val="FF0000"/>
+              </a:solidFill>
+            </a:endParaRPr>
+          </a:p>
+          <a:p>
+            <a:r>
+              <a:rPr lang="ru-RU" dirty="0" smtClean="0"/>
+              <a:t>Подмножество иерархических URI</a:t>
+            </a:r>
+          </a:p>
+          <a:p>
+            <a:r>
+              <a:rPr lang="ru-RU" dirty="0" smtClean="0"/>
+              <a:t>Класс URL</a:t>
             </a:r>
           </a:p>
           <a:p>
@@ -11942,133 +12120,37 @@
               <a:buNone/>
             </a:pPr>
             <a:r>
-              <a:rPr lang="ru-RU" sz="2400" dirty="0" smtClean="0"/>
-              <a:t>Фабричные методы класса </a:t>
-            </a:r>
-            <a:r>
-              <a:rPr lang="en-US" sz="2400" dirty="0" smtClean="0"/>
-              <a:t>URI</a:t>
-            </a:r>
-          </a:p>
-          <a:p>
-            <a:r>
-              <a:rPr lang="en-US" sz="2400" dirty="0" smtClean="0"/>
-              <a:t>    </a:t>
-            </a:r>
-            <a:r>
-              <a:rPr lang="en-US" sz="2400" dirty="0" smtClean="0">
-                <a:solidFill>
-                  <a:srgbClr val="0070C0"/>
-                </a:solidFill>
-              </a:rPr>
-              <a:t>create(String)</a:t>
-            </a:r>
-            <a:r>
-              <a:rPr lang="en-US" sz="2400" dirty="0" smtClean="0"/>
-              <a:t> – </a:t>
-            </a:r>
-            <a:r>
-              <a:rPr lang="ru-RU" sz="2400" dirty="0" smtClean="0"/>
-              <a:t>по строке</a:t>
-            </a:r>
-          </a:p>
-          <a:p>
-            <a:pPr marL="0" indent="0">
-              <a:buNone/>
-            </a:pPr>
-            <a:r>
-              <a:rPr lang="ru-RU" sz="2400" dirty="0" smtClean="0"/>
-              <a:t>Из других объектов</a:t>
-            </a:r>
-          </a:p>
-          <a:p>
-            <a:r>
-              <a:rPr lang="ru-RU" sz="2400" dirty="0" smtClean="0">
-                <a:solidFill>
-                  <a:srgbClr val="0070C0"/>
-                </a:solidFill>
-              </a:rPr>
-              <a:t>    </a:t>
-            </a:r>
-            <a:r>
-              <a:rPr lang="en-US" sz="2400" dirty="0" err="1" smtClean="0">
-                <a:solidFill>
-                  <a:srgbClr val="0070C0"/>
-                </a:solidFill>
-              </a:rPr>
-              <a:t>file.toURI</a:t>
-            </a:r>
-            <a:r>
-              <a:rPr lang="en-US" sz="2400" dirty="0" smtClean="0">
-                <a:solidFill>
-                  <a:srgbClr val="0070C0"/>
-                </a:solidFill>
-              </a:rPr>
-              <a:t>() </a:t>
-            </a:r>
-            <a:r>
-              <a:rPr lang="en-US" sz="2400" dirty="0" smtClean="0"/>
-              <a:t>– </a:t>
-            </a:r>
-            <a:r>
-              <a:rPr lang="ru-RU" sz="2400" dirty="0" smtClean="0"/>
-              <a:t>из дескриптора файла</a:t>
-            </a:r>
-          </a:p>
-          <a:p>
-            <a:r>
-              <a:rPr lang="ru-RU" sz="2400" dirty="0" smtClean="0"/>
-              <a:t>    </a:t>
-            </a:r>
-            <a:r>
-              <a:rPr lang="en-US" sz="2400" dirty="0" err="1" smtClean="0">
-                <a:solidFill>
-                  <a:srgbClr val="0070C0"/>
-                </a:solidFill>
-              </a:rPr>
-              <a:t>url.toURI</a:t>
-            </a:r>
-            <a:r>
-              <a:rPr lang="en-US" sz="2400" dirty="0" smtClean="0">
-                <a:solidFill>
-                  <a:srgbClr val="0070C0"/>
-                </a:solidFill>
-              </a:rPr>
-              <a:t>() </a:t>
-            </a:r>
-            <a:r>
-              <a:rPr lang="en-US" sz="2400" dirty="0" smtClean="0"/>
-              <a:t>– </a:t>
-            </a:r>
-            <a:r>
-              <a:rPr lang="ru-RU" sz="2400" dirty="0" smtClean="0"/>
-              <a:t>из </a:t>
-            </a:r>
-            <a:r>
-              <a:rPr lang="en-US" sz="2400" dirty="0" smtClean="0"/>
-              <a:t>URL</a:t>
-            </a:r>
-          </a:p>
-          <a:p>
-            <a:pPr marL="0" indent="0">
-              <a:buNone/>
-            </a:pPr>
-            <a:r>
-              <a:rPr lang="ru-RU" sz="2400" dirty="0" smtClean="0"/>
-              <a:t>Исключение </a:t>
-            </a:r>
-            <a:r>
-              <a:rPr lang="en-US" sz="2400" dirty="0" err="1" smtClean="0"/>
-              <a:t>URISyntaxException</a:t>
-            </a:r>
-            <a:endParaRPr lang="ru-RU" sz="2400" dirty="0"/>
+              <a:rPr lang="ru-RU" dirty="0"/>
+              <a:t>Примеры:</a:t>
+            </a:r>
+          </a:p>
+          <a:p>
+            <a:r>
+              <a:rPr lang="en-US" dirty="0"/>
+              <a:t>http://java.sun.com/j2se/1.3/</a:t>
+            </a:r>
+          </a:p>
+          <a:p>
+            <a:r>
+              <a:rPr lang="en-US"/>
+              <a:t>file</a:t>
+            </a:r>
+            <a:r>
+              <a:rPr lang="en-US" smtClean="0"/>
+              <a:t>://</a:t>
+            </a:r>
+            <a:r>
+              <a:rPr lang="en-US" dirty="0"/>
+              <a:t>home/av/projects/</a:t>
+            </a:r>
+            <a:endParaRPr lang="ru-RU" dirty="0"/>
           </a:p>
         </p:txBody>
       </p:sp>
     </p:spTree>
     <p:extLst>
       <p:ext uri="{BB962C8B-B14F-4D97-AF65-F5344CB8AC3E}">
-        <p14:creationId xmlns:p14="http://schemas.microsoft.com/office/powerpoint/2010/main" val="503529821"/>
+        <p14:creationId xmlns:p14="http://schemas.microsoft.com/office/powerpoint/2010/main" val="2482730033"/>
       </p:ext>
     </p:extLst>
   </p:cSld>
@@ -12119,11 +12201,11 @@
           <a:p>
             <a:r>
               <a:rPr lang="ru-RU" dirty="0" smtClean="0"/>
-              <a:t>Получение частей </a:t>
+              <a:t>Создание </a:t>
             </a:r>
             <a:r>
               <a:rPr lang="en-US" dirty="0" smtClean="0"/>
-              <a:t>URI </a:t>
+              <a:t>URL</a:t>
             </a:r>
             <a:endParaRPr lang="ru-RU" dirty="0"/>
           </a:p>
@@ -12139,7 +12221,12 @@
             <p:ph idx="1"/>
           </p:nvPr>
         </p:nvSpPr>
-        <p:spPr/>
+        <p:spPr>
+          <a:xfrm>
+            <a:off x="683568" y="1412776"/>
+            <a:ext cx="7924800" cy="4419600"/>
+          </a:xfrm>
+        </p:spPr>
         <p:txBody>
           <a:bodyPr/>
           <a:lstStyle/>
@@ -12148,12 +12235,18 @@
               <a:buNone/>
             </a:pPr>
             <a:r>
-              <a:rPr lang="en-US" sz="2400" dirty="0" err="1" smtClean="0">
-                <a:solidFill>
-                  <a:srgbClr val="0070C0"/>
-                </a:solidFill>
-              </a:rPr>
-              <a:t>getScheme</a:t>
+              <a:rPr lang="ru-RU" sz="2400" dirty="0" smtClean="0"/>
+              <a:t>Конструкторы класса </a:t>
+            </a:r>
+            <a:r>
+              <a:rPr lang="en-US" sz="2400" dirty="0" smtClean="0"/>
+              <a:t>URL</a:t>
+            </a:r>
+          </a:p>
+          <a:p>
+            <a:r>
+              <a:rPr lang="en-US" sz="2400" dirty="0" smtClean="0"/>
+              <a:t>    </a:t>
             </a:r>
             <a:r>
               <a:rPr lang="en-US" sz="2400" dirty="0" smtClean="0">
@@ -12161,53 +12254,114 @@
                   <a:srgbClr val="0070C0"/>
                 </a:solidFill>
               </a:rPr>
-              <a:t>()	</a:t>
+              <a:t>URL(String) </a:t>
             </a:r>
             <a:r>
               <a:rPr lang="en-US" sz="2400" dirty="0" smtClean="0"/>
-              <a:t>			scheme</a:t>
+              <a:t>– </a:t>
+            </a:r>
+            <a:r>
+              <a:rPr lang="ru-RU" sz="2400" dirty="0" smtClean="0"/>
+              <a:t>по строке</a:t>
+            </a:r>
+          </a:p>
+          <a:p>
+            <a:r>
+              <a:rPr lang="ru-RU" sz="2400" dirty="0" smtClean="0"/>
+              <a:t>    </a:t>
+            </a:r>
+            <a:r>
+              <a:rPr lang="en-US" sz="2400" dirty="0" smtClean="0">
+                <a:solidFill>
+                  <a:srgbClr val="0070C0"/>
+                </a:solidFill>
+              </a:rPr>
+              <a:t>URL(protocol, host, file) </a:t>
+            </a:r>
+            <a:r>
+              <a:rPr lang="en-US" sz="2400" dirty="0" smtClean="0"/>
+              <a:t>– </a:t>
+            </a:r>
+            <a:r>
+              <a:rPr lang="ru-RU" sz="2400" dirty="0" smtClean="0"/>
+              <a:t>из крупных частей</a:t>
+            </a:r>
+          </a:p>
+          <a:p>
+            <a:r>
+              <a:rPr lang="ru-RU" sz="2400" dirty="0" smtClean="0"/>
+              <a:t>    </a:t>
+            </a:r>
+            <a:r>
+              <a:rPr lang="en-US" sz="2400" dirty="0" smtClean="0">
+                <a:solidFill>
+                  <a:srgbClr val="0070C0"/>
+                </a:solidFill>
+              </a:rPr>
+              <a:t>URL(protocol, host, port, file, path, query, fragment) </a:t>
+            </a:r>
+            <a:r>
+              <a:rPr lang="en-US" sz="2400" dirty="0" smtClean="0"/>
+              <a:t>– </a:t>
+            </a:r>
+            <a:r>
+              <a:rPr lang="ru-RU" sz="2400" dirty="0" smtClean="0"/>
+              <a:t>из мелких частей</a:t>
             </a:r>
           </a:p>
           <a:p>
             <a:pPr marL="0" indent="0">
               <a:buNone/>
             </a:pPr>
-            <a:r>
-              <a:rPr lang="en-US" sz="2400" dirty="0" err="1" smtClean="0">
-                <a:solidFill>
-                  <a:srgbClr val="0070C0"/>
-                </a:solidFill>
-              </a:rPr>
-              <a:t>getSchemeSpecificPart</a:t>
-            </a:r>
-            <a:r>
-              <a:rPr lang="en-US" sz="2400" dirty="0" smtClean="0">
-                <a:solidFill>
-                  <a:srgbClr val="0070C0"/>
-                </a:solidFill>
-              </a:rPr>
-              <a:t>()	</a:t>
-            </a:r>
-            <a:r>
-              <a:rPr lang="en-US" sz="2400" dirty="0" smtClean="0"/>
-              <a:t>	</a:t>
-            </a:r>
-            <a:r>
-              <a:rPr lang="en-US" sz="2400" dirty="0" err="1" smtClean="0"/>
-              <a:t>sheme</a:t>
-            </a:r>
-            <a:r>
-              <a:rPr lang="en-US" sz="2400" dirty="0" smtClean="0"/>
-              <a:t>-specific part</a:t>
-            </a:r>
+            <a:endParaRPr lang="ru-RU" sz="2400" dirty="0" smtClean="0"/>
           </a:p>
           <a:p>
             <a:pPr marL="0" indent="0">
               <a:buNone/>
             </a:pPr>
             <a:r>
+              <a:rPr lang="ru-RU" sz="2400" dirty="0" smtClean="0"/>
+              <a:t>Из других объектов</a:t>
+            </a:r>
+          </a:p>
+          <a:p>
+            <a:r>
+              <a:rPr lang="ru-RU" sz="2400" dirty="0" smtClean="0">
+                <a:solidFill>
+                  <a:srgbClr val="0070C0"/>
+                </a:solidFill>
+              </a:rPr>
+              <a:t>    </a:t>
+            </a:r>
+            <a:r>
+              <a:rPr lang="en-US" sz="2400" dirty="0" err="1" smtClean="0">
+                <a:solidFill>
+                  <a:srgbClr val="0070C0"/>
+                </a:solidFill>
+              </a:rPr>
+              <a:t>file.toURL</a:t>
+            </a:r>
+            <a:r>
+              <a:rPr lang="en-US" sz="2400" dirty="0" smtClean="0">
+                <a:solidFill>
+                  <a:srgbClr val="0070C0"/>
+                </a:solidFill>
+              </a:rPr>
+              <a:t>() </a:t>
+            </a:r>
+            <a:r>
               <a:rPr lang="en-US" sz="2400" dirty="0" smtClean="0"/>
-              <a:t>	</a:t>
+              <a:t>– </a:t>
+            </a:r>
+            <a:r>
+              <a:rPr lang="ru-RU" sz="2400" dirty="0" smtClean="0"/>
+              <a:t>из дескриптора файла</a:t>
+            </a:r>
+          </a:p>
+          <a:p>
+            <a:r>
+              <a:rPr lang="ru-RU" sz="2400" dirty="0" smtClean="0"/>
+              <a:t>    </a:t>
             </a:r>
             <a:r>
               <a:rPr lang="en-US" sz="2400" dirty="0" err="1" smtClean="0">
@@ -12215,7 +12369,7 @@
                   <a:srgbClr val="0070C0"/>
                 </a:solidFill>
               </a:rPr>
-              <a:t>getAuthority</a:t>
+              <a:t>uri.toURL</a:t>
             </a:r>
             <a:r>
               <a:rPr lang="en-US" sz="2400" dirty="0" smtClean="0">
@@ -12223,181 +12377,38 @@
                   <a:srgbClr val="0070C0"/>
                 </a:solidFill>
               </a:rPr>
-              <a:t>()	</a:t>
+              <a:t>() </a:t>
             </a:r>
             <a:r>
               <a:rPr lang="en-US" sz="2400" dirty="0" smtClean="0"/>
-              <a:t>	[user-info@]host[:port]</a:t>
+              <a:t>– </a:t>
+            </a:r>
+            <a:r>
+              <a:rPr lang="ru-RU" sz="2400" dirty="0" smtClean="0"/>
+              <a:t>из </a:t>
+            </a:r>
+            <a:r>
+              <a:rPr lang="en-US" sz="2400" dirty="0" smtClean="0"/>
+              <a:t>URI</a:t>
             </a:r>
           </a:p>
           <a:p>
             <a:pPr marL="0" indent="0">
               <a:buNone/>
             </a:pPr>
-            <a:r>
-              <a:rPr lang="en-US" sz="2400" dirty="0" smtClean="0"/>
-              <a:t>		</a:t>
-            </a:r>
-            <a:r>
-              <a:rPr lang="en-US" sz="2400" dirty="0" err="1" smtClean="0">
-                <a:solidFill>
-                  <a:srgbClr val="0070C0"/>
-                </a:solidFill>
-              </a:rPr>
-              <a:t>getUserInfo</a:t>
-            </a:r>
-            <a:r>
-              <a:rPr lang="en-US" sz="2400" dirty="0" smtClean="0">
-                <a:solidFill>
-                  <a:srgbClr val="0070C0"/>
-                </a:solidFill>
-              </a:rPr>
-              <a:t>()	</a:t>
-            </a:r>
-            <a:r>
-              <a:rPr lang="en-US" sz="2400" dirty="0" smtClean="0"/>
-              <a:t>	user-info</a:t>
-            </a:r>
+            <a:endParaRPr lang="ru-RU" sz="2400" dirty="0" smtClean="0"/>
           </a:p>
           <a:p>
             <a:pPr marL="0" indent="0">
               <a:buNone/>
             </a:pPr>
             <a:r>
-              <a:rPr lang="en-US" sz="2400" dirty="0" smtClean="0"/>
-              <a:t>		</a:t>
-            </a:r>
-            <a:r>
-              <a:rPr lang="en-US" sz="2400" dirty="0" err="1" smtClean="0">
-                <a:solidFill>
-                  <a:srgbClr val="0070C0"/>
-                </a:solidFill>
-              </a:rPr>
-              <a:t>getHost</a:t>
-            </a:r>
-            <a:r>
-              <a:rPr lang="en-US" sz="2400" dirty="0" smtClean="0">
-                <a:solidFill>
-                  <a:srgbClr val="0070C0"/>
-                </a:solidFill>
-              </a:rPr>
-              <a:t>()</a:t>
-            </a:r>
-            <a:r>
-              <a:rPr lang="en-US" sz="2400" dirty="0" smtClean="0"/>
-              <a:t>		port</a:t>
-            </a:r>
-          </a:p>
-          <a:p>
-            <a:pPr marL="0" indent="0">
-              <a:buNone/>
-            </a:pPr>
-            <a:r>
-              <a:rPr lang="en-US" sz="2400" dirty="0" smtClean="0"/>
-              <a:t>		</a:t>
-            </a:r>
-            <a:r>
-              <a:rPr lang="en-US" sz="2400" dirty="0" err="1" smtClean="0">
-                <a:solidFill>
-                  <a:srgbClr val="0070C0"/>
-                </a:solidFill>
-              </a:rPr>
-              <a:t>getPort</a:t>
-            </a:r>
-            <a:r>
-              <a:rPr lang="en-US" sz="2400" dirty="0" smtClean="0">
-                <a:solidFill>
-                  <a:srgbClr val="0070C0"/>
-                </a:solidFill>
-              </a:rPr>
-              <a:t>()</a:t>
-            </a:r>
-            <a:r>
-              <a:rPr lang="en-US" sz="2400" dirty="0" smtClean="0"/>
-              <a:t>		host</a:t>
-            </a:r>
-          </a:p>
-          <a:p>
-            <a:pPr marL="0" indent="0">
-              <a:buNone/>
-            </a:pPr>
-            <a:r>
-              <a:rPr lang="en-US" sz="2400" dirty="0" smtClean="0"/>
-              <a:t>	</a:t>
-            </a:r>
-            <a:r>
-              <a:rPr lang="en-US" sz="2400" dirty="0" err="1" smtClean="0">
-                <a:solidFill>
-                  <a:srgbClr val="0070C0"/>
-                </a:solidFill>
-              </a:rPr>
-              <a:t>getPath</a:t>
-            </a:r>
-            <a:r>
-              <a:rPr lang="en-US" sz="2400" dirty="0" smtClean="0">
-                <a:solidFill>
-                  <a:srgbClr val="0070C0"/>
-                </a:solidFill>
-              </a:rPr>
-              <a:t>()</a:t>
-            </a:r>
-            <a:r>
-              <a:rPr lang="en-US" sz="2400" dirty="0" smtClean="0"/>
-              <a:t>			path</a:t>
-            </a:r>
-          </a:p>
-          <a:p>
-            <a:pPr marL="0" indent="0">
-              <a:buNone/>
-            </a:pPr>
-            <a:r>
-              <a:rPr lang="en-US" sz="2400" dirty="0" smtClean="0"/>
-              <a:t>	</a:t>
-            </a:r>
-            <a:r>
-              <a:rPr lang="en-US" sz="2400" dirty="0" err="1" smtClean="0">
-                <a:solidFill>
-                  <a:srgbClr val="0070C0"/>
-                </a:solidFill>
-              </a:rPr>
-              <a:t>getQuery</a:t>
-            </a:r>
-            <a:r>
-              <a:rPr lang="en-US" sz="2400" dirty="0" smtClean="0">
-                <a:solidFill>
-                  <a:srgbClr val="0070C0"/>
-                </a:solidFill>
-              </a:rPr>
-              <a:t>()</a:t>
-            </a:r>
-            <a:r>
-              <a:rPr lang="en-US" sz="2400" dirty="0" smtClean="0"/>
-              <a:t>			query</a:t>
-            </a:r>
-          </a:p>
-          <a:p>
-            <a:pPr marL="0" indent="0">
-              <a:buNone/>
-            </a:pPr>
-            <a:r>
-              <a:rPr lang="en-US" sz="2400" dirty="0" err="1" smtClean="0">
-                <a:solidFill>
-                  <a:srgbClr val="0070C0"/>
-                </a:solidFill>
-              </a:rPr>
-              <a:t>getFragment</a:t>
-            </a:r>
-            <a:r>
-              <a:rPr lang="en-US" sz="2400" dirty="0" smtClean="0">
-                <a:solidFill>
-                  <a:srgbClr val="0070C0"/>
-                </a:solidFill>
-              </a:rPr>
-              <a:t>()</a:t>
-            </a:r>
-            <a:r>
-              <a:rPr lang="en-US" sz="2400" dirty="0" smtClean="0"/>
-              <a:t>			fragment</a:t>
+              <a:rPr lang="ru-RU" sz="2400" dirty="0" smtClean="0"/>
+              <a:t>Исключение </a:t>
+            </a:r>
+            <a:r>
+              <a:rPr lang="en-US" sz="2400" dirty="0" err="1" smtClean="0"/>
+              <a:t>MalformedURLException</a:t>
             </a:r>
             <a:endParaRPr lang="ru-RU" sz="2400" dirty="0"/>
           </a:p>
@@ -12406,7 +12417,7 @@
     </p:spTree>
     <p:extLst>
       <p:ext uri="{BB962C8B-B14F-4D97-AF65-F5344CB8AC3E}">
-        <p14:creationId xmlns:p14="http://schemas.microsoft.com/office/powerpoint/2010/main" val="315330198"/>
+        <p14:creationId xmlns:p14="http://schemas.microsoft.com/office/powerpoint/2010/main" val="33823718"/>
       </p:ext>
     </p:extLst>
   </p:cSld>
